--- a/source/lessons/lsn26-27-28/Lsn26-27-28.pptx
+++ b/source/lessons/lsn26-27-28/Lsn26-27-28.pptx
@@ -1400,7 +1400,7 @@
           <a:p>
             <a:fld id="{834513E8-165F-4932-9E2D-FD497CB9A4FD}" type="datetimeFigureOut">
               <a:rPr lang="en-US" smtClean="0"/>
-              <a:t>6/5/2018</a:t>
+              <a:t>7/23/2018</a:t>
             </a:fld>
             <a:endParaRPr lang="en-US"/>
           </a:p>
@@ -1495,7 +1495,7 @@
           <a:p>
             <a:fld id="{834513E8-165F-4932-9E2D-FD497CB9A4FD}" type="datetimeFigureOut">
               <a:rPr lang="en-US" smtClean="0"/>
-              <a:t>6/5/2018</a:t>
+              <a:t>7/23/2018</a:t>
             </a:fld>
             <a:endParaRPr lang="en-US"/>
           </a:p>
@@ -1772,7 +1772,7 @@
           <a:p>
             <a:fld id="{834513E8-165F-4932-9E2D-FD497CB9A4FD}" type="datetimeFigureOut">
               <a:rPr lang="en-US" smtClean="0"/>
-              <a:t>6/5/2018</a:t>
+              <a:t>7/23/2018</a:t>
             </a:fld>
             <a:endParaRPr lang="en-US"/>
           </a:p>
@@ -2025,7 +2025,7 @@
           <a:p>
             <a:fld id="{834513E8-165F-4932-9E2D-FD497CB9A4FD}" type="datetimeFigureOut">
               <a:rPr lang="en-US" smtClean="0"/>
-              <a:t>6/5/2018</a:t>
+              <a:t>7/23/2018</a:t>
             </a:fld>
             <a:endParaRPr lang="en-US"/>
           </a:p>
@@ -2195,7 +2195,7 @@
           <a:p>
             <a:fld id="{834513E8-165F-4932-9E2D-FD497CB9A4FD}" type="datetimeFigureOut">
               <a:rPr lang="en-US" smtClean="0"/>
-              <a:t>6/5/2018</a:t>
+              <a:t>7/23/2018</a:t>
             </a:fld>
             <a:endParaRPr lang="en-US"/>
           </a:p>
@@ -2375,7 +2375,7 @@
           <a:p>
             <a:fld id="{834513E8-165F-4932-9E2D-FD497CB9A4FD}" type="datetimeFigureOut">
               <a:rPr lang="en-US" smtClean="0"/>
-              <a:t>6/5/2018</a:t>
+              <a:t>7/23/2018</a:t>
             </a:fld>
             <a:endParaRPr lang="en-US"/>
           </a:p>
@@ -3181,7 +3181,7 @@
           <a:p>
             <a:fld id="{834513E8-165F-4932-9E2D-FD497CB9A4FD}" type="datetimeFigureOut">
               <a:rPr lang="en-US" smtClean="0"/>
-              <a:t>6/5/2018</a:t>
+              <a:t>7/23/2018</a:t>
             </a:fld>
             <a:endParaRPr lang="en-US"/>
           </a:p>
@@ -3381,7 +3381,7 @@
           <a:p>
             <a:fld id="{834513E8-165F-4932-9E2D-FD497CB9A4FD}" type="datetimeFigureOut">
               <a:rPr lang="en-US" smtClean="0"/>
-              <a:t>6/5/2018</a:t>
+              <a:t>7/23/2018</a:t>
             </a:fld>
             <a:endParaRPr lang="en-US"/>
           </a:p>
@@ -3551,7 +3551,7 @@
           <a:p>
             <a:fld id="{834513E8-165F-4932-9E2D-FD497CB9A4FD}" type="datetimeFigureOut">
               <a:rPr lang="en-US" smtClean="0"/>
-              <a:t>6/5/2018</a:t>
+              <a:t>7/23/2018</a:t>
             </a:fld>
             <a:endParaRPr lang="en-US"/>
           </a:p>
@@ -3797,7 +3797,7 @@
           <a:p>
             <a:fld id="{834513E8-165F-4932-9E2D-FD497CB9A4FD}" type="datetimeFigureOut">
               <a:rPr lang="en-US" smtClean="0"/>
-              <a:t>6/5/2018</a:t>
+              <a:t>7/23/2018</a:t>
             </a:fld>
             <a:endParaRPr lang="en-US"/>
           </a:p>
@@ -4029,7 +4029,7 @@
           <a:p>
             <a:fld id="{834513E8-165F-4932-9E2D-FD497CB9A4FD}" type="datetimeFigureOut">
               <a:rPr lang="en-US" smtClean="0"/>
-              <a:t>6/5/2018</a:t>
+              <a:t>7/23/2018</a:t>
             </a:fld>
             <a:endParaRPr lang="en-US"/>
           </a:p>
@@ -4396,7 +4396,7 @@
           <a:p>
             <a:fld id="{834513E8-165F-4932-9E2D-FD497CB9A4FD}" type="datetimeFigureOut">
               <a:rPr lang="en-US" smtClean="0"/>
-              <a:t>6/5/2018</a:t>
+              <a:t>7/23/2018</a:t>
             </a:fld>
             <a:endParaRPr lang="en-US"/>
           </a:p>
@@ -6213,7 +6213,7 @@
           <a:p>
             <a:fld id="{834513E8-165F-4932-9E2D-FD497CB9A4FD}" type="datetimeFigureOut">
               <a:rPr lang="en-US" smtClean="0"/>
-              <a:t>6/5/2018</a:t>
+              <a:t>7/23/2018</a:t>
             </a:fld>
             <a:endParaRPr lang="en-US"/>
           </a:p>
@@ -6844,11 +6844,18 @@
           <a:p>
             <a:pPr algn="ctr"/>
             <a:r>
-              <a:rPr lang="en-US" kern="0" smtClean="0">
+              <a:rPr lang="en-US" kern="0" dirty="0" smtClean="0">
                 <a:effectLst/>
                 <a:latin typeface="Trebuchet MS" panose="020B0603020202020204" pitchFamily="34" charset="0"/>
               </a:rPr>
-              <a:t>Lesson 24+25</a:t>
+              <a:t>Lesson </a:t>
+            </a:r>
+            <a:r>
+              <a:rPr lang="en-US" kern="0" dirty="0" smtClean="0">
+                <a:effectLst/>
+                <a:latin typeface="Trebuchet MS" panose="020B0603020202020204" pitchFamily="34" charset="0"/>
+              </a:rPr>
+              <a:t>26+27+28</a:t>
             </a:r>
             <a:endParaRPr lang="en-US" kern="0" dirty="0">
               <a:effectLst/>
@@ -16128,11 +16135,7 @@
           <a:p>
             <a:r>
               <a:rPr lang="en-US" sz="2400" dirty="0" smtClean="0"/>
-              <a:t>Parallel </a:t>
-            </a:r>
-            <a:r>
-              <a:rPr lang="en-US" sz="2400" dirty="0" smtClean="0"/>
-              <a:t>versus Serial?</a:t>
+              <a:t>Parallel versus Serial?</a:t>
             </a:r>
           </a:p>
           <a:p>
@@ -17035,11 +17038,7 @@
           <a:p>
             <a:r>
               <a:rPr lang="en-US" sz="2400" dirty="0" smtClean="0"/>
-              <a:t>Parallel </a:t>
-            </a:r>
-            <a:r>
-              <a:rPr lang="en-US" sz="2400" dirty="0" smtClean="0"/>
-              <a:t>versus Serial?</a:t>
+              <a:t>Parallel versus Serial?</a:t>
             </a:r>
           </a:p>
           <a:p>
@@ -18130,16 +18129,6 @@
               </a:rPr>
               <a:t>There are more … these are just off the top of my head </a:t>
             </a:r>
-            <a:endParaRPr kumimoji="0" lang="en-US" sz="1600" b="0" i="0" u="none" strike="noStrike" cap="none" normalizeH="0" baseline="0" dirty="0" smtClean="0">
-              <a:ln>
-                <a:noFill/>
-              </a:ln>
-              <a:solidFill>
-                <a:schemeClr val="bg1"/>
-              </a:solidFill>
-              <a:effectLst/>
-              <a:latin typeface="Arial" charset="0"/>
-            </a:endParaRPr>
           </a:p>
         </p:txBody>
       </p:sp>

--- a/source/lessons/lsn26-27-28/Lsn26-27-28.pptx
+++ b/source/lessons/lsn26-27-28/Lsn26-27-28.pptx
@@ -7,10 +7,10 @@
     <p:sldMasterId id="2147483667" r:id="rId3"/>
   </p:sldMasterIdLst>
   <p:notesMasterIdLst>
-    <p:notesMasterId r:id="rId31"/>
+    <p:notesMasterId r:id="rId37"/>
   </p:notesMasterIdLst>
   <p:handoutMasterIdLst>
-    <p:handoutMasterId r:id="rId32"/>
+    <p:handoutMasterId r:id="rId38"/>
   </p:handoutMasterIdLst>
   <p:sldIdLst>
     <p:sldId id="352" r:id="rId4"/>
@@ -19,27 +19,33 @@
     <p:sldId id="356" r:id="rId7"/>
     <p:sldId id="380" r:id="rId8"/>
     <p:sldId id="379" r:id="rId9"/>
-    <p:sldId id="378" r:id="rId10"/>
-    <p:sldId id="357" r:id="rId11"/>
-    <p:sldId id="358" r:id="rId12"/>
-    <p:sldId id="359" r:id="rId13"/>
-    <p:sldId id="360" r:id="rId14"/>
-    <p:sldId id="361" r:id="rId15"/>
-    <p:sldId id="362" r:id="rId16"/>
-    <p:sldId id="363" r:id="rId17"/>
-    <p:sldId id="364" r:id="rId18"/>
-    <p:sldId id="365" r:id="rId19"/>
-    <p:sldId id="366" r:id="rId20"/>
-    <p:sldId id="367" r:id="rId21"/>
-    <p:sldId id="368" r:id="rId22"/>
-    <p:sldId id="369" r:id="rId23"/>
-    <p:sldId id="370" r:id="rId24"/>
-    <p:sldId id="371" r:id="rId25"/>
-    <p:sldId id="372" r:id="rId26"/>
-    <p:sldId id="373" r:id="rId27"/>
-    <p:sldId id="374" r:id="rId28"/>
-    <p:sldId id="376" r:id="rId29"/>
-    <p:sldId id="353" r:id="rId30"/>
+    <p:sldId id="381" r:id="rId10"/>
+    <p:sldId id="382" r:id="rId11"/>
+    <p:sldId id="383" r:id="rId12"/>
+    <p:sldId id="384" r:id="rId13"/>
+    <p:sldId id="385" r:id="rId14"/>
+    <p:sldId id="386" r:id="rId15"/>
+    <p:sldId id="378" r:id="rId16"/>
+    <p:sldId id="357" r:id="rId17"/>
+    <p:sldId id="358" r:id="rId18"/>
+    <p:sldId id="359" r:id="rId19"/>
+    <p:sldId id="360" r:id="rId20"/>
+    <p:sldId id="361" r:id="rId21"/>
+    <p:sldId id="362" r:id="rId22"/>
+    <p:sldId id="363" r:id="rId23"/>
+    <p:sldId id="364" r:id="rId24"/>
+    <p:sldId id="365" r:id="rId25"/>
+    <p:sldId id="366" r:id="rId26"/>
+    <p:sldId id="367" r:id="rId27"/>
+    <p:sldId id="368" r:id="rId28"/>
+    <p:sldId id="369" r:id="rId29"/>
+    <p:sldId id="370" r:id="rId30"/>
+    <p:sldId id="371" r:id="rId31"/>
+    <p:sldId id="372" r:id="rId32"/>
+    <p:sldId id="373" r:id="rId33"/>
+    <p:sldId id="374" r:id="rId34"/>
+    <p:sldId id="376" r:id="rId35"/>
+    <p:sldId id="353" r:id="rId36"/>
   </p:sldIdLst>
   <p:sldSz cx="9144000" cy="6858000" type="screen4x3"/>
   <p:notesSz cx="7010400" cy="9296400"/>
@@ -1400,7 +1406,7 @@
           <a:p>
             <a:fld id="{834513E8-165F-4932-9E2D-FD497CB9A4FD}" type="datetimeFigureOut">
               <a:rPr lang="en-US" smtClean="0"/>
-              <a:t>7/23/2018</a:t>
+              <a:t>8/8/2018</a:t>
             </a:fld>
             <a:endParaRPr lang="en-US"/>
           </a:p>
@@ -1495,7 +1501,7 @@
           <a:p>
             <a:fld id="{834513E8-165F-4932-9E2D-FD497CB9A4FD}" type="datetimeFigureOut">
               <a:rPr lang="en-US" smtClean="0"/>
-              <a:t>7/23/2018</a:t>
+              <a:t>8/8/2018</a:t>
             </a:fld>
             <a:endParaRPr lang="en-US"/>
           </a:p>
@@ -1772,7 +1778,7 @@
           <a:p>
             <a:fld id="{834513E8-165F-4932-9E2D-FD497CB9A4FD}" type="datetimeFigureOut">
               <a:rPr lang="en-US" smtClean="0"/>
-              <a:t>7/23/2018</a:t>
+              <a:t>8/8/2018</a:t>
             </a:fld>
             <a:endParaRPr lang="en-US"/>
           </a:p>
@@ -2025,7 +2031,7 @@
           <a:p>
             <a:fld id="{834513E8-165F-4932-9E2D-FD497CB9A4FD}" type="datetimeFigureOut">
               <a:rPr lang="en-US" smtClean="0"/>
-              <a:t>7/23/2018</a:t>
+              <a:t>8/8/2018</a:t>
             </a:fld>
             <a:endParaRPr lang="en-US"/>
           </a:p>
@@ -2195,7 +2201,7 @@
           <a:p>
             <a:fld id="{834513E8-165F-4932-9E2D-FD497CB9A4FD}" type="datetimeFigureOut">
               <a:rPr lang="en-US" smtClean="0"/>
-              <a:t>7/23/2018</a:t>
+              <a:t>8/8/2018</a:t>
             </a:fld>
             <a:endParaRPr lang="en-US"/>
           </a:p>
@@ -2375,7 +2381,7 @@
           <a:p>
             <a:fld id="{834513E8-165F-4932-9E2D-FD497CB9A4FD}" type="datetimeFigureOut">
               <a:rPr lang="en-US" smtClean="0"/>
-              <a:t>7/23/2018</a:t>
+              <a:t>8/8/2018</a:t>
             </a:fld>
             <a:endParaRPr lang="en-US"/>
           </a:p>
@@ -3181,7 +3187,7 @@
           <a:p>
             <a:fld id="{834513E8-165F-4932-9E2D-FD497CB9A4FD}" type="datetimeFigureOut">
               <a:rPr lang="en-US" smtClean="0"/>
-              <a:t>7/23/2018</a:t>
+              <a:t>8/8/2018</a:t>
             </a:fld>
             <a:endParaRPr lang="en-US"/>
           </a:p>
@@ -3381,7 +3387,7 @@
           <a:p>
             <a:fld id="{834513E8-165F-4932-9E2D-FD497CB9A4FD}" type="datetimeFigureOut">
               <a:rPr lang="en-US" smtClean="0"/>
-              <a:t>7/23/2018</a:t>
+              <a:t>8/8/2018</a:t>
             </a:fld>
             <a:endParaRPr lang="en-US"/>
           </a:p>
@@ -3551,7 +3557,7 @@
           <a:p>
             <a:fld id="{834513E8-165F-4932-9E2D-FD497CB9A4FD}" type="datetimeFigureOut">
               <a:rPr lang="en-US" smtClean="0"/>
-              <a:t>7/23/2018</a:t>
+              <a:t>8/8/2018</a:t>
             </a:fld>
             <a:endParaRPr lang="en-US"/>
           </a:p>
@@ -3797,7 +3803,7 @@
           <a:p>
             <a:fld id="{834513E8-165F-4932-9E2D-FD497CB9A4FD}" type="datetimeFigureOut">
               <a:rPr lang="en-US" smtClean="0"/>
-              <a:t>7/23/2018</a:t>
+              <a:t>8/8/2018</a:t>
             </a:fld>
             <a:endParaRPr lang="en-US"/>
           </a:p>
@@ -4029,7 +4035,7 @@
           <a:p>
             <a:fld id="{834513E8-165F-4932-9E2D-FD497CB9A4FD}" type="datetimeFigureOut">
               <a:rPr lang="en-US" smtClean="0"/>
-              <a:t>7/23/2018</a:t>
+              <a:t>8/8/2018</a:t>
             </a:fld>
             <a:endParaRPr lang="en-US"/>
           </a:p>
@@ -4396,7 +4402,7 @@
           <a:p>
             <a:fld id="{834513E8-165F-4932-9E2D-FD497CB9A4FD}" type="datetimeFigureOut">
               <a:rPr lang="en-US" smtClean="0"/>
-              <a:t>7/23/2018</a:t>
+              <a:t>8/8/2018</a:t>
             </a:fld>
             <a:endParaRPr lang="en-US"/>
           </a:p>
@@ -6213,7 +6219,7 @@
           <a:p>
             <a:fld id="{834513E8-165F-4932-9E2D-FD497CB9A4FD}" type="datetimeFigureOut">
               <a:rPr lang="en-US" smtClean="0"/>
-              <a:t>7/23/2018</a:t>
+              <a:t>8/8/2018</a:t>
             </a:fld>
             <a:endParaRPr lang="en-US"/>
           </a:p>
@@ -6848,14 +6854,7 @@
                 <a:effectLst/>
                 <a:latin typeface="Trebuchet MS" panose="020B0603020202020204" pitchFamily="34" charset="0"/>
               </a:rPr>
-              <a:t>Lesson </a:t>
-            </a:r>
-            <a:r>
-              <a:rPr lang="en-US" kern="0" dirty="0" smtClean="0">
-                <a:effectLst/>
-                <a:latin typeface="Trebuchet MS" panose="020B0603020202020204" pitchFamily="34" charset="0"/>
-              </a:rPr>
-              <a:t>26+27+28</a:t>
+              <a:t>Lesson 26+27+28</a:t>
             </a:r>
             <a:endParaRPr lang="en-US" kern="0" dirty="0">
               <a:effectLst/>
@@ -7222,6 +7221,876 @@
 </file>
 
 <file path=ppt/slides/slide10.xml><?xml version="1.0" encoding="utf-8"?>
+<p:sld xmlns:a="http://schemas.openxmlformats.org/drawingml/2006/main" xmlns:r="http://schemas.openxmlformats.org/officeDocument/2006/relationships" xmlns:p="http://schemas.openxmlformats.org/presentationml/2006/main">
+  <p:cSld>
+    <p:spTree>
+      <p:nvGrpSpPr>
+        <p:cNvPr id="1" name=""/>
+        <p:cNvGrpSpPr/>
+        <p:nvPr/>
+      </p:nvGrpSpPr>
+      <p:grpSpPr>
+        <a:xfrm>
+          <a:off x="0" y="0"/>
+          <a:ext cx="0" cy="0"/>
+          <a:chOff x="0" y="0"/>
+          <a:chExt cx="0" cy="0"/>
+        </a:xfrm>
+      </p:grpSpPr>
+      <p:sp>
+        <p:nvSpPr>
+          <p:cNvPr id="3" name="Title 2"/>
+          <p:cNvSpPr>
+            <a:spLocks noGrp="1"/>
+          </p:cNvSpPr>
+          <p:nvPr>
+            <p:ph type="title"/>
+          </p:nvPr>
+        </p:nvSpPr>
+        <p:spPr/>
+        <p:txBody>
+          <a:bodyPr/>
+          <a:lstStyle/>
+          <a:p>
+            <a:endParaRPr lang="en-US"/>
+          </a:p>
+        </p:txBody>
+      </p:sp>
+      <p:pic>
+        <p:nvPicPr>
+          <p:cNvPr id="4" name="Picture 3"/>
+          <p:cNvPicPr>
+            <a:picLocks noChangeAspect="1"/>
+          </p:cNvPicPr>
+          <p:nvPr/>
+        </p:nvPicPr>
+        <p:blipFill>
+          <a:blip r:embed="rId2"/>
+          <a:stretch>
+            <a:fillRect/>
+          </a:stretch>
+        </p:blipFill>
+        <p:spPr>
+          <a:xfrm>
+            <a:off x="378372" y="1449368"/>
+            <a:ext cx="6502783" cy="4963255"/>
+          </a:xfrm>
+          <a:prstGeom prst="rect">
+            <a:avLst/>
+          </a:prstGeom>
+        </p:spPr>
+      </p:pic>
+    </p:spTree>
+    <p:extLst>
+      <p:ext uri="{BB962C8B-B14F-4D97-AF65-F5344CB8AC3E}">
+        <p14:creationId xmlns:p14="http://schemas.microsoft.com/office/powerpoint/2010/main" val="3319197792"/>
+      </p:ext>
+    </p:extLst>
+  </p:cSld>
+  <p:clrMapOvr>
+    <a:masterClrMapping/>
+  </p:clrMapOvr>
+  <p:transition spd="med"/>
+</p:sld>
+</file>
+
+<file path=ppt/slides/slide11.xml><?xml version="1.0" encoding="utf-8"?>
+<p:sld xmlns:a="http://schemas.openxmlformats.org/drawingml/2006/main" xmlns:r="http://schemas.openxmlformats.org/officeDocument/2006/relationships" xmlns:p="http://schemas.openxmlformats.org/presentationml/2006/main">
+  <p:cSld>
+    <p:spTree>
+      <p:nvGrpSpPr>
+        <p:cNvPr id="1" name=""/>
+        <p:cNvGrpSpPr/>
+        <p:nvPr/>
+      </p:nvGrpSpPr>
+      <p:grpSpPr>
+        <a:xfrm>
+          <a:off x="0" y="0"/>
+          <a:ext cx="0" cy="0"/>
+          <a:chOff x="0" y="0"/>
+          <a:chExt cx="0" cy="0"/>
+        </a:xfrm>
+      </p:grpSpPr>
+      <p:sp>
+        <p:nvSpPr>
+          <p:cNvPr id="2" name="Subtitle 1"/>
+          <p:cNvSpPr>
+            <a:spLocks noGrp="1"/>
+          </p:cNvSpPr>
+          <p:nvPr>
+            <p:ph type="subTitle" idx="1"/>
+          </p:nvPr>
+        </p:nvSpPr>
+        <p:spPr>
+          <a:xfrm>
+            <a:off x="357876" y="3907055"/>
+            <a:ext cx="8412480" cy="2438566"/>
+          </a:xfrm>
+        </p:spPr>
+        <p:txBody>
+          <a:bodyPr/>
+          <a:lstStyle/>
+          <a:p>
+            <a:endParaRPr lang="en-US" dirty="0"/>
+          </a:p>
+        </p:txBody>
+      </p:sp>
+      <p:sp>
+        <p:nvSpPr>
+          <p:cNvPr id="3" name="Title 2"/>
+          <p:cNvSpPr>
+            <a:spLocks noGrp="1"/>
+          </p:cNvSpPr>
+          <p:nvPr>
+            <p:ph type="title"/>
+          </p:nvPr>
+        </p:nvSpPr>
+        <p:spPr/>
+        <p:txBody>
+          <a:bodyPr/>
+          <a:lstStyle/>
+          <a:p>
+            <a:r>
+              <a:rPr lang="en-US" dirty="0" smtClean="0"/>
+              <a:t>UART</a:t>
+            </a:r>
+            <a:endParaRPr lang="en-US" dirty="0"/>
+          </a:p>
+        </p:txBody>
+      </p:sp>
+      <p:pic>
+        <p:nvPicPr>
+          <p:cNvPr id="4" name="Picture 3"/>
+          <p:cNvPicPr>
+            <a:picLocks noChangeAspect="1"/>
+          </p:cNvPicPr>
+          <p:nvPr/>
+        </p:nvPicPr>
+        <p:blipFill>
+          <a:blip r:embed="rId2"/>
+          <a:stretch>
+            <a:fillRect/>
+          </a:stretch>
+        </p:blipFill>
+        <p:spPr>
+          <a:xfrm>
+            <a:off x="454736" y="1516280"/>
+            <a:ext cx="8029575" cy="2390775"/>
+          </a:xfrm>
+          <a:prstGeom prst="rect">
+            <a:avLst/>
+          </a:prstGeom>
+        </p:spPr>
+      </p:pic>
+    </p:spTree>
+    <p:extLst>
+      <p:ext uri="{BB962C8B-B14F-4D97-AF65-F5344CB8AC3E}">
+        <p14:creationId xmlns:p14="http://schemas.microsoft.com/office/powerpoint/2010/main" val="3159041174"/>
+      </p:ext>
+    </p:extLst>
+  </p:cSld>
+  <p:clrMapOvr>
+    <a:masterClrMapping/>
+  </p:clrMapOvr>
+  <p:transition spd="med"/>
+</p:sld>
+</file>
+
+<file path=ppt/slides/slide12.xml><?xml version="1.0" encoding="utf-8"?>
+<p:sld xmlns:a="http://schemas.openxmlformats.org/drawingml/2006/main" xmlns:r="http://schemas.openxmlformats.org/officeDocument/2006/relationships" xmlns:p="http://schemas.openxmlformats.org/presentationml/2006/main">
+  <p:cSld>
+    <p:spTree>
+      <p:nvGrpSpPr>
+        <p:cNvPr id="1" name=""/>
+        <p:cNvGrpSpPr/>
+        <p:nvPr/>
+      </p:nvGrpSpPr>
+      <p:grpSpPr>
+        <a:xfrm>
+          <a:off x="0" y="0"/>
+          <a:ext cx="0" cy="0"/>
+          <a:chOff x="0" y="0"/>
+          <a:chExt cx="0" cy="0"/>
+        </a:xfrm>
+      </p:grpSpPr>
+      <p:sp>
+        <p:nvSpPr>
+          <p:cNvPr id="2" name="Subtitle 1"/>
+          <p:cNvSpPr>
+            <a:spLocks noGrp="1"/>
+          </p:cNvSpPr>
+          <p:nvPr>
+            <p:ph type="subTitle" idx="1"/>
+          </p:nvPr>
+        </p:nvSpPr>
+        <p:spPr/>
+        <p:txBody>
+          <a:bodyPr/>
+          <a:lstStyle/>
+          <a:p>
+            <a:endParaRPr lang="en-US"/>
+          </a:p>
+        </p:txBody>
+      </p:sp>
+      <p:sp>
+        <p:nvSpPr>
+          <p:cNvPr id="3" name="Title 2"/>
+          <p:cNvSpPr>
+            <a:spLocks noGrp="1"/>
+          </p:cNvSpPr>
+          <p:nvPr>
+            <p:ph type="title"/>
+          </p:nvPr>
+        </p:nvSpPr>
+        <p:spPr/>
+        <p:txBody>
+          <a:bodyPr/>
+          <a:lstStyle/>
+          <a:p>
+            <a:endParaRPr lang="en-US"/>
+          </a:p>
+        </p:txBody>
+      </p:sp>
+    </p:spTree>
+    <p:extLst>
+      <p:ext uri="{BB962C8B-B14F-4D97-AF65-F5344CB8AC3E}">
+        <p14:creationId xmlns:p14="http://schemas.microsoft.com/office/powerpoint/2010/main" val="2724052741"/>
+      </p:ext>
+    </p:extLst>
+  </p:cSld>
+  <p:clrMapOvr>
+    <a:masterClrMapping/>
+  </p:clrMapOvr>
+  <p:transition spd="med"/>
+</p:sld>
+</file>
+
+<file path=ppt/slides/slide13.xml><?xml version="1.0" encoding="utf-8"?>
+<p:sld xmlns:a="http://schemas.openxmlformats.org/drawingml/2006/main" xmlns:r="http://schemas.openxmlformats.org/officeDocument/2006/relationships" xmlns:p="http://schemas.openxmlformats.org/presentationml/2006/main">
+  <p:cSld>
+    <p:spTree>
+      <p:nvGrpSpPr>
+        <p:cNvPr id="1" name=""/>
+        <p:cNvGrpSpPr/>
+        <p:nvPr/>
+      </p:nvGrpSpPr>
+      <p:grpSpPr>
+        <a:xfrm>
+          <a:off x="0" y="0"/>
+          <a:ext cx="0" cy="0"/>
+          <a:chOff x="0" y="0"/>
+          <a:chExt cx="0" cy="0"/>
+        </a:xfrm>
+      </p:grpSpPr>
+      <p:sp>
+        <p:nvSpPr>
+          <p:cNvPr id="6" name="Title 5"/>
+          <p:cNvSpPr>
+            <a:spLocks noGrp="1"/>
+          </p:cNvSpPr>
+          <p:nvPr>
+            <p:ph type="title"/>
+          </p:nvPr>
+        </p:nvSpPr>
+        <p:spPr/>
+        <p:txBody>
+          <a:bodyPr/>
+          <a:lstStyle/>
+          <a:p>
+            <a:r>
+              <a:rPr lang="en-US" dirty="0" smtClean="0"/>
+              <a:t>SPI</a:t>
+            </a:r>
+            <a:endParaRPr lang="en-US" dirty="0"/>
+          </a:p>
+        </p:txBody>
+      </p:sp>
+      <p:sp>
+        <p:nvSpPr>
+          <p:cNvPr id="7" name="Text Placeholder 6"/>
+          <p:cNvSpPr>
+            <a:spLocks noGrp="1"/>
+          </p:cNvSpPr>
+          <p:nvPr>
+            <p:ph type="body" idx="1"/>
+          </p:nvPr>
+        </p:nvSpPr>
+        <p:spPr/>
+        <p:txBody>
+          <a:bodyPr/>
+          <a:lstStyle/>
+          <a:p>
+            <a:endParaRPr lang="en-US"/>
+          </a:p>
+        </p:txBody>
+      </p:sp>
+    </p:spTree>
+    <p:extLst>
+      <p:ext uri="{BB962C8B-B14F-4D97-AF65-F5344CB8AC3E}">
+        <p14:creationId xmlns:p14="http://schemas.microsoft.com/office/powerpoint/2010/main" val="1379637426"/>
+      </p:ext>
+    </p:extLst>
+  </p:cSld>
+  <p:clrMapOvr>
+    <a:masterClrMapping/>
+  </p:clrMapOvr>
+  <mc:AlternateContent xmlns:mc="http://schemas.openxmlformats.org/markup-compatibility/2006" xmlns:p14="http://schemas.microsoft.com/office/powerpoint/2010/main">
+    <mc:Choice Requires="p14">
+      <p:transition spd="slow" p14:dur="2000"/>
+    </mc:Choice>
+    <mc:Fallback xmlns="">
+      <p:transition spd="slow"/>
+    </mc:Fallback>
+  </mc:AlternateContent>
+</p:sld>
+</file>
+
+<file path=ppt/slides/slide14.xml><?xml version="1.0" encoding="utf-8"?>
+<p:sld xmlns:a="http://schemas.openxmlformats.org/drawingml/2006/main" xmlns:r="http://schemas.openxmlformats.org/officeDocument/2006/relationships" xmlns:p="http://schemas.openxmlformats.org/presentationml/2006/main">
+  <p:cSld>
+    <p:spTree>
+      <p:nvGrpSpPr>
+        <p:cNvPr id="1" name=""/>
+        <p:cNvGrpSpPr/>
+        <p:nvPr/>
+      </p:nvGrpSpPr>
+      <p:grpSpPr>
+        <a:xfrm>
+          <a:off x="0" y="0"/>
+          <a:ext cx="0" cy="0"/>
+          <a:chOff x="0" y="0"/>
+          <a:chExt cx="0" cy="0"/>
+        </a:xfrm>
+      </p:grpSpPr>
+      <p:sp>
+        <p:nvSpPr>
+          <p:cNvPr id="2" name="Title 1"/>
+          <p:cNvSpPr>
+            <a:spLocks noGrp="1"/>
+          </p:cNvSpPr>
+          <p:nvPr>
+            <p:ph type="title"/>
+          </p:nvPr>
+        </p:nvSpPr>
+        <p:spPr/>
+        <p:txBody>
+          <a:bodyPr/>
+          <a:lstStyle/>
+          <a:p>
+            <a:r>
+              <a:rPr lang="en-US" dirty="0" smtClean="0"/>
+              <a:t>Serial Peripheral Interface (SPI)</a:t>
+            </a:r>
+            <a:endParaRPr lang="en-US" dirty="0"/>
+          </a:p>
+        </p:txBody>
+      </p:sp>
+      <p:sp>
+        <p:nvSpPr>
+          <p:cNvPr id="3" name="Content Placeholder 2"/>
+          <p:cNvSpPr>
+            <a:spLocks noGrp="1"/>
+          </p:cNvSpPr>
+          <p:nvPr>
+            <p:ph idx="1"/>
+          </p:nvPr>
+        </p:nvSpPr>
+        <p:spPr>
+          <a:xfrm>
+            <a:off x="620435" y="1538044"/>
+            <a:ext cx="7772400" cy="4724400"/>
+          </a:xfrm>
+        </p:spPr>
+        <p:txBody>
+          <a:bodyPr>
+            <a:normAutofit fontScale="85000" lnSpcReduction="10000"/>
+          </a:bodyPr>
+          <a:lstStyle/>
+          <a:p>
+            <a:r>
+              <a:rPr lang="en-US" sz="2400" dirty="0" smtClean="0"/>
+              <a:t>Simple: </a:t>
+            </a:r>
+            <a:r>
+              <a:rPr lang="en-US" sz="2400" dirty="0" smtClean="0">
+                <a:solidFill>
+                  <a:schemeClr val="accent2"/>
+                </a:solidFill>
+              </a:rPr>
+              <a:t>with each clock cycle, a single bit is transferred from the  MSB of one shift register to the other</a:t>
+            </a:r>
+          </a:p>
+          <a:p>
+            <a:endParaRPr lang="en-US" sz="2400" dirty="0"/>
+          </a:p>
+          <a:p>
+            <a:endParaRPr lang="en-US" sz="2400" dirty="0" smtClean="0"/>
+          </a:p>
+          <a:p>
+            <a:endParaRPr lang="en-US" sz="2400" dirty="0"/>
+          </a:p>
+          <a:p>
+            <a:endParaRPr lang="en-US" sz="2400" dirty="0" smtClean="0"/>
+          </a:p>
+          <a:p>
+            <a:r>
+              <a:rPr lang="en-US" sz="2400" dirty="0" smtClean="0"/>
+              <a:t>Is </a:t>
+            </a:r>
+            <a:r>
+              <a:rPr lang="en-US" sz="2400" dirty="0"/>
+              <a:t>this a half-duplex or full-duplex protocol</a:t>
+            </a:r>
+            <a:r>
+              <a:rPr lang="en-US" sz="2400" dirty="0" smtClean="0"/>
+              <a:t>?</a:t>
+            </a:r>
+          </a:p>
+          <a:p>
+            <a:r>
+              <a:rPr lang="en-US" sz="2400" dirty="0" smtClean="0"/>
+              <a:t>Synchronous or Asynchronous protocol?</a:t>
+            </a:r>
+          </a:p>
+          <a:p>
+            <a:r>
+              <a:rPr lang="en-US" sz="2400" dirty="0" smtClean="0"/>
+              <a:t>How many clocks cycles to transfer a byte?</a:t>
+            </a:r>
+          </a:p>
+          <a:p>
+            <a:r>
+              <a:rPr lang="en-US" sz="2400" dirty="0" smtClean="0"/>
+              <a:t>Signals</a:t>
+            </a:r>
+          </a:p>
+          <a:p>
+            <a:pPr lvl="1"/>
+            <a:r>
+              <a:rPr lang="en-US" sz="2000" dirty="0" smtClean="0">
+                <a:solidFill>
+                  <a:schemeClr val="accent2"/>
+                </a:solidFill>
+              </a:rPr>
+              <a:t>MOSI: Master </a:t>
+            </a:r>
+            <a:r>
+              <a:rPr lang="en-US" sz="2000" dirty="0">
+                <a:solidFill>
+                  <a:schemeClr val="accent2"/>
+                </a:solidFill>
+              </a:rPr>
+              <a:t>Out Slave In </a:t>
+            </a:r>
+            <a:endParaRPr lang="en-US" sz="2000" dirty="0" smtClean="0">
+              <a:solidFill>
+                <a:schemeClr val="accent2"/>
+              </a:solidFill>
+            </a:endParaRPr>
+          </a:p>
+          <a:p>
+            <a:pPr lvl="1"/>
+            <a:r>
+              <a:rPr lang="en-US" sz="2000" dirty="0" smtClean="0">
+                <a:solidFill>
+                  <a:schemeClr val="accent2"/>
+                </a:solidFill>
+              </a:rPr>
+              <a:t>MISO: Master </a:t>
+            </a:r>
+            <a:r>
+              <a:rPr lang="en-US" sz="2000" dirty="0">
+                <a:solidFill>
+                  <a:schemeClr val="accent2"/>
+                </a:solidFill>
+              </a:rPr>
+              <a:t>In Slave Out </a:t>
+            </a:r>
+          </a:p>
+          <a:p>
+            <a:pPr lvl="1"/>
+            <a:r>
+              <a:rPr lang="en-US" sz="2000" dirty="0" smtClean="0">
+                <a:solidFill>
+                  <a:schemeClr val="accent2"/>
+                </a:solidFill>
+              </a:rPr>
+              <a:t>SCLK: Clock</a:t>
+            </a:r>
+            <a:endParaRPr lang="en-US" sz="2000" dirty="0">
+              <a:solidFill>
+                <a:schemeClr val="accent2"/>
+              </a:solidFill>
+            </a:endParaRPr>
+          </a:p>
+          <a:p>
+            <a:pPr lvl="1"/>
+            <a:r>
+              <a:rPr lang="en-US" sz="2000" dirty="0" smtClean="0">
+                <a:solidFill>
+                  <a:schemeClr val="accent2"/>
+                </a:solidFill>
+              </a:rPr>
+              <a:t>SS:       Slave Select</a:t>
+            </a:r>
+          </a:p>
+          <a:p>
+            <a:endParaRPr lang="en-US" sz="2400" dirty="0" smtClean="0">
+              <a:solidFill>
+                <a:schemeClr val="accent2"/>
+              </a:solidFill>
+            </a:endParaRPr>
+          </a:p>
+          <a:p>
+            <a:pPr marL="0" indent="0">
+              <a:buNone/>
+            </a:pPr>
+            <a:endParaRPr lang="en-US" sz="1400" dirty="0">
+              <a:solidFill>
+                <a:schemeClr val="accent2"/>
+              </a:solidFill>
+              <a:latin typeface="Courier New" pitchFamily="49" charset="0"/>
+              <a:cs typeface="Courier New" pitchFamily="49" charset="0"/>
+            </a:endParaRPr>
+          </a:p>
+          <a:p>
+            <a:pPr marL="0" indent="0">
+              <a:buNone/>
+            </a:pPr>
+            <a:endParaRPr lang="en-US" sz="1400" dirty="0"/>
+          </a:p>
+        </p:txBody>
+      </p:sp>
+      <p:pic>
+        <p:nvPicPr>
+          <p:cNvPr id="2050" name="Picture 2" descr="SPI Internals"/>
+          <p:cNvPicPr>
+            <a:picLocks noChangeAspect="1" noChangeArrowheads="1"/>
+          </p:cNvPicPr>
+          <p:nvPr/>
+        </p:nvPicPr>
+        <p:blipFill>
+          <a:blip r:embed="rId2">
+            <a:extLst>
+              <a:ext uri="{28A0092B-C50C-407E-A947-70E740481C1C}">
+                <a14:useLocalDpi xmlns:a14="http://schemas.microsoft.com/office/drawing/2010/main" val="0"/>
+              </a:ext>
+            </a:extLst>
+          </a:blip>
+          <a:srcRect/>
+          <a:stretch>
+            <a:fillRect/>
+          </a:stretch>
+        </p:blipFill>
+        <p:spPr bwMode="auto">
+          <a:xfrm>
+            <a:off x="2207172" y="2116973"/>
+            <a:ext cx="3519649" cy="1379561"/>
+          </a:xfrm>
+          <a:prstGeom prst="rect">
+            <a:avLst/>
+          </a:prstGeom>
+          <a:noFill/>
+          <a:extLst>
+            <a:ext uri="{909E8E84-426E-40DD-AFC4-6F175D3DCCD1}">
+              <a14:hiddenFill xmlns:a14="http://schemas.microsoft.com/office/drawing/2010/main">
+                <a:solidFill>
+                  <a:srgbClr val="FFFFFF"/>
+                </a:solidFill>
+              </a14:hiddenFill>
+            </a:ext>
+          </a:extLst>
+        </p:spPr>
+      </p:pic>
+      <p:sp>
+        <p:nvSpPr>
+          <p:cNvPr id="4" name="TextBox 3"/>
+          <p:cNvSpPr txBox="1"/>
+          <p:nvPr/>
+        </p:nvSpPr>
+        <p:spPr>
+          <a:xfrm>
+            <a:off x="5470216" y="4887589"/>
+            <a:ext cx="2515432" cy="1754326"/>
+          </a:xfrm>
+          <a:prstGeom prst="rect">
+            <a:avLst/>
+          </a:prstGeom>
+          <a:noFill/>
+        </p:spPr>
+        <p:txBody>
+          <a:bodyPr wrap="none" rtlCol="0">
+            <a:spAutoFit/>
+          </a:bodyPr>
+          <a:lstStyle/>
+          <a:p>
+            <a:pPr>
+              <a:spcBef>
+                <a:spcPts val="0"/>
+              </a:spcBef>
+            </a:pPr>
+            <a:r>
+              <a:rPr lang="en-US" dirty="0" smtClean="0"/>
+              <a:t>TI renamed these:</a:t>
+            </a:r>
+          </a:p>
+          <a:p>
+            <a:pPr lvl="1">
+              <a:spcBef>
+                <a:spcPts val="0"/>
+              </a:spcBef>
+            </a:pPr>
+            <a:r>
+              <a:rPr lang="en-US" dirty="0">
+                <a:solidFill>
+                  <a:schemeClr val="accent2"/>
+                </a:solidFill>
+              </a:rPr>
+              <a:t>MOSI = SIMO</a:t>
+            </a:r>
+          </a:p>
+          <a:p>
+            <a:pPr lvl="1">
+              <a:spcBef>
+                <a:spcPts val="0"/>
+              </a:spcBef>
+            </a:pPr>
+            <a:r>
+              <a:rPr lang="en-US" dirty="0">
+                <a:solidFill>
+                  <a:schemeClr val="accent2"/>
+                </a:solidFill>
+              </a:rPr>
+              <a:t>MISO = SOMI</a:t>
+            </a:r>
+          </a:p>
+          <a:p>
+            <a:endParaRPr lang="en-US" dirty="0"/>
+          </a:p>
+        </p:txBody>
+      </p:sp>
+    </p:spTree>
+    <p:extLst>
+      <p:ext uri="{BB962C8B-B14F-4D97-AF65-F5344CB8AC3E}">
+        <p14:creationId xmlns:p14="http://schemas.microsoft.com/office/powerpoint/2010/main" val="807256393"/>
+      </p:ext>
+    </p:extLst>
+  </p:cSld>
+  <p:clrMapOvr>
+    <a:masterClrMapping/>
+  </p:clrMapOvr>
+  <p:timing>
+    <p:tnLst>
+      <p:par>
+        <p:cTn id="1" dur="indefinite" restart="never" nodeType="tmRoot"/>
+      </p:par>
+    </p:tnLst>
+  </p:timing>
+</p:sld>
+</file>
+
+<file path=ppt/slides/slide15.xml><?xml version="1.0" encoding="utf-8"?>
+<p:sld xmlns:a="http://schemas.openxmlformats.org/drawingml/2006/main" xmlns:r="http://schemas.openxmlformats.org/officeDocument/2006/relationships" xmlns:p="http://schemas.openxmlformats.org/presentationml/2006/main">
+  <p:cSld>
+    <p:spTree>
+      <p:nvGrpSpPr>
+        <p:cNvPr id="1" name=""/>
+        <p:cNvGrpSpPr/>
+        <p:nvPr/>
+      </p:nvGrpSpPr>
+      <p:grpSpPr>
+        <a:xfrm>
+          <a:off x="0" y="0"/>
+          <a:ext cx="0" cy="0"/>
+          <a:chOff x="0" y="0"/>
+          <a:chExt cx="0" cy="0"/>
+        </a:xfrm>
+      </p:grpSpPr>
+      <p:sp>
+        <p:nvSpPr>
+          <p:cNvPr id="2" name="Title 1"/>
+          <p:cNvSpPr>
+            <a:spLocks noGrp="1"/>
+          </p:cNvSpPr>
+          <p:nvPr>
+            <p:ph type="title"/>
+          </p:nvPr>
+        </p:nvSpPr>
+        <p:spPr/>
+        <p:txBody>
+          <a:bodyPr/>
+          <a:lstStyle/>
+          <a:p>
+            <a:r>
+              <a:rPr lang="en-US" dirty="0" smtClean="0"/>
+              <a:t>Serial Peripheral Interface (SPI)</a:t>
+            </a:r>
+            <a:endParaRPr lang="en-US" dirty="0"/>
+          </a:p>
+        </p:txBody>
+      </p:sp>
+      <p:sp>
+        <p:nvSpPr>
+          <p:cNvPr id="3" name="Content Placeholder 2"/>
+          <p:cNvSpPr>
+            <a:spLocks noGrp="1"/>
+          </p:cNvSpPr>
+          <p:nvPr>
+            <p:ph idx="1"/>
+          </p:nvPr>
+        </p:nvSpPr>
+        <p:spPr>
+          <a:xfrm>
+            <a:off x="644084" y="1491702"/>
+            <a:ext cx="7772400" cy="4724400"/>
+          </a:xfrm>
+        </p:spPr>
+        <p:txBody>
+          <a:bodyPr/>
+          <a:lstStyle/>
+          <a:p>
+            <a:r>
+              <a:rPr lang="en-US" sz="2400" dirty="0"/>
+              <a:t>Slave Select signal allows the master to potentially use the same interface to potentially interact with multiple slaves. It's usually </a:t>
+            </a:r>
+            <a:r>
+              <a:rPr lang="en-US" sz="2400" b="1" dirty="0"/>
+              <a:t>active low</a:t>
+            </a:r>
+          </a:p>
+          <a:p>
+            <a:endParaRPr lang="en-US" sz="2400" dirty="0" smtClean="0"/>
+          </a:p>
+          <a:p>
+            <a:endParaRPr lang="en-US" sz="2400" dirty="0" smtClean="0">
+              <a:solidFill>
+                <a:schemeClr val="accent2"/>
+              </a:solidFill>
+            </a:endParaRPr>
+          </a:p>
+          <a:p>
+            <a:pPr marL="0" indent="0">
+              <a:buNone/>
+            </a:pPr>
+            <a:endParaRPr lang="en-US" sz="1400" dirty="0">
+              <a:solidFill>
+                <a:schemeClr val="accent2"/>
+              </a:solidFill>
+              <a:latin typeface="Courier New" pitchFamily="49" charset="0"/>
+              <a:cs typeface="Courier New" pitchFamily="49" charset="0"/>
+            </a:endParaRPr>
+          </a:p>
+          <a:p>
+            <a:pPr marL="0" indent="0">
+              <a:buNone/>
+            </a:pPr>
+            <a:endParaRPr lang="en-US" sz="1400" dirty="0"/>
+          </a:p>
+        </p:txBody>
+      </p:sp>
+      <p:pic>
+        <p:nvPicPr>
+          <p:cNvPr id="4098" name="Picture 2" descr="SPI Driving Multiple Slaves - wikipedia"/>
+          <p:cNvPicPr>
+            <a:picLocks noChangeAspect="1" noChangeArrowheads="1"/>
+          </p:cNvPicPr>
+          <p:nvPr/>
+        </p:nvPicPr>
+        <p:blipFill>
+          <a:blip r:embed="rId2">
+            <a:extLst>
+              <a:ext uri="{28A0092B-C50C-407E-A947-70E740481C1C}">
+                <a14:useLocalDpi xmlns:a14="http://schemas.microsoft.com/office/drawing/2010/main" val="0"/>
+              </a:ext>
+            </a:extLst>
+          </a:blip>
+          <a:srcRect/>
+          <a:stretch>
+            <a:fillRect/>
+          </a:stretch>
+        </p:blipFill>
+        <p:spPr bwMode="auto">
+          <a:xfrm>
+            <a:off x="4994611" y="2529927"/>
+            <a:ext cx="3333750" cy="2647951"/>
+          </a:xfrm>
+          <a:prstGeom prst="rect">
+            <a:avLst/>
+          </a:prstGeom>
+          <a:noFill/>
+          <a:extLst>
+            <a:ext uri="{909E8E84-426E-40DD-AFC4-6F175D3DCCD1}">
+              <a14:hiddenFill xmlns:a14="http://schemas.microsoft.com/office/drawing/2010/main">
+                <a:solidFill>
+                  <a:srgbClr val="FFFFFF"/>
+                </a:solidFill>
+              </a14:hiddenFill>
+            </a:ext>
+          </a:extLst>
+        </p:spPr>
+      </p:pic>
+      <p:pic>
+        <p:nvPicPr>
+          <p:cNvPr id="4100" name="Picture 4" descr="SPI Interface"/>
+          <p:cNvPicPr>
+            <a:picLocks noChangeAspect="1" noChangeArrowheads="1"/>
+          </p:cNvPicPr>
+          <p:nvPr/>
+        </p:nvPicPr>
+        <p:blipFill>
+          <a:blip r:embed="rId3">
+            <a:extLst>
+              <a:ext uri="{28A0092B-C50C-407E-A947-70E740481C1C}">
+                <a14:useLocalDpi xmlns:a14="http://schemas.microsoft.com/office/drawing/2010/main" val="0"/>
+              </a:ext>
+            </a:extLst>
+          </a:blip>
+          <a:srcRect/>
+          <a:stretch>
+            <a:fillRect/>
+          </a:stretch>
+        </p:blipFill>
+        <p:spPr bwMode="auto">
+          <a:xfrm>
+            <a:off x="1021422" y="3254220"/>
+            <a:ext cx="3143250" cy="838201"/>
+          </a:xfrm>
+          <a:prstGeom prst="rect">
+            <a:avLst/>
+          </a:prstGeom>
+          <a:noFill/>
+          <a:extLst>
+            <a:ext uri="{909E8E84-426E-40DD-AFC4-6F175D3DCCD1}">
+              <a14:hiddenFill xmlns:a14="http://schemas.microsoft.com/office/drawing/2010/main">
+                <a:solidFill>
+                  <a:srgbClr val="FFFFFF"/>
+                </a:solidFill>
+              </a14:hiddenFill>
+            </a:ext>
+          </a:extLst>
+        </p:spPr>
+      </p:pic>
+    </p:spTree>
+    <p:extLst>
+      <p:ext uri="{BB962C8B-B14F-4D97-AF65-F5344CB8AC3E}">
+        <p14:creationId xmlns:p14="http://schemas.microsoft.com/office/powerpoint/2010/main" val="3533226763"/>
+      </p:ext>
+    </p:extLst>
+  </p:cSld>
+  <p:clrMapOvr>
+    <a:masterClrMapping/>
+  </p:clrMapOvr>
+  <p:timing>
+    <p:tnLst>
+      <p:par>
+        <p:cTn id="1" dur="indefinite" restart="never" nodeType="tmRoot"/>
+      </p:par>
+    </p:tnLst>
+  </p:timing>
+</p:sld>
+</file>
+
+<file path=ppt/slides/slide16.xml><?xml version="1.0" encoding="utf-8"?>
 <p:sld xmlns:a="http://schemas.openxmlformats.org/drawingml/2006/main" xmlns:r="http://schemas.openxmlformats.org/officeDocument/2006/relationships" xmlns:p="http://schemas.openxmlformats.org/presentationml/2006/main">
   <p:cSld>
     <p:spTree>
@@ -7812,7 +8681,7 @@
 </p:sld>
 </file>
 
-<file path=ppt/slides/slide11.xml><?xml version="1.0" encoding="utf-8"?>
+<file path=ppt/slides/slide17.xml><?xml version="1.0" encoding="utf-8"?>
 <p:sld xmlns:a="http://schemas.openxmlformats.org/drawingml/2006/main" xmlns:r="http://schemas.openxmlformats.org/officeDocument/2006/relationships" xmlns:p="http://schemas.openxmlformats.org/presentationml/2006/main">
   <p:cSld>
     <p:spTree>
@@ -8035,7 +8904,7 @@
 </p:sld>
 </file>
 
-<file path=ppt/slides/slide12.xml><?xml version="1.0" encoding="utf-8"?>
+<file path=ppt/slides/slide18.xml><?xml version="1.0" encoding="utf-8"?>
 <p:sld xmlns:a="http://schemas.openxmlformats.org/drawingml/2006/main" xmlns:r="http://schemas.openxmlformats.org/officeDocument/2006/relationships" xmlns:p="http://schemas.openxmlformats.org/presentationml/2006/main">
   <p:cSld>
     <p:spTree>
@@ -8695,7 +9564,7 @@
 </p:sld>
 </file>
 
-<file path=ppt/slides/slide13.xml><?xml version="1.0" encoding="utf-8"?>
+<file path=ppt/slides/slide19.xml><?xml version="1.0" encoding="utf-8"?>
 <p:sld xmlns:a="http://schemas.openxmlformats.org/drawingml/2006/main" xmlns:r="http://schemas.openxmlformats.org/officeDocument/2006/relationships" xmlns:p="http://schemas.openxmlformats.org/presentationml/2006/main">
   <p:cSld>
     <p:spTree>
@@ -9334,7 +10203,170 @@
 </p:sld>
 </file>
 
-<file path=ppt/slides/slide14.xml><?xml version="1.0" encoding="utf-8"?>
+<file path=ppt/slides/slide2.xml><?xml version="1.0" encoding="utf-8"?>
+<p:sld xmlns:a="http://schemas.openxmlformats.org/drawingml/2006/main" xmlns:r="http://schemas.openxmlformats.org/officeDocument/2006/relationships" xmlns:p="http://schemas.openxmlformats.org/presentationml/2006/main">
+  <p:cSld>
+    <p:spTree>
+      <p:nvGrpSpPr>
+        <p:cNvPr id="1" name=""/>
+        <p:cNvGrpSpPr/>
+        <p:nvPr/>
+      </p:nvGrpSpPr>
+      <p:grpSpPr>
+        <a:xfrm>
+          <a:off x="0" y="0"/>
+          <a:ext cx="0" cy="0"/>
+          <a:chOff x="0" y="0"/>
+          <a:chExt cx="0" cy="0"/>
+        </a:xfrm>
+      </p:grpSpPr>
+      <p:sp>
+        <p:nvSpPr>
+          <p:cNvPr id="2" name="Title 1"/>
+          <p:cNvSpPr>
+            <a:spLocks noGrp="1"/>
+          </p:cNvSpPr>
+          <p:nvPr>
+            <p:ph type="title"/>
+          </p:nvPr>
+        </p:nvSpPr>
+        <p:spPr/>
+        <p:txBody>
+          <a:bodyPr/>
+          <a:lstStyle/>
+          <a:p>
+            <a:r>
+              <a:rPr lang="en-US" dirty="0" smtClean="0"/>
+              <a:t>Overview</a:t>
+            </a:r>
+            <a:endParaRPr lang="en-US" dirty="0"/>
+          </a:p>
+        </p:txBody>
+      </p:sp>
+      <p:sp>
+        <p:nvSpPr>
+          <p:cNvPr id="3" name="Subtitle 2"/>
+          <p:cNvSpPr>
+            <a:spLocks noGrp="1"/>
+          </p:cNvSpPr>
+          <p:nvPr>
+            <p:ph idx="1"/>
+          </p:nvPr>
+        </p:nvSpPr>
+        <p:spPr/>
+        <p:txBody>
+          <a:bodyPr/>
+          <a:lstStyle/>
+          <a:p>
+            <a:pPr algn="l"/>
+            <a:r>
+              <a:rPr lang="en-US" sz="2800" b="1" dirty="0" smtClean="0"/>
+              <a:t>Lesson Outline</a:t>
+            </a:r>
+            <a:endParaRPr lang="en-US" sz="2800" b="1" dirty="0" smtClean="0">
+              <a:solidFill>
+                <a:srgbClr val="0070C0"/>
+              </a:solidFill>
+            </a:endParaRPr>
+          </a:p>
+          <a:p>
+            <a:pPr marL="800100" lvl="1" indent="-342900" algn="l">
+              <a:buFont typeface="Arial" panose="020B0604020202020204" pitchFamily="34" charset="0"/>
+              <a:buChar char="•"/>
+            </a:pPr>
+            <a:r>
+              <a:rPr lang="en-US" dirty="0" smtClean="0">
+                <a:solidFill>
+                  <a:srgbClr val="0070C0"/>
+                </a:solidFill>
+              </a:rPr>
+              <a:t>Serial vs Parallel</a:t>
+            </a:r>
+          </a:p>
+          <a:p>
+            <a:pPr marL="800100" lvl="1" indent="-342900" algn="l">
+              <a:buFont typeface="Arial" panose="020B0604020202020204" pitchFamily="34" charset="0"/>
+              <a:buChar char="•"/>
+            </a:pPr>
+            <a:r>
+              <a:rPr lang="en-US" dirty="0" smtClean="0">
+                <a:solidFill>
+                  <a:srgbClr val="0070C0"/>
+                </a:solidFill>
+              </a:rPr>
+              <a:t>Serial Communications</a:t>
+            </a:r>
+          </a:p>
+          <a:p>
+            <a:pPr marL="1138238" lvl="2" indent="-342900">
+              <a:buFont typeface="Arial" panose="020B0604020202020204" pitchFamily="34" charset="0"/>
+              <a:buChar char="•"/>
+            </a:pPr>
+            <a:r>
+              <a:rPr lang="en-US" sz="1600" dirty="0" smtClean="0">
+                <a:solidFill>
+                  <a:srgbClr val="0070C0"/>
+                </a:solidFill>
+              </a:rPr>
+              <a:t>UART</a:t>
+            </a:r>
+          </a:p>
+          <a:p>
+            <a:pPr marL="1138238" lvl="2" indent="-342900">
+              <a:buFont typeface="Arial" panose="020B0604020202020204" pitchFamily="34" charset="0"/>
+              <a:buChar char="•"/>
+            </a:pPr>
+            <a:r>
+              <a:rPr lang="en-US" sz="1600" dirty="0" smtClean="0">
+                <a:solidFill>
+                  <a:srgbClr val="0070C0"/>
+                </a:solidFill>
+              </a:rPr>
+              <a:t>SPI</a:t>
+            </a:r>
+          </a:p>
+          <a:p>
+            <a:pPr marL="1138238" lvl="2" indent="-342900">
+              <a:buFont typeface="Arial" panose="020B0604020202020204" pitchFamily="34" charset="0"/>
+              <a:buChar char="•"/>
+            </a:pPr>
+            <a:r>
+              <a:rPr lang="en-US" sz="1600" dirty="0" smtClean="0">
+                <a:solidFill>
+                  <a:srgbClr val="0070C0"/>
+                </a:solidFill>
+              </a:rPr>
+              <a:t>I2C</a:t>
+            </a:r>
+          </a:p>
+          <a:p>
+            <a:pPr algn="l"/>
+            <a:endParaRPr lang="en-US" sz="2400" dirty="0" smtClean="0"/>
+          </a:p>
+        </p:txBody>
+      </p:sp>
+    </p:spTree>
+    <p:extLst>
+      <p:ext uri="{BB962C8B-B14F-4D97-AF65-F5344CB8AC3E}">
+        <p14:creationId xmlns:p14="http://schemas.microsoft.com/office/powerpoint/2010/main" val="4001633631"/>
+      </p:ext>
+    </p:extLst>
+  </p:cSld>
+  <p:clrMapOvr>
+    <a:masterClrMapping/>
+  </p:clrMapOvr>
+  <p:transition spd="med"/>
+  <p:timing>
+    <p:tnLst>
+      <p:par>
+        <p:cTn id="1" dur="indefinite" restart="never" nodeType="tmRoot"/>
+      </p:par>
+    </p:tnLst>
+  </p:timing>
+</p:sld>
+</file>
+
+<file path=ppt/slides/slide20.xml><?xml version="1.0" encoding="utf-8"?>
 <p:sld xmlns:a="http://schemas.openxmlformats.org/drawingml/2006/main" xmlns:r="http://schemas.openxmlformats.org/officeDocument/2006/relationships" xmlns:p="http://schemas.openxmlformats.org/presentationml/2006/main">
   <p:cSld>
     <p:spTree>
@@ -9973,7 +11005,7 @@
 </p:sld>
 </file>
 
-<file path=ppt/slides/slide15.xml><?xml version="1.0" encoding="utf-8"?>
+<file path=ppt/slides/slide21.xml><?xml version="1.0" encoding="utf-8"?>
 <p:sld xmlns:a="http://schemas.openxmlformats.org/drawingml/2006/main" xmlns:r="http://schemas.openxmlformats.org/officeDocument/2006/relationships" xmlns:p="http://schemas.openxmlformats.org/presentationml/2006/main">
   <p:cSld>
     <p:spTree>
@@ -10612,7 +11644,7 @@
 </p:sld>
 </file>
 
-<file path=ppt/slides/slide16.xml><?xml version="1.0" encoding="utf-8"?>
+<file path=ppt/slides/slide22.xml><?xml version="1.0" encoding="utf-8"?>
 <p:sld xmlns:a="http://schemas.openxmlformats.org/drawingml/2006/main" xmlns:r="http://schemas.openxmlformats.org/officeDocument/2006/relationships" xmlns:p="http://schemas.openxmlformats.org/presentationml/2006/main">
   <p:cSld>
     <p:spTree>
@@ -11272,7 +12304,7 @@
 </p:sld>
 </file>
 
-<file path=ppt/slides/slide17.xml><?xml version="1.0" encoding="utf-8"?>
+<file path=ppt/slides/slide23.xml><?xml version="1.0" encoding="utf-8"?>
 <p:sld xmlns:a="http://schemas.openxmlformats.org/drawingml/2006/main" xmlns:r="http://schemas.openxmlformats.org/officeDocument/2006/relationships" xmlns:p="http://schemas.openxmlformats.org/presentationml/2006/main">
   <p:cSld>
     <p:spTree>
@@ -11911,7 +12943,7 @@
 </p:sld>
 </file>
 
-<file path=ppt/slides/slide18.xml><?xml version="1.0" encoding="utf-8"?>
+<file path=ppt/slides/slide24.xml><?xml version="1.0" encoding="utf-8"?>
 <p:sld xmlns:a="http://schemas.openxmlformats.org/drawingml/2006/main" xmlns:r="http://schemas.openxmlformats.org/officeDocument/2006/relationships" xmlns:p="http://schemas.openxmlformats.org/presentationml/2006/main">
   <p:cSld>
     <p:spTree>
@@ -12545,7 +13577,7 @@
 </p:sld>
 </file>
 
-<file path=ppt/slides/slide19.xml><?xml version="1.0" encoding="utf-8"?>
+<file path=ppt/slides/slide25.xml><?xml version="1.0" encoding="utf-8"?>
 <p:sld xmlns:a="http://schemas.openxmlformats.org/drawingml/2006/main" xmlns:r="http://schemas.openxmlformats.org/officeDocument/2006/relationships" xmlns:p="http://schemas.openxmlformats.org/presentationml/2006/main">
   <p:cSld>
     <p:spTree>
@@ -13136,170 +14168,7 @@
 </p:sld>
 </file>
 
-<file path=ppt/slides/slide2.xml><?xml version="1.0" encoding="utf-8"?>
-<p:sld xmlns:a="http://schemas.openxmlformats.org/drawingml/2006/main" xmlns:r="http://schemas.openxmlformats.org/officeDocument/2006/relationships" xmlns:p="http://schemas.openxmlformats.org/presentationml/2006/main">
-  <p:cSld>
-    <p:spTree>
-      <p:nvGrpSpPr>
-        <p:cNvPr id="1" name=""/>
-        <p:cNvGrpSpPr/>
-        <p:nvPr/>
-      </p:nvGrpSpPr>
-      <p:grpSpPr>
-        <a:xfrm>
-          <a:off x="0" y="0"/>
-          <a:ext cx="0" cy="0"/>
-          <a:chOff x="0" y="0"/>
-          <a:chExt cx="0" cy="0"/>
-        </a:xfrm>
-      </p:grpSpPr>
-      <p:sp>
-        <p:nvSpPr>
-          <p:cNvPr id="2" name="Title 1"/>
-          <p:cNvSpPr>
-            <a:spLocks noGrp="1"/>
-          </p:cNvSpPr>
-          <p:nvPr>
-            <p:ph type="title"/>
-          </p:nvPr>
-        </p:nvSpPr>
-        <p:spPr/>
-        <p:txBody>
-          <a:bodyPr/>
-          <a:lstStyle/>
-          <a:p>
-            <a:r>
-              <a:rPr lang="en-US" dirty="0" smtClean="0"/>
-              <a:t>Overview</a:t>
-            </a:r>
-            <a:endParaRPr lang="en-US" dirty="0"/>
-          </a:p>
-        </p:txBody>
-      </p:sp>
-      <p:sp>
-        <p:nvSpPr>
-          <p:cNvPr id="3" name="Subtitle 2"/>
-          <p:cNvSpPr>
-            <a:spLocks noGrp="1"/>
-          </p:cNvSpPr>
-          <p:nvPr>
-            <p:ph idx="1"/>
-          </p:nvPr>
-        </p:nvSpPr>
-        <p:spPr/>
-        <p:txBody>
-          <a:bodyPr/>
-          <a:lstStyle/>
-          <a:p>
-            <a:pPr algn="l"/>
-            <a:r>
-              <a:rPr lang="en-US" sz="2800" b="1" dirty="0" smtClean="0"/>
-              <a:t>Lesson Outline</a:t>
-            </a:r>
-            <a:endParaRPr lang="en-US" sz="2800" b="1" dirty="0" smtClean="0">
-              <a:solidFill>
-                <a:srgbClr val="0070C0"/>
-              </a:solidFill>
-            </a:endParaRPr>
-          </a:p>
-          <a:p>
-            <a:pPr marL="800100" lvl="1" indent="-342900" algn="l">
-              <a:buFont typeface="Arial" panose="020B0604020202020204" pitchFamily="34" charset="0"/>
-              <a:buChar char="•"/>
-            </a:pPr>
-            <a:r>
-              <a:rPr lang="en-US" dirty="0" smtClean="0">
-                <a:solidFill>
-                  <a:srgbClr val="0070C0"/>
-                </a:solidFill>
-              </a:rPr>
-              <a:t>Serial vs Parallel</a:t>
-            </a:r>
-          </a:p>
-          <a:p>
-            <a:pPr marL="800100" lvl="1" indent="-342900" algn="l">
-              <a:buFont typeface="Arial" panose="020B0604020202020204" pitchFamily="34" charset="0"/>
-              <a:buChar char="•"/>
-            </a:pPr>
-            <a:r>
-              <a:rPr lang="en-US" dirty="0" smtClean="0">
-                <a:solidFill>
-                  <a:srgbClr val="0070C0"/>
-                </a:solidFill>
-              </a:rPr>
-              <a:t>Serial Communications</a:t>
-            </a:r>
-          </a:p>
-          <a:p>
-            <a:pPr marL="1138238" lvl="2" indent="-342900">
-              <a:buFont typeface="Arial" panose="020B0604020202020204" pitchFamily="34" charset="0"/>
-              <a:buChar char="•"/>
-            </a:pPr>
-            <a:r>
-              <a:rPr lang="en-US" sz="1600" dirty="0" smtClean="0">
-                <a:solidFill>
-                  <a:srgbClr val="0070C0"/>
-                </a:solidFill>
-              </a:rPr>
-              <a:t>UART</a:t>
-            </a:r>
-          </a:p>
-          <a:p>
-            <a:pPr marL="1138238" lvl="2" indent="-342900">
-              <a:buFont typeface="Arial" panose="020B0604020202020204" pitchFamily="34" charset="0"/>
-              <a:buChar char="•"/>
-            </a:pPr>
-            <a:r>
-              <a:rPr lang="en-US" sz="1600" dirty="0" smtClean="0">
-                <a:solidFill>
-                  <a:srgbClr val="0070C0"/>
-                </a:solidFill>
-              </a:rPr>
-              <a:t>SPI</a:t>
-            </a:r>
-          </a:p>
-          <a:p>
-            <a:pPr marL="1138238" lvl="2" indent="-342900">
-              <a:buFont typeface="Arial" panose="020B0604020202020204" pitchFamily="34" charset="0"/>
-              <a:buChar char="•"/>
-            </a:pPr>
-            <a:r>
-              <a:rPr lang="en-US" sz="1600" dirty="0" smtClean="0">
-                <a:solidFill>
-                  <a:srgbClr val="0070C0"/>
-                </a:solidFill>
-              </a:rPr>
-              <a:t>I2C</a:t>
-            </a:r>
-          </a:p>
-          <a:p>
-            <a:pPr algn="l"/>
-            <a:endParaRPr lang="en-US" sz="2400" dirty="0" smtClean="0"/>
-          </a:p>
-        </p:txBody>
-      </p:sp>
-    </p:spTree>
-    <p:extLst>
-      <p:ext uri="{BB962C8B-B14F-4D97-AF65-F5344CB8AC3E}">
-        <p14:creationId xmlns:p14="http://schemas.microsoft.com/office/powerpoint/2010/main" val="4001633631"/>
-      </p:ext>
-    </p:extLst>
-  </p:cSld>
-  <p:clrMapOvr>
-    <a:masterClrMapping/>
-  </p:clrMapOvr>
-  <p:transition spd="med"/>
-  <p:timing>
-    <p:tnLst>
-      <p:par>
-        <p:cTn id="1" dur="indefinite" restart="never" nodeType="tmRoot"/>
-      </p:par>
-    </p:tnLst>
-  </p:timing>
-</p:sld>
-</file>
-
-<file path=ppt/slides/slide20.xml><?xml version="1.0" encoding="utf-8"?>
+<file path=ppt/slides/slide26.xml><?xml version="1.0" encoding="utf-8"?>
 <p:sld xmlns:a="http://schemas.openxmlformats.org/drawingml/2006/main" xmlns:r="http://schemas.openxmlformats.org/officeDocument/2006/relationships" xmlns:p="http://schemas.openxmlformats.org/presentationml/2006/main">
   <p:cSld>
     <p:spTree>
@@ -13673,7 +14542,7 @@
 </p:sld>
 </file>
 
-<file path=ppt/slides/slide21.xml><?xml version="1.0" encoding="utf-8"?>
+<file path=ppt/slides/slide27.xml><?xml version="1.0" encoding="utf-8"?>
 <p:sld xmlns:a="http://schemas.openxmlformats.org/drawingml/2006/main" xmlns:r="http://schemas.openxmlformats.org/officeDocument/2006/relationships" xmlns:p="http://schemas.openxmlformats.org/presentationml/2006/main">
   <p:cSld>
     <p:spTree>
@@ -14255,7 +15124,7 @@
 </p:sld>
 </file>
 
-<file path=ppt/slides/slide22.xml><?xml version="1.0" encoding="utf-8"?>
+<file path=ppt/slides/slide28.xml><?xml version="1.0" encoding="utf-8"?>
 <p:sld xmlns:a="http://schemas.openxmlformats.org/drawingml/2006/main" xmlns:r="http://schemas.openxmlformats.org/officeDocument/2006/relationships" xmlns:p="http://schemas.openxmlformats.org/presentationml/2006/main">
   <p:cSld>
     <p:spTree>
@@ -14559,7 +15428,7 @@
 </p:sld>
 </file>
 
-<file path=ppt/slides/slide23.xml><?xml version="1.0" encoding="utf-8"?>
+<file path=ppt/slides/slide29.xml><?xml version="1.0" encoding="utf-8"?>
 <p:sld xmlns:a="http://schemas.openxmlformats.org/drawingml/2006/main" xmlns:r="http://schemas.openxmlformats.org/officeDocument/2006/relationships" xmlns:p="http://schemas.openxmlformats.org/presentationml/2006/main">
   <p:cSld>
     <p:spTree>
@@ -14917,1152 +15786,6 @@
   <p:clrMapOvr>
     <a:masterClrMapping/>
   </p:clrMapOvr>
-  <p:timing>
-    <p:tnLst>
-      <p:par>
-        <p:cTn id="1" dur="indefinite" restart="never" nodeType="tmRoot"/>
-      </p:par>
-    </p:tnLst>
-  </p:timing>
-</p:sld>
-</file>
-
-<file path=ppt/slides/slide24.xml><?xml version="1.0" encoding="utf-8"?>
-<p:sld xmlns:a="http://schemas.openxmlformats.org/drawingml/2006/main" xmlns:r="http://schemas.openxmlformats.org/officeDocument/2006/relationships" xmlns:p="http://schemas.openxmlformats.org/presentationml/2006/main">
-  <p:cSld>
-    <p:spTree>
-      <p:nvGrpSpPr>
-        <p:cNvPr id="1" name=""/>
-        <p:cNvGrpSpPr/>
-        <p:nvPr/>
-      </p:nvGrpSpPr>
-      <p:grpSpPr>
-        <a:xfrm>
-          <a:off x="0" y="0"/>
-          <a:ext cx="0" cy="0"/>
-          <a:chOff x="0" y="0"/>
-          <a:chExt cx="0" cy="0"/>
-        </a:xfrm>
-      </p:grpSpPr>
-      <p:sp>
-        <p:nvSpPr>
-          <p:cNvPr id="2" name="Title 1"/>
-          <p:cNvSpPr>
-            <a:spLocks noGrp="1"/>
-          </p:cNvSpPr>
-          <p:nvPr>
-            <p:ph type="title"/>
-          </p:nvPr>
-        </p:nvSpPr>
-        <p:spPr/>
-        <p:txBody>
-          <a:bodyPr/>
-          <a:lstStyle/>
-          <a:p>
-            <a:r>
-              <a:rPr lang="en-US" b="1" dirty="0" smtClean="0"/>
-              <a:t>Example  (loopback)</a:t>
-            </a:r>
-            <a:endParaRPr lang="en-US" dirty="0"/>
-          </a:p>
-        </p:txBody>
-      </p:sp>
-      <p:sp>
-        <p:nvSpPr>
-          <p:cNvPr id="3" name="Content Placeholder 2"/>
-          <p:cNvSpPr>
-            <a:spLocks noGrp="1"/>
-          </p:cNvSpPr>
-          <p:nvPr>
-            <p:ph idx="1"/>
-          </p:nvPr>
-        </p:nvSpPr>
-        <p:spPr>
-          <a:xfrm>
-            <a:off x="435678" y="1563126"/>
-            <a:ext cx="8601452" cy="4790377"/>
-          </a:xfrm>
-        </p:spPr>
-        <p:txBody>
-          <a:bodyPr/>
-          <a:lstStyle/>
-          <a:p>
-            <a:pPr marL="0" indent="0">
-              <a:buNone/>
-            </a:pPr>
-            <a:r>
-              <a:rPr lang="en-US" sz="1200" b="1" dirty="0">
-                <a:solidFill>
-                  <a:schemeClr val="accent2"/>
-                </a:solidFill>
-                <a:latin typeface="Courier New" pitchFamily="49" charset="0"/>
-                <a:cs typeface="Courier New" pitchFamily="49" charset="0"/>
-              </a:rPr>
-              <a:t> </a:t>
-            </a:r>
-            <a:r>
-              <a:rPr lang="en-US" sz="1200" b="1" dirty="0" smtClean="0">
-                <a:solidFill>
-                  <a:schemeClr val="accent2"/>
-                </a:solidFill>
-                <a:latin typeface="Courier New" pitchFamily="49" charset="0"/>
-                <a:cs typeface="Courier New" pitchFamily="49" charset="0"/>
-              </a:rPr>
-              <a:t>       </a:t>
-            </a:r>
-            <a:r>
-              <a:rPr lang="en-US" sz="1200" b="1" dirty="0" err="1" smtClean="0">
-                <a:solidFill>
-                  <a:schemeClr val="accent2"/>
-                </a:solidFill>
-                <a:latin typeface="Courier New" pitchFamily="49" charset="0"/>
-                <a:cs typeface="Courier New" pitchFamily="49" charset="0"/>
-              </a:rPr>
-              <a:t>bis.b</a:t>
-            </a:r>
-            <a:r>
-              <a:rPr lang="en-US" sz="1200" b="1" dirty="0" smtClean="0">
-                <a:solidFill>
-                  <a:schemeClr val="accent2"/>
-                </a:solidFill>
-                <a:latin typeface="Courier New" pitchFamily="49" charset="0"/>
-                <a:cs typeface="Courier New" pitchFamily="49" charset="0"/>
-              </a:rPr>
-              <a:t> </a:t>
-            </a:r>
-            <a:r>
-              <a:rPr lang="en-US" sz="1200" b="1" dirty="0">
-                <a:solidFill>
-                  <a:schemeClr val="accent2"/>
-                </a:solidFill>
-                <a:latin typeface="Courier New" pitchFamily="49" charset="0"/>
-                <a:cs typeface="Courier New" pitchFamily="49" charset="0"/>
-              </a:rPr>
-              <a:t>#UCSWRST, &amp;UCA0CTL1</a:t>
-            </a:r>
-          </a:p>
-          <a:p>
-            <a:pPr marL="0" indent="0">
-              <a:buNone/>
-            </a:pPr>
-            <a:r>
-              <a:rPr lang="en-US" sz="1200" b="1" dirty="0" smtClean="0">
-                <a:solidFill>
-                  <a:schemeClr val="accent2"/>
-                </a:solidFill>
-                <a:latin typeface="Courier New" pitchFamily="49" charset="0"/>
-                <a:cs typeface="Courier New" pitchFamily="49" charset="0"/>
-              </a:rPr>
-              <a:t>        </a:t>
-            </a:r>
-            <a:r>
-              <a:rPr lang="en-US" sz="1200" b="1" dirty="0" err="1">
-                <a:solidFill>
-                  <a:schemeClr val="accent2"/>
-                </a:solidFill>
-                <a:latin typeface="Courier New" pitchFamily="49" charset="0"/>
-                <a:cs typeface="Courier New" pitchFamily="49" charset="0"/>
-              </a:rPr>
-              <a:t>bis.b</a:t>
-            </a:r>
-            <a:r>
-              <a:rPr lang="en-US" sz="1200" b="1" dirty="0">
-                <a:solidFill>
-                  <a:schemeClr val="accent2"/>
-                </a:solidFill>
-                <a:latin typeface="Courier New" pitchFamily="49" charset="0"/>
-                <a:cs typeface="Courier New" pitchFamily="49" charset="0"/>
-              </a:rPr>
-              <a:t> #UCCKPL|UCMSB|UCMST|UCSYNC, &amp;UCA0CTL0     ; don't forget UCSYNC!</a:t>
-            </a:r>
-          </a:p>
-          <a:p>
-            <a:pPr marL="0" indent="0">
-              <a:buNone/>
-            </a:pPr>
-            <a:r>
-              <a:rPr lang="en-US" sz="1200" b="1" dirty="0" smtClean="0">
-                <a:solidFill>
-                  <a:schemeClr val="accent2"/>
-                </a:solidFill>
-                <a:latin typeface="Courier New" pitchFamily="49" charset="0"/>
-                <a:cs typeface="Courier New" pitchFamily="49" charset="0"/>
-              </a:rPr>
-              <a:t>        </a:t>
-            </a:r>
-            <a:r>
-              <a:rPr lang="en-US" sz="1200" b="1" dirty="0" err="1">
-                <a:solidFill>
-                  <a:schemeClr val="accent2"/>
-                </a:solidFill>
-                <a:latin typeface="Courier New" pitchFamily="49" charset="0"/>
-                <a:cs typeface="Courier New" pitchFamily="49" charset="0"/>
-              </a:rPr>
-              <a:t>bis.b</a:t>
-            </a:r>
-            <a:r>
-              <a:rPr lang="en-US" sz="1200" b="1" dirty="0">
-                <a:solidFill>
-                  <a:schemeClr val="accent2"/>
-                </a:solidFill>
-                <a:latin typeface="Courier New" pitchFamily="49" charset="0"/>
-                <a:cs typeface="Courier New" pitchFamily="49" charset="0"/>
-              </a:rPr>
-              <a:t> #UCSSEL1, &amp;UCA0CTL1                       ; select a clock to use!</a:t>
-            </a:r>
-          </a:p>
-          <a:p>
-            <a:pPr marL="0" indent="0">
-              <a:buNone/>
-            </a:pPr>
-            <a:r>
-              <a:rPr lang="en-US" sz="1200" b="1" dirty="0" smtClean="0">
-                <a:solidFill>
-                  <a:schemeClr val="accent2"/>
-                </a:solidFill>
-                <a:latin typeface="Courier New" pitchFamily="49" charset="0"/>
-                <a:cs typeface="Courier New" pitchFamily="49" charset="0"/>
-              </a:rPr>
-              <a:t>        </a:t>
-            </a:r>
-            <a:r>
-              <a:rPr lang="en-US" sz="1200" b="1" dirty="0" err="1">
-                <a:solidFill>
-                  <a:schemeClr val="accent2"/>
-                </a:solidFill>
-                <a:latin typeface="Courier New" pitchFamily="49" charset="0"/>
-                <a:cs typeface="Courier New" pitchFamily="49" charset="0"/>
-              </a:rPr>
-              <a:t>bis.b</a:t>
-            </a:r>
-            <a:r>
-              <a:rPr lang="en-US" sz="1200" b="1" dirty="0">
-                <a:solidFill>
-                  <a:schemeClr val="accent2"/>
-                </a:solidFill>
-                <a:latin typeface="Courier New" pitchFamily="49" charset="0"/>
-                <a:cs typeface="Courier New" pitchFamily="49" charset="0"/>
-              </a:rPr>
-              <a:t> #UCLISTEN, &amp;UCA0STAT                      ; enables internal loopback</a:t>
-            </a:r>
-          </a:p>
-          <a:p>
-            <a:pPr marL="0" indent="0">
-              <a:buNone/>
-            </a:pPr>
-            <a:r>
-              <a:rPr lang="en-US" sz="1200" b="1" dirty="0" smtClean="0">
-                <a:solidFill>
-                  <a:schemeClr val="accent2"/>
-                </a:solidFill>
-                <a:latin typeface="Courier New" pitchFamily="49" charset="0"/>
-                <a:cs typeface="Courier New" pitchFamily="49" charset="0"/>
-              </a:rPr>
-              <a:t>        </a:t>
-            </a:r>
-            <a:r>
-              <a:rPr lang="en-US" sz="1200" b="1" dirty="0" err="1">
-                <a:solidFill>
-                  <a:schemeClr val="accent2"/>
-                </a:solidFill>
-                <a:latin typeface="Courier New" pitchFamily="49" charset="0"/>
-                <a:cs typeface="Courier New" pitchFamily="49" charset="0"/>
-              </a:rPr>
-              <a:t>bis.b</a:t>
-            </a:r>
-            <a:r>
-              <a:rPr lang="en-US" sz="1200" b="1" dirty="0">
-                <a:solidFill>
-                  <a:schemeClr val="accent2"/>
-                </a:solidFill>
-                <a:latin typeface="Courier New" pitchFamily="49" charset="0"/>
-                <a:cs typeface="Courier New" pitchFamily="49" charset="0"/>
-              </a:rPr>
-              <a:t> #BIT4, &amp;P1SEL                             ; make UCA0CLK available on P1.4</a:t>
-            </a:r>
-          </a:p>
-          <a:p>
-            <a:pPr marL="0" indent="0">
-              <a:buNone/>
-            </a:pPr>
-            <a:r>
-              <a:rPr lang="en-US" sz="1200" b="1" dirty="0">
-                <a:solidFill>
-                  <a:schemeClr val="accent2"/>
-                </a:solidFill>
-                <a:latin typeface="Courier New" pitchFamily="49" charset="0"/>
-                <a:cs typeface="Courier New" pitchFamily="49" charset="0"/>
-              </a:rPr>
-              <a:t>        </a:t>
-            </a:r>
-            <a:r>
-              <a:rPr lang="en-US" sz="1200" b="1" dirty="0" err="1">
-                <a:solidFill>
-                  <a:schemeClr val="accent2"/>
-                </a:solidFill>
-                <a:latin typeface="Courier New" pitchFamily="49" charset="0"/>
-                <a:cs typeface="Courier New" pitchFamily="49" charset="0"/>
-              </a:rPr>
-              <a:t>bis.b</a:t>
-            </a:r>
-            <a:r>
-              <a:rPr lang="en-US" sz="1200" b="1" dirty="0">
-                <a:solidFill>
-                  <a:schemeClr val="accent2"/>
-                </a:solidFill>
-                <a:latin typeface="Courier New" pitchFamily="49" charset="0"/>
-                <a:cs typeface="Courier New" pitchFamily="49" charset="0"/>
-              </a:rPr>
-              <a:t> #BIT4, &amp;P1SEL2</a:t>
-            </a:r>
-          </a:p>
-          <a:p>
-            <a:pPr marL="0" indent="0">
-              <a:buNone/>
-            </a:pPr>
-            <a:r>
-              <a:rPr lang="en-US" sz="1200" b="1" dirty="0" smtClean="0">
-                <a:solidFill>
-                  <a:schemeClr val="accent2"/>
-                </a:solidFill>
-                <a:latin typeface="Courier New" pitchFamily="49" charset="0"/>
-                <a:cs typeface="Courier New" pitchFamily="49" charset="0"/>
-              </a:rPr>
-              <a:t>        </a:t>
-            </a:r>
-            <a:r>
-              <a:rPr lang="en-US" sz="1200" b="1" dirty="0" err="1">
-                <a:solidFill>
-                  <a:schemeClr val="accent2"/>
-                </a:solidFill>
-                <a:latin typeface="Courier New" pitchFamily="49" charset="0"/>
-                <a:cs typeface="Courier New" pitchFamily="49" charset="0"/>
-              </a:rPr>
-              <a:t>bis.b</a:t>
-            </a:r>
-            <a:r>
-              <a:rPr lang="en-US" sz="1200" b="1" dirty="0">
-                <a:solidFill>
-                  <a:schemeClr val="accent2"/>
-                </a:solidFill>
-                <a:latin typeface="Courier New" pitchFamily="49" charset="0"/>
-                <a:cs typeface="Courier New" pitchFamily="49" charset="0"/>
-              </a:rPr>
-              <a:t> #BIT2, &amp;P1SEL                             ; make UCA0SSIMO available on P1.2</a:t>
-            </a:r>
-          </a:p>
-          <a:p>
-            <a:pPr marL="0" indent="0">
-              <a:buNone/>
-            </a:pPr>
-            <a:r>
-              <a:rPr lang="en-US" sz="1200" b="1" dirty="0">
-                <a:solidFill>
-                  <a:schemeClr val="accent2"/>
-                </a:solidFill>
-                <a:latin typeface="Courier New" pitchFamily="49" charset="0"/>
-                <a:cs typeface="Courier New" pitchFamily="49" charset="0"/>
-              </a:rPr>
-              <a:t>        </a:t>
-            </a:r>
-            <a:r>
-              <a:rPr lang="en-US" sz="1200" b="1" dirty="0" err="1">
-                <a:solidFill>
-                  <a:schemeClr val="accent2"/>
-                </a:solidFill>
-                <a:latin typeface="Courier New" pitchFamily="49" charset="0"/>
-                <a:cs typeface="Courier New" pitchFamily="49" charset="0"/>
-              </a:rPr>
-              <a:t>bis.b</a:t>
-            </a:r>
-            <a:r>
-              <a:rPr lang="en-US" sz="1200" b="1" dirty="0">
-                <a:solidFill>
-                  <a:schemeClr val="accent2"/>
-                </a:solidFill>
-                <a:latin typeface="Courier New" pitchFamily="49" charset="0"/>
-                <a:cs typeface="Courier New" pitchFamily="49" charset="0"/>
-              </a:rPr>
-              <a:t> #BIT2, &amp;P1SEL2</a:t>
-            </a:r>
-          </a:p>
-          <a:p>
-            <a:pPr marL="0" indent="0">
-              <a:buNone/>
-            </a:pPr>
-            <a:r>
-              <a:rPr lang="en-US" sz="1200" b="1" dirty="0" smtClean="0">
-                <a:solidFill>
-                  <a:schemeClr val="accent2"/>
-                </a:solidFill>
-                <a:latin typeface="Courier New" pitchFamily="49" charset="0"/>
-                <a:cs typeface="Courier New" pitchFamily="49" charset="0"/>
-              </a:rPr>
-              <a:t>        </a:t>
-            </a:r>
-            <a:r>
-              <a:rPr lang="en-US" sz="1200" b="1" dirty="0" err="1">
-                <a:solidFill>
-                  <a:schemeClr val="accent2"/>
-                </a:solidFill>
-                <a:latin typeface="Courier New" pitchFamily="49" charset="0"/>
-                <a:cs typeface="Courier New" pitchFamily="49" charset="0"/>
-              </a:rPr>
-              <a:t>bis.b</a:t>
-            </a:r>
-            <a:r>
-              <a:rPr lang="en-US" sz="1200" b="1" dirty="0">
-                <a:solidFill>
-                  <a:schemeClr val="accent2"/>
-                </a:solidFill>
-                <a:latin typeface="Courier New" pitchFamily="49" charset="0"/>
-                <a:cs typeface="Courier New" pitchFamily="49" charset="0"/>
-              </a:rPr>
-              <a:t> #BIT1, &amp;P1SEL                             ; make UCA0SSOMI available on P1.1</a:t>
-            </a:r>
-          </a:p>
-          <a:p>
-            <a:pPr marL="0" indent="0">
-              <a:buNone/>
-            </a:pPr>
-            <a:r>
-              <a:rPr lang="en-US" sz="1200" b="1" dirty="0">
-                <a:solidFill>
-                  <a:schemeClr val="accent2"/>
-                </a:solidFill>
-                <a:latin typeface="Courier New" pitchFamily="49" charset="0"/>
-                <a:cs typeface="Courier New" pitchFamily="49" charset="0"/>
-              </a:rPr>
-              <a:t>        </a:t>
-            </a:r>
-            <a:r>
-              <a:rPr lang="en-US" sz="1200" b="1" dirty="0" err="1">
-                <a:solidFill>
-                  <a:schemeClr val="accent2"/>
-                </a:solidFill>
-                <a:latin typeface="Courier New" pitchFamily="49" charset="0"/>
-                <a:cs typeface="Courier New" pitchFamily="49" charset="0"/>
-              </a:rPr>
-              <a:t>bis.b</a:t>
-            </a:r>
-            <a:r>
-              <a:rPr lang="en-US" sz="1200" b="1" dirty="0">
-                <a:solidFill>
-                  <a:schemeClr val="accent2"/>
-                </a:solidFill>
-                <a:latin typeface="Courier New" pitchFamily="49" charset="0"/>
-                <a:cs typeface="Courier New" pitchFamily="49" charset="0"/>
-              </a:rPr>
-              <a:t> #BIT1, &amp;P1SEL2</a:t>
-            </a:r>
-          </a:p>
-          <a:p>
-            <a:pPr marL="0" indent="0">
-              <a:buNone/>
-            </a:pPr>
-            <a:r>
-              <a:rPr lang="en-US" sz="1200" b="1" dirty="0" smtClean="0">
-                <a:solidFill>
-                  <a:schemeClr val="accent2"/>
-                </a:solidFill>
-                <a:latin typeface="Courier New" pitchFamily="49" charset="0"/>
-                <a:cs typeface="Courier New" pitchFamily="49" charset="0"/>
-              </a:rPr>
-              <a:t>        </a:t>
-            </a:r>
-            <a:r>
-              <a:rPr lang="en-US" sz="1200" b="1" dirty="0" err="1">
-                <a:solidFill>
-                  <a:schemeClr val="accent2"/>
-                </a:solidFill>
-                <a:latin typeface="Courier New" pitchFamily="49" charset="0"/>
-                <a:cs typeface="Courier New" pitchFamily="49" charset="0"/>
-              </a:rPr>
-              <a:t>bic.b</a:t>
-            </a:r>
-            <a:r>
-              <a:rPr lang="en-US" sz="1200" b="1" dirty="0">
-                <a:solidFill>
-                  <a:schemeClr val="accent2"/>
-                </a:solidFill>
-                <a:latin typeface="Courier New" pitchFamily="49" charset="0"/>
-                <a:cs typeface="Courier New" pitchFamily="49" charset="0"/>
-              </a:rPr>
-              <a:t> #UCSWRST, &amp;UCA0CTL1                       ; enable </a:t>
-            </a:r>
-            <a:r>
-              <a:rPr lang="en-US" sz="1200" b="1" dirty="0" smtClean="0">
-                <a:solidFill>
-                  <a:schemeClr val="accent2"/>
-                </a:solidFill>
-                <a:latin typeface="Courier New" pitchFamily="49" charset="0"/>
-                <a:cs typeface="Courier New" pitchFamily="49" charset="0"/>
-              </a:rPr>
-              <a:t>subsystem</a:t>
-            </a:r>
-          </a:p>
-          <a:p>
-            <a:pPr marL="0" indent="0">
-              <a:buNone/>
-            </a:pPr>
-            <a:endParaRPr lang="en-US" sz="1200" b="1" dirty="0">
-              <a:solidFill>
-                <a:schemeClr val="accent2"/>
-              </a:solidFill>
-              <a:latin typeface="Courier New" pitchFamily="49" charset="0"/>
-              <a:cs typeface="Courier New" pitchFamily="49" charset="0"/>
-            </a:endParaRPr>
-          </a:p>
-          <a:p>
-            <a:pPr marL="0" indent="0">
-              <a:buNone/>
-            </a:pPr>
-            <a:r>
-              <a:rPr lang="en-US" sz="1200" b="1" dirty="0" smtClean="0">
-                <a:solidFill>
-                  <a:schemeClr val="accent2"/>
-                </a:solidFill>
-                <a:latin typeface="Courier New" pitchFamily="49" charset="0"/>
-                <a:cs typeface="Courier New" pitchFamily="49" charset="0"/>
-              </a:rPr>
-              <a:t>send    </a:t>
-            </a:r>
-            <a:r>
-              <a:rPr lang="en-US" sz="1200" b="1" dirty="0" err="1">
-                <a:solidFill>
-                  <a:schemeClr val="accent2"/>
-                </a:solidFill>
-                <a:latin typeface="Courier New" pitchFamily="49" charset="0"/>
-                <a:cs typeface="Courier New" pitchFamily="49" charset="0"/>
-              </a:rPr>
-              <a:t>mov.b</a:t>
-            </a:r>
-            <a:r>
-              <a:rPr lang="en-US" sz="1200" b="1" dirty="0">
-                <a:solidFill>
-                  <a:schemeClr val="accent2"/>
-                </a:solidFill>
-                <a:latin typeface="Courier New" pitchFamily="49" charset="0"/>
-                <a:cs typeface="Courier New" pitchFamily="49" charset="0"/>
-              </a:rPr>
-              <a:t> #0xBB, &amp;</a:t>
-            </a:r>
-            <a:r>
-              <a:rPr lang="en-US" sz="1200" b="1" dirty="0" smtClean="0">
-                <a:solidFill>
-                  <a:schemeClr val="accent2"/>
-                </a:solidFill>
-                <a:latin typeface="Courier New" pitchFamily="49" charset="0"/>
-                <a:cs typeface="Courier New" pitchFamily="49" charset="0"/>
-              </a:rPr>
-              <a:t>UCA0TXBUF          ; </a:t>
-            </a:r>
-            <a:r>
-              <a:rPr lang="en-US" sz="1200" b="1" dirty="0">
-                <a:solidFill>
-                  <a:schemeClr val="accent2"/>
-                </a:solidFill>
-                <a:latin typeface="Courier New" pitchFamily="49" charset="0"/>
-                <a:cs typeface="Courier New" pitchFamily="49" charset="0"/>
-              </a:rPr>
-              <a:t>place a byte in the TX buffer</a:t>
-            </a:r>
-          </a:p>
-          <a:p>
-            <a:pPr marL="0" indent="0">
-              <a:buNone/>
-            </a:pPr>
-            <a:r>
-              <a:rPr lang="en-US" sz="1200" b="1" dirty="0" smtClean="0">
-                <a:solidFill>
-                  <a:schemeClr val="accent2"/>
-                </a:solidFill>
-                <a:latin typeface="Courier New" pitchFamily="49" charset="0"/>
-                <a:cs typeface="Courier New" pitchFamily="49" charset="0"/>
-              </a:rPr>
-              <a:t>wait    </a:t>
-            </a:r>
-            <a:r>
-              <a:rPr lang="en-US" sz="1200" b="1" dirty="0" err="1">
-                <a:solidFill>
-                  <a:schemeClr val="accent2"/>
-                </a:solidFill>
-                <a:latin typeface="Courier New" pitchFamily="49" charset="0"/>
-                <a:cs typeface="Courier New" pitchFamily="49" charset="0"/>
-              </a:rPr>
-              <a:t>bit.b</a:t>
-            </a:r>
-            <a:r>
-              <a:rPr lang="en-US" sz="1200" b="1" dirty="0">
-                <a:solidFill>
-                  <a:schemeClr val="accent2"/>
-                </a:solidFill>
-                <a:latin typeface="Courier New" pitchFamily="49" charset="0"/>
-                <a:cs typeface="Courier New" pitchFamily="49" charset="0"/>
-              </a:rPr>
-              <a:t> </a:t>
-            </a:r>
-            <a:r>
-              <a:rPr lang="en-US" sz="1200" b="1" dirty="0" smtClean="0">
-                <a:solidFill>
-                  <a:schemeClr val="accent2"/>
-                </a:solidFill>
-                <a:latin typeface="Courier New" pitchFamily="49" charset="0"/>
-                <a:cs typeface="Courier New" pitchFamily="49" charset="0"/>
-              </a:rPr>
-              <a:t>#</a:t>
-            </a:r>
-            <a:r>
-              <a:rPr lang="en-US" sz="1200" b="1" dirty="0">
-                <a:solidFill>
-                  <a:schemeClr val="accent2"/>
-                </a:solidFill>
-                <a:latin typeface="Courier New" pitchFamily="49" charset="0"/>
-                <a:cs typeface="Courier New" pitchFamily="49" charset="0"/>
-              </a:rPr>
-              <a:t>UCA0RXIFG, &amp;</a:t>
-            </a:r>
-            <a:r>
-              <a:rPr lang="en-US" sz="1200" b="1" dirty="0" smtClean="0">
-                <a:solidFill>
-                  <a:schemeClr val="accent2"/>
-                </a:solidFill>
-                <a:latin typeface="Courier New" pitchFamily="49" charset="0"/>
-                <a:cs typeface="Courier New" pitchFamily="49" charset="0"/>
-              </a:rPr>
-              <a:t>IFG2          </a:t>
-            </a:r>
-            <a:r>
-              <a:rPr lang="en-US" sz="1000" b="1" dirty="0" smtClean="0">
-                <a:solidFill>
-                  <a:schemeClr val="accent2"/>
-                </a:solidFill>
-                <a:latin typeface="Courier New" pitchFamily="49" charset="0"/>
-                <a:cs typeface="Courier New" pitchFamily="49" charset="0"/>
-              </a:rPr>
-              <a:t>; </a:t>
-            </a:r>
-            <a:r>
-              <a:rPr lang="en-US" sz="1000" b="1" dirty="0">
-                <a:solidFill>
-                  <a:schemeClr val="accent2"/>
-                </a:solidFill>
-                <a:latin typeface="Courier New" pitchFamily="49" charset="0"/>
-                <a:cs typeface="Courier New" pitchFamily="49" charset="0"/>
-              </a:rPr>
-              <a:t>wait for receive flag to be set (operation complete)</a:t>
-            </a:r>
-          </a:p>
-          <a:p>
-            <a:pPr marL="0" indent="0">
-              <a:buNone/>
-            </a:pPr>
-            <a:r>
-              <a:rPr lang="en-US" sz="1200" b="1" dirty="0">
-                <a:solidFill>
-                  <a:schemeClr val="accent2"/>
-                </a:solidFill>
-                <a:latin typeface="Courier New" pitchFamily="49" charset="0"/>
-                <a:cs typeface="Courier New" pitchFamily="49" charset="0"/>
-              </a:rPr>
-              <a:t>        </a:t>
-            </a:r>
-            <a:r>
-              <a:rPr lang="en-US" sz="1200" b="1" dirty="0" err="1">
-                <a:solidFill>
-                  <a:schemeClr val="accent2"/>
-                </a:solidFill>
-                <a:latin typeface="Courier New" pitchFamily="49" charset="0"/>
-                <a:cs typeface="Courier New" pitchFamily="49" charset="0"/>
-              </a:rPr>
-              <a:t>jz</a:t>
-            </a:r>
-            <a:r>
-              <a:rPr lang="en-US" sz="1200" b="1" dirty="0">
-                <a:solidFill>
-                  <a:schemeClr val="accent2"/>
-                </a:solidFill>
-                <a:latin typeface="Courier New" pitchFamily="49" charset="0"/>
-                <a:cs typeface="Courier New" pitchFamily="49" charset="0"/>
-              </a:rPr>
-              <a:t>    </a:t>
-            </a:r>
-            <a:r>
-              <a:rPr lang="en-US" sz="1200" b="1" dirty="0" smtClean="0">
-                <a:solidFill>
-                  <a:schemeClr val="accent2"/>
-                </a:solidFill>
-                <a:latin typeface="Courier New" pitchFamily="49" charset="0"/>
-                <a:cs typeface="Courier New" pitchFamily="49" charset="0"/>
-              </a:rPr>
-              <a:t>wait</a:t>
-            </a:r>
-            <a:endParaRPr lang="en-US" sz="1200" b="1" dirty="0">
-              <a:solidFill>
-                <a:schemeClr val="accent2"/>
-              </a:solidFill>
-              <a:latin typeface="Courier New" pitchFamily="49" charset="0"/>
-              <a:cs typeface="Courier New" pitchFamily="49" charset="0"/>
-            </a:endParaRPr>
-          </a:p>
-          <a:p>
-            <a:pPr marL="0" indent="0">
-              <a:buNone/>
-            </a:pPr>
-            <a:r>
-              <a:rPr lang="en-US" sz="1200" b="1" dirty="0" smtClean="0">
-                <a:solidFill>
-                  <a:schemeClr val="accent2"/>
-                </a:solidFill>
-                <a:latin typeface="Courier New" pitchFamily="49" charset="0"/>
-                <a:cs typeface="Courier New" pitchFamily="49" charset="0"/>
-              </a:rPr>
-              <a:t>        </a:t>
-            </a:r>
-            <a:r>
-              <a:rPr lang="en-US" sz="1200" b="1" dirty="0" err="1">
-                <a:solidFill>
-                  <a:schemeClr val="accent2"/>
-                </a:solidFill>
-                <a:latin typeface="Courier New" pitchFamily="49" charset="0"/>
-                <a:cs typeface="Courier New" pitchFamily="49" charset="0"/>
-              </a:rPr>
-              <a:t>mov.b</a:t>
-            </a:r>
-            <a:r>
-              <a:rPr lang="en-US" sz="1200" b="1" dirty="0">
-                <a:solidFill>
-                  <a:schemeClr val="accent2"/>
-                </a:solidFill>
-                <a:latin typeface="Courier New" pitchFamily="49" charset="0"/>
-                <a:cs typeface="Courier New" pitchFamily="49" charset="0"/>
-              </a:rPr>
-              <a:t> </a:t>
-            </a:r>
-            <a:r>
-              <a:rPr lang="en-US" sz="1200" b="1" dirty="0" smtClean="0">
-                <a:solidFill>
-                  <a:schemeClr val="accent2"/>
-                </a:solidFill>
-                <a:latin typeface="Courier New" pitchFamily="49" charset="0"/>
-                <a:cs typeface="Courier New" pitchFamily="49" charset="0"/>
-              </a:rPr>
-              <a:t>&amp;</a:t>
-            </a:r>
-            <a:r>
-              <a:rPr lang="en-US" sz="1200" b="1" dirty="0">
-                <a:solidFill>
-                  <a:schemeClr val="accent2"/>
-                </a:solidFill>
-                <a:latin typeface="Courier New" pitchFamily="49" charset="0"/>
-                <a:cs typeface="Courier New" pitchFamily="49" charset="0"/>
-              </a:rPr>
-              <a:t>UCA0RXBUF, </a:t>
-            </a:r>
-            <a:r>
-              <a:rPr lang="en-US" sz="1200" b="1" dirty="0" smtClean="0">
-                <a:solidFill>
-                  <a:schemeClr val="accent2"/>
-                </a:solidFill>
-                <a:latin typeface="Courier New" pitchFamily="49" charset="0"/>
-                <a:cs typeface="Courier New" pitchFamily="49" charset="0"/>
-              </a:rPr>
-              <a:t>r4             ; </a:t>
-            </a:r>
-            <a:r>
-              <a:rPr lang="en-US" sz="1200" b="1" dirty="0">
-                <a:solidFill>
-                  <a:schemeClr val="accent2"/>
-                </a:solidFill>
-                <a:latin typeface="Courier New" pitchFamily="49" charset="0"/>
-                <a:cs typeface="Courier New" pitchFamily="49" charset="0"/>
-              </a:rPr>
-              <a:t>read RX buffer to clear flag</a:t>
-            </a:r>
-          </a:p>
-          <a:p>
-            <a:pPr marL="0" indent="0">
-              <a:buNone/>
-            </a:pPr>
-            <a:r>
-              <a:rPr lang="en-US" sz="1200" b="1" dirty="0">
-                <a:solidFill>
-                  <a:schemeClr val="accent2"/>
-                </a:solidFill>
-                <a:latin typeface="Courier New" pitchFamily="49" charset="0"/>
-                <a:cs typeface="Courier New" pitchFamily="49" charset="0"/>
-              </a:rPr>
-              <a:t>        </a:t>
-            </a:r>
-            <a:r>
-              <a:rPr lang="en-US" sz="1200" b="1" dirty="0" err="1">
-                <a:solidFill>
-                  <a:schemeClr val="accent2"/>
-                </a:solidFill>
-                <a:latin typeface="Courier New" pitchFamily="49" charset="0"/>
-                <a:cs typeface="Courier New" pitchFamily="49" charset="0"/>
-              </a:rPr>
-              <a:t>jmp</a:t>
-            </a:r>
-            <a:r>
-              <a:rPr lang="en-US" sz="1200" b="1" dirty="0">
-                <a:solidFill>
-                  <a:schemeClr val="accent2"/>
-                </a:solidFill>
-                <a:latin typeface="Courier New" pitchFamily="49" charset="0"/>
-                <a:cs typeface="Courier New" pitchFamily="49" charset="0"/>
-              </a:rPr>
-              <a:t>    </a:t>
-            </a:r>
-            <a:r>
-              <a:rPr lang="en-US" sz="1200" b="1" dirty="0" smtClean="0">
-                <a:solidFill>
-                  <a:schemeClr val="accent2"/>
-                </a:solidFill>
-                <a:latin typeface="Courier New" pitchFamily="49" charset="0"/>
-                <a:cs typeface="Courier New" pitchFamily="49" charset="0"/>
-              </a:rPr>
-              <a:t>send                      ; </a:t>
-            </a:r>
-            <a:r>
-              <a:rPr lang="en-US" sz="1200" b="1" dirty="0">
-                <a:solidFill>
-                  <a:schemeClr val="accent2"/>
-                </a:solidFill>
-                <a:latin typeface="Courier New" pitchFamily="49" charset="0"/>
-                <a:cs typeface="Courier New" pitchFamily="49" charset="0"/>
-              </a:rPr>
-              <a:t>send another byte</a:t>
-            </a:r>
-          </a:p>
-        </p:txBody>
-      </p:sp>
-    </p:spTree>
-    <p:extLst>
-      <p:ext uri="{BB962C8B-B14F-4D97-AF65-F5344CB8AC3E}">
-        <p14:creationId xmlns:p14="http://schemas.microsoft.com/office/powerpoint/2010/main" val="1992582050"/>
-      </p:ext>
-    </p:extLst>
-  </p:cSld>
-  <p:clrMapOvr>
-    <a:masterClrMapping/>
-  </p:clrMapOvr>
-  <p:timing>
-    <p:tnLst>
-      <p:par>
-        <p:cTn id="1" dur="indefinite" restart="never" nodeType="tmRoot"/>
-      </p:par>
-    </p:tnLst>
-  </p:timing>
-</p:sld>
-</file>
-
-<file path=ppt/slides/slide25.xml><?xml version="1.0" encoding="utf-8"?>
-<p:sld xmlns:a="http://schemas.openxmlformats.org/drawingml/2006/main" xmlns:r="http://schemas.openxmlformats.org/officeDocument/2006/relationships" xmlns:p="http://schemas.openxmlformats.org/presentationml/2006/main">
-  <p:cSld>
-    <p:spTree>
-      <p:nvGrpSpPr>
-        <p:cNvPr id="1" name=""/>
-        <p:cNvGrpSpPr/>
-        <p:nvPr/>
-      </p:nvGrpSpPr>
-      <p:grpSpPr>
-        <a:xfrm>
-          <a:off x="0" y="0"/>
-          <a:ext cx="0" cy="0"/>
-          <a:chOff x="0" y="0"/>
-          <a:chExt cx="0" cy="0"/>
-        </a:xfrm>
-      </p:grpSpPr>
-      <p:sp>
-        <p:nvSpPr>
-          <p:cNvPr id="2" name="Title 1"/>
-          <p:cNvSpPr>
-            <a:spLocks noGrp="1"/>
-          </p:cNvSpPr>
-          <p:nvPr>
-            <p:ph type="title"/>
-          </p:nvPr>
-        </p:nvSpPr>
-        <p:spPr/>
-        <p:txBody>
-          <a:bodyPr/>
-          <a:lstStyle/>
-          <a:p>
-            <a:r>
-              <a:rPr lang="en-US" b="1" dirty="0" smtClean="0"/>
-              <a:t>Logic Analyzer</a:t>
-            </a:r>
-            <a:endParaRPr lang="en-US" dirty="0"/>
-          </a:p>
-        </p:txBody>
-      </p:sp>
-      <p:sp>
-        <p:nvSpPr>
-          <p:cNvPr id="3" name="Content Placeholder 2"/>
-          <p:cNvSpPr>
-            <a:spLocks noGrp="1"/>
-          </p:cNvSpPr>
-          <p:nvPr>
-            <p:ph idx="1"/>
-          </p:nvPr>
-        </p:nvSpPr>
-        <p:spPr>
-          <a:xfrm>
-            <a:off x="376038" y="1458128"/>
-            <a:ext cx="8493642" cy="4724400"/>
-          </a:xfrm>
-        </p:spPr>
-        <p:txBody>
-          <a:bodyPr/>
-          <a:lstStyle/>
-          <a:p>
-            <a:r>
-              <a:rPr lang="en-US" sz="1600" dirty="0" smtClean="0"/>
-              <a:t>Sending 0xBB once  (0x1011 1011)      </a:t>
-            </a:r>
-            <a:r>
-              <a:rPr lang="en-US" sz="1600" dirty="0" smtClean="0">
-                <a:solidFill>
-                  <a:schemeClr val="accent2"/>
-                </a:solidFill>
-              </a:rPr>
-              <a:t>[MSB first!]</a:t>
-            </a:r>
-          </a:p>
-          <a:p>
-            <a:pPr lvl="1"/>
-            <a:r>
-              <a:rPr lang="en-US" sz="1200" dirty="0"/>
-              <a:t>Note how the clock default state is high and data is read on the second clock edge - consistent with our settings.</a:t>
-            </a:r>
-          </a:p>
-        </p:txBody>
-      </p:sp>
-      <p:pic>
-        <p:nvPicPr>
-          <p:cNvPr id="7170" name="Picture 2"/>
-          <p:cNvPicPr>
-            <a:picLocks noChangeAspect="1" noChangeArrowheads="1"/>
-          </p:cNvPicPr>
-          <p:nvPr/>
-        </p:nvPicPr>
-        <p:blipFill>
-          <a:blip r:embed="rId2">
-            <a:extLst>
-              <a:ext uri="{28A0092B-C50C-407E-A947-70E740481C1C}">
-                <a14:useLocalDpi xmlns:a14="http://schemas.microsoft.com/office/drawing/2010/main" val="0"/>
-              </a:ext>
-            </a:extLst>
-          </a:blip>
-          <a:srcRect/>
-          <a:stretch>
-            <a:fillRect/>
-          </a:stretch>
-        </p:blipFill>
-        <p:spPr bwMode="auto">
-          <a:xfrm>
-            <a:off x="2238704" y="2172083"/>
-            <a:ext cx="5584551" cy="4188413"/>
-          </a:xfrm>
-          <a:prstGeom prst="rect">
-            <a:avLst/>
-          </a:prstGeom>
-          <a:noFill/>
-          <a:ln>
-            <a:noFill/>
-          </a:ln>
-          <a:extLst>
-            <a:ext uri="{909E8E84-426E-40DD-AFC4-6F175D3DCCD1}">
-              <a14:hiddenFill xmlns:a14="http://schemas.microsoft.com/office/drawing/2010/main">
-                <a:solidFill>
-                  <a:schemeClr val="accent1"/>
-                </a:solidFill>
-              </a14:hiddenFill>
-            </a:ext>
-            <a:ext uri="{91240B29-F687-4F45-9708-019B960494DF}">
-              <a14:hiddenLine xmlns:a14="http://schemas.microsoft.com/office/drawing/2010/main" w="9525">
-                <a:solidFill>
-                  <a:schemeClr val="tx1"/>
-                </a:solidFill>
-                <a:miter lim="800000"/>
-                <a:headEnd/>
-                <a:tailEnd/>
-              </a14:hiddenLine>
-            </a:ext>
-          </a:extLst>
-        </p:spPr>
-      </p:pic>
-    </p:spTree>
-    <p:extLst>
-      <p:ext uri="{BB962C8B-B14F-4D97-AF65-F5344CB8AC3E}">
-        <p14:creationId xmlns:p14="http://schemas.microsoft.com/office/powerpoint/2010/main" val="2374234788"/>
-      </p:ext>
-    </p:extLst>
-  </p:cSld>
-  <p:clrMapOvr>
-    <a:masterClrMapping/>
-  </p:clrMapOvr>
-  <p:timing>
-    <p:tnLst>
-      <p:par>
-        <p:cTn id="1" dur="indefinite" restart="never" nodeType="tmRoot"/>
-      </p:par>
-    </p:tnLst>
-  </p:timing>
-</p:sld>
-</file>
-
-<file path=ppt/slides/slide26.xml><?xml version="1.0" encoding="utf-8"?>
-<p:sld xmlns:a="http://schemas.openxmlformats.org/drawingml/2006/main" xmlns:r="http://schemas.openxmlformats.org/officeDocument/2006/relationships" xmlns:p="http://schemas.openxmlformats.org/presentationml/2006/main">
-  <p:cSld>
-    <p:spTree>
-      <p:nvGrpSpPr>
-        <p:cNvPr id="1" name=""/>
-        <p:cNvGrpSpPr/>
-        <p:nvPr/>
-      </p:nvGrpSpPr>
-      <p:grpSpPr>
-        <a:xfrm>
-          <a:off x="0" y="0"/>
-          <a:ext cx="0" cy="0"/>
-          <a:chOff x="0" y="0"/>
-          <a:chExt cx="0" cy="0"/>
-        </a:xfrm>
-      </p:grpSpPr>
-      <p:sp>
-        <p:nvSpPr>
-          <p:cNvPr id="6" name="Title 5"/>
-          <p:cNvSpPr>
-            <a:spLocks noGrp="1"/>
-          </p:cNvSpPr>
-          <p:nvPr>
-            <p:ph type="title"/>
-          </p:nvPr>
-        </p:nvSpPr>
-        <p:spPr/>
-        <p:txBody>
-          <a:bodyPr/>
-          <a:lstStyle/>
-          <a:p>
-            <a:r>
-              <a:rPr lang="en-US" dirty="0" smtClean="0"/>
-              <a:t>I2C</a:t>
-            </a:r>
-            <a:endParaRPr lang="en-US" dirty="0"/>
-          </a:p>
-        </p:txBody>
-      </p:sp>
-      <p:sp>
-        <p:nvSpPr>
-          <p:cNvPr id="7" name="Text Placeholder 6"/>
-          <p:cNvSpPr>
-            <a:spLocks noGrp="1"/>
-          </p:cNvSpPr>
-          <p:nvPr>
-            <p:ph type="body" idx="1"/>
-          </p:nvPr>
-        </p:nvSpPr>
-        <p:spPr/>
-        <p:txBody>
-          <a:bodyPr/>
-          <a:lstStyle/>
-          <a:p>
-            <a:endParaRPr lang="en-US"/>
-          </a:p>
-        </p:txBody>
-      </p:sp>
-    </p:spTree>
-    <p:extLst>
-      <p:ext uri="{BB962C8B-B14F-4D97-AF65-F5344CB8AC3E}">
-        <p14:creationId xmlns:p14="http://schemas.microsoft.com/office/powerpoint/2010/main" val="3070791367"/>
-      </p:ext>
-    </p:extLst>
-  </p:cSld>
-  <p:clrMapOvr>
-    <a:masterClrMapping/>
-  </p:clrMapOvr>
-  <mc:AlternateContent xmlns:mc="http://schemas.openxmlformats.org/markup-compatibility/2006" xmlns:p14="http://schemas.microsoft.com/office/powerpoint/2010/main">
-    <mc:Choice Requires="p14">
-      <p:transition spd="slow" p14:dur="2000"/>
-    </mc:Choice>
-    <mc:Fallback xmlns="">
-      <p:transition spd="slow"/>
-    </mc:Fallback>
-  </mc:AlternateContent>
-</p:sld>
-</file>
-
-<file path=ppt/slides/slide27.xml><?xml version="1.0" encoding="utf-8"?>
-<p:sld xmlns:a="http://schemas.openxmlformats.org/drawingml/2006/main" xmlns:r="http://schemas.openxmlformats.org/officeDocument/2006/relationships" xmlns:p="http://schemas.openxmlformats.org/presentationml/2006/main">
-  <p:cSld>
-    <p:spTree>
-      <p:nvGrpSpPr>
-        <p:cNvPr id="1" name=""/>
-        <p:cNvGrpSpPr/>
-        <p:nvPr/>
-      </p:nvGrpSpPr>
-      <p:grpSpPr>
-        <a:xfrm>
-          <a:off x="0" y="0"/>
-          <a:ext cx="0" cy="0"/>
-          <a:chOff x="0" y="0"/>
-          <a:chExt cx="0" cy="0"/>
-        </a:xfrm>
-      </p:grpSpPr>
-      <p:sp>
-        <p:nvSpPr>
-          <p:cNvPr id="5" name="Subtitle 4"/>
-          <p:cNvSpPr>
-            <a:spLocks noGrp="1"/>
-          </p:cNvSpPr>
-          <p:nvPr>
-            <p:ph type="subTitle" idx="1"/>
-          </p:nvPr>
-        </p:nvSpPr>
-        <p:spPr/>
-        <p:txBody>
-          <a:bodyPr/>
-          <a:lstStyle/>
-          <a:p>
-            <a:endParaRPr lang="en-US" dirty="0"/>
-          </a:p>
-        </p:txBody>
-      </p:sp>
-      <p:sp>
-        <p:nvSpPr>
-          <p:cNvPr id="4" name="Title 3"/>
-          <p:cNvSpPr>
-            <a:spLocks noGrp="1"/>
-          </p:cNvSpPr>
-          <p:nvPr>
-            <p:ph type="title"/>
-          </p:nvPr>
-        </p:nvSpPr>
-        <p:spPr/>
-        <p:txBody>
-          <a:bodyPr/>
-          <a:lstStyle/>
-          <a:p>
-            <a:r>
-              <a:rPr lang="en-US" dirty="0" smtClean="0"/>
-              <a:t>BACKUPS</a:t>
-            </a:r>
-            <a:endParaRPr lang="en-US" dirty="0"/>
-          </a:p>
-        </p:txBody>
-      </p:sp>
-    </p:spTree>
-    <p:extLst>
-      <p:ext uri="{BB962C8B-B14F-4D97-AF65-F5344CB8AC3E}">
-        <p14:creationId xmlns:p14="http://schemas.microsoft.com/office/powerpoint/2010/main" val="3003632033"/>
-      </p:ext>
-    </p:extLst>
-  </p:cSld>
-  <p:clrMapOvr>
-    <a:masterClrMapping/>
-  </p:clrMapOvr>
-  <p:transition spd="med"/>
   <p:timing>
     <p:tnLst>
       <p:par>
@@ -16974,6 +16697,1152 @@
 </p:sld>
 </file>
 
+<file path=ppt/slides/slide30.xml><?xml version="1.0" encoding="utf-8"?>
+<p:sld xmlns:a="http://schemas.openxmlformats.org/drawingml/2006/main" xmlns:r="http://schemas.openxmlformats.org/officeDocument/2006/relationships" xmlns:p="http://schemas.openxmlformats.org/presentationml/2006/main">
+  <p:cSld>
+    <p:spTree>
+      <p:nvGrpSpPr>
+        <p:cNvPr id="1" name=""/>
+        <p:cNvGrpSpPr/>
+        <p:nvPr/>
+      </p:nvGrpSpPr>
+      <p:grpSpPr>
+        <a:xfrm>
+          <a:off x="0" y="0"/>
+          <a:ext cx="0" cy="0"/>
+          <a:chOff x="0" y="0"/>
+          <a:chExt cx="0" cy="0"/>
+        </a:xfrm>
+      </p:grpSpPr>
+      <p:sp>
+        <p:nvSpPr>
+          <p:cNvPr id="2" name="Title 1"/>
+          <p:cNvSpPr>
+            <a:spLocks noGrp="1"/>
+          </p:cNvSpPr>
+          <p:nvPr>
+            <p:ph type="title"/>
+          </p:nvPr>
+        </p:nvSpPr>
+        <p:spPr/>
+        <p:txBody>
+          <a:bodyPr/>
+          <a:lstStyle/>
+          <a:p>
+            <a:r>
+              <a:rPr lang="en-US" b="1" dirty="0" smtClean="0"/>
+              <a:t>Example  (loopback)</a:t>
+            </a:r>
+            <a:endParaRPr lang="en-US" dirty="0"/>
+          </a:p>
+        </p:txBody>
+      </p:sp>
+      <p:sp>
+        <p:nvSpPr>
+          <p:cNvPr id="3" name="Content Placeholder 2"/>
+          <p:cNvSpPr>
+            <a:spLocks noGrp="1"/>
+          </p:cNvSpPr>
+          <p:nvPr>
+            <p:ph idx="1"/>
+          </p:nvPr>
+        </p:nvSpPr>
+        <p:spPr>
+          <a:xfrm>
+            <a:off x="435678" y="1563126"/>
+            <a:ext cx="8601452" cy="4790377"/>
+          </a:xfrm>
+        </p:spPr>
+        <p:txBody>
+          <a:bodyPr/>
+          <a:lstStyle/>
+          <a:p>
+            <a:pPr marL="0" indent="0">
+              <a:buNone/>
+            </a:pPr>
+            <a:r>
+              <a:rPr lang="en-US" sz="1200" b="1" dirty="0">
+                <a:solidFill>
+                  <a:schemeClr val="accent2"/>
+                </a:solidFill>
+                <a:latin typeface="Courier New" pitchFamily="49" charset="0"/>
+                <a:cs typeface="Courier New" pitchFamily="49" charset="0"/>
+              </a:rPr>
+              <a:t> </a:t>
+            </a:r>
+            <a:r>
+              <a:rPr lang="en-US" sz="1200" b="1" dirty="0" smtClean="0">
+                <a:solidFill>
+                  <a:schemeClr val="accent2"/>
+                </a:solidFill>
+                <a:latin typeface="Courier New" pitchFamily="49" charset="0"/>
+                <a:cs typeface="Courier New" pitchFamily="49" charset="0"/>
+              </a:rPr>
+              <a:t>       </a:t>
+            </a:r>
+            <a:r>
+              <a:rPr lang="en-US" sz="1200" b="1" dirty="0" err="1" smtClean="0">
+                <a:solidFill>
+                  <a:schemeClr val="accent2"/>
+                </a:solidFill>
+                <a:latin typeface="Courier New" pitchFamily="49" charset="0"/>
+                <a:cs typeface="Courier New" pitchFamily="49" charset="0"/>
+              </a:rPr>
+              <a:t>bis.b</a:t>
+            </a:r>
+            <a:r>
+              <a:rPr lang="en-US" sz="1200" b="1" dirty="0" smtClean="0">
+                <a:solidFill>
+                  <a:schemeClr val="accent2"/>
+                </a:solidFill>
+                <a:latin typeface="Courier New" pitchFamily="49" charset="0"/>
+                <a:cs typeface="Courier New" pitchFamily="49" charset="0"/>
+              </a:rPr>
+              <a:t> </a:t>
+            </a:r>
+            <a:r>
+              <a:rPr lang="en-US" sz="1200" b="1" dirty="0">
+                <a:solidFill>
+                  <a:schemeClr val="accent2"/>
+                </a:solidFill>
+                <a:latin typeface="Courier New" pitchFamily="49" charset="0"/>
+                <a:cs typeface="Courier New" pitchFamily="49" charset="0"/>
+              </a:rPr>
+              <a:t>#UCSWRST, &amp;UCA0CTL1</a:t>
+            </a:r>
+          </a:p>
+          <a:p>
+            <a:pPr marL="0" indent="0">
+              <a:buNone/>
+            </a:pPr>
+            <a:r>
+              <a:rPr lang="en-US" sz="1200" b="1" dirty="0" smtClean="0">
+                <a:solidFill>
+                  <a:schemeClr val="accent2"/>
+                </a:solidFill>
+                <a:latin typeface="Courier New" pitchFamily="49" charset="0"/>
+                <a:cs typeface="Courier New" pitchFamily="49" charset="0"/>
+              </a:rPr>
+              <a:t>        </a:t>
+            </a:r>
+            <a:r>
+              <a:rPr lang="en-US" sz="1200" b="1" dirty="0" err="1">
+                <a:solidFill>
+                  <a:schemeClr val="accent2"/>
+                </a:solidFill>
+                <a:latin typeface="Courier New" pitchFamily="49" charset="0"/>
+                <a:cs typeface="Courier New" pitchFamily="49" charset="0"/>
+              </a:rPr>
+              <a:t>bis.b</a:t>
+            </a:r>
+            <a:r>
+              <a:rPr lang="en-US" sz="1200" b="1" dirty="0">
+                <a:solidFill>
+                  <a:schemeClr val="accent2"/>
+                </a:solidFill>
+                <a:latin typeface="Courier New" pitchFamily="49" charset="0"/>
+                <a:cs typeface="Courier New" pitchFamily="49" charset="0"/>
+              </a:rPr>
+              <a:t> #UCCKPL|UCMSB|UCMST|UCSYNC, &amp;UCA0CTL0     ; don't forget UCSYNC!</a:t>
+            </a:r>
+          </a:p>
+          <a:p>
+            <a:pPr marL="0" indent="0">
+              <a:buNone/>
+            </a:pPr>
+            <a:r>
+              <a:rPr lang="en-US" sz="1200" b="1" dirty="0" smtClean="0">
+                <a:solidFill>
+                  <a:schemeClr val="accent2"/>
+                </a:solidFill>
+                <a:latin typeface="Courier New" pitchFamily="49" charset="0"/>
+                <a:cs typeface="Courier New" pitchFamily="49" charset="0"/>
+              </a:rPr>
+              <a:t>        </a:t>
+            </a:r>
+            <a:r>
+              <a:rPr lang="en-US" sz="1200" b="1" dirty="0" err="1">
+                <a:solidFill>
+                  <a:schemeClr val="accent2"/>
+                </a:solidFill>
+                <a:latin typeface="Courier New" pitchFamily="49" charset="0"/>
+                <a:cs typeface="Courier New" pitchFamily="49" charset="0"/>
+              </a:rPr>
+              <a:t>bis.b</a:t>
+            </a:r>
+            <a:r>
+              <a:rPr lang="en-US" sz="1200" b="1" dirty="0">
+                <a:solidFill>
+                  <a:schemeClr val="accent2"/>
+                </a:solidFill>
+                <a:latin typeface="Courier New" pitchFamily="49" charset="0"/>
+                <a:cs typeface="Courier New" pitchFamily="49" charset="0"/>
+              </a:rPr>
+              <a:t> #UCSSEL1, &amp;UCA0CTL1                       ; select a clock to use!</a:t>
+            </a:r>
+          </a:p>
+          <a:p>
+            <a:pPr marL="0" indent="0">
+              <a:buNone/>
+            </a:pPr>
+            <a:r>
+              <a:rPr lang="en-US" sz="1200" b="1" dirty="0" smtClean="0">
+                <a:solidFill>
+                  <a:schemeClr val="accent2"/>
+                </a:solidFill>
+                <a:latin typeface="Courier New" pitchFamily="49" charset="0"/>
+                <a:cs typeface="Courier New" pitchFamily="49" charset="0"/>
+              </a:rPr>
+              <a:t>        </a:t>
+            </a:r>
+            <a:r>
+              <a:rPr lang="en-US" sz="1200" b="1" dirty="0" err="1">
+                <a:solidFill>
+                  <a:schemeClr val="accent2"/>
+                </a:solidFill>
+                <a:latin typeface="Courier New" pitchFamily="49" charset="0"/>
+                <a:cs typeface="Courier New" pitchFamily="49" charset="0"/>
+              </a:rPr>
+              <a:t>bis.b</a:t>
+            </a:r>
+            <a:r>
+              <a:rPr lang="en-US" sz="1200" b="1" dirty="0">
+                <a:solidFill>
+                  <a:schemeClr val="accent2"/>
+                </a:solidFill>
+                <a:latin typeface="Courier New" pitchFamily="49" charset="0"/>
+                <a:cs typeface="Courier New" pitchFamily="49" charset="0"/>
+              </a:rPr>
+              <a:t> #UCLISTEN, &amp;UCA0STAT                      ; enables internal loopback</a:t>
+            </a:r>
+          </a:p>
+          <a:p>
+            <a:pPr marL="0" indent="0">
+              <a:buNone/>
+            </a:pPr>
+            <a:r>
+              <a:rPr lang="en-US" sz="1200" b="1" dirty="0" smtClean="0">
+                <a:solidFill>
+                  <a:schemeClr val="accent2"/>
+                </a:solidFill>
+                <a:latin typeface="Courier New" pitchFamily="49" charset="0"/>
+                <a:cs typeface="Courier New" pitchFamily="49" charset="0"/>
+              </a:rPr>
+              <a:t>        </a:t>
+            </a:r>
+            <a:r>
+              <a:rPr lang="en-US" sz="1200" b="1" dirty="0" err="1">
+                <a:solidFill>
+                  <a:schemeClr val="accent2"/>
+                </a:solidFill>
+                <a:latin typeface="Courier New" pitchFamily="49" charset="0"/>
+                <a:cs typeface="Courier New" pitchFamily="49" charset="0"/>
+              </a:rPr>
+              <a:t>bis.b</a:t>
+            </a:r>
+            <a:r>
+              <a:rPr lang="en-US" sz="1200" b="1" dirty="0">
+                <a:solidFill>
+                  <a:schemeClr val="accent2"/>
+                </a:solidFill>
+                <a:latin typeface="Courier New" pitchFamily="49" charset="0"/>
+                <a:cs typeface="Courier New" pitchFamily="49" charset="0"/>
+              </a:rPr>
+              <a:t> #BIT4, &amp;P1SEL                             ; make UCA0CLK available on P1.4</a:t>
+            </a:r>
+          </a:p>
+          <a:p>
+            <a:pPr marL="0" indent="0">
+              <a:buNone/>
+            </a:pPr>
+            <a:r>
+              <a:rPr lang="en-US" sz="1200" b="1" dirty="0">
+                <a:solidFill>
+                  <a:schemeClr val="accent2"/>
+                </a:solidFill>
+                <a:latin typeface="Courier New" pitchFamily="49" charset="0"/>
+                <a:cs typeface="Courier New" pitchFamily="49" charset="0"/>
+              </a:rPr>
+              <a:t>        </a:t>
+            </a:r>
+            <a:r>
+              <a:rPr lang="en-US" sz="1200" b="1" dirty="0" err="1">
+                <a:solidFill>
+                  <a:schemeClr val="accent2"/>
+                </a:solidFill>
+                <a:latin typeface="Courier New" pitchFamily="49" charset="0"/>
+                <a:cs typeface="Courier New" pitchFamily="49" charset="0"/>
+              </a:rPr>
+              <a:t>bis.b</a:t>
+            </a:r>
+            <a:r>
+              <a:rPr lang="en-US" sz="1200" b="1" dirty="0">
+                <a:solidFill>
+                  <a:schemeClr val="accent2"/>
+                </a:solidFill>
+                <a:latin typeface="Courier New" pitchFamily="49" charset="0"/>
+                <a:cs typeface="Courier New" pitchFamily="49" charset="0"/>
+              </a:rPr>
+              <a:t> #BIT4, &amp;P1SEL2</a:t>
+            </a:r>
+          </a:p>
+          <a:p>
+            <a:pPr marL="0" indent="0">
+              <a:buNone/>
+            </a:pPr>
+            <a:r>
+              <a:rPr lang="en-US" sz="1200" b="1" dirty="0" smtClean="0">
+                <a:solidFill>
+                  <a:schemeClr val="accent2"/>
+                </a:solidFill>
+                <a:latin typeface="Courier New" pitchFamily="49" charset="0"/>
+                <a:cs typeface="Courier New" pitchFamily="49" charset="0"/>
+              </a:rPr>
+              <a:t>        </a:t>
+            </a:r>
+            <a:r>
+              <a:rPr lang="en-US" sz="1200" b="1" dirty="0" err="1">
+                <a:solidFill>
+                  <a:schemeClr val="accent2"/>
+                </a:solidFill>
+                <a:latin typeface="Courier New" pitchFamily="49" charset="0"/>
+                <a:cs typeface="Courier New" pitchFamily="49" charset="0"/>
+              </a:rPr>
+              <a:t>bis.b</a:t>
+            </a:r>
+            <a:r>
+              <a:rPr lang="en-US" sz="1200" b="1" dirty="0">
+                <a:solidFill>
+                  <a:schemeClr val="accent2"/>
+                </a:solidFill>
+                <a:latin typeface="Courier New" pitchFamily="49" charset="0"/>
+                <a:cs typeface="Courier New" pitchFamily="49" charset="0"/>
+              </a:rPr>
+              <a:t> #BIT2, &amp;P1SEL                             ; make UCA0SSIMO available on P1.2</a:t>
+            </a:r>
+          </a:p>
+          <a:p>
+            <a:pPr marL="0" indent="0">
+              <a:buNone/>
+            </a:pPr>
+            <a:r>
+              <a:rPr lang="en-US" sz="1200" b="1" dirty="0">
+                <a:solidFill>
+                  <a:schemeClr val="accent2"/>
+                </a:solidFill>
+                <a:latin typeface="Courier New" pitchFamily="49" charset="0"/>
+                <a:cs typeface="Courier New" pitchFamily="49" charset="0"/>
+              </a:rPr>
+              <a:t>        </a:t>
+            </a:r>
+            <a:r>
+              <a:rPr lang="en-US" sz="1200" b="1" dirty="0" err="1">
+                <a:solidFill>
+                  <a:schemeClr val="accent2"/>
+                </a:solidFill>
+                <a:latin typeface="Courier New" pitchFamily="49" charset="0"/>
+                <a:cs typeface="Courier New" pitchFamily="49" charset="0"/>
+              </a:rPr>
+              <a:t>bis.b</a:t>
+            </a:r>
+            <a:r>
+              <a:rPr lang="en-US" sz="1200" b="1" dirty="0">
+                <a:solidFill>
+                  <a:schemeClr val="accent2"/>
+                </a:solidFill>
+                <a:latin typeface="Courier New" pitchFamily="49" charset="0"/>
+                <a:cs typeface="Courier New" pitchFamily="49" charset="0"/>
+              </a:rPr>
+              <a:t> #BIT2, &amp;P1SEL2</a:t>
+            </a:r>
+          </a:p>
+          <a:p>
+            <a:pPr marL="0" indent="0">
+              <a:buNone/>
+            </a:pPr>
+            <a:r>
+              <a:rPr lang="en-US" sz="1200" b="1" dirty="0" smtClean="0">
+                <a:solidFill>
+                  <a:schemeClr val="accent2"/>
+                </a:solidFill>
+                <a:latin typeface="Courier New" pitchFamily="49" charset="0"/>
+                <a:cs typeface="Courier New" pitchFamily="49" charset="0"/>
+              </a:rPr>
+              <a:t>        </a:t>
+            </a:r>
+            <a:r>
+              <a:rPr lang="en-US" sz="1200" b="1" dirty="0" err="1">
+                <a:solidFill>
+                  <a:schemeClr val="accent2"/>
+                </a:solidFill>
+                <a:latin typeface="Courier New" pitchFamily="49" charset="0"/>
+                <a:cs typeface="Courier New" pitchFamily="49" charset="0"/>
+              </a:rPr>
+              <a:t>bis.b</a:t>
+            </a:r>
+            <a:r>
+              <a:rPr lang="en-US" sz="1200" b="1" dirty="0">
+                <a:solidFill>
+                  <a:schemeClr val="accent2"/>
+                </a:solidFill>
+                <a:latin typeface="Courier New" pitchFamily="49" charset="0"/>
+                <a:cs typeface="Courier New" pitchFamily="49" charset="0"/>
+              </a:rPr>
+              <a:t> #BIT1, &amp;P1SEL                             ; make UCA0SSOMI available on P1.1</a:t>
+            </a:r>
+          </a:p>
+          <a:p>
+            <a:pPr marL="0" indent="0">
+              <a:buNone/>
+            </a:pPr>
+            <a:r>
+              <a:rPr lang="en-US" sz="1200" b="1" dirty="0">
+                <a:solidFill>
+                  <a:schemeClr val="accent2"/>
+                </a:solidFill>
+                <a:latin typeface="Courier New" pitchFamily="49" charset="0"/>
+                <a:cs typeface="Courier New" pitchFamily="49" charset="0"/>
+              </a:rPr>
+              <a:t>        </a:t>
+            </a:r>
+            <a:r>
+              <a:rPr lang="en-US" sz="1200" b="1" dirty="0" err="1">
+                <a:solidFill>
+                  <a:schemeClr val="accent2"/>
+                </a:solidFill>
+                <a:latin typeface="Courier New" pitchFamily="49" charset="0"/>
+                <a:cs typeface="Courier New" pitchFamily="49" charset="0"/>
+              </a:rPr>
+              <a:t>bis.b</a:t>
+            </a:r>
+            <a:r>
+              <a:rPr lang="en-US" sz="1200" b="1" dirty="0">
+                <a:solidFill>
+                  <a:schemeClr val="accent2"/>
+                </a:solidFill>
+                <a:latin typeface="Courier New" pitchFamily="49" charset="0"/>
+                <a:cs typeface="Courier New" pitchFamily="49" charset="0"/>
+              </a:rPr>
+              <a:t> #BIT1, &amp;P1SEL2</a:t>
+            </a:r>
+          </a:p>
+          <a:p>
+            <a:pPr marL="0" indent="0">
+              <a:buNone/>
+            </a:pPr>
+            <a:r>
+              <a:rPr lang="en-US" sz="1200" b="1" dirty="0" smtClean="0">
+                <a:solidFill>
+                  <a:schemeClr val="accent2"/>
+                </a:solidFill>
+                <a:latin typeface="Courier New" pitchFamily="49" charset="0"/>
+                <a:cs typeface="Courier New" pitchFamily="49" charset="0"/>
+              </a:rPr>
+              <a:t>        </a:t>
+            </a:r>
+            <a:r>
+              <a:rPr lang="en-US" sz="1200" b="1" dirty="0" err="1">
+                <a:solidFill>
+                  <a:schemeClr val="accent2"/>
+                </a:solidFill>
+                <a:latin typeface="Courier New" pitchFamily="49" charset="0"/>
+                <a:cs typeface="Courier New" pitchFamily="49" charset="0"/>
+              </a:rPr>
+              <a:t>bic.b</a:t>
+            </a:r>
+            <a:r>
+              <a:rPr lang="en-US" sz="1200" b="1" dirty="0">
+                <a:solidFill>
+                  <a:schemeClr val="accent2"/>
+                </a:solidFill>
+                <a:latin typeface="Courier New" pitchFamily="49" charset="0"/>
+                <a:cs typeface="Courier New" pitchFamily="49" charset="0"/>
+              </a:rPr>
+              <a:t> #UCSWRST, &amp;UCA0CTL1                       ; enable </a:t>
+            </a:r>
+            <a:r>
+              <a:rPr lang="en-US" sz="1200" b="1" dirty="0" smtClean="0">
+                <a:solidFill>
+                  <a:schemeClr val="accent2"/>
+                </a:solidFill>
+                <a:latin typeface="Courier New" pitchFamily="49" charset="0"/>
+                <a:cs typeface="Courier New" pitchFamily="49" charset="0"/>
+              </a:rPr>
+              <a:t>subsystem</a:t>
+            </a:r>
+          </a:p>
+          <a:p>
+            <a:pPr marL="0" indent="0">
+              <a:buNone/>
+            </a:pPr>
+            <a:endParaRPr lang="en-US" sz="1200" b="1" dirty="0">
+              <a:solidFill>
+                <a:schemeClr val="accent2"/>
+              </a:solidFill>
+              <a:latin typeface="Courier New" pitchFamily="49" charset="0"/>
+              <a:cs typeface="Courier New" pitchFamily="49" charset="0"/>
+            </a:endParaRPr>
+          </a:p>
+          <a:p>
+            <a:pPr marL="0" indent="0">
+              <a:buNone/>
+            </a:pPr>
+            <a:r>
+              <a:rPr lang="en-US" sz="1200" b="1" dirty="0" smtClean="0">
+                <a:solidFill>
+                  <a:schemeClr val="accent2"/>
+                </a:solidFill>
+                <a:latin typeface="Courier New" pitchFamily="49" charset="0"/>
+                <a:cs typeface="Courier New" pitchFamily="49" charset="0"/>
+              </a:rPr>
+              <a:t>send    </a:t>
+            </a:r>
+            <a:r>
+              <a:rPr lang="en-US" sz="1200" b="1" dirty="0" err="1">
+                <a:solidFill>
+                  <a:schemeClr val="accent2"/>
+                </a:solidFill>
+                <a:latin typeface="Courier New" pitchFamily="49" charset="0"/>
+                <a:cs typeface="Courier New" pitchFamily="49" charset="0"/>
+              </a:rPr>
+              <a:t>mov.b</a:t>
+            </a:r>
+            <a:r>
+              <a:rPr lang="en-US" sz="1200" b="1" dirty="0">
+                <a:solidFill>
+                  <a:schemeClr val="accent2"/>
+                </a:solidFill>
+                <a:latin typeface="Courier New" pitchFamily="49" charset="0"/>
+                <a:cs typeface="Courier New" pitchFamily="49" charset="0"/>
+              </a:rPr>
+              <a:t> #0xBB, &amp;</a:t>
+            </a:r>
+            <a:r>
+              <a:rPr lang="en-US" sz="1200" b="1" dirty="0" smtClean="0">
+                <a:solidFill>
+                  <a:schemeClr val="accent2"/>
+                </a:solidFill>
+                <a:latin typeface="Courier New" pitchFamily="49" charset="0"/>
+                <a:cs typeface="Courier New" pitchFamily="49" charset="0"/>
+              </a:rPr>
+              <a:t>UCA0TXBUF          ; </a:t>
+            </a:r>
+            <a:r>
+              <a:rPr lang="en-US" sz="1200" b="1" dirty="0">
+                <a:solidFill>
+                  <a:schemeClr val="accent2"/>
+                </a:solidFill>
+                <a:latin typeface="Courier New" pitchFamily="49" charset="0"/>
+                <a:cs typeface="Courier New" pitchFamily="49" charset="0"/>
+              </a:rPr>
+              <a:t>place a byte in the TX buffer</a:t>
+            </a:r>
+          </a:p>
+          <a:p>
+            <a:pPr marL="0" indent="0">
+              <a:buNone/>
+            </a:pPr>
+            <a:r>
+              <a:rPr lang="en-US" sz="1200" b="1" dirty="0" smtClean="0">
+                <a:solidFill>
+                  <a:schemeClr val="accent2"/>
+                </a:solidFill>
+                <a:latin typeface="Courier New" pitchFamily="49" charset="0"/>
+                <a:cs typeface="Courier New" pitchFamily="49" charset="0"/>
+              </a:rPr>
+              <a:t>wait    </a:t>
+            </a:r>
+            <a:r>
+              <a:rPr lang="en-US" sz="1200" b="1" dirty="0" err="1">
+                <a:solidFill>
+                  <a:schemeClr val="accent2"/>
+                </a:solidFill>
+                <a:latin typeface="Courier New" pitchFamily="49" charset="0"/>
+                <a:cs typeface="Courier New" pitchFamily="49" charset="0"/>
+              </a:rPr>
+              <a:t>bit.b</a:t>
+            </a:r>
+            <a:r>
+              <a:rPr lang="en-US" sz="1200" b="1" dirty="0">
+                <a:solidFill>
+                  <a:schemeClr val="accent2"/>
+                </a:solidFill>
+                <a:latin typeface="Courier New" pitchFamily="49" charset="0"/>
+                <a:cs typeface="Courier New" pitchFamily="49" charset="0"/>
+              </a:rPr>
+              <a:t> </a:t>
+            </a:r>
+            <a:r>
+              <a:rPr lang="en-US" sz="1200" b="1" dirty="0" smtClean="0">
+                <a:solidFill>
+                  <a:schemeClr val="accent2"/>
+                </a:solidFill>
+                <a:latin typeface="Courier New" pitchFamily="49" charset="0"/>
+                <a:cs typeface="Courier New" pitchFamily="49" charset="0"/>
+              </a:rPr>
+              <a:t>#</a:t>
+            </a:r>
+            <a:r>
+              <a:rPr lang="en-US" sz="1200" b="1" dirty="0">
+                <a:solidFill>
+                  <a:schemeClr val="accent2"/>
+                </a:solidFill>
+                <a:latin typeface="Courier New" pitchFamily="49" charset="0"/>
+                <a:cs typeface="Courier New" pitchFamily="49" charset="0"/>
+              </a:rPr>
+              <a:t>UCA0RXIFG, &amp;</a:t>
+            </a:r>
+            <a:r>
+              <a:rPr lang="en-US" sz="1200" b="1" dirty="0" smtClean="0">
+                <a:solidFill>
+                  <a:schemeClr val="accent2"/>
+                </a:solidFill>
+                <a:latin typeface="Courier New" pitchFamily="49" charset="0"/>
+                <a:cs typeface="Courier New" pitchFamily="49" charset="0"/>
+              </a:rPr>
+              <a:t>IFG2          </a:t>
+            </a:r>
+            <a:r>
+              <a:rPr lang="en-US" sz="1000" b="1" dirty="0" smtClean="0">
+                <a:solidFill>
+                  <a:schemeClr val="accent2"/>
+                </a:solidFill>
+                <a:latin typeface="Courier New" pitchFamily="49" charset="0"/>
+                <a:cs typeface="Courier New" pitchFamily="49" charset="0"/>
+              </a:rPr>
+              <a:t>; </a:t>
+            </a:r>
+            <a:r>
+              <a:rPr lang="en-US" sz="1000" b="1" dirty="0">
+                <a:solidFill>
+                  <a:schemeClr val="accent2"/>
+                </a:solidFill>
+                <a:latin typeface="Courier New" pitchFamily="49" charset="0"/>
+                <a:cs typeface="Courier New" pitchFamily="49" charset="0"/>
+              </a:rPr>
+              <a:t>wait for receive flag to be set (operation complete)</a:t>
+            </a:r>
+          </a:p>
+          <a:p>
+            <a:pPr marL="0" indent="0">
+              <a:buNone/>
+            </a:pPr>
+            <a:r>
+              <a:rPr lang="en-US" sz="1200" b="1" dirty="0">
+                <a:solidFill>
+                  <a:schemeClr val="accent2"/>
+                </a:solidFill>
+                <a:latin typeface="Courier New" pitchFamily="49" charset="0"/>
+                <a:cs typeface="Courier New" pitchFamily="49" charset="0"/>
+              </a:rPr>
+              <a:t>        </a:t>
+            </a:r>
+            <a:r>
+              <a:rPr lang="en-US" sz="1200" b="1" dirty="0" err="1">
+                <a:solidFill>
+                  <a:schemeClr val="accent2"/>
+                </a:solidFill>
+                <a:latin typeface="Courier New" pitchFamily="49" charset="0"/>
+                <a:cs typeface="Courier New" pitchFamily="49" charset="0"/>
+              </a:rPr>
+              <a:t>jz</a:t>
+            </a:r>
+            <a:r>
+              <a:rPr lang="en-US" sz="1200" b="1" dirty="0">
+                <a:solidFill>
+                  <a:schemeClr val="accent2"/>
+                </a:solidFill>
+                <a:latin typeface="Courier New" pitchFamily="49" charset="0"/>
+                <a:cs typeface="Courier New" pitchFamily="49" charset="0"/>
+              </a:rPr>
+              <a:t>    </a:t>
+            </a:r>
+            <a:r>
+              <a:rPr lang="en-US" sz="1200" b="1" dirty="0" smtClean="0">
+                <a:solidFill>
+                  <a:schemeClr val="accent2"/>
+                </a:solidFill>
+                <a:latin typeface="Courier New" pitchFamily="49" charset="0"/>
+                <a:cs typeface="Courier New" pitchFamily="49" charset="0"/>
+              </a:rPr>
+              <a:t>wait</a:t>
+            </a:r>
+            <a:endParaRPr lang="en-US" sz="1200" b="1" dirty="0">
+              <a:solidFill>
+                <a:schemeClr val="accent2"/>
+              </a:solidFill>
+              <a:latin typeface="Courier New" pitchFamily="49" charset="0"/>
+              <a:cs typeface="Courier New" pitchFamily="49" charset="0"/>
+            </a:endParaRPr>
+          </a:p>
+          <a:p>
+            <a:pPr marL="0" indent="0">
+              <a:buNone/>
+            </a:pPr>
+            <a:r>
+              <a:rPr lang="en-US" sz="1200" b="1" dirty="0" smtClean="0">
+                <a:solidFill>
+                  <a:schemeClr val="accent2"/>
+                </a:solidFill>
+                <a:latin typeface="Courier New" pitchFamily="49" charset="0"/>
+                <a:cs typeface="Courier New" pitchFamily="49" charset="0"/>
+              </a:rPr>
+              <a:t>        </a:t>
+            </a:r>
+            <a:r>
+              <a:rPr lang="en-US" sz="1200" b="1" dirty="0" err="1">
+                <a:solidFill>
+                  <a:schemeClr val="accent2"/>
+                </a:solidFill>
+                <a:latin typeface="Courier New" pitchFamily="49" charset="0"/>
+                <a:cs typeface="Courier New" pitchFamily="49" charset="0"/>
+              </a:rPr>
+              <a:t>mov.b</a:t>
+            </a:r>
+            <a:r>
+              <a:rPr lang="en-US" sz="1200" b="1" dirty="0">
+                <a:solidFill>
+                  <a:schemeClr val="accent2"/>
+                </a:solidFill>
+                <a:latin typeface="Courier New" pitchFamily="49" charset="0"/>
+                <a:cs typeface="Courier New" pitchFamily="49" charset="0"/>
+              </a:rPr>
+              <a:t> </a:t>
+            </a:r>
+            <a:r>
+              <a:rPr lang="en-US" sz="1200" b="1" dirty="0" smtClean="0">
+                <a:solidFill>
+                  <a:schemeClr val="accent2"/>
+                </a:solidFill>
+                <a:latin typeface="Courier New" pitchFamily="49" charset="0"/>
+                <a:cs typeface="Courier New" pitchFamily="49" charset="0"/>
+              </a:rPr>
+              <a:t>&amp;</a:t>
+            </a:r>
+            <a:r>
+              <a:rPr lang="en-US" sz="1200" b="1" dirty="0">
+                <a:solidFill>
+                  <a:schemeClr val="accent2"/>
+                </a:solidFill>
+                <a:latin typeface="Courier New" pitchFamily="49" charset="0"/>
+                <a:cs typeface="Courier New" pitchFamily="49" charset="0"/>
+              </a:rPr>
+              <a:t>UCA0RXBUF, </a:t>
+            </a:r>
+            <a:r>
+              <a:rPr lang="en-US" sz="1200" b="1" dirty="0" smtClean="0">
+                <a:solidFill>
+                  <a:schemeClr val="accent2"/>
+                </a:solidFill>
+                <a:latin typeface="Courier New" pitchFamily="49" charset="0"/>
+                <a:cs typeface="Courier New" pitchFamily="49" charset="0"/>
+              </a:rPr>
+              <a:t>r4             ; </a:t>
+            </a:r>
+            <a:r>
+              <a:rPr lang="en-US" sz="1200" b="1" dirty="0">
+                <a:solidFill>
+                  <a:schemeClr val="accent2"/>
+                </a:solidFill>
+                <a:latin typeface="Courier New" pitchFamily="49" charset="0"/>
+                <a:cs typeface="Courier New" pitchFamily="49" charset="0"/>
+              </a:rPr>
+              <a:t>read RX buffer to clear flag</a:t>
+            </a:r>
+          </a:p>
+          <a:p>
+            <a:pPr marL="0" indent="0">
+              <a:buNone/>
+            </a:pPr>
+            <a:r>
+              <a:rPr lang="en-US" sz="1200" b="1" dirty="0">
+                <a:solidFill>
+                  <a:schemeClr val="accent2"/>
+                </a:solidFill>
+                <a:latin typeface="Courier New" pitchFamily="49" charset="0"/>
+                <a:cs typeface="Courier New" pitchFamily="49" charset="0"/>
+              </a:rPr>
+              <a:t>        </a:t>
+            </a:r>
+            <a:r>
+              <a:rPr lang="en-US" sz="1200" b="1" dirty="0" err="1">
+                <a:solidFill>
+                  <a:schemeClr val="accent2"/>
+                </a:solidFill>
+                <a:latin typeface="Courier New" pitchFamily="49" charset="0"/>
+                <a:cs typeface="Courier New" pitchFamily="49" charset="0"/>
+              </a:rPr>
+              <a:t>jmp</a:t>
+            </a:r>
+            <a:r>
+              <a:rPr lang="en-US" sz="1200" b="1" dirty="0">
+                <a:solidFill>
+                  <a:schemeClr val="accent2"/>
+                </a:solidFill>
+                <a:latin typeface="Courier New" pitchFamily="49" charset="0"/>
+                <a:cs typeface="Courier New" pitchFamily="49" charset="0"/>
+              </a:rPr>
+              <a:t>    </a:t>
+            </a:r>
+            <a:r>
+              <a:rPr lang="en-US" sz="1200" b="1" dirty="0" smtClean="0">
+                <a:solidFill>
+                  <a:schemeClr val="accent2"/>
+                </a:solidFill>
+                <a:latin typeface="Courier New" pitchFamily="49" charset="0"/>
+                <a:cs typeface="Courier New" pitchFamily="49" charset="0"/>
+              </a:rPr>
+              <a:t>send                      ; </a:t>
+            </a:r>
+            <a:r>
+              <a:rPr lang="en-US" sz="1200" b="1" dirty="0">
+                <a:solidFill>
+                  <a:schemeClr val="accent2"/>
+                </a:solidFill>
+                <a:latin typeface="Courier New" pitchFamily="49" charset="0"/>
+                <a:cs typeface="Courier New" pitchFamily="49" charset="0"/>
+              </a:rPr>
+              <a:t>send another byte</a:t>
+            </a:r>
+          </a:p>
+        </p:txBody>
+      </p:sp>
+    </p:spTree>
+    <p:extLst>
+      <p:ext uri="{BB962C8B-B14F-4D97-AF65-F5344CB8AC3E}">
+        <p14:creationId xmlns:p14="http://schemas.microsoft.com/office/powerpoint/2010/main" val="1992582050"/>
+      </p:ext>
+    </p:extLst>
+  </p:cSld>
+  <p:clrMapOvr>
+    <a:masterClrMapping/>
+  </p:clrMapOvr>
+  <p:timing>
+    <p:tnLst>
+      <p:par>
+        <p:cTn id="1" dur="indefinite" restart="never" nodeType="tmRoot"/>
+      </p:par>
+    </p:tnLst>
+  </p:timing>
+</p:sld>
+</file>
+
+<file path=ppt/slides/slide31.xml><?xml version="1.0" encoding="utf-8"?>
+<p:sld xmlns:a="http://schemas.openxmlformats.org/drawingml/2006/main" xmlns:r="http://schemas.openxmlformats.org/officeDocument/2006/relationships" xmlns:p="http://schemas.openxmlformats.org/presentationml/2006/main">
+  <p:cSld>
+    <p:spTree>
+      <p:nvGrpSpPr>
+        <p:cNvPr id="1" name=""/>
+        <p:cNvGrpSpPr/>
+        <p:nvPr/>
+      </p:nvGrpSpPr>
+      <p:grpSpPr>
+        <a:xfrm>
+          <a:off x="0" y="0"/>
+          <a:ext cx="0" cy="0"/>
+          <a:chOff x="0" y="0"/>
+          <a:chExt cx="0" cy="0"/>
+        </a:xfrm>
+      </p:grpSpPr>
+      <p:sp>
+        <p:nvSpPr>
+          <p:cNvPr id="2" name="Title 1"/>
+          <p:cNvSpPr>
+            <a:spLocks noGrp="1"/>
+          </p:cNvSpPr>
+          <p:nvPr>
+            <p:ph type="title"/>
+          </p:nvPr>
+        </p:nvSpPr>
+        <p:spPr/>
+        <p:txBody>
+          <a:bodyPr/>
+          <a:lstStyle/>
+          <a:p>
+            <a:r>
+              <a:rPr lang="en-US" b="1" dirty="0" smtClean="0"/>
+              <a:t>Logic Analyzer</a:t>
+            </a:r>
+            <a:endParaRPr lang="en-US" dirty="0"/>
+          </a:p>
+        </p:txBody>
+      </p:sp>
+      <p:sp>
+        <p:nvSpPr>
+          <p:cNvPr id="3" name="Content Placeholder 2"/>
+          <p:cNvSpPr>
+            <a:spLocks noGrp="1"/>
+          </p:cNvSpPr>
+          <p:nvPr>
+            <p:ph idx="1"/>
+          </p:nvPr>
+        </p:nvSpPr>
+        <p:spPr>
+          <a:xfrm>
+            <a:off x="376038" y="1458128"/>
+            <a:ext cx="8493642" cy="4724400"/>
+          </a:xfrm>
+        </p:spPr>
+        <p:txBody>
+          <a:bodyPr/>
+          <a:lstStyle/>
+          <a:p>
+            <a:r>
+              <a:rPr lang="en-US" sz="1600" dirty="0" smtClean="0"/>
+              <a:t>Sending 0xBB once  (0x1011 1011)      </a:t>
+            </a:r>
+            <a:r>
+              <a:rPr lang="en-US" sz="1600" dirty="0" smtClean="0">
+                <a:solidFill>
+                  <a:schemeClr val="accent2"/>
+                </a:solidFill>
+              </a:rPr>
+              <a:t>[MSB first!]</a:t>
+            </a:r>
+          </a:p>
+          <a:p>
+            <a:pPr lvl="1"/>
+            <a:r>
+              <a:rPr lang="en-US" sz="1200" dirty="0"/>
+              <a:t>Note how the clock default state is high and data is read on the second clock edge - consistent with our settings.</a:t>
+            </a:r>
+          </a:p>
+        </p:txBody>
+      </p:sp>
+      <p:pic>
+        <p:nvPicPr>
+          <p:cNvPr id="7170" name="Picture 2"/>
+          <p:cNvPicPr>
+            <a:picLocks noChangeAspect="1" noChangeArrowheads="1"/>
+          </p:cNvPicPr>
+          <p:nvPr/>
+        </p:nvPicPr>
+        <p:blipFill>
+          <a:blip r:embed="rId2">
+            <a:extLst>
+              <a:ext uri="{28A0092B-C50C-407E-A947-70E740481C1C}">
+                <a14:useLocalDpi xmlns:a14="http://schemas.microsoft.com/office/drawing/2010/main" val="0"/>
+              </a:ext>
+            </a:extLst>
+          </a:blip>
+          <a:srcRect/>
+          <a:stretch>
+            <a:fillRect/>
+          </a:stretch>
+        </p:blipFill>
+        <p:spPr bwMode="auto">
+          <a:xfrm>
+            <a:off x="2238704" y="2172083"/>
+            <a:ext cx="5584551" cy="4188413"/>
+          </a:xfrm>
+          <a:prstGeom prst="rect">
+            <a:avLst/>
+          </a:prstGeom>
+          <a:noFill/>
+          <a:ln>
+            <a:noFill/>
+          </a:ln>
+          <a:extLst>
+            <a:ext uri="{909E8E84-426E-40DD-AFC4-6F175D3DCCD1}">
+              <a14:hiddenFill xmlns:a14="http://schemas.microsoft.com/office/drawing/2010/main">
+                <a:solidFill>
+                  <a:schemeClr val="accent1"/>
+                </a:solidFill>
+              </a14:hiddenFill>
+            </a:ext>
+            <a:ext uri="{91240B29-F687-4F45-9708-019B960494DF}">
+              <a14:hiddenLine xmlns:a14="http://schemas.microsoft.com/office/drawing/2010/main" w="9525">
+                <a:solidFill>
+                  <a:schemeClr val="tx1"/>
+                </a:solidFill>
+                <a:miter lim="800000"/>
+                <a:headEnd/>
+                <a:tailEnd/>
+              </a14:hiddenLine>
+            </a:ext>
+          </a:extLst>
+        </p:spPr>
+      </p:pic>
+    </p:spTree>
+    <p:extLst>
+      <p:ext uri="{BB962C8B-B14F-4D97-AF65-F5344CB8AC3E}">
+        <p14:creationId xmlns:p14="http://schemas.microsoft.com/office/powerpoint/2010/main" val="2374234788"/>
+      </p:ext>
+    </p:extLst>
+  </p:cSld>
+  <p:clrMapOvr>
+    <a:masterClrMapping/>
+  </p:clrMapOvr>
+  <p:timing>
+    <p:tnLst>
+      <p:par>
+        <p:cTn id="1" dur="indefinite" restart="never" nodeType="tmRoot"/>
+      </p:par>
+    </p:tnLst>
+  </p:timing>
+</p:sld>
+</file>
+
+<file path=ppt/slides/slide32.xml><?xml version="1.0" encoding="utf-8"?>
+<p:sld xmlns:a="http://schemas.openxmlformats.org/drawingml/2006/main" xmlns:r="http://schemas.openxmlformats.org/officeDocument/2006/relationships" xmlns:p="http://schemas.openxmlformats.org/presentationml/2006/main">
+  <p:cSld>
+    <p:spTree>
+      <p:nvGrpSpPr>
+        <p:cNvPr id="1" name=""/>
+        <p:cNvGrpSpPr/>
+        <p:nvPr/>
+      </p:nvGrpSpPr>
+      <p:grpSpPr>
+        <a:xfrm>
+          <a:off x="0" y="0"/>
+          <a:ext cx="0" cy="0"/>
+          <a:chOff x="0" y="0"/>
+          <a:chExt cx="0" cy="0"/>
+        </a:xfrm>
+      </p:grpSpPr>
+      <p:sp>
+        <p:nvSpPr>
+          <p:cNvPr id="6" name="Title 5"/>
+          <p:cNvSpPr>
+            <a:spLocks noGrp="1"/>
+          </p:cNvSpPr>
+          <p:nvPr>
+            <p:ph type="title"/>
+          </p:nvPr>
+        </p:nvSpPr>
+        <p:spPr/>
+        <p:txBody>
+          <a:bodyPr/>
+          <a:lstStyle/>
+          <a:p>
+            <a:r>
+              <a:rPr lang="en-US" dirty="0" smtClean="0"/>
+              <a:t>I2C</a:t>
+            </a:r>
+            <a:endParaRPr lang="en-US" dirty="0"/>
+          </a:p>
+        </p:txBody>
+      </p:sp>
+      <p:sp>
+        <p:nvSpPr>
+          <p:cNvPr id="7" name="Text Placeholder 6"/>
+          <p:cNvSpPr>
+            <a:spLocks noGrp="1"/>
+          </p:cNvSpPr>
+          <p:nvPr>
+            <p:ph type="body" idx="1"/>
+          </p:nvPr>
+        </p:nvSpPr>
+        <p:spPr/>
+        <p:txBody>
+          <a:bodyPr/>
+          <a:lstStyle/>
+          <a:p>
+            <a:endParaRPr lang="en-US"/>
+          </a:p>
+        </p:txBody>
+      </p:sp>
+    </p:spTree>
+    <p:extLst>
+      <p:ext uri="{BB962C8B-B14F-4D97-AF65-F5344CB8AC3E}">
+        <p14:creationId xmlns:p14="http://schemas.microsoft.com/office/powerpoint/2010/main" val="3070791367"/>
+      </p:ext>
+    </p:extLst>
+  </p:cSld>
+  <p:clrMapOvr>
+    <a:masterClrMapping/>
+  </p:clrMapOvr>
+  <mc:AlternateContent xmlns:mc="http://schemas.openxmlformats.org/markup-compatibility/2006" xmlns:p14="http://schemas.microsoft.com/office/powerpoint/2010/main">
+    <mc:Choice Requires="p14">
+      <p:transition spd="slow" p14:dur="2000"/>
+    </mc:Choice>
+    <mc:Fallback xmlns="">
+      <p:transition spd="slow"/>
+    </mc:Fallback>
+  </mc:AlternateContent>
+</p:sld>
+</file>
+
+<file path=ppt/slides/slide33.xml><?xml version="1.0" encoding="utf-8"?>
+<p:sld xmlns:a="http://schemas.openxmlformats.org/drawingml/2006/main" xmlns:r="http://schemas.openxmlformats.org/officeDocument/2006/relationships" xmlns:p="http://schemas.openxmlformats.org/presentationml/2006/main">
+  <p:cSld>
+    <p:spTree>
+      <p:nvGrpSpPr>
+        <p:cNvPr id="1" name=""/>
+        <p:cNvGrpSpPr/>
+        <p:nvPr/>
+      </p:nvGrpSpPr>
+      <p:grpSpPr>
+        <a:xfrm>
+          <a:off x="0" y="0"/>
+          <a:ext cx="0" cy="0"/>
+          <a:chOff x="0" y="0"/>
+          <a:chExt cx="0" cy="0"/>
+        </a:xfrm>
+      </p:grpSpPr>
+      <p:sp>
+        <p:nvSpPr>
+          <p:cNvPr id="5" name="Subtitle 4"/>
+          <p:cNvSpPr>
+            <a:spLocks noGrp="1"/>
+          </p:cNvSpPr>
+          <p:nvPr>
+            <p:ph type="subTitle" idx="1"/>
+          </p:nvPr>
+        </p:nvSpPr>
+        <p:spPr/>
+        <p:txBody>
+          <a:bodyPr/>
+          <a:lstStyle/>
+          <a:p>
+            <a:endParaRPr lang="en-US" dirty="0"/>
+          </a:p>
+        </p:txBody>
+      </p:sp>
+      <p:sp>
+        <p:nvSpPr>
+          <p:cNvPr id="4" name="Title 3"/>
+          <p:cNvSpPr>
+            <a:spLocks noGrp="1"/>
+          </p:cNvSpPr>
+          <p:nvPr>
+            <p:ph type="title"/>
+          </p:nvPr>
+        </p:nvSpPr>
+        <p:spPr/>
+        <p:txBody>
+          <a:bodyPr/>
+          <a:lstStyle/>
+          <a:p>
+            <a:r>
+              <a:rPr lang="en-US" dirty="0" smtClean="0"/>
+              <a:t>BACKUPS</a:t>
+            </a:r>
+            <a:endParaRPr lang="en-US" dirty="0"/>
+          </a:p>
+        </p:txBody>
+      </p:sp>
+    </p:spTree>
+    <p:extLst>
+      <p:ext uri="{BB962C8B-B14F-4D97-AF65-F5344CB8AC3E}">
+        <p14:creationId xmlns:p14="http://schemas.microsoft.com/office/powerpoint/2010/main" val="3003632033"/>
+      </p:ext>
+    </p:extLst>
+  </p:cSld>
+  <p:clrMapOvr>
+    <a:masterClrMapping/>
+  </p:clrMapOvr>
+  <p:transition spd="med"/>
+  <p:timing>
+    <p:tnLst>
+      <p:par>
+        <p:cTn id="1" dur="indefinite" restart="never" nodeType="tmRoot"/>
+      </p:par>
+    </p:tnLst>
+  </p:timing>
+</p:sld>
+</file>
+
 <file path=ppt/slides/slide4.xml><?xml version="1.0" encoding="utf-8"?>
 <p:sld xmlns:a="http://schemas.openxmlformats.org/drawingml/2006/main" xmlns:r="http://schemas.openxmlformats.org/officeDocument/2006/relationships" xmlns:p="http://schemas.openxmlformats.org/presentationml/2006/main">
   <p:cSld>
@@ -18244,7 +19113,7 @@
       </p:grpSpPr>
       <p:sp>
         <p:nvSpPr>
-          <p:cNvPr id="6" name="Title 5"/>
+          <p:cNvPr id="4" name="Title 3"/>
           <p:cNvSpPr>
             <a:spLocks noGrp="1"/>
           </p:cNvSpPr>
@@ -18259,49 +19128,277 @@
           <a:p>
             <a:r>
               <a:rPr lang="en-US" dirty="0" smtClean="0"/>
-              <a:t>SPI</a:t>
+              <a:t>UART</a:t>
             </a:r>
             <a:endParaRPr lang="en-US" dirty="0"/>
+          </a:p>
+        </p:txBody>
+      </p:sp>
+      <p:pic>
+        <p:nvPicPr>
+          <p:cNvPr id="6" name="Picture 5"/>
+          <p:cNvPicPr>
+            <a:picLocks noChangeAspect="1"/>
+          </p:cNvPicPr>
+          <p:nvPr/>
+        </p:nvPicPr>
+        <p:blipFill>
+          <a:blip r:embed="rId2"/>
+          <a:stretch>
+            <a:fillRect/>
+          </a:stretch>
+        </p:blipFill>
+        <p:spPr>
+          <a:xfrm>
+            <a:off x="466266" y="1442544"/>
+            <a:ext cx="4477429" cy="5378061"/>
+          </a:xfrm>
+          <a:prstGeom prst="rect">
+            <a:avLst/>
+          </a:prstGeom>
+        </p:spPr>
+      </p:pic>
+      <p:sp>
+        <p:nvSpPr>
+          <p:cNvPr id="7" name="Left Arrow 6"/>
+          <p:cNvSpPr/>
+          <p:nvPr/>
+        </p:nvSpPr>
+        <p:spPr bwMode="auto">
+          <a:xfrm>
+            <a:off x="4816366" y="2672255"/>
+            <a:ext cx="1418896" cy="606972"/>
+          </a:xfrm>
+          <a:prstGeom prst="leftArrow">
+            <a:avLst/>
+          </a:prstGeom>
+          <a:solidFill>
+            <a:srgbClr val="00B050"/>
+          </a:solidFill>
+          <a:ln w="12700" cap="flat" cmpd="sng" algn="ctr">
+            <a:solidFill>
+              <a:schemeClr val="tx1"/>
+            </a:solidFill>
+            <a:prstDash val="solid"/>
+            <a:round/>
+            <a:headEnd type="none" w="med" len="med"/>
+            <a:tailEnd type="none" w="med" len="med"/>
+          </a:ln>
+          <a:effectLst/>
+        </p:spPr>
+        <p:txBody>
+          <a:bodyPr vert="horz" wrap="square" lIns="91440" tIns="45720" rIns="91440" bIns="45720" numCol="1" rtlCol="0" anchor="t" anchorCtr="0" compatLnSpc="1">
+            <a:prstTxWarp prst="textNoShape">
+              <a:avLst/>
+            </a:prstTxWarp>
+          </a:bodyPr>
+          <a:lstStyle/>
+          <a:p>
+            <a:pPr marL="0" marR="0" indent="0" algn="ctr" defTabSz="914400" rtl="0" eaLnBrk="0" fontAlgn="base" latinLnBrk="0" hangingPunct="0">
+              <a:lnSpc>
+                <a:spcPct val="100000"/>
+              </a:lnSpc>
+              <a:spcBef>
+                <a:spcPct val="0"/>
+              </a:spcBef>
+              <a:spcAft>
+                <a:spcPct val="0"/>
+              </a:spcAft>
+              <a:buClrTx/>
+              <a:buSzTx/>
+              <a:buFontTx/>
+              <a:buNone/>
+              <a:tabLst/>
+            </a:pPr>
+            <a:r>
+              <a:rPr kumimoji="0" lang="en-US" sz="1600" b="0" i="0" u="none" strike="noStrike" cap="none" normalizeH="0" baseline="0" dirty="0" smtClean="0">
+                <a:ln>
+                  <a:noFill/>
+                </a:ln>
+                <a:solidFill>
+                  <a:schemeClr val="tx1"/>
+                </a:solidFill>
+                <a:effectLst/>
+                <a:latin typeface="Arial" charset="0"/>
+              </a:rPr>
+              <a:t>P1.1</a:t>
+            </a:r>
+            <a:endParaRPr kumimoji="0" lang="en-US" sz="1600" b="0" i="0" u="none" strike="noStrike" cap="none" normalizeH="0" baseline="0" dirty="0" smtClean="0">
+              <a:ln>
+                <a:noFill/>
+              </a:ln>
+              <a:solidFill>
+                <a:schemeClr val="tx1"/>
+              </a:solidFill>
+              <a:effectLst/>
+              <a:latin typeface="Arial" charset="0"/>
+            </a:endParaRPr>
           </a:p>
         </p:txBody>
       </p:sp>
       <p:sp>
         <p:nvSpPr>
-          <p:cNvPr id="7" name="Text Placeholder 6"/>
-          <p:cNvSpPr>
-            <a:spLocks noGrp="1"/>
-          </p:cNvSpPr>
-          <p:nvPr>
-            <p:ph type="body" idx="1"/>
-          </p:nvPr>
+          <p:cNvPr id="8" name="Left Arrow 7"/>
+          <p:cNvSpPr/>
+          <p:nvPr/>
         </p:nvSpPr>
-        <p:spPr/>
+        <p:spPr bwMode="auto">
+          <a:xfrm>
+            <a:off x="4816366" y="4921469"/>
+            <a:ext cx="1418896" cy="606972"/>
+          </a:xfrm>
+          <a:prstGeom prst="leftArrow">
+            <a:avLst/>
+          </a:prstGeom>
+          <a:solidFill>
+            <a:srgbClr val="00B050"/>
+          </a:solidFill>
+          <a:ln w="12700" cap="flat" cmpd="sng" algn="ctr">
+            <a:solidFill>
+              <a:schemeClr val="tx1"/>
+            </a:solidFill>
+            <a:prstDash val="solid"/>
+            <a:round/>
+            <a:headEnd type="none" w="med" len="med"/>
+            <a:tailEnd type="none" w="med" len="med"/>
+          </a:ln>
+          <a:effectLst/>
+        </p:spPr>
         <p:txBody>
-          <a:bodyPr/>
+          <a:bodyPr vert="horz" wrap="square" lIns="91440" tIns="45720" rIns="91440" bIns="45720" numCol="1" rtlCol="0" anchor="t" anchorCtr="0" compatLnSpc="1">
+            <a:prstTxWarp prst="textNoShape">
+              <a:avLst/>
+            </a:prstTxWarp>
+          </a:bodyPr>
           <a:lstStyle/>
           <a:p>
-            <a:endParaRPr lang="en-US"/>
+            <a:pPr marL="0" marR="0" indent="0" algn="ctr" defTabSz="914400" rtl="0" eaLnBrk="0" fontAlgn="base" latinLnBrk="0" hangingPunct="0">
+              <a:lnSpc>
+                <a:spcPct val="100000"/>
+              </a:lnSpc>
+              <a:spcBef>
+                <a:spcPct val="0"/>
+              </a:spcBef>
+              <a:spcAft>
+                <a:spcPct val="0"/>
+              </a:spcAft>
+              <a:buClrTx/>
+              <a:buSzTx/>
+              <a:buFontTx/>
+              <a:buNone/>
+              <a:tabLst/>
+            </a:pPr>
+            <a:r>
+              <a:rPr kumimoji="0" lang="en-US" sz="1600" b="0" i="0" u="none" strike="noStrike" cap="none" normalizeH="0" baseline="0" dirty="0" smtClean="0">
+                <a:ln>
+                  <a:noFill/>
+                </a:ln>
+                <a:solidFill>
+                  <a:schemeClr val="tx1"/>
+                </a:solidFill>
+                <a:effectLst/>
+                <a:latin typeface="Arial" charset="0"/>
+              </a:rPr>
+              <a:t>P1.2</a:t>
+            </a:r>
+            <a:endParaRPr kumimoji="0" lang="en-US" sz="1600" b="0" i="0" u="none" strike="noStrike" cap="none" normalizeH="0" baseline="0" dirty="0" smtClean="0">
+              <a:ln>
+                <a:noFill/>
+              </a:ln>
+              <a:solidFill>
+                <a:schemeClr val="tx1"/>
+              </a:solidFill>
+              <a:effectLst/>
+              <a:latin typeface="Arial" charset="0"/>
+            </a:endParaRPr>
+          </a:p>
+        </p:txBody>
+      </p:sp>
+      <p:sp>
+        <p:nvSpPr>
+          <p:cNvPr id="9" name="TextBox 8"/>
+          <p:cNvSpPr txBox="1"/>
+          <p:nvPr/>
+        </p:nvSpPr>
+        <p:spPr>
+          <a:xfrm>
+            <a:off x="5100145" y="1742090"/>
+            <a:ext cx="3838903" cy="830997"/>
+          </a:xfrm>
+          <a:prstGeom prst="rect">
+            <a:avLst/>
+          </a:prstGeom>
+          <a:noFill/>
+        </p:spPr>
+        <p:txBody>
+          <a:bodyPr wrap="square" rtlCol="0">
+            <a:spAutoFit/>
+          </a:bodyPr>
+          <a:lstStyle/>
+          <a:p>
+            <a:r>
+              <a:rPr lang="en-US" dirty="0" smtClean="0"/>
+              <a:t>It is common for serial to be tied to specific HW pins</a:t>
+            </a:r>
+            <a:endParaRPr lang="en-US" dirty="0"/>
+          </a:p>
+        </p:txBody>
+      </p:sp>
+      <p:sp>
+        <p:nvSpPr>
+          <p:cNvPr id="10" name="TextBox 9"/>
+          <p:cNvSpPr txBox="1"/>
+          <p:nvPr/>
+        </p:nvSpPr>
+        <p:spPr>
+          <a:xfrm>
+            <a:off x="5349240" y="3655659"/>
+            <a:ext cx="3230372" cy="1015663"/>
+          </a:xfrm>
+          <a:prstGeom prst="rect">
+            <a:avLst/>
+          </a:prstGeom>
+          <a:noFill/>
+        </p:spPr>
+        <p:txBody>
+          <a:bodyPr wrap="none" rtlCol="0">
+            <a:spAutoFit/>
+          </a:bodyPr>
+          <a:lstStyle/>
+          <a:p>
+            <a:r>
+              <a:rPr lang="en-US" dirty="0" err="1" smtClean="0"/>
+              <a:t>USCI_Ax</a:t>
+            </a:r>
+            <a:r>
+              <a:rPr lang="en-US" dirty="0" smtClean="0"/>
+              <a:t> for UART</a:t>
+            </a:r>
+          </a:p>
+          <a:p>
+            <a:r>
+              <a:rPr lang="en-US" dirty="0" err="1" smtClean="0"/>
+              <a:t>USCI_Bx</a:t>
+            </a:r>
+            <a:r>
+              <a:rPr lang="en-US" dirty="0" smtClean="0"/>
+              <a:t> for I2C or SPI</a:t>
+            </a:r>
+            <a:endParaRPr lang="en-US" dirty="0"/>
           </a:p>
         </p:txBody>
       </p:sp>
     </p:spTree>
     <p:extLst>
       <p:ext uri="{BB962C8B-B14F-4D97-AF65-F5344CB8AC3E}">
-        <p14:creationId xmlns:p14="http://schemas.microsoft.com/office/powerpoint/2010/main" val="1379637426"/>
+        <p14:creationId xmlns:p14="http://schemas.microsoft.com/office/powerpoint/2010/main" val="1085592270"/>
       </p:ext>
     </p:extLst>
   </p:cSld>
   <p:clrMapOvr>
     <a:masterClrMapping/>
   </p:clrMapOvr>
-  <mc:AlternateContent xmlns:mc="http://schemas.openxmlformats.org/markup-compatibility/2006" xmlns:p14="http://schemas.microsoft.com/office/powerpoint/2010/main">
-    <mc:Choice Requires="p14">
-      <p:transition spd="slow" p14:dur="2000"/>
-    </mc:Choice>
-    <mc:Fallback xmlns="">
-      <p:transition spd="slow"/>
-    </mc:Fallback>
-  </mc:AlternateContent>
+  <p:transition spd="med"/>
 </p:sld>
 </file>
 
@@ -18324,7 +19421,35 @@
       </p:grpSpPr>
       <p:sp>
         <p:nvSpPr>
-          <p:cNvPr id="2" name="Title 1"/>
+          <p:cNvPr id="2" name="Subtitle 1"/>
+          <p:cNvSpPr>
+            <a:spLocks noGrp="1"/>
+          </p:cNvSpPr>
+          <p:nvPr>
+            <p:ph type="subTitle" idx="1"/>
+          </p:nvPr>
+        </p:nvSpPr>
+        <p:spPr>
+          <a:xfrm>
+            <a:off x="365760" y="3312794"/>
+            <a:ext cx="8412480" cy="3088005"/>
+          </a:xfrm>
+        </p:spPr>
+        <p:txBody>
+          <a:bodyPr/>
+          <a:lstStyle/>
+          <a:p>
+            <a:r>
+              <a:rPr lang="en-US" dirty="0" smtClean="0"/>
+              <a:t>Remember to set the TX and RX pins too!</a:t>
+            </a:r>
+            <a:endParaRPr lang="en-US" dirty="0"/>
+          </a:p>
+        </p:txBody>
+      </p:sp>
+      <p:sp>
+        <p:nvSpPr>
+          <p:cNvPr id="3" name="Title 2"/>
           <p:cNvSpPr>
             <a:spLocks noGrp="1"/>
           </p:cNvSpPr>
@@ -18339,313 +19464,47 @@
           <a:p>
             <a:r>
               <a:rPr lang="en-US" dirty="0" smtClean="0"/>
-              <a:t>Serial Peripheral Interface (SPI)</a:t>
+              <a:t>Setup</a:t>
             </a:r>
             <a:endParaRPr lang="en-US" dirty="0"/>
-          </a:p>
-        </p:txBody>
-      </p:sp>
-      <p:sp>
-        <p:nvSpPr>
-          <p:cNvPr id="3" name="Content Placeholder 2"/>
-          <p:cNvSpPr>
-            <a:spLocks noGrp="1"/>
-          </p:cNvSpPr>
-          <p:nvPr>
-            <p:ph idx="1"/>
-          </p:nvPr>
-        </p:nvSpPr>
-        <p:spPr>
-          <a:xfrm>
-            <a:off x="620435" y="1538044"/>
-            <a:ext cx="7772400" cy="4724400"/>
-          </a:xfrm>
-        </p:spPr>
-        <p:txBody>
-          <a:bodyPr>
-            <a:normAutofit fontScale="85000" lnSpcReduction="10000"/>
-          </a:bodyPr>
-          <a:lstStyle/>
-          <a:p>
-            <a:r>
-              <a:rPr lang="en-US" sz="2400" dirty="0" smtClean="0"/>
-              <a:t>Simple: </a:t>
-            </a:r>
-            <a:r>
-              <a:rPr lang="en-US" sz="2400" dirty="0" smtClean="0">
-                <a:solidFill>
-                  <a:schemeClr val="accent2"/>
-                </a:solidFill>
-              </a:rPr>
-              <a:t>with each clock cycle, a single bit is transferred from the  MSB of one shift register to the other</a:t>
-            </a:r>
-          </a:p>
-          <a:p>
-            <a:endParaRPr lang="en-US" sz="2400" dirty="0"/>
-          </a:p>
-          <a:p>
-            <a:endParaRPr lang="en-US" sz="2400" dirty="0" smtClean="0"/>
-          </a:p>
-          <a:p>
-            <a:endParaRPr lang="en-US" sz="2400" dirty="0"/>
-          </a:p>
-          <a:p>
-            <a:endParaRPr lang="en-US" sz="2400" dirty="0" smtClean="0"/>
-          </a:p>
-          <a:p>
-            <a:r>
-              <a:rPr lang="en-US" sz="2400" dirty="0" smtClean="0"/>
-              <a:t>Is </a:t>
-            </a:r>
-            <a:r>
-              <a:rPr lang="en-US" sz="2400" dirty="0"/>
-              <a:t>this a half-duplex or full-duplex protocol</a:t>
-            </a:r>
-            <a:r>
-              <a:rPr lang="en-US" sz="2400" dirty="0" smtClean="0"/>
-              <a:t>?</a:t>
-            </a:r>
-          </a:p>
-          <a:p>
-            <a:r>
-              <a:rPr lang="en-US" sz="2400" dirty="0" smtClean="0"/>
-              <a:t>Synchronous or Asynchronous protocol?</a:t>
-            </a:r>
-          </a:p>
-          <a:p>
-            <a:r>
-              <a:rPr lang="en-US" sz="2400" dirty="0" smtClean="0"/>
-              <a:t>How many clocks cycles to transfer a byte?</a:t>
-            </a:r>
-          </a:p>
-          <a:p>
-            <a:r>
-              <a:rPr lang="en-US" sz="2400" dirty="0" smtClean="0"/>
-              <a:t>Signals</a:t>
-            </a:r>
-          </a:p>
-          <a:p>
-            <a:pPr lvl="1"/>
-            <a:r>
-              <a:rPr lang="en-US" sz="2000" dirty="0" smtClean="0">
-                <a:solidFill>
-                  <a:schemeClr val="accent2"/>
-                </a:solidFill>
-              </a:rPr>
-              <a:t>MOSI: Master </a:t>
-            </a:r>
-            <a:r>
-              <a:rPr lang="en-US" sz="2000" dirty="0">
-                <a:solidFill>
-                  <a:schemeClr val="accent2"/>
-                </a:solidFill>
-              </a:rPr>
-              <a:t>Out Slave In </a:t>
-            </a:r>
-            <a:endParaRPr lang="en-US" sz="2000" dirty="0" smtClean="0">
-              <a:solidFill>
-                <a:schemeClr val="accent2"/>
-              </a:solidFill>
-            </a:endParaRPr>
-          </a:p>
-          <a:p>
-            <a:pPr lvl="1"/>
-            <a:r>
-              <a:rPr lang="en-US" sz="2000" dirty="0" smtClean="0">
-                <a:solidFill>
-                  <a:schemeClr val="accent2"/>
-                </a:solidFill>
-              </a:rPr>
-              <a:t>MISO: Master </a:t>
-            </a:r>
-            <a:r>
-              <a:rPr lang="en-US" sz="2000" dirty="0">
-                <a:solidFill>
-                  <a:schemeClr val="accent2"/>
-                </a:solidFill>
-              </a:rPr>
-              <a:t>In Slave Out </a:t>
-            </a:r>
-          </a:p>
-          <a:p>
-            <a:pPr lvl="1"/>
-            <a:r>
-              <a:rPr lang="en-US" sz="2000" dirty="0" smtClean="0">
-                <a:solidFill>
-                  <a:schemeClr val="accent2"/>
-                </a:solidFill>
-              </a:rPr>
-              <a:t>SCLK: Clock</a:t>
-            </a:r>
-            <a:endParaRPr lang="en-US" sz="2000" dirty="0">
-              <a:solidFill>
-                <a:schemeClr val="accent2"/>
-              </a:solidFill>
-            </a:endParaRPr>
-          </a:p>
-          <a:p>
-            <a:pPr lvl="1"/>
-            <a:r>
-              <a:rPr lang="en-US" sz="2000" dirty="0" smtClean="0">
-                <a:solidFill>
-                  <a:schemeClr val="accent2"/>
-                </a:solidFill>
-              </a:rPr>
-              <a:t>SS:       Slave Select</a:t>
-            </a:r>
-          </a:p>
-          <a:p>
-            <a:endParaRPr lang="en-US" sz="2400" dirty="0" smtClean="0">
-              <a:solidFill>
-                <a:schemeClr val="accent2"/>
-              </a:solidFill>
-            </a:endParaRPr>
-          </a:p>
-          <a:p>
-            <a:pPr marL="0" indent="0">
-              <a:buNone/>
-            </a:pPr>
-            <a:endParaRPr lang="en-US" sz="1400" dirty="0">
-              <a:solidFill>
-                <a:schemeClr val="accent2"/>
-              </a:solidFill>
-              <a:latin typeface="Courier New" pitchFamily="49" charset="0"/>
-              <a:cs typeface="Courier New" pitchFamily="49" charset="0"/>
-            </a:endParaRPr>
-          </a:p>
-          <a:p>
-            <a:pPr marL="0" indent="0">
-              <a:buNone/>
-            </a:pPr>
-            <a:endParaRPr lang="en-US" sz="1400" dirty="0"/>
           </a:p>
         </p:txBody>
       </p:sp>
       <p:pic>
         <p:nvPicPr>
-          <p:cNvPr id="2050" name="Picture 2" descr="SPI Internals"/>
+          <p:cNvPr id="4" name="Picture 3"/>
           <p:cNvPicPr>
-            <a:picLocks noChangeAspect="1" noChangeArrowheads="1"/>
+            <a:picLocks noChangeAspect="1"/>
           </p:cNvPicPr>
           <p:nvPr/>
         </p:nvPicPr>
         <p:blipFill>
-          <a:blip r:embed="rId2">
-            <a:extLst>
-              <a:ext uri="{28A0092B-C50C-407E-A947-70E740481C1C}">
-                <a14:useLocalDpi xmlns:a14="http://schemas.microsoft.com/office/drawing/2010/main" val="0"/>
-              </a:ext>
-            </a:extLst>
-          </a:blip>
-          <a:srcRect/>
+          <a:blip r:embed="rId2"/>
           <a:stretch>
             <a:fillRect/>
           </a:stretch>
         </p:blipFill>
-        <p:spPr bwMode="auto">
+        <p:spPr>
           <a:xfrm>
-            <a:off x="2207172" y="2116973"/>
-            <a:ext cx="3519649" cy="1379561"/>
+            <a:off x="1456340" y="1463040"/>
+            <a:ext cx="6057900" cy="1666875"/>
           </a:xfrm>
           <a:prstGeom prst="rect">
             <a:avLst/>
           </a:prstGeom>
-          <a:noFill/>
-          <a:extLst>
-            <a:ext uri="{909E8E84-426E-40DD-AFC4-6F175D3DCCD1}">
-              <a14:hiddenFill xmlns:a14="http://schemas.microsoft.com/office/drawing/2010/main">
-                <a:solidFill>
-                  <a:srgbClr val="FFFFFF"/>
-                </a:solidFill>
-              </a14:hiddenFill>
-            </a:ext>
-          </a:extLst>
         </p:spPr>
       </p:pic>
-      <p:sp>
-        <p:nvSpPr>
-          <p:cNvPr id="4" name="TextBox 3"/>
-          <p:cNvSpPr txBox="1"/>
-          <p:nvPr/>
-        </p:nvSpPr>
-        <p:spPr>
-          <a:xfrm>
-            <a:off x="5470216" y="4887589"/>
-            <a:ext cx="2515432" cy="1754326"/>
-          </a:xfrm>
-          <a:prstGeom prst="rect">
-            <a:avLst/>
-          </a:prstGeom>
-          <a:noFill/>
-        </p:spPr>
-        <p:txBody>
-          <a:bodyPr wrap="none" rtlCol="0">
-            <a:spAutoFit/>
-          </a:bodyPr>
-          <a:lstStyle/>
-          <a:p>
-            <a:pPr>
-              <a:spcBef>
-                <a:spcPts val="0"/>
-              </a:spcBef>
-            </a:pPr>
-            <a:r>
-              <a:rPr lang="en-US" dirty="0" smtClean="0"/>
-              <a:t>TI renamed these:</a:t>
-            </a:r>
-          </a:p>
-          <a:p>
-            <a:pPr lvl="1">
-              <a:spcBef>
-                <a:spcPts val="0"/>
-              </a:spcBef>
-            </a:pPr>
-            <a:r>
-              <a:rPr lang="en-US" dirty="0">
-                <a:solidFill>
-                  <a:schemeClr val="accent2"/>
-                </a:solidFill>
-              </a:rPr>
-              <a:t>MOSI = SIMO</a:t>
-            </a:r>
-          </a:p>
-          <a:p>
-            <a:pPr lvl="1">
-              <a:spcBef>
-                <a:spcPts val="0"/>
-              </a:spcBef>
-            </a:pPr>
-            <a:r>
-              <a:rPr lang="en-US" dirty="0">
-                <a:solidFill>
-                  <a:schemeClr val="accent2"/>
-                </a:solidFill>
-              </a:rPr>
-              <a:t>MISO = SOMI</a:t>
-            </a:r>
-          </a:p>
-          <a:p>
-            <a:endParaRPr lang="en-US" dirty="0"/>
-          </a:p>
-        </p:txBody>
-      </p:sp>
     </p:spTree>
     <p:extLst>
       <p:ext uri="{BB962C8B-B14F-4D97-AF65-F5344CB8AC3E}">
-        <p14:creationId xmlns:p14="http://schemas.microsoft.com/office/powerpoint/2010/main" val="807256393"/>
+        <p14:creationId xmlns:p14="http://schemas.microsoft.com/office/powerpoint/2010/main" val="2539437024"/>
       </p:ext>
     </p:extLst>
   </p:cSld>
   <p:clrMapOvr>
     <a:masterClrMapping/>
   </p:clrMapOvr>
-  <p:timing>
-    <p:tnLst>
-      <p:par>
-        <p:cTn id="1" dur="indefinite" restart="never" nodeType="tmRoot"/>
-      </p:par>
-    </p:tnLst>
-  </p:timing>
+  <p:transition spd="med"/>
 </p:sld>
 </file>
 
@@ -18668,7 +19527,7 @@
       </p:grpSpPr>
       <p:sp>
         <p:nvSpPr>
-          <p:cNvPr id="2" name="Title 1"/>
+          <p:cNvPr id="3" name="Title 2"/>
           <p:cNvSpPr>
             <a:spLocks noGrp="1"/>
           </p:cNvSpPr>
@@ -18683,170 +19542,199 @@
           <a:p>
             <a:r>
               <a:rPr lang="en-US" dirty="0" smtClean="0"/>
-              <a:t>Serial Peripheral Interface (SPI)</a:t>
+              <a:t>UART </a:t>
+            </a:r>
+            <a:r>
+              <a:rPr lang="en-US" dirty="0" err="1" smtClean="0"/>
+              <a:t>Datarate</a:t>
+            </a:r>
+            <a:r>
+              <a:rPr lang="en-US" dirty="0" smtClean="0"/>
+              <a:t> Settings</a:t>
             </a:r>
             <a:endParaRPr lang="en-US" dirty="0"/>
-          </a:p>
-        </p:txBody>
-      </p:sp>
-      <p:sp>
-        <p:nvSpPr>
-          <p:cNvPr id="3" name="Content Placeholder 2"/>
-          <p:cNvSpPr>
-            <a:spLocks noGrp="1"/>
-          </p:cNvSpPr>
-          <p:nvPr>
-            <p:ph idx="1"/>
-          </p:nvPr>
-        </p:nvSpPr>
-        <p:spPr>
-          <a:xfrm>
-            <a:off x="644084" y="1491702"/>
-            <a:ext cx="7772400" cy="4724400"/>
-          </a:xfrm>
-        </p:spPr>
-        <p:txBody>
-          <a:bodyPr/>
-          <a:lstStyle/>
-          <a:p>
-            <a:r>
-              <a:rPr lang="en-US" sz="2400" dirty="0"/>
-              <a:t>Slave Select signal allows the master to potentially use the same interface to potentially interact with multiple slaves. It's usually </a:t>
-            </a:r>
-            <a:r>
-              <a:rPr lang="en-US" sz="2400" b="1" dirty="0"/>
-              <a:t>active low</a:t>
-            </a:r>
-          </a:p>
-          <a:p>
-            <a:endParaRPr lang="en-US" sz="2400" dirty="0" smtClean="0"/>
-          </a:p>
-          <a:p>
-            <a:endParaRPr lang="en-US" sz="2400" dirty="0" smtClean="0">
-              <a:solidFill>
-                <a:schemeClr val="accent2"/>
-              </a:solidFill>
-            </a:endParaRPr>
-          </a:p>
-          <a:p>
-            <a:pPr marL="0" indent="0">
-              <a:buNone/>
-            </a:pPr>
-            <a:endParaRPr lang="en-US" sz="1400" dirty="0">
-              <a:solidFill>
-                <a:schemeClr val="accent2"/>
-              </a:solidFill>
-              <a:latin typeface="Courier New" pitchFamily="49" charset="0"/>
-              <a:cs typeface="Courier New" pitchFamily="49" charset="0"/>
-            </a:endParaRPr>
-          </a:p>
-          <a:p>
-            <a:pPr marL="0" indent="0">
-              <a:buNone/>
-            </a:pPr>
-            <a:endParaRPr lang="en-US" sz="1400" dirty="0"/>
           </a:p>
         </p:txBody>
       </p:sp>
       <p:pic>
         <p:nvPicPr>
-          <p:cNvPr id="4098" name="Picture 2" descr="SPI Driving Multiple Slaves - wikipedia"/>
+          <p:cNvPr id="4" name="Picture 3"/>
           <p:cNvPicPr>
-            <a:picLocks noChangeAspect="1" noChangeArrowheads="1"/>
+            <a:picLocks noChangeAspect="1"/>
           </p:cNvPicPr>
           <p:nvPr/>
         </p:nvPicPr>
         <p:blipFill>
-          <a:blip r:embed="rId2">
-            <a:extLst>
-              <a:ext uri="{28A0092B-C50C-407E-A947-70E740481C1C}">
-                <a14:useLocalDpi xmlns:a14="http://schemas.microsoft.com/office/drawing/2010/main" val="0"/>
-              </a:ext>
-            </a:extLst>
-          </a:blip>
-          <a:srcRect/>
+          <a:blip r:embed="rId2"/>
           <a:stretch>
             <a:fillRect/>
           </a:stretch>
         </p:blipFill>
+        <p:spPr>
+          <a:xfrm>
+            <a:off x="165373" y="1652423"/>
+            <a:ext cx="6905625" cy="4514850"/>
+          </a:xfrm>
+          <a:prstGeom prst="rect">
+            <a:avLst/>
+          </a:prstGeom>
+        </p:spPr>
+      </p:pic>
+      <p:sp>
+        <p:nvSpPr>
+          <p:cNvPr id="5" name="Rectangle 4"/>
+          <p:cNvSpPr/>
+          <p:nvPr/>
+        </p:nvSpPr>
         <p:spPr bwMode="auto">
           <a:xfrm>
-            <a:off x="4994611" y="2529927"/>
-            <a:ext cx="3333750" cy="2647951"/>
+            <a:off x="291662" y="4382814"/>
+            <a:ext cx="6700346" cy="1324304"/>
           </a:xfrm>
           <a:prstGeom prst="rect">
             <a:avLst/>
           </a:prstGeom>
           <a:noFill/>
-          <a:extLst>
-            <a:ext uri="{909E8E84-426E-40DD-AFC4-6F175D3DCCD1}">
-              <a14:hiddenFill xmlns:a14="http://schemas.microsoft.com/office/drawing/2010/main">
-                <a:solidFill>
-                  <a:srgbClr val="FFFFFF"/>
-                </a:solidFill>
-              </a14:hiddenFill>
-            </a:ext>
-          </a:extLst>
+          <a:ln w="50800" cap="flat" cmpd="sng" algn="ctr">
+            <a:solidFill>
+              <a:srgbClr val="FF0000"/>
+            </a:solidFill>
+            <a:prstDash val="solid"/>
+            <a:round/>
+            <a:headEnd type="none" w="med" len="med"/>
+            <a:tailEnd type="none" w="med" len="med"/>
+          </a:ln>
+          <a:effectLst/>
         </p:spPr>
-      </p:pic>
-      <p:pic>
-        <p:nvPicPr>
-          <p:cNvPr id="4100" name="Picture 4" descr="SPI Interface"/>
-          <p:cNvPicPr>
-            <a:picLocks noChangeAspect="1" noChangeArrowheads="1"/>
-          </p:cNvPicPr>
+        <p:txBody>
+          <a:bodyPr vert="horz" wrap="square" lIns="91440" tIns="45720" rIns="91440" bIns="45720" numCol="1" rtlCol="0" anchor="t" anchorCtr="0" compatLnSpc="1">
+            <a:prstTxWarp prst="textNoShape">
+              <a:avLst/>
+            </a:prstTxWarp>
+          </a:bodyPr>
+          <a:lstStyle/>
+          <a:p>
+            <a:pPr marL="0" marR="0" indent="0" algn="ctr" defTabSz="914400" rtl="0" eaLnBrk="0" fontAlgn="base" latinLnBrk="0" hangingPunct="0">
+              <a:lnSpc>
+                <a:spcPct val="100000"/>
+              </a:lnSpc>
+              <a:spcBef>
+                <a:spcPct val="0"/>
+              </a:spcBef>
+              <a:spcAft>
+                <a:spcPct val="0"/>
+              </a:spcAft>
+              <a:buClrTx/>
+              <a:buSzTx/>
+              <a:buFontTx/>
+              <a:buNone/>
+              <a:tabLst/>
+            </a:pPr>
+            <a:endParaRPr kumimoji="0" lang="en-US" sz="1600" b="0" i="0" u="none" strike="noStrike" cap="none" normalizeH="0" baseline="0" smtClean="0">
+              <a:ln>
+                <a:noFill/>
+              </a:ln>
+              <a:solidFill>
+                <a:schemeClr val="tx1"/>
+              </a:solidFill>
+              <a:effectLst/>
+              <a:latin typeface="Arial" charset="0"/>
+            </a:endParaRPr>
+          </a:p>
+        </p:txBody>
+      </p:sp>
+      <p:sp>
+        <p:nvSpPr>
+          <p:cNvPr id="6" name="Rectangular Callout 5"/>
+          <p:cNvSpPr/>
           <p:nvPr/>
-        </p:nvPicPr>
-        <p:blipFill>
-          <a:blip r:embed="rId3">
-            <a:extLst>
-              <a:ext uri="{28A0092B-C50C-407E-A947-70E740481C1C}">
-                <a14:useLocalDpi xmlns:a14="http://schemas.microsoft.com/office/drawing/2010/main" val="0"/>
-              </a:ext>
-            </a:extLst>
-          </a:blip>
-          <a:srcRect/>
-          <a:stretch>
-            <a:fillRect/>
-          </a:stretch>
-        </p:blipFill>
+        </p:nvSpPr>
         <p:spPr bwMode="auto">
           <a:xfrm>
-            <a:off x="1021422" y="3254220"/>
-            <a:ext cx="3143250" cy="838201"/>
+            <a:off x="7252138" y="4516820"/>
+            <a:ext cx="1773621" cy="819807"/>
           </a:xfrm>
-          <a:prstGeom prst="rect">
-            <a:avLst/>
+          <a:prstGeom prst="wedgeRectCallout">
+            <a:avLst>
+              <a:gd name="adj1" fmla="val -64833"/>
+              <a:gd name="adj2" fmla="val 18156"/>
+            </a:avLst>
           </a:prstGeom>
-          <a:noFill/>
-          <a:extLst>
-            <a:ext uri="{909E8E84-426E-40DD-AFC4-6F175D3DCCD1}">
-              <a14:hiddenFill xmlns:a14="http://schemas.microsoft.com/office/drawing/2010/main">
-                <a:solidFill>
-                  <a:srgbClr val="FFFFFF"/>
-                </a:solidFill>
-              </a14:hiddenFill>
-            </a:ext>
-          </a:extLst>
+          <a:solidFill>
+            <a:srgbClr val="FFFF00"/>
+          </a:solidFill>
+          <a:ln w="12700" cap="flat" cmpd="sng" algn="ctr">
+            <a:solidFill>
+              <a:schemeClr val="tx1"/>
+            </a:solidFill>
+            <a:prstDash val="solid"/>
+            <a:round/>
+            <a:headEnd type="none" w="med" len="med"/>
+            <a:tailEnd type="none" w="med" len="med"/>
+          </a:ln>
+          <a:effectLst/>
         </p:spPr>
-      </p:pic>
+        <p:txBody>
+          <a:bodyPr vert="horz" wrap="square" lIns="91440" tIns="45720" rIns="91440" bIns="45720" numCol="1" rtlCol="0" anchor="t" anchorCtr="0" compatLnSpc="1">
+            <a:prstTxWarp prst="textNoShape">
+              <a:avLst/>
+            </a:prstTxWarp>
+          </a:bodyPr>
+          <a:lstStyle/>
+          <a:p>
+            <a:pPr marL="0" marR="0" indent="0" algn="ctr" defTabSz="914400" rtl="0" eaLnBrk="0" fontAlgn="base" latinLnBrk="0" hangingPunct="0">
+              <a:lnSpc>
+                <a:spcPct val="100000"/>
+              </a:lnSpc>
+              <a:spcBef>
+                <a:spcPct val="0"/>
+              </a:spcBef>
+              <a:spcAft>
+                <a:spcPct val="0"/>
+              </a:spcAft>
+              <a:buClrTx/>
+              <a:buSzTx/>
+              <a:buFontTx/>
+              <a:buNone/>
+              <a:tabLst/>
+            </a:pPr>
+            <a:r>
+              <a:rPr kumimoji="0" lang="en-US" sz="1600" b="0" i="0" u="none" strike="noStrike" cap="none" normalizeH="0" baseline="0" dirty="0" smtClean="0">
+                <a:ln>
+                  <a:noFill/>
+                </a:ln>
+                <a:solidFill>
+                  <a:schemeClr val="tx1"/>
+                </a:solidFill>
+                <a:effectLst/>
+                <a:latin typeface="Arial" charset="0"/>
+              </a:rPr>
+              <a:t>Common serial data rates for a 1MHz clock</a:t>
+            </a:r>
+            <a:endParaRPr kumimoji="0" lang="en-US" sz="1600" b="0" i="0" u="none" strike="noStrike" cap="none" normalizeH="0" baseline="0" dirty="0" smtClean="0">
+              <a:ln>
+                <a:noFill/>
+              </a:ln>
+              <a:solidFill>
+                <a:schemeClr val="tx1"/>
+              </a:solidFill>
+              <a:effectLst/>
+              <a:latin typeface="Arial" charset="0"/>
+            </a:endParaRPr>
+          </a:p>
+        </p:txBody>
+      </p:sp>
     </p:spTree>
     <p:extLst>
       <p:ext uri="{BB962C8B-B14F-4D97-AF65-F5344CB8AC3E}">
-        <p14:creationId xmlns:p14="http://schemas.microsoft.com/office/powerpoint/2010/main" val="3533226763"/>
+        <p14:creationId xmlns:p14="http://schemas.microsoft.com/office/powerpoint/2010/main" val="3340594233"/>
       </p:ext>
     </p:extLst>
   </p:cSld>
   <p:clrMapOvr>
     <a:masterClrMapping/>
   </p:clrMapOvr>
-  <p:timing>
-    <p:tnLst>
-      <p:par>
-        <p:cTn id="1" dur="indefinite" restart="never" nodeType="tmRoot"/>
-      </p:par>
-    </p:tnLst>
-  </p:timing>
+  <p:transition spd="med"/>
 </p:sld>
 </file>
 

--- a/source/lessons/lsn26-27-28/Lsn26-27-28.pptx
+++ b/source/lessons/lsn26-27-28/Lsn26-27-28.pptx
@@ -7,10 +7,10 @@
     <p:sldMasterId id="2147483667" r:id="rId3"/>
   </p:sldMasterIdLst>
   <p:notesMasterIdLst>
-    <p:notesMasterId r:id="rId37"/>
+    <p:notesMasterId r:id="rId41"/>
   </p:notesMasterIdLst>
   <p:handoutMasterIdLst>
-    <p:handoutMasterId r:id="rId38"/>
+    <p:handoutMasterId r:id="rId42"/>
   </p:handoutMasterIdLst>
   <p:sldIdLst>
     <p:sldId id="352" r:id="rId4"/>
@@ -18,34 +18,38 @@
     <p:sldId id="355" r:id="rId6"/>
     <p:sldId id="356" r:id="rId7"/>
     <p:sldId id="380" r:id="rId8"/>
-    <p:sldId id="379" r:id="rId9"/>
-    <p:sldId id="381" r:id="rId10"/>
-    <p:sldId id="382" r:id="rId11"/>
-    <p:sldId id="383" r:id="rId12"/>
-    <p:sldId id="384" r:id="rId13"/>
-    <p:sldId id="385" r:id="rId14"/>
-    <p:sldId id="386" r:id="rId15"/>
-    <p:sldId id="378" r:id="rId16"/>
-    <p:sldId id="357" r:id="rId17"/>
-    <p:sldId id="358" r:id="rId18"/>
-    <p:sldId id="359" r:id="rId19"/>
-    <p:sldId id="360" r:id="rId20"/>
-    <p:sldId id="361" r:id="rId21"/>
-    <p:sldId id="362" r:id="rId22"/>
-    <p:sldId id="363" r:id="rId23"/>
-    <p:sldId id="364" r:id="rId24"/>
-    <p:sldId id="365" r:id="rId25"/>
-    <p:sldId id="366" r:id="rId26"/>
-    <p:sldId id="367" r:id="rId27"/>
-    <p:sldId id="368" r:id="rId28"/>
-    <p:sldId id="369" r:id="rId29"/>
-    <p:sldId id="370" r:id="rId30"/>
-    <p:sldId id="371" r:id="rId31"/>
-    <p:sldId id="372" r:id="rId32"/>
-    <p:sldId id="373" r:id="rId33"/>
-    <p:sldId id="374" r:id="rId34"/>
-    <p:sldId id="376" r:id="rId35"/>
-    <p:sldId id="353" r:id="rId36"/>
+    <p:sldId id="387" r:id="rId9"/>
+    <p:sldId id="388" r:id="rId10"/>
+    <p:sldId id="389" r:id="rId11"/>
+    <p:sldId id="379" r:id="rId12"/>
+    <p:sldId id="390" r:id="rId13"/>
+    <p:sldId id="381" r:id="rId14"/>
+    <p:sldId id="382" r:id="rId15"/>
+    <p:sldId id="383" r:id="rId16"/>
+    <p:sldId id="384" r:id="rId17"/>
+    <p:sldId id="385" r:id="rId18"/>
+    <p:sldId id="386" r:id="rId19"/>
+    <p:sldId id="378" r:id="rId20"/>
+    <p:sldId id="357" r:id="rId21"/>
+    <p:sldId id="358" r:id="rId22"/>
+    <p:sldId id="359" r:id="rId23"/>
+    <p:sldId id="360" r:id="rId24"/>
+    <p:sldId id="361" r:id="rId25"/>
+    <p:sldId id="362" r:id="rId26"/>
+    <p:sldId id="363" r:id="rId27"/>
+    <p:sldId id="364" r:id="rId28"/>
+    <p:sldId id="365" r:id="rId29"/>
+    <p:sldId id="366" r:id="rId30"/>
+    <p:sldId id="367" r:id="rId31"/>
+    <p:sldId id="368" r:id="rId32"/>
+    <p:sldId id="369" r:id="rId33"/>
+    <p:sldId id="370" r:id="rId34"/>
+    <p:sldId id="371" r:id="rId35"/>
+    <p:sldId id="372" r:id="rId36"/>
+    <p:sldId id="373" r:id="rId37"/>
+    <p:sldId id="374" r:id="rId38"/>
+    <p:sldId id="376" r:id="rId39"/>
+    <p:sldId id="353" r:id="rId40"/>
   </p:sldIdLst>
   <p:sldSz cx="9144000" cy="6858000" type="screen4x3"/>
   <p:notesSz cx="7010400" cy="9296400"/>
@@ -1406,7 +1410,7 @@
           <a:p>
             <a:fld id="{834513E8-165F-4932-9E2D-FD497CB9A4FD}" type="datetimeFigureOut">
               <a:rPr lang="en-US" smtClean="0"/>
-              <a:t>8/8/2018</a:t>
+              <a:t>8/14/2018</a:t>
             </a:fld>
             <a:endParaRPr lang="en-US"/>
           </a:p>
@@ -1501,7 +1505,7 @@
           <a:p>
             <a:fld id="{834513E8-165F-4932-9E2D-FD497CB9A4FD}" type="datetimeFigureOut">
               <a:rPr lang="en-US" smtClean="0"/>
-              <a:t>8/8/2018</a:t>
+              <a:t>8/14/2018</a:t>
             </a:fld>
             <a:endParaRPr lang="en-US"/>
           </a:p>
@@ -1778,7 +1782,7 @@
           <a:p>
             <a:fld id="{834513E8-165F-4932-9E2D-FD497CB9A4FD}" type="datetimeFigureOut">
               <a:rPr lang="en-US" smtClean="0"/>
-              <a:t>8/8/2018</a:t>
+              <a:t>8/14/2018</a:t>
             </a:fld>
             <a:endParaRPr lang="en-US"/>
           </a:p>
@@ -2031,7 +2035,7 @@
           <a:p>
             <a:fld id="{834513E8-165F-4932-9E2D-FD497CB9A4FD}" type="datetimeFigureOut">
               <a:rPr lang="en-US" smtClean="0"/>
-              <a:t>8/8/2018</a:t>
+              <a:t>8/14/2018</a:t>
             </a:fld>
             <a:endParaRPr lang="en-US"/>
           </a:p>
@@ -2201,7 +2205,7 @@
           <a:p>
             <a:fld id="{834513E8-165F-4932-9E2D-FD497CB9A4FD}" type="datetimeFigureOut">
               <a:rPr lang="en-US" smtClean="0"/>
-              <a:t>8/8/2018</a:t>
+              <a:t>8/14/2018</a:t>
             </a:fld>
             <a:endParaRPr lang="en-US"/>
           </a:p>
@@ -2381,7 +2385,7 @@
           <a:p>
             <a:fld id="{834513E8-165F-4932-9E2D-FD497CB9A4FD}" type="datetimeFigureOut">
               <a:rPr lang="en-US" smtClean="0"/>
-              <a:t>8/8/2018</a:t>
+              <a:t>8/14/2018</a:t>
             </a:fld>
             <a:endParaRPr lang="en-US"/>
           </a:p>
@@ -3187,7 +3191,7 @@
           <a:p>
             <a:fld id="{834513E8-165F-4932-9E2D-FD497CB9A4FD}" type="datetimeFigureOut">
               <a:rPr lang="en-US" smtClean="0"/>
-              <a:t>8/8/2018</a:t>
+              <a:t>8/14/2018</a:t>
             </a:fld>
             <a:endParaRPr lang="en-US"/>
           </a:p>
@@ -3387,7 +3391,7 @@
           <a:p>
             <a:fld id="{834513E8-165F-4932-9E2D-FD497CB9A4FD}" type="datetimeFigureOut">
               <a:rPr lang="en-US" smtClean="0"/>
-              <a:t>8/8/2018</a:t>
+              <a:t>8/14/2018</a:t>
             </a:fld>
             <a:endParaRPr lang="en-US"/>
           </a:p>
@@ -3557,7 +3561,7 @@
           <a:p>
             <a:fld id="{834513E8-165F-4932-9E2D-FD497CB9A4FD}" type="datetimeFigureOut">
               <a:rPr lang="en-US" smtClean="0"/>
-              <a:t>8/8/2018</a:t>
+              <a:t>8/14/2018</a:t>
             </a:fld>
             <a:endParaRPr lang="en-US"/>
           </a:p>
@@ -3803,7 +3807,7 @@
           <a:p>
             <a:fld id="{834513E8-165F-4932-9E2D-FD497CB9A4FD}" type="datetimeFigureOut">
               <a:rPr lang="en-US" smtClean="0"/>
-              <a:t>8/8/2018</a:t>
+              <a:t>8/14/2018</a:t>
             </a:fld>
             <a:endParaRPr lang="en-US"/>
           </a:p>
@@ -4035,7 +4039,7 @@
           <a:p>
             <a:fld id="{834513E8-165F-4932-9E2D-FD497CB9A4FD}" type="datetimeFigureOut">
               <a:rPr lang="en-US" smtClean="0"/>
-              <a:t>8/8/2018</a:t>
+              <a:t>8/14/2018</a:t>
             </a:fld>
             <a:endParaRPr lang="en-US"/>
           </a:p>
@@ -4402,7 +4406,7 @@
           <a:p>
             <a:fld id="{834513E8-165F-4932-9E2D-FD497CB9A4FD}" type="datetimeFigureOut">
               <a:rPr lang="en-US" smtClean="0"/>
-              <a:t>8/8/2018</a:t>
+              <a:t>8/14/2018</a:t>
             </a:fld>
             <a:endParaRPr lang="en-US"/>
           </a:p>
@@ -6219,7 +6223,7 @@
           <a:p>
             <a:fld id="{834513E8-165F-4932-9E2D-FD497CB9A4FD}" type="datetimeFigureOut">
               <a:rPr lang="en-US" smtClean="0"/>
-              <a:t>8/8/2018</a:t>
+              <a:t>8/14/2018</a:t>
             </a:fld>
             <a:endParaRPr lang="en-US"/>
           </a:p>
@@ -7239,6 +7243,871 @@
       </p:grpSpPr>
       <p:sp>
         <p:nvSpPr>
+          <p:cNvPr id="5" name="Subtitle 4"/>
+          <p:cNvSpPr>
+            <a:spLocks noGrp="1"/>
+          </p:cNvSpPr>
+          <p:nvPr>
+            <p:ph type="subTitle" idx="1"/>
+          </p:nvPr>
+        </p:nvSpPr>
+        <p:spPr/>
+        <p:txBody>
+          <a:bodyPr/>
+          <a:lstStyle/>
+          <a:p>
+            <a:r>
+              <a:rPr lang="en-US" dirty="0"/>
+              <a:t>The universal asynchronous receiver-transmitter (UART) takes bytes of data and transmits the individual bits in a sequential </a:t>
+            </a:r>
+            <a:r>
+              <a:rPr lang="en-US" dirty="0" smtClean="0"/>
+              <a:t>fashion</a:t>
+            </a:r>
+          </a:p>
+          <a:p>
+            <a:pPr lvl="1"/>
+            <a:r>
+              <a:rPr lang="en-US" dirty="0" smtClean="0"/>
+              <a:t>Although the protocol defines all kinds of things, I have </a:t>
+            </a:r>
+            <a:r>
+              <a:rPr lang="en-US" dirty="0" smtClean="0">
+                <a:solidFill>
+                  <a:srgbClr val="FF0000"/>
+                </a:solidFill>
+              </a:rPr>
+              <a:t>ALWAYS</a:t>
+            </a:r>
+            <a:r>
+              <a:rPr lang="en-US" dirty="0" smtClean="0"/>
+              <a:t> used 8 bits, no parity, one stop bit (8N1)</a:t>
+            </a:r>
+          </a:p>
+        </p:txBody>
+      </p:sp>
+      <p:sp>
+        <p:nvSpPr>
+          <p:cNvPr id="4" name="Title 3"/>
+          <p:cNvSpPr>
+            <a:spLocks noGrp="1"/>
+          </p:cNvSpPr>
+          <p:nvPr>
+            <p:ph type="title"/>
+          </p:nvPr>
+        </p:nvSpPr>
+        <p:spPr/>
+        <p:txBody>
+          <a:bodyPr/>
+          <a:lstStyle/>
+          <a:p>
+            <a:r>
+              <a:rPr lang="en-US" dirty="0" smtClean="0"/>
+              <a:t>UART</a:t>
+            </a:r>
+            <a:endParaRPr lang="en-US" dirty="0"/>
+          </a:p>
+        </p:txBody>
+      </p:sp>
+      <p:pic>
+        <p:nvPicPr>
+          <p:cNvPr id="7" name="Picture 6"/>
+          <p:cNvPicPr>
+            <a:picLocks noChangeAspect="1"/>
+          </p:cNvPicPr>
+          <p:nvPr/>
+        </p:nvPicPr>
+        <p:blipFill>
+          <a:blip r:embed="rId2">
+            <a:extLst>
+              <a:ext uri="{28A0092B-C50C-407E-A947-70E740481C1C}">
+                <a14:useLocalDpi xmlns:a14="http://schemas.microsoft.com/office/drawing/2010/main" val="0"/>
+              </a:ext>
+            </a:extLst>
+          </a:blip>
+          <a:stretch>
+            <a:fillRect/>
+          </a:stretch>
+        </p:blipFill>
+        <p:spPr>
+          <a:xfrm>
+            <a:off x="565298" y="3318909"/>
+            <a:ext cx="7620000" cy="790575"/>
+          </a:xfrm>
+          <a:prstGeom prst="rect">
+            <a:avLst/>
+          </a:prstGeom>
+        </p:spPr>
+      </p:pic>
+      <p:pic>
+        <p:nvPicPr>
+          <p:cNvPr id="8" name="Picture 7"/>
+          <p:cNvPicPr>
+            <a:picLocks noChangeAspect="1"/>
+          </p:cNvPicPr>
+          <p:nvPr/>
+        </p:nvPicPr>
+        <p:blipFill>
+          <a:blip r:embed="rId3" cstate="print">
+            <a:extLst>
+              <a:ext uri="{28A0092B-C50C-407E-A947-70E740481C1C}">
+                <a14:useLocalDpi xmlns:a14="http://schemas.microsoft.com/office/drawing/2010/main" val="0"/>
+              </a:ext>
+            </a:extLst>
+          </a:blip>
+          <a:stretch>
+            <a:fillRect/>
+          </a:stretch>
+        </p:blipFill>
+        <p:spPr>
+          <a:xfrm>
+            <a:off x="4630864" y="4013640"/>
+            <a:ext cx="2158410" cy="2158410"/>
+          </a:xfrm>
+          <a:prstGeom prst="rect">
+            <a:avLst/>
+          </a:prstGeom>
+        </p:spPr>
+      </p:pic>
+      <p:sp>
+        <p:nvSpPr>
+          <p:cNvPr id="9" name="TextBox 8"/>
+          <p:cNvSpPr txBox="1"/>
+          <p:nvPr/>
+        </p:nvSpPr>
+        <p:spPr>
+          <a:xfrm>
+            <a:off x="4572000" y="5890864"/>
+            <a:ext cx="2217274" cy="369332"/>
+          </a:xfrm>
+          <a:prstGeom prst="rect">
+            <a:avLst/>
+          </a:prstGeom>
+          <a:noFill/>
+        </p:spPr>
+        <p:txBody>
+          <a:bodyPr wrap="none" rtlCol="0">
+            <a:spAutoFit/>
+          </a:bodyPr>
+          <a:lstStyle/>
+          <a:p>
+            <a:r>
+              <a:rPr lang="en-US" sz="1800" dirty="0" smtClean="0"/>
+              <a:t>Data rate: 230400 bps</a:t>
+            </a:r>
+            <a:endParaRPr lang="en-US" sz="1800" dirty="0"/>
+          </a:p>
+        </p:txBody>
+      </p:sp>
+      <p:pic>
+        <p:nvPicPr>
+          <p:cNvPr id="10" name="Picture 9"/>
+          <p:cNvPicPr>
+            <a:picLocks noChangeAspect="1"/>
+          </p:cNvPicPr>
+          <p:nvPr/>
+        </p:nvPicPr>
+        <p:blipFill>
+          <a:blip r:embed="rId4"/>
+          <a:stretch>
+            <a:fillRect/>
+          </a:stretch>
+        </p:blipFill>
+        <p:spPr>
+          <a:xfrm>
+            <a:off x="565298" y="4197608"/>
+            <a:ext cx="3583172" cy="2115067"/>
+          </a:xfrm>
+          <a:prstGeom prst="rect">
+            <a:avLst/>
+          </a:prstGeom>
+        </p:spPr>
+      </p:pic>
+      <p:sp>
+        <p:nvSpPr>
+          <p:cNvPr id="11" name="TextBox 10"/>
+          <p:cNvSpPr txBox="1"/>
+          <p:nvPr/>
+        </p:nvSpPr>
+        <p:spPr>
+          <a:xfrm>
+            <a:off x="6838057" y="4056067"/>
+            <a:ext cx="2110304" cy="1754326"/>
+          </a:xfrm>
+          <a:prstGeom prst="rect">
+            <a:avLst/>
+          </a:prstGeom>
+          <a:noFill/>
+        </p:spPr>
+        <p:txBody>
+          <a:bodyPr wrap="square" rtlCol="0">
+            <a:spAutoFit/>
+          </a:bodyPr>
+          <a:lstStyle/>
+          <a:p>
+            <a:r>
+              <a:rPr lang="en-US" sz="1800" dirty="0" smtClean="0"/>
+              <a:t>The blue top spins 360 </a:t>
+            </a:r>
+            <a:r>
+              <a:rPr lang="en-US" sz="1800" dirty="0" err="1" smtClean="0"/>
+              <a:t>degs</a:t>
+            </a:r>
+            <a:r>
+              <a:rPr lang="en-US" sz="1800" dirty="0" smtClean="0"/>
+              <a:t> at 5 Hz and for every degree provides distances  to obstacles up to 12m to map rooms</a:t>
+            </a:r>
+            <a:endParaRPr lang="en-US" sz="1800" dirty="0"/>
+          </a:p>
+        </p:txBody>
+      </p:sp>
+    </p:spTree>
+    <p:extLst>
+      <p:ext uri="{BB962C8B-B14F-4D97-AF65-F5344CB8AC3E}">
+        <p14:creationId xmlns:p14="http://schemas.microsoft.com/office/powerpoint/2010/main" val="3777350316"/>
+      </p:ext>
+    </p:extLst>
+  </p:cSld>
+  <p:clrMapOvr>
+    <a:masterClrMapping/>
+  </p:clrMapOvr>
+  <p:transition spd="med"/>
+</p:sld>
+</file>
+
+<file path=ppt/slides/slide11.xml><?xml version="1.0" encoding="utf-8"?>
+<p:sld xmlns:a="http://schemas.openxmlformats.org/drawingml/2006/main" xmlns:r="http://schemas.openxmlformats.org/officeDocument/2006/relationships" xmlns:p="http://schemas.openxmlformats.org/presentationml/2006/main">
+  <p:cSld>
+    <p:spTree>
+      <p:nvGrpSpPr>
+        <p:cNvPr id="1" name=""/>
+        <p:cNvGrpSpPr/>
+        <p:nvPr/>
+      </p:nvGrpSpPr>
+      <p:grpSpPr>
+        <a:xfrm>
+          <a:off x="0" y="0"/>
+          <a:ext cx="0" cy="0"/>
+          <a:chOff x="0" y="0"/>
+          <a:chExt cx="0" cy="0"/>
+        </a:xfrm>
+      </p:grpSpPr>
+      <p:sp>
+        <p:nvSpPr>
+          <p:cNvPr id="4" name="Title 3"/>
+          <p:cNvSpPr>
+            <a:spLocks noGrp="1"/>
+          </p:cNvSpPr>
+          <p:nvPr>
+            <p:ph type="title"/>
+          </p:nvPr>
+        </p:nvSpPr>
+        <p:spPr/>
+        <p:txBody>
+          <a:bodyPr/>
+          <a:lstStyle/>
+          <a:p>
+            <a:r>
+              <a:rPr lang="en-US" dirty="0" smtClean="0"/>
+              <a:t>UART</a:t>
+            </a:r>
+            <a:endParaRPr lang="en-US" dirty="0"/>
+          </a:p>
+        </p:txBody>
+      </p:sp>
+      <p:pic>
+        <p:nvPicPr>
+          <p:cNvPr id="6" name="Picture 5"/>
+          <p:cNvPicPr>
+            <a:picLocks noChangeAspect="1"/>
+          </p:cNvPicPr>
+          <p:nvPr/>
+        </p:nvPicPr>
+        <p:blipFill>
+          <a:blip r:embed="rId2"/>
+          <a:stretch>
+            <a:fillRect/>
+          </a:stretch>
+        </p:blipFill>
+        <p:spPr>
+          <a:xfrm>
+            <a:off x="466266" y="1442544"/>
+            <a:ext cx="4477429" cy="5378061"/>
+          </a:xfrm>
+          <a:prstGeom prst="rect">
+            <a:avLst/>
+          </a:prstGeom>
+        </p:spPr>
+      </p:pic>
+      <p:sp>
+        <p:nvSpPr>
+          <p:cNvPr id="7" name="Left Arrow 6"/>
+          <p:cNvSpPr/>
+          <p:nvPr/>
+        </p:nvSpPr>
+        <p:spPr bwMode="auto">
+          <a:xfrm>
+            <a:off x="4816366" y="2672255"/>
+            <a:ext cx="1418896" cy="606972"/>
+          </a:xfrm>
+          <a:prstGeom prst="leftArrow">
+            <a:avLst/>
+          </a:prstGeom>
+          <a:solidFill>
+            <a:srgbClr val="00B050"/>
+          </a:solidFill>
+          <a:ln w="12700" cap="flat" cmpd="sng" algn="ctr">
+            <a:solidFill>
+              <a:schemeClr val="tx1"/>
+            </a:solidFill>
+            <a:prstDash val="solid"/>
+            <a:round/>
+            <a:headEnd type="none" w="med" len="med"/>
+            <a:tailEnd type="none" w="med" len="med"/>
+          </a:ln>
+          <a:effectLst/>
+        </p:spPr>
+        <p:txBody>
+          <a:bodyPr vert="horz" wrap="square" lIns="91440" tIns="45720" rIns="91440" bIns="45720" numCol="1" rtlCol="0" anchor="t" anchorCtr="0" compatLnSpc="1">
+            <a:prstTxWarp prst="textNoShape">
+              <a:avLst/>
+            </a:prstTxWarp>
+          </a:bodyPr>
+          <a:lstStyle/>
+          <a:p>
+            <a:pPr marL="0" marR="0" indent="0" algn="ctr" defTabSz="914400" rtl="0" eaLnBrk="0" fontAlgn="base" latinLnBrk="0" hangingPunct="0">
+              <a:lnSpc>
+                <a:spcPct val="100000"/>
+              </a:lnSpc>
+              <a:spcBef>
+                <a:spcPct val="0"/>
+              </a:spcBef>
+              <a:spcAft>
+                <a:spcPct val="0"/>
+              </a:spcAft>
+              <a:buClrTx/>
+              <a:buSzTx/>
+              <a:buFontTx/>
+              <a:buNone/>
+              <a:tabLst/>
+            </a:pPr>
+            <a:r>
+              <a:rPr kumimoji="0" lang="en-US" sz="1600" b="0" i="0" u="none" strike="noStrike" cap="none" normalizeH="0" baseline="0" dirty="0" smtClean="0">
+                <a:ln>
+                  <a:noFill/>
+                </a:ln>
+                <a:solidFill>
+                  <a:schemeClr val="tx1"/>
+                </a:solidFill>
+                <a:effectLst/>
+                <a:latin typeface="Arial" charset="0"/>
+              </a:rPr>
+              <a:t>P1.1</a:t>
+            </a:r>
+          </a:p>
+        </p:txBody>
+      </p:sp>
+      <p:sp>
+        <p:nvSpPr>
+          <p:cNvPr id="8" name="Left Arrow 7"/>
+          <p:cNvSpPr/>
+          <p:nvPr/>
+        </p:nvSpPr>
+        <p:spPr bwMode="auto">
+          <a:xfrm>
+            <a:off x="4816366" y="4921469"/>
+            <a:ext cx="1418896" cy="606972"/>
+          </a:xfrm>
+          <a:prstGeom prst="leftArrow">
+            <a:avLst/>
+          </a:prstGeom>
+          <a:solidFill>
+            <a:srgbClr val="00B050"/>
+          </a:solidFill>
+          <a:ln w="12700" cap="flat" cmpd="sng" algn="ctr">
+            <a:solidFill>
+              <a:schemeClr val="tx1"/>
+            </a:solidFill>
+            <a:prstDash val="solid"/>
+            <a:round/>
+            <a:headEnd type="none" w="med" len="med"/>
+            <a:tailEnd type="none" w="med" len="med"/>
+          </a:ln>
+          <a:effectLst/>
+        </p:spPr>
+        <p:txBody>
+          <a:bodyPr vert="horz" wrap="square" lIns="91440" tIns="45720" rIns="91440" bIns="45720" numCol="1" rtlCol="0" anchor="t" anchorCtr="0" compatLnSpc="1">
+            <a:prstTxWarp prst="textNoShape">
+              <a:avLst/>
+            </a:prstTxWarp>
+          </a:bodyPr>
+          <a:lstStyle/>
+          <a:p>
+            <a:pPr marL="0" marR="0" indent="0" algn="ctr" defTabSz="914400" rtl="0" eaLnBrk="0" fontAlgn="base" latinLnBrk="0" hangingPunct="0">
+              <a:lnSpc>
+                <a:spcPct val="100000"/>
+              </a:lnSpc>
+              <a:spcBef>
+                <a:spcPct val="0"/>
+              </a:spcBef>
+              <a:spcAft>
+                <a:spcPct val="0"/>
+              </a:spcAft>
+              <a:buClrTx/>
+              <a:buSzTx/>
+              <a:buFontTx/>
+              <a:buNone/>
+              <a:tabLst/>
+            </a:pPr>
+            <a:r>
+              <a:rPr kumimoji="0" lang="en-US" sz="1600" b="0" i="0" u="none" strike="noStrike" cap="none" normalizeH="0" baseline="0" dirty="0" smtClean="0">
+                <a:ln>
+                  <a:noFill/>
+                </a:ln>
+                <a:solidFill>
+                  <a:schemeClr val="tx1"/>
+                </a:solidFill>
+                <a:effectLst/>
+                <a:latin typeface="Arial" charset="0"/>
+              </a:rPr>
+              <a:t>P1.2</a:t>
+            </a:r>
+          </a:p>
+        </p:txBody>
+      </p:sp>
+      <p:sp>
+        <p:nvSpPr>
+          <p:cNvPr id="9" name="TextBox 8"/>
+          <p:cNvSpPr txBox="1"/>
+          <p:nvPr/>
+        </p:nvSpPr>
+        <p:spPr>
+          <a:xfrm>
+            <a:off x="5100145" y="1742090"/>
+            <a:ext cx="3838903" cy="830997"/>
+          </a:xfrm>
+          <a:prstGeom prst="rect">
+            <a:avLst/>
+          </a:prstGeom>
+          <a:noFill/>
+        </p:spPr>
+        <p:txBody>
+          <a:bodyPr wrap="square" rtlCol="0">
+            <a:spAutoFit/>
+          </a:bodyPr>
+          <a:lstStyle/>
+          <a:p>
+            <a:r>
+              <a:rPr lang="en-US" dirty="0" smtClean="0"/>
+              <a:t>It is common for serial to be tied to specific HW pins</a:t>
+            </a:r>
+            <a:endParaRPr lang="en-US" dirty="0"/>
+          </a:p>
+        </p:txBody>
+      </p:sp>
+      <p:sp>
+        <p:nvSpPr>
+          <p:cNvPr id="10" name="TextBox 9"/>
+          <p:cNvSpPr txBox="1"/>
+          <p:nvPr/>
+        </p:nvSpPr>
+        <p:spPr>
+          <a:xfrm>
+            <a:off x="5349240" y="3655659"/>
+            <a:ext cx="3230372" cy="1015663"/>
+          </a:xfrm>
+          <a:prstGeom prst="rect">
+            <a:avLst/>
+          </a:prstGeom>
+          <a:noFill/>
+        </p:spPr>
+        <p:txBody>
+          <a:bodyPr wrap="none" rtlCol="0">
+            <a:spAutoFit/>
+          </a:bodyPr>
+          <a:lstStyle/>
+          <a:p>
+            <a:r>
+              <a:rPr lang="en-US" dirty="0" err="1" smtClean="0"/>
+              <a:t>USCI_Ax</a:t>
+            </a:r>
+            <a:r>
+              <a:rPr lang="en-US" dirty="0" smtClean="0"/>
+              <a:t> for UART</a:t>
+            </a:r>
+          </a:p>
+          <a:p>
+            <a:r>
+              <a:rPr lang="en-US" dirty="0" err="1" smtClean="0"/>
+              <a:t>USCI_Bx</a:t>
+            </a:r>
+            <a:r>
+              <a:rPr lang="en-US" dirty="0" smtClean="0"/>
+              <a:t> for I2C or SPI</a:t>
+            </a:r>
+            <a:endParaRPr lang="en-US" dirty="0"/>
+          </a:p>
+        </p:txBody>
+      </p:sp>
+    </p:spTree>
+    <p:extLst>
+      <p:ext uri="{BB962C8B-B14F-4D97-AF65-F5344CB8AC3E}">
+        <p14:creationId xmlns:p14="http://schemas.microsoft.com/office/powerpoint/2010/main" val="1085592270"/>
+      </p:ext>
+    </p:extLst>
+  </p:cSld>
+  <p:clrMapOvr>
+    <a:masterClrMapping/>
+  </p:clrMapOvr>
+  <p:transition spd="med"/>
+</p:sld>
+</file>
+
+<file path=ppt/slides/slide12.xml><?xml version="1.0" encoding="utf-8"?>
+<p:sld xmlns:a="http://schemas.openxmlformats.org/drawingml/2006/main" xmlns:r="http://schemas.openxmlformats.org/officeDocument/2006/relationships" xmlns:p="http://schemas.openxmlformats.org/presentationml/2006/main">
+  <p:cSld>
+    <p:spTree>
+      <p:nvGrpSpPr>
+        <p:cNvPr id="1" name=""/>
+        <p:cNvGrpSpPr/>
+        <p:nvPr/>
+      </p:nvGrpSpPr>
+      <p:grpSpPr>
+        <a:xfrm>
+          <a:off x="0" y="0"/>
+          <a:ext cx="0" cy="0"/>
+          <a:chOff x="0" y="0"/>
+          <a:chExt cx="0" cy="0"/>
+        </a:xfrm>
+      </p:grpSpPr>
+      <p:sp>
+        <p:nvSpPr>
+          <p:cNvPr id="2" name="Subtitle 1"/>
+          <p:cNvSpPr>
+            <a:spLocks noGrp="1"/>
+          </p:cNvSpPr>
+          <p:nvPr>
+            <p:ph type="subTitle" idx="1"/>
+          </p:nvPr>
+        </p:nvSpPr>
+        <p:spPr>
+          <a:xfrm>
+            <a:off x="365760" y="3312794"/>
+            <a:ext cx="8412480" cy="3088005"/>
+          </a:xfrm>
+        </p:spPr>
+        <p:txBody>
+          <a:bodyPr/>
+          <a:lstStyle/>
+          <a:p>
+            <a:r>
+              <a:rPr lang="en-US" dirty="0" smtClean="0"/>
+              <a:t>Remember to set the TX and RX pins too!</a:t>
+            </a:r>
+            <a:endParaRPr lang="en-US" dirty="0"/>
+          </a:p>
+        </p:txBody>
+      </p:sp>
+      <p:sp>
+        <p:nvSpPr>
+          <p:cNvPr id="3" name="Title 2"/>
+          <p:cNvSpPr>
+            <a:spLocks noGrp="1"/>
+          </p:cNvSpPr>
+          <p:nvPr>
+            <p:ph type="title"/>
+          </p:nvPr>
+        </p:nvSpPr>
+        <p:spPr/>
+        <p:txBody>
+          <a:bodyPr/>
+          <a:lstStyle/>
+          <a:p>
+            <a:r>
+              <a:rPr lang="en-US" dirty="0" smtClean="0"/>
+              <a:t>Setup</a:t>
+            </a:r>
+            <a:endParaRPr lang="en-US" dirty="0"/>
+          </a:p>
+        </p:txBody>
+      </p:sp>
+      <p:pic>
+        <p:nvPicPr>
+          <p:cNvPr id="4" name="Picture 3"/>
+          <p:cNvPicPr>
+            <a:picLocks noChangeAspect="1"/>
+          </p:cNvPicPr>
+          <p:nvPr/>
+        </p:nvPicPr>
+        <p:blipFill>
+          <a:blip r:embed="rId2"/>
+          <a:stretch>
+            <a:fillRect/>
+          </a:stretch>
+        </p:blipFill>
+        <p:spPr>
+          <a:xfrm>
+            <a:off x="1456340" y="1463040"/>
+            <a:ext cx="6057900" cy="1666875"/>
+          </a:xfrm>
+          <a:prstGeom prst="rect">
+            <a:avLst/>
+          </a:prstGeom>
+        </p:spPr>
+      </p:pic>
+    </p:spTree>
+    <p:extLst>
+      <p:ext uri="{BB962C8B-B14F-4D97-AF65-F5344CB8AC3E}">
+        <p14:creationId xmlns:p14="http://schemas.microsoft.com/office/powerpoint/2010/main" val="2539437024"/>
+      </p:ext>
+    </p:extLst>
+  </p:cSld>
+  <p:clrMapOvr>
+    <a:masterClrMapping/>
+  </p:clrMapOvr>
+  <p:transition spd="med"/>
+</p:sld>
+</file>
+
+<file path=ppt/slides/slide13.xml><?xml version="1.0" encoding="utf-8"?>
+<p:sld xmlns:a="http://schemas.openxmlformats.org/drawingml/2006/main" xmlns:r="http://schemas.openxmlformats.org/officeDocument/2006/relationships" xmlns:p="http://schemas.openxmlformats.org/presentationml/2006/main">
+  <p:cSld>
+    <p:spTree>
+      <p:nvGrpSpPr>
+        <p:cNvPr id="1" name=""/>
+        <p:cNvGrpSpPr/>
+        <p:nvPr/>
+      </p:nvGrpSpPr>
+      <p:grpSpPr>
+        <a:xfrm>
+          <a:off x="0" y="0"/>
+          <a:ext cx="0" cy="0"/>
+          <a:chOff x="0" y="0"/>
+          <a:chExt cx="0" cy="0"/>
+        </a:xfrm>
+      </p:grpSpPr>
+      <p:sp>
+        <p:nvSpPr>
+          <p:cNvPr id="3" name="Title 2"/>
+          <p:cNvSpPr>
+            <a:spLocks noGrp="1"/>
+          </p:cNvSpPr>
+          <p:nvPr>
+            <p:ph type="title"/>
+          </p:nvPr>
+        </p:nvSpPr>
+        <p:spPr/>
+        <p:txBody>
+          <a:bodyPr/>
+          <a:lstStyle/>
+          <a:p>
+            <a:r>
+              <a:rPr lang="en-US" dirty="0" smtClean="0"/>
+              <a:t>UART </a:t>
+            </a:r>
+            <a:r>
+              <a:rPr lang="en-US" dirty="0" err="1" smtClean="0"/>
+              <a:t>Datarate</a:t>
+            </a:r>
+            <a:r>
+              <a:rPr lang="en-US" dirty="0" smtClean="0"/>
+              <a:t> Settings</a:t>
+            </a:r>
+            <a:endParaRPr lang="en-US" dirty="0"/>
+          </a:p>
+        </p:txBody>
+      </p:sp>
+      <p:pic>
+        <p:nvPicPr>
+          <p:cNvPr id="4" name="Picture 3"/>
+          <p:cNvPicPr>
+            <a:picLocks noChangeAspect="1"/>
+          </p:cNvPicPr>
+          <p:nvPr/>
+        </p:nvPicPr>
+        <p:blipFill>
+          <a:blip r:embed="rId2"/>
+          <a:stretch>
+            <a:fillRect/>
+          </a:stretch>
+        </p:blipFill>
+        <p:spPr>
+          <a:xfrm>
+            <a:off x="165373" y="1652423"/>
+            <a:ext cx="6905625" cy="4514850"/>
+          </a:xfrm>
+          <a:prstGeom prst="rect">
+            <a:avLst/>
+          </a:prstGeom>
+        </p:spPr>
+      </p:pic>
+      <p:sp>
+        <p:nvSpPr>
+          <p:cNvPr id="5" name="Rectangle 4"/>
+          <p:cNvSpPr/>
+          <p:nvPr/>
+        </p:nvSpPr>
+        <p:spPr bwMode="auto">
+          <a:xfrm>
+            <a:off x="291662" y="4382814"/>
+            <a:ext cx="6700346" cy="1324304"/>
+          </a:xfrm>
+          <a:prstGeom prst="rect">
+            <a:avLst/>
+          </a:prstGeom>
+          <a:noFill/>
+          <a:ln w="50800" cap="flat" cmpd="sng" algn="ctr">
+            <a:solidFill>
+              <a:srgbClr val="FF0000"/>
+            </a:solidFill>
+            <a:prstDash val="solid"/>
+            <a:round/>
+            <a:headEnd type="none" w="med" len="med"/>
+            <a:tailEnd type="none" w="med" len="med"/>
+          </a:ln>
+          <a:effectLst/>
+        </p:spPr>
+        <p:txBody>
+          <a:bodyPr vert="horz" wrap="square" lIns="91440" tIns="45720" rIns="91440" bIns="45720" numCol="1" rtlCol="0" anchor="t" anchorCtr="0" compatLnSpc="1">
+            <a:prstTxWarp prst="textNoShape">
+              <a:avLst/>
+            </a:prstTxWarp>
+          </a:bodyPr>
+          <a:lstStyle/>
+          <a:p>
+            <a:pPr marL="0" marR="0" indent="0" algn="ctr" defTabSz="914400" rtl="0" eaLnBrk="0" fontAlgn="base" latinLnBrk="0" hangingPunct="0">
+              <a:lnSpc>
+                <a:spcPct val="100000"/>
+              </a:lnSpc>
+              <a:spcBef>
+                <a:spcPct val="0"/>
+              </a:spcBef>
+              <a:spcAft>
+                <a:spcPct val="0"/>
+              </a:spcAft>
+              <a:buClrTx/>
+              <a:buSzTx/>
+              <a:buFontTx/>
+              <a:buNone/>
+              <a:tabLst/>
+            </a:pPr>
+            <a:endParaRPr kumimoji="0" lang="en-US" sz="1600" b="0" i="0" u="none" strike="noStrike" cap="none" normalizeH="0" baseline="0" smtClean="0">
+              <a:ln>
+                <a:noFill/>
+              </a:ln>
+              <a:solidFill>
+                <a:schemeClr val="tx1"/>
+              </a:solidFill>
+              <a:effectLst/>
+              <a:latin typeface="Arial" charset="0"/>
+            </a:endParaRPr>
+          </a:p>
+        </p:txBody>
+      </p:sp>
+      <p:sp>
+        <p:nvSpPr>
+          <p:cNvPr id="6" name="Rectangular Callout 5"/>
+          <p:cNvSpPr/>
+          <p:nvPr/>
+        </p:nvSpPr>
+        <p:spPr bwMode="auto">
+          <a:xfrm>
+            <a:off x="7252138" y="4516820"/>
+            <a:ext cx="1773621" cy="819807"/>
+          </a:xfrm>
+          <a:prstGeom prst="wedgeRectCallout">
+            <a:avLst>
+              <a:gd name="adj1" fmla="val -64833"/>
+              <a:gd name="adj2" fmla="val 18156"/>
+            </a:avLst>
+          </a:prstGeom>
+          <a:solidFill>
+            <a:srgbClr val="FFFF00"/>
+          </a:solidFill>
+          <a:ln w="12700" cap="flat" cmpd="sng" algn="ctr">
+            <a:solidFill>
+              <a:schemeClr val="tx1"/>
+            </a:solidFill>
+            <a:prstDash val="solid"/>
+            <a:round/>
+            <a:headEnd type="none" w="med" len="med"/>
+            <a:tailEnd type="none" w="med" len="med"/>
+          </a:ln>
+          <a:effectLst/>
+        </p:spPr>
+        <p:txBody>
+          <a:bodyPr vert="horz" wrap="square" lIns="91440" tIns="45720" rIns="91440" bIns="45720" numCol="1" rtlCol="0" anchor="t" anchorCtr="0" compatLnSpc="1">
+            <a:prstTxWarp prst="textNoShape">
+              <a:avLst/>
+            </a:prstTxWarp>
+          </a:bodyPr>
+          <a:lstStyle/>
+          <a:p>
+            <a:pPr marL="0" marR="0" indent="0" algn="ctr" defTabSz="914400" rtl="0" eaLnBrk="0" fontAlgn="base" latinLnBrk="0" hangingPunct="0">
+              <a:lnSpc>
+                <a:spcPct val="100000"/>
+              </a:lnSpc>
+              <a:spcBef>
+                <a:spcPct val="0"/>
+              </a:spcBef>
+              <a:spcAft>
+                <a:spcPct val="0"/>
+              </a:spcAft>
+              <a:buClrTx/>
+              <a:buSzTx/>
+              <a:buFontTx/>
+              <a:buNone/>
+              <a:tabLst/>
+            </a:pPr>
+            <a:r>
+              <a:rPr kumimoji="0" lang="en-US" sz="1600" b="0" i="0" u="none" strike="noStrike" cap="none" normalizeH="0" baseline="0" dirty="0" smtClean="0">
+                <a:ln>
+                  <a:noFill/>
+                </a:ln>
+                <a:solidFill>
+                  <a:schemeClr val="tx1"/>
+                </a:solidFill>
+                <a:effectLst/>
+                <a:latin typeface="Arial" charset="0"/>
+              </a:rPr>
+              <a:t>Common serial data rates for a 1MHz clock</a:t>
+            </a:r>
+          </a:p>
+        </p:txBody>
+      </p:sp>
+    </p:spTree>
+    <p:extLst>
+      <p:ext uri="{BB962C8B-B14F-4D97-AF65-F5344CB8AC3E}">
+        <p14:creationId xmlns:p14="http://schemas.microsoft.com/office/powerpoint/2010/main" val="3340594233"/>
+      </p:ext>
+    </p:extLst>
+  </p:cSld>
+  <p:clrMapOvr>
+    <a:masterClrMapping/>
+  </p:clrMapOvr>
+  <p:transition spd="med"/>
+</p:sld>
+</file>
+
+<file path=ppt/slides/slide14.xml><?xml version="1.0" encoding="utf-8"?>
+<p:sld xmlns:a="http://schemas.openxmlformats.org/drawingml/2006/main" xmlns:r="http://schemas.openxmlformats.org/officeDocument/2006/relationships" xmlns:p="http://schemas.openxmlformats.org/presentationml/2006/main">
+  <p:cSld>
+    <p:spTree>
+      <p:nvGrpSpPr>
+        <p:cNvPr id="1" name=""/>
+        <p:cNvGrpSpPr/>
+        <p:nvPr/>
+      </p:nvGrpSpPr>
+      <p:grpSpPr>
+        <a:xfrm>
+          <a:off x="0" y="0"/>
+          <a:ext cx="0" cy="0"/>
+          <a:chOff x="0" y="0"/>
+          <a:chExt cx="0" cy="0"/>
+        </a:xfrm>
+      </p:grpSpPr>
+      <p:sp>
+        <p:nvSpPr>
           <p:cNvPr id="3" name="Title 2"/>
           <p:cNvSpPr>
             <a:spLocks noGrp="1"/>
@@ -7294,7 +8163,7 @@
 </p:sld>
 </file>
 
-<file path=ppt/slides/slide11.xml><?xml version="1.0" encoding="utf-8"?>
+<file path=ppt/slides/slide15.xml><?xml version="1.0" encoding="utf-8"?>
 <p:sld xmlns:a="http://schemas.openxmlformats.org/drawingml/2006/main" xmlns:r="http://schemas.openxmlformats.org/officeDocument/2006/relationships" xmlns:p="http://schemas.openxmlformats.org/presentationml/2006/main">
   <p:cSld>
     <p:spTree>
@@ -7396,7 +8265,7 @@
 </p:sld>
 </file>
 
-<file path=ppt/slides/slide12.xml><?xml version="1.0" encoding="utf-8"?>
+<file path=ppt/slides/slide16.xml><?xml version="1.0" encoding="utf-8"?>
 <p:sld xmlns:a="http://schemas.openxmlformats.org/drawingml/2006/main" xmlns:r="http://schemas.openxmlformats.org/officeDocument/2006/relationships" xmlns:p="http://schemas.openxmlformats.org/presentationml/2006/main">
   <p:cSld>
     <p:spTree>
@@ -7465,7 +8334,7 @@
 </p:sld>
 </file>
 
-<file path=ppt/slides/slide13.xml><?xml version="1.0" encoding="utf-8"?>
+<file path=ppt/slides/slide17.xml><?xml version="1.0" encoding="utf-8"?>
 <p:sld xmlns:a="http://schemas.openxmlformats.org/drawingml/2006/main" xmlns:r="http://schemas.openxmlformats.org/officeDocument/2006/relationships" xmlns:p="http://schemas.openxmlformats.org/presentationml/2006/main">
   <p:cSld>
     <p:spTree>
@@ -7545,7 +8414,7 @@
 </p:sld>
 </file>
 
-<file path=ppt/slides/slide14.xml><?xml version="1.0" encoding="utf-8"?>
+<file path=ppt/slides/slide18.xml><?xml version="1.0" encoding="utf-8"?>
 <p:sld xmlns:a="http://schemas.openxmlformats.org/drawingml/2006/main" xmlns:r="http://schemas.openxmlformats.org/officeDocument/2006/relationships" xmlns:p="http://schemas.openxmlformats.org/presentationml/2006/main">
   <p:cSld>
     <p:spTree>
@@ -7889,7 +8758,7 @@
 </p:sld>
 </file>
 
-<file path=ppt/slides/slide15.xml><?xml version="1.0" encoding="utf-8"?>
+<file path=ppt/slides/slide19.xml><?xml version="1.0" encoding="utf-8"?>
 <p:sld xmlns:a="http://schemas.openxmlformats.org/drawingml/2006/main" xmlns:r="http://schemas.openxmlformats.org/officeDocument/2006/relationships" xmlns:p="http://schemas.openxmlformats.org/presentationml/2006/main">
   <p:cSld>
     <p:spTree>
@@ -8090,7 +8959,197 @@
 </p:sld>
 </file>
 
-<file path=ppt/slides/slide16.xml><?xml version="1.0" encoding="utf-8"?>
+<file path=ppt/slides/slide2.xml><?xml version="1.0" encoding="utf-8"?>
+<p:sld xmlns:a="http://schemas.openxmlformats.org/drawingml/2006/main" xmlns:r="http://schemas.openxmlformats.org/officeDocument/2006/relationships" xmlns:p="http://schemas.openxmlformats.org/presentationml/2006/main">
+  <p:cSld>
+    <p:spTree>
+      <p:nvGrpSpPr>
+        <p:cNvPr id="1" name=""/>
+        <p:cNvGrpSpPr/>
+        <p:nvPr/>
+      </p:nvGrpSpPr>
+      <p:grpSpPr>
+        <a:xfrm>
+          <a:off x="0" y="0"/>
+          <a:ext cx="0" cy="0"/>
+          <a:chOff x="0" y="0"/>
+          <a:chExt cx="0" cy="0"/>
+        </a:xfrm>
+      </p:grpSpPr>
+      <p:sp>
+        <p:nvSpPr>
+          <p:cNvPr id="2" name="Title 1"/>
+          <p:cNvSpPr>
+            <a:spLocks noGrp="1"/>
+          </p:cNvSpPr>
+          <p:nvPr>
+            <p:ph type="title"/>
+          </p:nvPr>
+        </p:nvSpPr>
+        <p:spPr/>
+        <p:txBody>
+          <a:bodyPr/>
+          <a:lstStyle/>
+          <a:p>
+            <a:r>
+              <a:rPr lang="en-US" dirty="0" smtClean="0"/>
+              <a:t>Overview</a:t>
+            </a:r>
+            <a:endParaRPr lang="en-US" dirty="0"/>
+          </a:p>
+        </p:txBody>
+      </p:sp>
+      <p:sp>
+        <p:nvSpPr>
+          <p:cNvPr id="3" name="Subtitle 2"/>
+          <p:cNvSpPr>
+            <a:spLocks noGrp="1"/>
+          </p:cNvSpPr>
+          <p:nvPr>
+            <p:ph idx="1"/>
+          </p:nvPr>
+        </p:nvSpPr>
+        <p:spPr/>
+        <p:txBody>
+          <a:bodyPr/>
+          <a:lstStyle/>
+          <a:p>
+            <a:pPr algn="l"/>
+            <a:r>
+              <a:rPr lang="en-US" sz="2800" b="1" dirty="0" smtClean="0"/>
+              <a:t>Lesson Outline</a:t>
+            </a:r>
+            <a:endParaRPr lang="en-US" sz="2800" b="1" dirty="0" smtClean="0">
+              <a:solidFill>
+                <a:srgbClr val="0070C0"/>
+              </a:solidFill>
+            </a:endParaRPr>
+          </a:p>
+          <a:p>
+            <a:pPr marL="800100" lvl="1" indent="-342900" algn="l">
+              <a:buFont typeface="Arial" panose="020B0604020202020204" pitchFamily="34" charset="0"/>
+              <a:buChar char="•"/>
+            </a:pPr>
+            <a:r>
+              <a:rPr lang="en-US" dirty="0" smtClean="0">
+                <a:solidFill>
+                  <a:srgbClr val="0070C0"/>
+                </a:solidFill>
+              </a:rPr>
+              <a:t>Serial vs </a:t>
+            </a:r>
+            <a:r>
+              <a:rPr lang="en-US" dirty="0" smtClean="0">
+                <a:solidFill>
+                  <a:srgbClr val="0070C0"/>
+                </a:solidFill>
+              </a:rPr>
+              <a:t>Parallel</a:t>
+            </a:r>
+          </a:p>
+          <a:p>
+            <a:pPr marL="800100" lvl="1" indent="-342900" algn="l">
+              <a:buFont typeface="Arial" panose="020B0604020202020204" pitchFamily="34" charset="0"/>
+              <a:buChar char="•"/>
+            </a:pPr>
+            <a:r>
+              <a:rPr lang="en-US" dirty="0" smtClean="0">
+                <a:solidFill>
+                  <a:srgbClr val="0070C0"/>
+                </a:solidFill>
+              </a:rPr>
+              <a:t>Types of serial communication</a:t>
+            </a:r>
+            <a:endParaRPr lang="en-US" dirty="0" smtClean="0">
+              <a:solidFill>
+                <a:srgbClr val="0070C0"/>
+              </a:solidFill>
+            </a:endParaRPr>
+          </a:p>
+          <a:p>
+            <a:pPr marL="800100" lvl="1" indent="-342900" algn="l">
+              <a:buFont typeface="Arial" panose="020B0604020202020204" pitchFamily="34" charset="0"/>
+              <a:buChar char="•"/>
+            </a:pPr>
+            <a:r>
+              <a:rPr lang="en-US" dirty="0" smtClean="0">
+                <a:solidFill>
+                  <a:srgbClr val="0070C0"/>
+                </a:solidFill>
+              </a:rPr>
+              <a:t>Serial Communications</a:t>
+            </a:r>
+          </a:p>
+          <a:p>
+            <a:pPr marL="1138238" lvl="2" indent="-342900">
+              <a:buFont typeface="Arial" panose="020B0604020202020204" pitchFamily="34" charset="0"/>
+              <a:buChar char="•"/>
+            </a:pPr>
+            <a:r>
+              <a:rPr lang="en-US" sz="1600" dirty="0" smtClean="0">
+                <a:solidFill>
+                  <a:srgbClr val="0070C0"/>
+                </a:solidFill>
+              </a:rPr>
+              <a:t>UART</a:t>
+            </a:r>
+          </a:p>
+          <a:p>
+            <a:pPr marL="1138238" lvl="2" indent="-342900">
+              <a:buFont typeface="Arial" panose="020B0604020202020204" pitchFamily="34" charset="0"/>
+              <a:buChar char="•"/>
+            </a:pPr>
+            <a:r>
+              <a:rPr lang="en-US" sz="1600" dirty="0" smtClean="0">
+                <a:solidFill>
+                  <a:srgbClr val="0070C0"/>
+                </a:solidFill>
+              </a:rPr>
+              <a:t>SPI</a:t>
+            </a:r>
+          </a:p>
+          <a:p>
+            <a:pPr marL="1138238" lvl="2" indent="-342900">
+              <a:buFont typeface="Arial" panose="020B0604020202020204" pitchFamily="34" charset="0"/>
+              <a:buChar char="•"/>
+            </a:pPr>
+            <a:r>
+              <a:rPr lang="en-US" sz="1600" dirty="0" smtClean="0">
+                <a:solidFill>
+                  <a:srgbClr val="0070C0"/>
+                </a:solidFill>
+              </a:rPr>
+              <a:t>I2C</a:t>
+            </a:r>
+          </a:p>
+          <a:p>
+            <a:pPr algn="l"/>
+            <a:endParaRPr lang="en-US" sz="2400" dirty="0" smtClean="0"/>
+          </a:p>
+        </p:txBody>
+      </p:sp>
+    </p:spTree>
+    <p:extLst>
+      <p:ext uri="{BB962C8B-B14F-4D97-AF65-F5344CB8AC3E}">
+        <p14:creationId xmlns:p14="http://schemas.microsoft.com/office/powerpoint/2010/main" val="4001633631"/>
+      </p:ext>
+    </p:extLst>
+  </p:cSld>
+  <p:clrMapOvr>
+    <a:masterClrMapping/>
+  </p:clrMapOvr>
+  <p:transition spd="med"/>
+  <p:timing>
+    <p:tnLst>
+      <p:par>
+        <p:cTn id="1" dur="indefinite" restart="never" nodeType="tmRoot"/>
+      </p:par>
+    </p:tnLst>
+  </p:timing>
+</p:sld>
+</file>
+
+<file path=ppt/slides/slide20.xml><?xml version="1.0" encoding="utf-8"?>
 <p:sld xmlns:a="http://schemas.openxmlformats.org/drawingml/2006/main" xmlns:r="http://schemas.openxmlformats.org/officeDocument/2006/relationships" xmlns:p="http://schemas.openxmlformats.org/presentationml/2006/main">
   <p:cSld>
     <p:spTree>
@@ -8681,7 +9740,7 @@
 </p:sld>
 </file>
 
-<file path=ppt/slides/slide17.xml><?xml version="1.0" encoding="utf-8"?>
+<file path=ppt/slides/slide21.xml><?xml version="1.0" encoding="utf-8"?>
 <p:sld xmlns:a="http://schemas.openxmlformats.org/drawingml/2006/main" xmlns:r="http://schemas.openxmlformats.org/officeDocument/2006/relationships" xmlns:p="http://schemas.openxmlformats.org/presentationml/2006/main">
   <p:cSld>
     <p:spTree>
@@ -8904,7 +9963,7 @@
 </p:sld>
 </file>
 
-<file path=ppt/slides/slide18.xml><?xml version="1.0" encoding="utf-8"?>
+<file path=ppt/slides/slide22.xml><?xml version="1.0" encoding="utf-8"?>
 <p:sld xmlns:a="http://schemas.openxmlformats.org/drawingml/2006/main" xmlns:r="http://schemas.openxmlformats.org/officeDocument/2006/relationships" xmlns:p="http://schemas.openxmlformats.org/presentationml/2006/main">
   <p:cSld>
     <p:spTree>
@@ -9564,7 +10623,7 @@
 </p:sld>
 </file>
 
-<file path=ppt/slides/slide19.xml><?xml version="1.0" encoding="utf-8"?>
+<file path=ppt/slides/slide23.xml><?xml version="1.0" encoding="utf-8"?>
 <p:sld xmlns:a="http://schemas.openxmlformats.org/drawingml/2006/main" xmlns:r="http://schemas.openxmlformats.org/officeDocument/2006/relationships" xmlns:p="http://schemas.openxmlformats.org/presentationml/2006/main">
   <p:cSld>
     <p:spTree>
@@ -10203,170 +11262,7 @@
 </p:sld>
 </file>
 
-<file path=ppt/slides/slide2.xml><?xml version="1.0" encoding="utf-8"?>
-<p:sld xmlns:a="http://schemas.openxmlformats.org/drawingml/2006/main" xmlns:r="http://schemas.openxmlformats.org/officeDocument/2006/relationships" xmlns:p="http://schemas.openxmlformats.org/presentationml/2006/main">
-  <p:cSld>
-    <p:spTree>
-      <p:nvGrpSpPr>
-        <p:cNvPr id="1" name=""/>
-        <p:cNvGrpSpPr/>
-        <p:nvPr/>
-      </p:nvGrpSpPr>
-      <p:grpSpPr>
-        <a:xfrm>
-          <a:off x="0" y="0"/>
-          <a:ext cx="0" cy="0"/>
-          <a:chOff x="0" y="0"/>
-          <a:chExt cx="0" cy="0"/>
-        </a:xfrm>
-      </p:grpSpPr>
-      <p:sp>
-        <p:nvSpPr>
-          <p:cNvPr id="2" name="Title 1"/>
-          <p:cNvSpPr>
-            <a:spLocks noGrp="1"/>
-          </p:cNvSpPr>
-          <p:nvPr>
-            <p:ph type="title"/>
-          </p:nvPr>
-        </p:nvSpPr>
-        <p:spPr/>
-        <p:txBody>
-          <a:bodyPr/>
-          <a:lstStyle/>
-          <a:p>
-            <a:r>
-              <a:rPr lang="en-US" dirty="0" smtClean="0"/>
-              <a:t>Overview</a:t>
-            </a:r>
-            <a:endParaRPr lang="en-US" dirty="0"/>
-          </a:p>
-        </p:txBody>
-      </p:sp>
-      <p:sp>
-        <p:nvSpPr>
-          <p:cNvPr id="3" name="Subtitle 2"/>
-          <p:cNvSpPr>
-            <a:spLocks noGrp="1"/>
-          </p:cNvSpPr>
-          <p:nvPr>
-            <p:ph idx="1"/>
-          </p:nvPr>
-        </p:nvSpPr>
-        <p:spPr/>
-        <p:txBody>
-          <a:bodyPr/>
-          <a:lstStyle/>
-          <a:p>
-            <a:pPr algn="l"/>
-            <a:r>
-              <a:rPr lang="en-US" sz="2800" b="1" dirty="0" smtClean="0"/>
-              <a:t>Lesson Outline</a:t>
-            </a:r>
-            <a:endParaRPr lang="en-US" sz="2800" b="1" dirty="0" smtClean="0">
-              <a:solidFill>
-                <a:srgbClr val="0070C0"/>
-              </a:solidFill>
-            </a:endParaRPr>
-          </a:p>
-          <a:p>
-            <a:pPr marL="800100" lvl="1" indent="-342900" algn="l">
-              <a:buFont typeface="Arial" panose="020B0604020202020204" pitchFamily="34" charset="0"/>
-              <a:buChar char="•"/>
-            </a:pPr>
-            <a:r>
-              <a:rPr lang="en-US" dirty="0" smtClean="0">
-                <a:solidFill>
-                  <a:srgbClr val="0070C0"/>
-                </a:solidFill>
-              </a:rPr>
-              <a:t>Serial vs Parallel</a:t>
-            </a:r>
-          </a:p>
-          <a:p>
-            <a:pPr marL="800100" lvl="1" indent="-342900" algn="l">
-              <a:buFont typeface="Arial" panose="020B0604020202020204" pitchFamily="34" charset="0"/>
-              <a:buChar char="•"/>
-            </a:pPr>
-            <a:r>
-              <a:rPr lang="en-US" dirty="0" smtClean="0">
-                <a:solidFill>
-                  <a:srgbClr val="0070C0"/>
-                </a:solidFill>
-              </a:rPr>
-              <a:t>Serial Communications</a:t>
-            </a:r>
-          </a:p>
-          <a:p>
-            <a:pPr marL="1138238" lvl="2" indent="-342900">
-              <a:buFont typeface="Arial" panose="020B0604020202020204" pitchFamily="34" charset="0"/>
-              <a:buChar char="•"/>
-            </a:pPr>
-            <a:r>
-              <a:rPr lang="en-US" sz="1600" dirty="0" smtClean="0">
-                <a:solidFill>
-                  <a:srgbClr val="0070C0"/>
-                </a:solidFill>
-              </a:rPr>
-              <a:t>UART</a:t>
-            </a:r>
-          </a:p>
-          <a:p>
-            <a:pPr marL="1138238" lvl="2" indent="-342900">
-              <a:buFont typeface="Arial" panose="020B0604020202020204" pitchFamily="34" charset="0"/>
-              <a:buChar char="•"/>
-            </a:pPr>
-            <a:r>
-              <a:rPr lang="en-US" sz="1600" dirty="0" smtClean="0">
-                <a:solidFill>
-                  <a:srgbClr val="0070C0"/>
-                </a:solidFill>
-              </a:rPr>
-              <a:t>SPI</a:t>
-            </a:r>
-          </a:p>
-          <a:p>
-            <a:pPr marL="1138238" lvl="2" indent="-342900">
-              <a:buFont typeface="Arial" panose="020B0604020202020204" pitchFamily="34" charset="0"/>
-              <a:buChar char="•"/>
-            </a:pPr>
-            <a:r>
-              <a:rPr lang="en-US" sz="1600" dirty="0" smtClean="0">
-                <a:solidFill>
-                  <a:srgbClr val="0070C0"/>
-                </a:solidFill>
-              </a:rPr>
-              <a:t>I2C</a:t>
-            </a:r>
-          </a:p>
-          <a:p>
-            <a:pPr algn="l"/>
-            <a:endParaRPr lang="en-US" sz="2400" dirty="0" smtClean="0"/>
-          </a:p>
-        </p:txBody>
-      </p:sp>
-    </p:spTree>
-    <p:extLst>
-      <p:ext uri="{BB962C8B-B14F-4D97-AF65-F5344CB8AC3E}">
-        <p14:creationId xmlns:p14="http://schemas.microsoft.com/office/powerpoint/2010/main" val="4001633631"/>
-      </p:ext>
-    </p:extLst>
-  </p:cSld>
-  <p:clrMapOvr>
-    <a:masterClrMapping/>
-  </p:clrMapOvr>
-  <p:transition spd="med"/>
-  <p:timing>
-    <p:tnLst>
-      <p:par>
-        <p:cTn id="1" dur="indefinite" restart="never" nodeType="tmRoot"/>
-      </p:par>
-    </p:tnLst>
-  </p:timing>
-</p:sld>
-</file>
-
-<file path=ppt/slides/slide20.xml><?xml version="1.0" encoding="utf-8"?>
+<file path=ppt/slides/slide24.xml><?xml version="1.0" encoding="utf-8"?>
 <p:sld xmlns:a="http://schemas.openxmlformats.org/drawingml/2006/main" xmlns:r="http://schemas.openxmlformats.org/officeDocument/2006/relationships" xmlns:p="http://schemas.openxmlformats.org/presentationml/2006/main">
   <p:cSld>
     <p:spTree>
@@ -11005,7 +11901,7 @@
 </p:sld>
 </file>
 
-<file path=ppt/slides/slide21.xml><?xml version="1.0" encoding="utf-8"?>
+<file path=ppt/slides/slide25.xml><?xml version="1.0" encoding="utf-8"?>
 <p:sld xmlns:a="http://schemas.openxmlformats.org/drawingml/2006/main" xmlns:r="http://schemas.openxmlformats.org/officeDocument/2006/relationships" xmlns:p="http://schemas.openxmlformats.org/presentationml/2006/main">
   <p:cSld>
     <p:spTree>
@@ -11644,7 +12540,7 @@
 </p:sld>
 </file>
 
-<file path=ppt/slides/slide22.xml><?xml version="1.0" encoding="utf-8"?>
+<file path=ppt/slides/slide26.xml><?xml version="1.0" encoding="utf-8"?>
 <p:sld xmlns:a="http://schemas.openxmlformats.org/drawingml/2006/main" xmlns:r="http://schemas.openxmlformats.org/officeDocument/2006/relationships" xmlns:p="http://schemas.openxmlformats.org/presentationml/2006/main">
   <p:cSld>
     <p:spTree>
@@ -12304,7 +13200,7 @@
 </p:sld>
 </file>
 
-<file path=ppt/slides/slide23.xml><?xml version="1.0" encoding="utf-8"?>
+<file path=ppt/slides/slide27.xml><?xml version="1.0" encoding="utf-8"?>
 <p:sld xmlns:a="http://schemas.openxmlformats.org/drawingml/2006/main" xmlns:r="http://schemas.openxmlformats.org/officeDocument/2006/relationships" xmlns:p="http://schemas.openxmlformats.org/presentationml/2006/main">
   <p:cSld>
     <p:spTree>
@@ -12943,7 +13839,7 @@
 </p:sld>
 </file>
 
-<file path=ppt/slides/slide24.xml><?xml version="1.0" encoding="utf-8"?>
+<file path=ppt/slides/slide28.xml><?xml version="1.0" encoding="utf-8"?>
 <p:sld xmlns:a="http://schemas.openxmlformats.org/drawingml/2006/main" xmlns:r="http://schemas.openxmlformats.org/officeDocument/2006/relationships" xmlns:p="http://schemas.openxmlformats.org/presentationml/2006/main">
   <p:cSld>
     <p:spTree>
@@ -13577,7 +14473,7 @@
 </p:sld>
 </file>
 
-<file path=ppt/slides/slide25.xml><?xml version="1.0" encoding="utf-8"?>
+<file path=ppt/slides/slide29.xml><?xml version="1.0" encoding="utf-8"?>
 <p:sld xmlns:a="http://schemas.openxmlformats.org/drawingml/2006/main" xmlns:r="http://schemas.openxmlformats.org/officeDocument/2006/relationships" xmlns:p="http://schemas.openxmlformats.org/presentationml/2006/main">
   <p:cSld>
     <p:spTree>
@@ -14162,1634 +15058,6 @@
             </p:seq>
           </p:childTnLst>
         </p:cTn>
-      </p:par>
-    </p:tnLst>
-  </p:timing>
-</p:sld>
-</file>
-
-<file path=ppt/slides/slide26.xml><?xml version="1.0" encoding="utf-8"?>
-<p:sld xmlns:a="http://schemas.openxmlformats.org/drawingml/2006/main" xmlns:r="http://schemas.openxmlformats.org/officeDocument/2006/relationships" xmlns:p="http://schemas.openxmlformats.org/presentationml/2006/main">
-  <p:cSld>
-    <p:spTree>
-      <p:nvGrpSpPr>
-        <p:cNvPr id="1" name=""/>
-        <p:cNvGrpSpPr/>
-        <p:nvPr/>
-      </p:nvGrpSpPr>
-      <p:grpSpPr>
-        <a:xfrm>
-          <a:off x="0" y="0"/>
-          <a:ext cx="0" cy="0"/>
-          <a:chOff x="0" y="0"/>
-          <a:chExt cx="0" cy="0"/>
-        </a:xfrm>
-      </p:grpSpPr>
-      <p:sp>
-        <p:nvSpPr>
-          <p:cNvPr id="2" name="Title 1"/>
-          <p:cNvSpPr>
-            <a:spLocks noGrp="1"/>
-          </p:cNvSpPr>
-          <p:nvPr>
-            <p:ph type="title"/>
-          </p:nvPr>
-        </p:nvSpPr>
-        <p:spPr/>
-        <p:txBody>
-          <a:bodyPr/>
-          <a:lstStyle/>
-          <a:p>
-            <a:r>
-              <a:rPr lang="en-US" sz="2400" b="1" dirty="0"/>
-              <a:t>Universal Serial Communication Interface (USCI)</a:t>
-            </a:r>
-            <a:endParaRPr lang="en-US" sz="2400" dirty="0"/>
-          </a:p>
-        </p:txBody>
-      </p:sp>
-      <p:sp>
-        <p:nvSpPr>
-          <p:cNvPr id="3" name="Content Placeholder 2"/>
-          <p:cNvSpPr>
-            <a:spLocks noGrp="1"/>
-          </p:cNvSpPr>
-          <p:nvPr>
-            <p:ph idx="1"/>
-          </p:nvPr>
-        </p:nvSpPr>
-        <p:spPr>
-          <a:xfrm>
-            <a:off x="596787" y="1592238"/>
-            <a:ext cx="8215440" cy="4724400"/>
-          </a:xfrm>
-        </p:spPr>
-        <p:txBody>
-          <a:bodyPr/>
-          <a:lstStyle/>
-          <a:p>
-            <a:r>
-              <a:rPr lang="en-US" sz="2400" dirty="0" smtClean="0"/>
-              <a:t>On </a:t>
-            </a:r>
-            <a:r>
-              <a:rPr lang="en-US" sz="2400" dirty="0"/>
-              <a:t>the MSP430:</a:t>
-            </a:r>
-          </a:p>
-          <a:p>
-            <a:pPr lvl="1"/>
-            <a:r>
-              <a:rPr lang="en-US" sz="2000" dirty="0" smtClean="0">
-                <a:solidFill>
-                  <a:schemeClr val="accent2"/>
-                </a:solidFill>
-              </a:rPr>
-              <a:t>Two Universal </a:t>
-            </a:r>
-            <a:r>
-              <a:rPr lang="en-US" sz="2000" dirty="0">
-                <a:solidFill>
-                  <a:schemeClr val="accent2"/>
-                </a:solidFill>
-              </a:rPr>
-              <a:t>Serial Communication Interfaces (USCI), A and </a:t>
-            </a:r>
-            <a:r>
-              <a:rPr lang="en-US" sz="2000" dirty="0" smtClean="0">
-                <a:solidFill>
-                  <a:schemeClr val="accent2"/>
-                </a:solidFill>
-              </a:rPr>
-              <a:t>B</a:t>
-            </a:r>
-          </a:p>
-          <a:p>
-            <a:pPr lvl="2"/>
-            <a:r>
-              <a:rPr lang="en-US" sz="1600" dirty="0" smtClean="0"/>
-              <a:t>Can do multiple protocols (one is SPI), defined by configuration registers</a:t>
-            </a:r>
-          </a:p>
-          <a:p>
-            <a:pPr lvl="2"/>
-            <a:r>
-              <a:rPr lang="en-US" sz="1600" dirty="0" smtClean="0">
-                <a:latin typeface="Courier New" pitchFamily="49" charset="0"/>
-                <a:cs typeface="Courier New" pitchFamily="49" charset="0"/>
-              </a:rPr>
-              <a:t>UCA0 and UCB0</a:t>
-            </a:r>
-            <a:endParaRPr lang="en-US" sz="1600" dirty="0">
-              <a:latin typeface="Courier New" pitchFamily="49" charset="0"/>
-              <a:cs typeface="Courier New" pitchFamily="49" charset="0"/>
-            </a:endParaRPr>
-          </a:p>
-          <a:p>
-            <a:pPr lvl="1"/>
-            <a:r>
-              <a:rPr lang="en-US" sz="2000" dirty="0">
-                <a:solidFill>
-                  <a:schemeClr val="accent2"/>
-                </a:solidFill>
-              </a:rPr>
-              <a:t>datasheet - </a:t>
-            </a:r>
-            <a:r>
-              <a:rPr lang="en-US" sz="2000" dirty="0" smtClean="0">
-                <a:solidFill>
-                  <a:schemeClr val="accent2"/>
-                </a:solidFill>
-              </a:rPr>
-              <a:t>control </a:t>
-            </a:r>
-            <a:r>
-              <a:rPr lang="en-US" sz="2000" dirty="0">
-                <a:solidFill>
-                  <a:schemeClr val="accent2"/>
-                </a:solidFill>
-              </a:rPr>
-              <a:t>registers (</a:t>
-            </a:r>
-            <a:r>
-              <a:rPr lang="en-US" sz="2000" dirty="0" err="1" smtClean="0">
-                <a:solidFill>
-                  <a:schemeClr val="accent2"/>
-                </a:solidFill>
-              </a:rPr>
-              <a:t>pp</a:t>
-            </a:r>
-            <a:r>
-              <a:rPr lang="en-US" sz="2000" dirty="0" smtClean="0">
-                <a:solidFill>
-                  <a:schemeClr val="accent2"/>
-                </a:solidFill>
-              </a:rPr>
-              <a:t> 435-448)</a:t>
-            </a:r>
-          </a:p>
-          <a:p>
-            <a:pPr lvl="1"/>
-            <a:endParaRPr lang="en-US" sz="2000" dirty="0" smtClean="0"/>
-          </a:p>
-          <a:p>
-            <a:pPr marL="457200" lvl="1" indent="0">
-              <a:buNone/>
-            </a:pPr>
-            <a:endParaRPr lang="en-US" sz="2000" dirty="0"/>
-          </a:p>
-          <a:p>
-            <a:endParaRPr lang="en-US" sz="2400" dirty="0" smtClean="0"/>
-          </a:p>
-          <a:p>
-            <a:endParaRPr lang="en-US" sz="2400" dirty="0" smtClean="0">
-              <a:solidFill>
-                <a:schemeClr val="accent2"/>
-              </a:solidFill>
-            </a:endParaRPr>
-          </a:p>
-          <a:p>
-            <a:pPr marL="0" indent="0">
-              <a:buNone/>
-            </a:pPr>
-            <a:endParaRPr lang="en-US" sz="1400" dirty="0">
-              <a:solidFill>
-                <a:schemeClr val="accent2"/>
-              </a:solidFill>
-              <a:latin typeface="Courier New" pitchFamily="49" charset="0"/>
-              <a:cs typeface="Courier New" pitchFamily="49" charset="0"/>
-            </a:endParaRPr>
-          </a:p>
-          <a:p>
-            <a:pPr marL="0" indent="0">
-              <a:buNone/>
-            </a:pPr>
-            <a:endParaRPr lang="en-US" sz="1400" dirty="0"/>
-          </a:p>
-        </p:txBody>
-      </p:sp>
-      <p:pic>
-        <p:nvPicPr>
-          <p:cNvPr id="6146" name="Picture 2" descr="MSP430 SPI Initialization Sequence"/>
-          <p:cNvPicPr>
-            <a:picLocks noChangeAspect="1" noChangeArrowheads="1"/>
-          </p:cNvPicPr>
-          <p:nvPr/>
-        </p:nvPicPr>
-        <p:blipFill>
-          <a:blip r:embed="rId2">
-            <a:extLst>
-              <a:ext uri="{28A0092B-C50C-407E-A947-70E740481C1C}">
-                <a14:useLocalDpi xmlns:a14="http://schemas.microsoft.com/office/drawing/2010/main" val="0"/>
-              </a:ext>
-            </a:extLst>
-          </a:blip>
-          <a:srcRect/>
-          <a:stretch>
-            <a:fillRect/>
-          </a:stretch>
-        </p:blipFill>
-        <p:spPr bwMode="auto">
-          <a:xfrm>
-            <a:off x="876176" y="3954438"/>
-            <a:ext cx="7656661" cy="2024023"/>
-          </a:xfrm>
-          <a:prstGeom prst="rect">
-            <a:avLst/>
-          </a:prstGeom>
-          <a:noFill/>
-          <a:extLst>
-            <a:ext uri="{909E8E84-426E-40DD-AFC4-6F175D3DCCD1}">
-              <a14:hiddenFill xmlns:a14="http://schemas.microsoft.com/office/drawing/2010/main">
-                <a:solidFill>
-                  <a:srgbClr val="FFFFFF"/>
-                </a:solidFill>
-              </a14:hiddenFill>
-            </a:ext>
-          </a:extLst>
-        </p:spPr>
-      </p:pic>
-      <p:sp>
-        <p:nvSpPr>
-          <p:cNvPr id="4" name="TextBox 3"/>
-          <p:cNvSpPr txBox="1"/>
-          <p:nvPr/>
-        </p:nvSpPr>
-        <p:spPr>
-          <a:xfrm>
-            <a:off x="3168173" y="5904817"/>
-            <a:ext cx="5644054" cy="461665"/>
-          </a:xfrm>
-          <a:prstGeom prst="rect">
-            <a:avLst/>
-          </a:prstGeom>
-          <a:noFill/>
-        </p:spPr>
-        <p:txBody>
-          <a:bodyPr wrap="square" rtlCol="0">
-            <a:spAutoFit/>
-          </a:bodyPr>
-          <a:lstStyle/>
-          <a:p>
-            <a:r>
-              <a:rPr lang="en-US" dirty="0"/>
-              <a:t>Page </a:t>
-            </a:r>
-            <a:r>
-              <a:rPr lang="en-US" dirty="0" smtClean="0"/>
-              <a:t>436 or 452 </a:t>
-            </a:r>
-            <a:r>
-              <a:rPr lang="en-US" dirty="0"/>
-              <a:t>of the Family User </a:t>
-            </a:r>
-            <a:r>
-              <a:rPr lang="en-US" dirty="0" smtClean="0"/>
-              <a:t>Guide  </a:t>
-            </a:r>
-            <a:endParaRPr lang="en-US" dirty="0"/>
-          </a:p>
-        </p:txBody>
-      </p:sp>
-    </p:spTree>
-    <p:extLst>
-      <p:ext uri="{BB962C8B-B14F-4D97-AF65-F5344CB8AC3E}">
-        <p14:creationId xmlns:p14="http://schemas.microsoft.com/office/powerpoint/2010/main" val="440317834"/>
-      </p:ext>
-    </p:extLst>
-  </p:cSld>
-  <p:clrMapOvr>
-    <a:masterClrMapping/>
-  </p:clrMapOvr>
-  <p:timing>
-    <p:tnLst>
-      <p:par>
-        <p:cTn id="1" dur="indefinite" restart="never" nodeType="tmRoot">
-          <p:childTnLst>
-            <p:seq concurrent="1" nextAc="seek">
-              <p:cTn id="2" dur="indefinite" nodeType="mainSeq">
-                <p:childTnLst>
-                  <p:par>
-                    <p:cTn id="3" fill="hold">
-                      <p:stCondLst>
-                        <p:cond delay="indefinite"/>
-                      </p:stCondLst>
-                      <p:childTnLst>
-                        <p:par>
-                          <p:cTn id="4" fill="hold">
-                            <p:stCondLst>
-                              <p:cond delay="0"/>
-                            </p:stCondLst>
-                            <p:childTnLst>
-                              <p:par>
-                                <p:cTn id="5" presetID="1" presetClass="entr" presetSubtype="0" fill="hold" grpId="0" nodeType="clickEffect">
-                                  <p:stCondLst>
-                                    <p:cond delay="0"/>
-                                  </p:stCondLst>
-                                  <p:childTnLst>
-                                    <p:set>
-                                      <p:cBhvr>
-                                        <p:cTn id="6" dur="1" fill="hold">
-                                          <p:stCondLst>
-                                            <p:cond delay="0"/>
-                                          </p:stCondLst>
-                                        </p:cTn>
-                                        <p:tgtEl>
-                                          <p:spTgt spid="4"/>
-                                        </p:tgtEl>
-                                        <p:attrNameLst>
-                                          <p:attrName>style.visibility</p:attrName>
-                                        </p:attrNameLst>
-                                      </p:cBhvr>
-                                      <p:to>
-                                        <p:strVal val="visible"/>
-                                      </p:to>
-                                    </p:set>
-                                  </p:childTnLst>
-                                </p:cTn>
-                              </p:par>
-                            </p:childTnLst>
-                          </p:cTn>
-                        </p:par>
-                      </p:childTnLst>
-                    </p:cTn>
-                  </p:par>
-                </p:childTnLst>
-              </p:cTn>
-              <p:prevCondLst>
-                <p:cond evt="onPrev" delay="0">
-                  <p:tgtEl>
-                    <p:sldTgt/>
-                  </p:tgtEl>
-                </p:cond>
-              </p:prevCondLst>
-              <p:nextCondLst>
-                <p:cond evt="onNext" delay="0">
-                  <p:tgtEl>
-                    <p:sldTgt/>
-                  </p:tgtEl>
-                </p:cond>
-              </p:nextCondLst>
-            </p:seq>
-          </p:childTnLst>
-        </p:cTn>
-      </p:par>
-    </p:tnLst>
-    <p:bldLst>
-      <p:bldP spid="4" grpId="0"/>
-    </p:bldLst>
-  </p:timing>
-</p:sld>
-</file>
-
-<file path=ppt/slides/slide27.xml><?xml version="1.0" encoding="utf-8"?>
-<p:sld xmlns:a="http://schemas.openxmlformats.org/drawingml/2006/main" xmlns:r="http://schemas.openxmlformats.org/officeDocument/2006/relationships" xmlns:p="http://schemas.openxmlformats.org/presentationml/2006/main">
-  <p:cSld>
-    <p:spTree>
-      <p:nvGrpSpPr>
-        <p:cNvPr id="1" name=""/>
-        <p:cNvGrpSpPr/>
-        <p:nvPr/>
-      </p:nvGrpSpPr>
-      <p:grpSpPr>
-        <a:xfrm>
-          <a:off x="0" y="0"/>
-          <a:ext cx="0" cy="0"/>
-          <a:chOff x="0" y="0"/>
-          <a:chExt cx="0" cy="0"/>
-        </a:xfrm>
-      </p:grpSpPr>
-      <p:sp>
-        <p:nvSpPr>
-          <p:cNvPr id="2" name="Title 1"/>
-          <p:cNvSpPr>
-            <a:spLocks noGrp="1"/>
-          </p:cNvSpPr>
-          <p:nvPr>
-            <p:ph type="title"/>
-          </p:nvPr>
-        </p:nvSpPr>
-        <p:spPr/>
-        <p:txBody>
-          <a:bodyPr/>
-          <a:lstStyle/>
-          <a:p>
-            <a:r>
-              <a:rPr lang="en-US" sz="2400" b="1" dirty="0"/>
-              <a:t>Universal Serial Communication Interface (USCI)</a:t>
-            </a:r>
-            <a:endParaRPr lang="en-US" sz="2400" dirty="0"/>
-          </a:p>
-        </p:txBody>
-      </p:sp>
-      <p:sp>
-        <p:nvSpPr>
-          <p:cNvPr id="3" name="Content Placeholder 2"/>
-          <p:cNvSpPr>
-            <a:spLocks noGrp="1"/>
-          </p:cNvSpPr>
-          <p:nvPr>
-            <p:ph idx="1"/>
-          </p:nvPr>
-        </p:nvSpPr>
-        <p:spPr>
-          <a:xfrm>
-            <a:off x="495448" y="1488888"/>
-            <a:ext cx="8215440" cy="4911912"/>
-          </a:xfrm>
-        </p:spPr>
-        <p:txBody>
-          <a:bodyPr>
-            <a:normAutofit fontScale="85000" lnSpcReduction="20000"/>
-          </a:bodyPr>
-          <a:lstStyle/>
-          <a:p>
-            <a:r>
-              <a:rPr lang="en-US" sz="2000" dirty="0"/>
-              <a:t>Step </a:t>
-            </a:r>
-            <a:r>
-              <a:rPr lang="en-US" sz="2000" dirty="0" smtClean="0"/>
-              <a:t>1</a:t>
-            </a:r>
-            <a:endParaRPr lang="en-US" sz="2000" dirty="0"/>
-          </a:p>
-          <a:p>
-            <a:pPr lvl="1"/>
-            <a:r>
-              <a:rPr lang="en-US" sz="1600" dirty="0">
-                <a:solidFill>
-                  <a:schemeClr val="accent2"/>
-                </a:solidFill>
-              </a:rPr>
-              <a:t>Setting the </a:t>
-            </a:r>
-            <a:r>
-              <a:rPr lang="en-US" sz="1600" dirty="0"/>
-              <a:t>UCSWRST</a:t>
-            </a:r>
-            <a:r>
-              <a:rPr lang="en-US" sz="1600" dirty="0">
-                <a:solidFill>
-                  <a:schemeClr val="accent2"/>
-                </a:solidFill>
-              </a:rPr>
-              <a:t> bit in the CTL1 </a:t>
-            </a:r>
-            <a:r>
-              <a:rPr lang="en-US" sz="1600" dirty="0" smtClean="0">
-                <a:solidFill>
-                  <a:schemeClr val="accent2"/>
-                </a:solidFill>
-              </a:rPr>
-              <a:t>register </a:t>
-            </a:r>
-            <a:r>
-              <a:rPr lang="en-US" sz="1600" dirty="0" smtClean="0"/>
-              <a:t>[16.4.2] </a:t>
-            </a:r>
-            <a:r>
-              <a:rPr lang="en-US" sz="1600" dirty="0">
-                <a:solidFill>
-                  <a:schemeClr val="accent2"/>
-                </a:solidFill>
-              </a:rPr>
-              <a:t>resets the subsystem into a known state until it is cleared. All the registers will hold their default values</a:t>
-            </a:r>
-            <a:r>
-              <a:rPr lang="en-US" sz="1600" dirty="0" smtClean="0"/>
-              <a:t>.</a:t>
-            </a:r>
-            <a:endParaRPr lang="en-US" sz="2000" dirty="0"/>
-          </a:p>
-          <a:p>
-            <a:r>
-              <a:rPr lang="en-US" sz="2000" dirty="0"/>
-              <a:t>Step </a:t>
-            </a:r>
-            <a:r>
-              <a:rPr lang="en-US" sz="2000" dirty="0" smtClean="0"/>
-              <a:t>2</a:t>
-            </a:r>
-            <a:endParaRPr lang="en-US" sz="2000" dirty="0"/>
-          </a:p>
-          <a:p>
-            <a:pPr lvl="1"/>
-            <a:r>
-              <a:rPr lang="en-US" sz="1600" dirty="0" smtClean="0">
-                <a:solidFill>
-                  <a:schemeClr val="accent2"/>
-                </a:solidFill>
-              </a:rPr>
-              <a:t>Set </a:t>
-            </a:r>
-            <a:r>
-              <a:rPr lang="en-US" sz="1600" dirty="0">
-                <a:solidFill>
-                  <a:schemeClr val="accent2"/>
-                </a:solidFill>
-              </a:rPr>
-              <a:t>the appropriate bits in the control registers to configure our signal the way we </a:t>
-            </a:r>
-            <a:r>
-              <a:rPr lang="en-US" sz="1600" dirty="0" smtClean="0">
-                <a:solidFill>
-                  <a:schemeClr val="accent2"/>
-                </a:solidFill>
-              </a:rPr>
-              <a:t>want.</a:t>
-            </a:r>
-          </a:p>
-          <a:p>
-            <a:pPr lvl="1"/>
-            <a:r>
-              <a:rPr lang="en-US" sz="1600" dirty="0" smtClean="0">
-                <a:solidFill>
-                  <a:schemeClr val="accent2"/>
-                </a:solidFill>
-              </a:rPr>
-              <a:t>Remember</a:t>
-            </a:r>
-            <a:r>
-              <a:rPr lang="en-US" sz="1600" dirty="0">
-                <a:solidFill>
-                  <a:schemeClr val="accent2"/>
-                </a:solidFill>
-              </a:rPr>
-              <a:t>, you've got to set </a:t>
-            </a:r>
-            <a:r>
-              <a:rPr lang="en-US" sz="1600" dirty="0"/>
-              <a:t>UCSYNC</a:t>
-            </a:r>
-            <a:r>
-              <a:rPr lang="en-US" sz="1600" dirty="0">
-                <a:solidFill>
-                  <a:schemeClr val="accent2"/>
-                </a:solidFill>
-              </a:rPr>
-              <a:t> for the system to function! </a:t>
-            </a:r>
-            <a:endParaRPr lang="en-US" sz="1600" dirty="0" smtClean="0">
-              <a:solidFill>
-                <a:schemeClr val="accent2"/>
-              </a:solidFill>
-            </a:endParaRPr>
-          </a:p>
-          <a:p>
-            <a:pPr lvl="2"/>
-            <a:r>
-              <a:rPr lang="en-US" sz="1200" dirty="0" smtClean="0"/>
-              <a:t>CTL0   [bit 7 phase; bit 6 polarity; bit 3 master/slave; bit 0 UCSYNC = 1 ]    [16.4.1] </a:t>
-            </a:r>
-          </a:p>
-          <a:p>
-            <a:pPr lvl="2"/>
-            <a:r>
-              <a:rPr lang="en-US" sz="1200" dirty="0" smtClean="0"/>
-              <a:t>CTL1   [bit 7&amp;6 clock; bit 0 UCSWRST][16.4.2] </a:t>
-            </a:r>
-            <a:endParaRPr lang="en-US" sz="1200" dirty="0"/>
-          </a:p>
-          <a:p>
-            <a:pPr lvl="2"/>
-            <a:r>
-              <a:rPr lang="en-US" sz="1200" dirty="0" err="1" smtClean="0"/>
-              <a:t>UCBRx</a:t>
-            </a:r>
-            <a:r>
-              <a:rPr lang="en-US" sz="1200" dirty="0" smtClean="0"/>
-              <a:t> [clock speed] [16.4.3 &amp; 16.4.4]</a:t>
-            </a:r>
-            <a:endParaRPr lang="en-US" sz="1200" dirty="0"/>
-          </a:p>
-          <a:p>
-            <a:pPr lvl="2"/>
-            <a:r>
-              <a:rPr lang="en-US" sz="1200" dirty="0" smtClean="0"/>
-              <a:t>STAT [16.4.5]</a:t>
-            </a:r>
-          </a:p>
-          <a:p>
-            <a:r>
-              <a:rPr lang="en-US" sz="2000" dirty="0" smtClean="0"/>
-              <a:t>Step </a:t>
-            </a:r>
-            <a:r>
-              <a:rPr lang="en-US" sz="2000" dirty="0"/>
-              <a:t>3</a:t>
-            </a:r>
-          </a:p>
-          <a:p>
-            <a:pPr lvl="1"/>
-            <a:r>
-              <a:rPr lang="en-US" sz="1600" dirty="0" smtClean="0">
-                <a:solidFill>
-                  <a:schemeClr val="accent2"/>
-                </a:solidFill>
-              </a:rPr>
-              <a:t>All </a:t>
-            </a:r>
-            <a:r>
-              <a:rPr lang="en-US" sz="1600" dirty="0">
-                <a:solidFill>
-                  <a:schemeClr val="accent2"/>
-                </a:solidFill>
-              </a:rPr>
-              <a:t>the ports on our MSP430 are multiplexed! We need to set the </a:t>
-            </a:r>
-            <a:r>
-              <a:rPr lang="en-US" sz="1600" dirty="0" err="1"/>
-              <a:t>PxSEL</a:t>
-            </a:r>
-            <a:r>
-              <a:rPr lang="en-US" sz="1600" dirty="0">
-                <a:solidFill>
-                  <a:schemeClr val="accent2"/>
-                </a:solidFill>
-              </a:rPr>
-              <a:t> and </a:t>
-            </a:r>
-            <a:r>
-              <a:rPr lang="en-US" sz="1600" dirty="0" smtClean="0"/>
-              <a:t>PxSEL2</a:t>
-            </a:r>
-            <a:endParaRPr lang="en-US" sz="2000" dirty="0" smtClean="0"/>
-          </a:p>
-          <a:p>
-            <a:endParaRPr lang="en-US" sz="2000" dirty="0"/>
-          </a:p>
-          <a:p>
-            <a:endParaRPr lang="en-US" sz="2000" dirty="0" smtClean="0"/>
-          </a:p>
-          <a:p>
-            <a:endParaRPr lang="en-US" sz="2000" dirty="0" smtClean="0"/>
-          </a:p>
-          <a:p>
-            <a:endParaRPr lang="en-US" sz="2000" dirty="0"/>
-          </a:p>
-          <a:p>
-            <a:endParaRPr lang="en-US" sz="2000" dirty="0" smtClean="0"/>
-          </a:p>
-          <a:p>
-            <a:endParaRPr lang="en-US" sz="2000" dirty="0" smtClean="0"/>
-          </a:p>
-          <a:p>
-            <a:endParaRPr lang="en-US" sz="2000" dirty="0"/>
-          </a:p>
-          <a:p>
-            <a:r>
-              <a:rPr lang="en-US" sz="2000" dirty="0" smtClean="0"/>
-              <a:t>Step </a:t>
-            </a:r>
-            <a:r>
-              <a:rPr lang="en-US" sz="2000" dirty="0"/>
-              <a:t>4</a:t>
-            </a:r>
-          </a:p>
-          <a:p>
-            <a:pPr lvl="1"/>
-            <a:r>
-              <a:rPr lang="en-US" sz="1600" dirty="0" smtClean="0">
-                <a:solidFill>
-                  <a:schemeClr val="accent2"/>
-                </a:solidFill>
-              </a:rPr>
-              <a:t>Clear </a:t>
-            </a:r>
-            <a:r>
-              <a:rPr lang="en-US" sz="1600" dirty="0">
-                <a:solidFill>
-                  <a:schemeClr val="accent2"/>
-                </a:solidFill>
-              </a:rPr>
-              <a:t>the </a:t>
-            </a:r>
-            <a:r>
-              <a:rPr lang="en-US" sz="1600" dirty="0"/>
-              <a:t>UCSWRST</a:t>
-            </a:r>
-            <a:r>
-              <a:rPr lang="en-US" sz="1600" dirty="0">
-                <a:solidFill>
-                  <a:schemeClr val="accent2"/>
-                </a:solidFill>
-              </a:rPr>
-              <a:t> bit in the CTL1 register - releases the system to operate</a:t>
-            </a:r>
-            <a:r>
-              <a:rPr lang="en-US" sz="1600" dirty="0" smtClean="0">
-                <a:solidFill>
-                  <a:schemeClr val="accent2"/>
-                </a:solidFill>
-              </a:rPr>
-              <a:t>.</a:t>
-            </a:r>
-            <a:endParaRPr lang="en-US" sz="2000" dirty="0">
-              <a:solidFill>
-                <a:schemeClr val="accent2"/>
-              </a:solidFill>
-            </a:endParaRPr>
-          </a:p>
-          <a:p>
-            <a:pPr marL="457200" lvl="1" indent="0">
-              <a:buNone/>
-            </a:pPr>
-            <a:endParaRPr lang="en-US" sz="2000" dirty="0"/>
-          </a:p>
-          <a:p>
-            <a:endParaRPr lang="en-US" sz="2400" dirty="0" smtClean="0"/>
-          </a:p>
-          <a:p>
-            <a:endParaRPr lang="en-US" sz="2400" dirty="0" smtClean="0">
-              <a:solidFill>
-                <a:schemeClr val="accent2"/>
-              </a:solidFill>
-            </a:endParaRPr>
-          </a:p>
-          <a:p>
-            <a:pPr marL="0" indent="0">
-              <a:buNone/>
-            </a:pPr>
-            <a:endParaRPr lang="en-US" sz="1400" dirty="0">
-              <a:solidFill>
-                <a:schemeClr val="accent2"/>
-              </a:solidFill>
-              <a:latin typeface="Courier New" pitchFamily="49" charset="0"/>
-              <a:cs typeface="Courier New" pitchFamily="49" charset="0"/>
-            </a:endParaRPr>
-          </a:p>
-          <a:p>
-            <a:pPr marL="0" indent="0">
-              <a:buNone/>
-            </a:pPr>
-            <a:endParaRPr lang="en-US" sz="1400" dirty="0"/>
-          </a:p>
-        </p:txBody>
-      </p:sp>
-      <p:pic>
-        <p:nvPicPr>
-          <p:cNvPr id="5" name="Picture 2" descr="MSP430G2553 Pinout"/>
-          <p:cNvPicPr>
-            <a:picLocks noChangeAspect="1" noChangeArrowheads="1"/>
-          </p:cNvPicPr>
-          <p:nvPr/>
-        </p:nvPicPr>
-        <p:blipFill>
-          <a:blip r:embed="rId2">
-            <a:extLst>
-              <a:ext uri="{28A0092B-C50C-407E-A947-70E740481C1C}">
-                <a14:useLocalDpi xmlns:a14="http://schemas.microsoft.com/office/drawing/2010/main" val="0"/>
-              </a:ext>
-            </a:extLst>
-          </a:blip>
-          <a:srcRect/>
-          <a:stretch>
-            <a:fillRect/>
-          </a:stretch>
-        </p:blipFill>
-        <p:spPr bwMode="auto">
-          <a:xfrm>
-            <a:off x="2469008" y="4340516"/>
-            <a:ext cx="4568742" cy="1662570"/>
-          </a:xfrm>
-          <a:prstGeom prst="rect">
-            <a:avLst/>
-          </a:prstGeom>
-          <a:noFill/>
-          <a:extLst>
-            <a:ext uri="{909E8E84-426E-40DD-AFC4-6F175D3DCCD1}">
-              <a14:hiddenFill xmlns:a14="http://schemas.microsoft.com/office/drawing/2010/main">
-                <a:solidFill>
-                  <a:srgbClr val="FFFFFF"/>
-                </a:solidFill>
-              </a14:hiddenFill>
-            </a:ext>
-          </a:extLst>
-        </p:spPr>
-      </p:pic>
-      <p:sp>
-        <p:nvSpPr>
-          <p:cNvPr id="6" name="TextBox 5"/>
-          <p:cNvSpPr txBox="1"/>
-          <p:nvPr/>
-        </p:nvSpPr>
-        <p:spPr>
-          <a:xfrm>
-            <a:off x="6224155" y="4663668"/>
-            <a:ext cx="2486733" cy="338554"/>
-          </a:xfrm>
-          <a:prstGeom prst="rect">
-            <a:avLst/>
-          </a:prstGeom>
-          <a:noFill/>
-        </p:spPr>
-        <p:txBody>
-          <a:bodyPr wrap="square" rtlCol="0">
-            <a:spAutoFit/>
-          </a:bodyPr>
-          <a:lstStyle/>
-          <a:p>
-            <a:r>
-              <a:rPr lang="en-US" sz="1600" dirty="0" smtClean="0"/>
-              <a:t>pp 437 for Block Diagram</a:t>
-            </a:r>
-            <a:endParaRPr lang="en-US" sz="1600" dirty="0"/>
-          </a:p>
-        </p:txBody>
-      </p:sp>
-      <p:sp>
-        <p:nvSpPr>
-          <p:cNvPr id="7" name="TextBox 6"/>
-          <p:cNvSpPr txBox="1"/>
-          <p:nvPr/>
-        </p:nvSpPr>
-        <p:spPr>
-          <a:xfrm>
-            <a:off x="1569080" y="589244"/>
-            <a:ext cx="3606085" cy="461665"/>
-          </a:xfrm>
-          <a:prstGeom prst="rect">
-            <a:avLst/>
-          </a:prstGeom>
-          <a:noFill/>
-        </p:spPr>
-        <p:txBody>
-          <a:bodyPr wrap="square" rtlCol="0">
-            <a:spAutoFit/>
-          </a:bodyPr>
-          <a:lstStyle/>
-          <a:p>
-            <a:r>
-              <a:rPr lang="en-US" dirty="0" err="1" smtClean="0"/>
-              <a:t>i.e</a:t>
-            </a:r>
-            <a:r>
-              <a:rPr lang="en-US" dirty="0" smtClean="0"/>
-              <a:t> (SW reset)</a:t>
-            </a:r>
-            <a:endParaRPr lang="en-US" dirty="0"/>
-          </a:p>
-        </p:txBody>
-      </p:sp>
-    </p:spTree>
-    <p:extLst>
-      <p:ext uri="{BB962C8B-B14F-4D97-AF65-F5344CB8AC3E}">
-        <p14:creationId xmlns:p14="http://schemas.microsoft.com/office/powerpoint/2010/main" val="1776160743"/>
-      </p:ext>
-    </p:extLst>
-  </p:cSld>
-  <p:clrMapOvr>
-    <a:masterClrMapping/>
-  </p:clrMapOvr>
-  <p:timing>
-    <p:tnLst>
-      <p:par>
-        <p:cTn id="1" dur="indefinite" restart="never" nodeType="tmRoot">
-          <p:childTnLst>
-            <p:seq concurrent="1" nextAc="seek">
-              <p:cTn id="2" dur="indefinite" nodeType="mainSeq">
-                <p:childTnLst>
-                  <p:par>
-                    <p:cTn id="3" fill="hold">
-                      <p:stCondLst>
-                        <p:cond delay="indefinite"/>
-                      </p:stCondLst>
-                      <p:childTnLst>
-                        <p:par>
-                          <p:cTn id="4" fill="hold">
-                            <p:stCondLst>
-                              <p:cond delay="0"/>
-                            </p:stCondLst>
-                            <p:childTnLst>
-                              <p:par>
-                                <p:cTn id="5" presetID="1" presetClass="entr" presetSubtype="0" fill="hold" nodeType="clickEffect">
-                                  <p:stCondLst>
-                                    <p:cond delay="0"/>
-                                  </p:stCondLst>
-                                  <p:childTnLst>
-                                    <p:set>
-                                      <p:cBhvr>
-                                        <p:cTn id="6" dur="1" fill="hold">
-                                          <p:stCondLst>
-                                            <p:cond delay="0"/>
-                                          </p:stCondLst>
-                                        </p:cTn>
-                                        <p:tgtEl>
-                                          <p:spTgt spid="7">
-                                            <p:txEl>
-                                              <p:pRg st="0" end="0"/>
-                                            </p:txEl>
-                                          </p:spTgt>
-                                        </p:tgtEl>
-                                        <p:attrNameLst>
-                                          <p:attrName>style.visibility</p:attrName>
-                                        </p:attrNameLst>
-                                      </p:cBhvr>
-                                      <p:to>
-                                        <p:strVal val="visible"/>
-                                      </p:to>
-                                    </p:set>
-                                  </p:childTnLst>
-                                </p:cTn>
-                              </p:par>
-                            </p:childTnLst>
-                          </p:cTn>
-                        </p:par>
-                      </p:childTnLst>
-                    </p:cTn>
-                  </p:par>
-                </p:childTnLst>
-              </p:cTn>
-              <p:prevCondLst>
-                <p:cond evt="onPrev" delay="0">
-                  <p:tgtEl>
-                    <p:sldTgt/>
-                  </p:tgtEl>
-                </p:cond>
-              </p:prevCondLst>
-              <p:nextCondLst>
-                <p:cond evt="onNext" delay="0">
-                  <p:tgtEl>
-                    <p:sldTgt/>
-                  </p:tgtEl>
-                </p:cond>
-              </p:nextCondLst>
-            </p:seq>
-          </p:childTnLst>
-        </p:cTn>
-      </p:par>
-    </p:tnLst>
-  </p:timing>
-</p:sld>
-</file>
-
-<file path=ppt/slides/slide28.xml><?xml version="1.0" encoding="utf-8"?>
-<p:sld xmlns:a="http://schemas.openxmlformats.org/drawingml/2006/main" xmlns:r="http://schemas.openxmlformats.org/officeDocument/2006/relationships" xmlns:p="http://schemas.openxmlformats.org/presentationml/2006/main">
-  <p:cSld>
-    <p:spTree>
-      <p:nvGrpSpPr>
-        <p:cNvPr id="1" name=""/>
-        <p:cNvGrpSpPr/>
-        <p:nvPr/>
-      </p:nvGrpSpPr>
-      <p:grpSpPr>
-        <a:xfrm>
-          <a:off x="0" y="0"/>
-          <a:ext cx="0" cy="0"/>
-          <a:chOff x="0" y="0"/>
-          <a:chExt cx="0" cy="0"/>
-        </a:xfrm>
-      </p:grpSpPr>
-      <p:sp>
-        <p:nvSpPr>
-          <p:cNvPr id="2" name="Title 1"/>
-          <p:cNvSpPr>
-            <a:spLocks noGrp="1"/>
-          </p:cNvSpPr>
-          <p:nvPr>
-            <p:ph type="title"/>
-          </p:nvPr>
-        </p:nvSpPr>
-        <p:spPr/>
-        <p:txBody>
-          <a:bodyPr/>
-          <a:lstStyle/>
-          <a:p>
-            <a:r>
-              <a:rPr lang="en-US" dirty="0" smtClean="0"/>
-              <a:t>Example SPI Setup for Lab 3 </a:t>
-            </a:r>
-            <a:endParaRPr lang="en-US" dirty="0"/>
-          </a:p>
-        </p:txBody>
-      </p:sp>
-      <p:sp>
-        <p:nvSpPr>
-          <p:cNvPr id="3" name="Content Placeholder 2"/>
-          <p:cNvSpPr>
-            <a:spLocks noGrp="1"/>
-          </p:cNvSpPr>
-          <p:nvPr>
-            <p:ph idx="1"/>
-          </p:nvPr>
-        </p:nvSpPr>
-        <p:spPr>
-          <a:xfrm>
-            <a:off x="685800" y="1371600"/>
-            <a:ext cx="8103358" cy="4724400"/>
-          </a:xfrm>
-        </p:spPr>
-        <p:txBody>
-          <a:bodyPr/>
-          <a:lstStyle/>
-          <a:p>
-            <a:endParaRPr lang="en-US" dirty="0" smtClean="0"/>
-          </a:p>
-          <a:p>
-            <a:pPr marL="0" indent="0">
-              <a:buNone/>
-              <a:tabLst>
-                <a:tab pos="463550" algn="l"/>
-              </a:tabLst>
-            </a:pPr>
-            <a:r>
-              <a:rPr lang="en-US" sz="2000" dirty="0" smtClean="0"/>
-              <a:t>1)</a:t>
-            </a:r>
-            <a:r>
-              <a:rPr lang="en-US" sz="2000" dirty="0"/>
-              <a:t>	</a:t>
-            </a:r>
-            <a:r>
-              <a:rPr lang="en-US" sz="2000" dirty="0" err="1" smtClean="0"/>
-              <a:t>bis.b</a:t>
-            </a:r>
-            <a:r>
-              <a:rPr lang="en-US" sz="2000" dirty="0"/>
-              <a:t>	</a:t>
-            </a:r>
-            <a:r>
-              <a:rPr lang="en-US" sz="2000" dirty="0" smtClean="0"/>
-              <a:t>#UCSWRST</a:t>
-            </a:r>
-            <a:r>
-              <a:rPr lang="en-US" sz="2000" dirty="0"/>
-              <a:t>, &amp;</a:t>
-            </a:r>
-            <a:r>
-              <a:rPr lang="en-US" sz="2000" dirty="0" smtClean="0"/>
-              <a:t>UCB0CTL1</a:t>
-            </a:r>
-            <a:endParaRPr lang="en-US" sz="2000" dirty="0"/>
-          </a:p>
-          <a:p>
-            <a:pPr marL="0" indent="0">
-              <a:buNone/>
-              <a:tabLst>
-                <a:tab pos="463550" algn="l"/>
-              </a:tabLst>
-            </a:pPr>
-            <a:r>
-              <a:rPr lang="en-US" sz="2000" dirty="0" smtClean="0"/>
-              <a:t>2)</a:t>
-            </a:r>
-            <a:r>
-              <a:rPr lang="en-US" sz="2000" dirty="0"/>
-              <a:t>	</a:t>
-            </a:r>
-            <a:r>
-              <a:rPr lang="en-US" sz="2000" dirty="0" err="1" smtClean="0"/>
-              <a:t>mov</a:t>
-            </a:r>
-            <a:r>
-              <a:rPr lang="en-US" sz="2000" dirty="0" smtClean="0"/>
-              <a:t> 	#</a:t>
-            </a:r>
-            <a:r>
-              <a:rPr lang="en-US" sz="2000" dirty="0"/>
-              <a:t>UCCKPH|UCMSB|UCMST|UCSYNC, &amp;UCB0CTL0</a:t>
-            </a:r>
-          </a:p>
-          <a:p>
-            <a:pPr marL="0" indent="0">
-              <a:buNone/>
-              <a:tabLst>
-                <a:tab pos="463550" algn="l"/>
-              </a:tabLst>
-            </a:pPr>
-            <a:r>
-              <a:rPr lang="en-US" sz="2000" dirty="0"/>
-              <a:t>	</a:t>
-            </a:r>
-            <a:r>
-              <a:rPr lang="en-US" sz="2000" dirty="0" err="1" smtClean="0"/>
-              <a:t>bis</a:t>
-            </a:r>
-            <a:r>
-              <a:rPr lang="en-US" sz="2000" dirty="0" smtClean="0"/>
-              <a:t> 	#</a:t>
-            </a:r>
-            <a:r>
-              <a:rPr lang="en-US" sz="2000" dirty="0"/>
-              <a:t>UCSSEL_2, &amp;UCB0CTL1</a:t>
-            </a:r>
-          </a:p>
-          <a:p>
-            <a:pPr marL="0" indent="0">
-              <a:buNone/>
-              <a:tabLst>
-                <a:tab pos="463550" algn="l"/>
-              </a:tabLst>
-            </a:pPr>
-            <a:r>
-              <a:rPr lang="en-US" sz="2000" dirty="0"/>
-              <a:t>	</a:t>
-            </a:r>
-            <a:r>
-              <a:rPr lang="en-US" sz="2000" dirty="0" err="1" smtClean="0"/>
-              <a:t>bis</a:t>
-            </a:r>
-            <a:r>
-              <a:rPr lang="en-US" sz="2000" dirty="0" smtClean="0"/>
-              <a:t> 	#</a:t>
-            </a:r>
-            <a:r>
-              <a:rPr lang="en-US" sz="2000" dirty="0"/>
-              <a:t>BIT0, &amp;UCB0BR0</a:t>
-            </a:r>
-          </a:p>
-          <a:p>
-            <a:pPr marL="0" indent="0">
-              <a:buNone/>
-              <a:tabLst>
-                <a:tab pos="463550" algn="l"/>
-              </a:tabLst>
-            </a:pPr>
-            <a:r>
-              <a:rPr lang="en-US" sz="2000" dirty="0"/>
-              <a:t>	</a:t>
-            </a:r>
-            <a:r>
-              <a:rPr lang="en-US" sz="2000" dirty="0" err="1" smtClean="0"/>
-              <a:t>clr</a:t>
-            </a:r>
-            <a:r>
-              <a:rPr lang="en-US" sz="2000" dirty="0"/>
-              <a:t>	&amp;UCB0BR1</a:t>
-            </a:r>
-          </a:p>
-          <a:p>
-            <a:pPr marL="0" indent="0">
-              <a:buNone/>
-              <a:tabLst>
-                <a:tab pos="463550" algn="l"/>
-              </a:tabLst>
-            </a:pPr>
-            <a:r>
-              <a:rPr lang="en-US" sz="2000" dirty="0" smtClean="0"/>
-              <a:t>3)</a:t>
-            </a:r>
-            <a:r>
-              <a:rPr lang="en-US" sz="2000" dirty="0"/>
-              <a:t>	</a:t>
-            </a:r>
-            <a:r>
-              <a:rPr lang="en-US" sz="2000" dirty="0" err="1" smtClean="0"/>
-              <a:t>bis</a:t>
-            </a:r>
-            <a:r>
-              <a:rPr lang="en-US" sz="2000" dirty="0"/>
-              <a:t>	#LCD_SCLK_PIN|LCD_MOSI_PIN|LCD_MISO_PIN, &amp;P1SEL</a:t>
-            </a:r>
-          </a:p>
-          <a:p>
-            <a:pPr marL="0" indent="0">
-              <a:buNone/>
-              <a:tabLst>
-                <a:tab pos="463550" algn="l"/>
-              </a:tabLst>
-            </a:pPr>
-            <a:r>
-              <a:rPr lang="en-US" sz="2000" dirty="0"/>
-              <a:t>	</a:t>
-            </a:r>
-            <a:r>
-              <a:rPr lang="en-US" sz="2000" dirty="0" err="1" smtClean="0"/>
-              <a:t>bis</a:t>
-            </a:r>
-            <a:r>
-              <a:rPr lang="en-US" sz="2000" dirty="0"/>
-              <a:t>	#LCD_SCLK_PIN|LCD_MOSI_PIN|LCD_MISO_PIN, &amp;</a:t>
-            </a:r>
-            <a:r>
-              <a:rPr lang="en-US" sz="2000" dirty="0" smtClean="0"/>
-              <a:t>P1SEL2</a:t>
-            </a:r>
-          </a:p>
-          <a:p>
-            <a:pPr marL="0" indent="0">
-              <a:buNone/>
-              <a:tabLst>
-                <a:tab pos="463550" algn="l"/>
-              </a:tabLst>
-            </a:pPr>
-            <a:r>
-              <a:rPr lang="en-US" sz="2000" dirty="0" smtClean="0"/>
-              <a:t>4)</a:t>
-            </a:r>
-            <a:r>
-              <a:rPr lang="en-US" sz="2000" dirty="0"/>
-              <a:t>	</a:t>
-            </a:r>
-            <a:r>
-              <a:rPr lang="en-US" sz="2000" dirty="0" err="1"/>
-              <a:t>bic.b</a:t>
-            </a:r>
-            <a:r>
-              <a:rPr lang="en-US" sz="2000" dirty="0"/>
-              <a:t>	#UCSWRST, &amp;UCB0CTL1</a:t>
-            </a:r>
-          </a:p>
-          <a:p>
-            <a:pPr marL="0" indent="0">
-              <a:buNone/>
-              <a:tabLst>
-                <a:tab pos="231775" algn="l"/>
-              </a:tabLst>
-            </a:pPr>
-            <a:endParaRPr lang="en-US" sz="2000" dirty="0"/>
-          </a:p>
-          <a:p>
-            <a:pPr marL="0" indent="0">
-              <a:buNone/>
-            </a:pPr>
-            <a:endParaRPr lang="en-US" dirty="0"/>
-          </a:p>
-        </p:txBody>
-      </p:sp>
-    </p:spTree>
-    <p:extLst>
-      <p:ext uri="{BB962C8B-B14F-4D97-AF65-F5344CB8AC3E}">
-        <p14:creationId xmlns:p14="http://schemas.microsoft.com/office/powerpoint/2010/main" val="2566304398"/>
-      </p:ext>
-    </p:extLst>
-  </p:cSld>
-  <p:clrMapOvr>
-    <a:masterClrMapping/>
-  </p:clrMapOvr>
-  <p:timing>
-    <p:tnLst>
-      <p:par>
-        <p:cTn id="1" dur="indefinite" restart="never" nodeType="tmRoot"/>
-      </p:par>
-    </p:tnLst>
-  </p:timing>
-</p:sld>
-</file>
-
-<file path=ppt/slides/slide29.xml><?xml version="1.0" encoding="utf-8"?>
-<p:sld xmlns:a="http://schemas.openxmlformats.org/drawingml/2006/main" xmlns:r="http://schemas.openxmlformats.org/officeDocument/2006/relationships" xmlns:p="http://schemas.openxmlformats.org/presentationml/2006/main">
-  <p:cSld>
-    <p:spTree>
-      <p:nvGrpSpPr>
-        <p:cNvPr id="1" name=""/>
-        <p:cNvGrpSpPr/>
-        <p:nvPr/>
-      </p:nvGrpSpPr>
-      <p:grpSpPr>
-        <a:xfrm>
-          <a:off x="0" y="0"/>
-          <a:ext cx="0" cy="0"/>
-          <a:chOff x="0" y="0"/>
-          <a:chExt cx="0" cy="0"/>
-        </a:xfrm>
-      </p:grpSpPr>
-      <p:sp>
-        <p:nvSpPr>
-          <p:cNvPr id="2" name="Title 1"/>
-          <p:cNvSpPr>
-            <a:spLocks noGrp="1"/>
-          </p:cNvSpPr>
-          <p:nvPr>
-            <p:ph type="title"/>
-          </p:nvPr>
-        </p:nvSpPr>
-        <p:spPr/>
-        <p:txBody>
-          <a:bodyPr/>
-          <a:lstStyle/>
-          <a:p>
-            <a:r>
-              <a:rPr lang="en-US" sz="2400" b="1" dirty="0"/>
-              <a:t>Universal Serial Communication Interface (USCI)</a:t>
-            </a:r>
-            <a:endParaRPr lang="en-US" sz="2400" dirty="0"/>
-          </a:p>
-        </p:txBody>
-      </p:sp>
-      <p:sp>
-        <p:nvSpPr>
-          <p:cNvPr id="3" name="Content Placeholder 2"/>
-          <p:cNvSpPr>
-            <a:spLocks noGrp="1"/>
-          </p:cNvSpPr>
-          <p:nvPr>
-            <p:ph idx="1"/>
-          </p:nvPr>
-        </p:nvSpPr>
-        <p:spPr>
-          <a:xfrm>
-            <a:off x="486428" y="1561691"/>
-            <a:ext cx="8215440" cy="4791811"/>
-          </a:xfrm>
-        </p:spPr>
-        <p:txBody>
-          <a:bodyPr>
-            <a:normAutofit lnSpcReduction="10000"/>
-          </a:bodyPr>
-          <a:lstStyle/>
-          <a:p>
-            <a:r>
-              <a:rPr lang="en-US" sz="2000" dirty="0" smtClean="0"/>
-              <a:t>Step 5</a:t>
-            </a:r>
-            <a:endParaRPr lang="en-US" sz="2000" dirty="0"/>
-          </a:p>
-          <a:p>
-            <a:pPr lvl="1"/>
-            <a:r>
-              <a:rPr lang="en-US" sz="1600" dirty="0" smtClean="0">
-                <a:solidFill>
-                  <a:schemeClr val="accent2"/>
-                </a:solidFill>
-              </a:rPr>
-              <a:t>Use </a:t>
-            </a:r>
-            <a:r>
-              <a:rPr lang="en-US" sz="1600" dirty="0">
-                <a:solidFill>
-                  <a:schemeClr val="accent2"/>
-                </a:solidFill>
-              </a:rPr>
-              <a:t>the subsystem</a:t>
-            </a:r>
-            <a:r>
-              <a:rPr lang="en-US" sz="1600" dirty="0" smtClean="0">
-                <a:solidFill>
-                  <a:schemeClr val="accent2"/>
-                </a:solidFill>
-              </a:rPr>
-              <a:t>! </a:t>
-            </a:r>
-          </a:p>
-          <a:p>
-            <a:pPr lvl="2"/>
-            <a:r>
-              <a:rPr lang="en-US" sz="1400" dirty="0"/>
-              <a:t>To send a byte, just write to the </a:t>
-            </a:r>
-            <a:r>
-              <a:rPr lang="en-US" sz="1400" dirty="0">
-                <a:solidFill>
-                  <a:schemeClr val="accent2"/>
-                </a:solidFill>
-              </a:rPr>
-              <a:t>TXBUF</a:t>
-            </a:r>
-            <a:r>
-              <a:rPr lang="en-US" sz="1400" dirty="0"/>
-              <a:t> register. </a:t>
-            </a:r>
-            <a:r>
-              <a:rPr lang="en-US" sz="1400" dirty="0" smtClean="0"/>
-              <a:t> [16.4.6]</a:t>
-            </a:r>
-          </a:p>
-          <a:p>
-            <a:pPr lvl="2"/>
-            <a:r>
-              <a:rPr lang="en-US" sz="1400" dirty="0" smtClean="0"/>
-              <a:t>To </a:t>
-            </a:r>
-            <a:r>
-              <a:rPr lang="en-US" sz="1400" dirty="0"/>
-              <a:t>read a received byte, read from the </a:t>
-            </a:r>
-            <a:r>
-              <a:rPr lang="en-US" sz="1400" dirty="0">
-                <a:solidFill>
-                  <a:schemeClr val="accent2"/>
-                </a:solidFill>
-              </a:rPr>
-              <a:t>RXBUF</a:t>
-            </a:r>
-            <a:r>
-              <a:rPr lang="en-US" sz="1400" dirty="0"/>
-              <a:t> register</a:t>
-            </a:r>
-            <a:r>
-              <a:rPr lang="en-US" sz="1400" dirty="0" smtClean="0"/>
-              <a:t>. </a:t>
-            </a:r>
-            <a:r>
-              <a:rPr lang="en-US" sz="1400" dirty="0"/>
-              <a:t>[</a:t>
-            </a:r>
-            <a:r>
-              <a:rPr lang="en-US" sz="1400" dirty="0" smtClean="0"/>
-              <a:t>16.4.7]</a:t>
-            </a:r>
-            <a:endParaRPr lang="en-US" sz="1400" dirty="0"/>
-          </a:p>
-          <a:p>
-            <a:pPr lvl="1"/>
-            <a:r>
-              <a:rPr lang="en-US" sz="1600" dirty="0" smtClean="0">
-                <a:solidFill>
-                  <a:schemeClr val="accent2"/>
-                </a:solidFill>
-              </a:rPr>
-              <a:t>How do  you know “you’ve got mail” or last transmission is done?</a:t>
-            </a:r>
-          </a:p>
-          <a:p>
-            <a:pPr lvl="2"/>
-            <a:r>
-              <a:rPr lang="en-US" sz="1400" dirty="0" smtClean="0"/>
-              <a:t>You've </a:t>
-            </a:r>
-            <a:r>
-              <a:rPr lang="en-US" sz="1400" dirty="0"/>
-              <a:t>got to monitor the flags in the </a:t>
-            </a:r>
-            <a:r>
-              <a:rPr lang="en-US" sz="1400" dirty="0">
-                <a:solidFill>
-                  <a:schemeClr val="accent2"/>
-                </a:solidFill>
-              </a:rPr>
-              <a:t>IFG2</a:t>
-            </a:r>
-            <a:r>
-              <a:rPr lang="en-US" sz="1400" dirty="0"/>
-              <a:t> register </a:t>
-            </a:r>
-            <a:r>
-              <a:rPr lang="en-US" sz="1400" dirty="0" smtClean="0"/>
-              <a:t>[16.4.9] to </a:t>
-            </a:r>
-            <a:r>
-              <a:rPr lang="en-US" sz="1400" dirty="0"/>
-              <a:t>know when it's safe the </a:t>
-            </a:r>
-            <a:r>
-              <a:rPr lang="en-US" sz="1400" dirty="0" smtClean="0"/>
-              <a:t>send</a:t>
-            </a:r>
-            <a:endParaRPr lang="en-US" sz="1400" dirty="0"/>
-          </a:p>
-          <a:p>
-            <a:pPr lvl="1"/>
-            <a:r>
-              <a:rPr lang="en-US" sz="1800" dirty="0" smtClean="0">
-                <a:solidFill>
-                  <a:schemeClr val="accent2"/>
-                </a:solidFill>
-              </a:rPr>
-              <a:t>TXIFG </a:t>
-            </a:r>
-          </a:p>
-          <a:p>
-            <a:pPr lvl="2"/>
-            <a:r>
-              <a:rPr lang="en-US" sz="1600" dirty="0" smtClean="0"/>
-              <a:t>Set </a:t>
-            </a:r>
-            <a:r>
-              <a:rPr lang="en-US" sz="1600" dirty="0"/>
-              <a:t>when </a:t>
-            </a:r>
-            <a:r>
-              <a:rPr lang="en-US" sz="1600" dirty="0">
-                <a:solidFill>
-                  <a:schemeClr val="accent2"/>
-                </a:solidFill>
-              </a:rPr>
-              <a:t>TXBUF</a:t>
-            </a:r>
-            <a:r>
-              <a:rPr lang="en-US" sz="1600" dirty="0"/>
-              <a:t> is ready for a byte</a:t>
-            </a:r>
-          </a:p>
-          <a:p>
-            <a:pPr lvl="2"/>
-            <a:r>
-              <a:rPr lang="en-US" sz="1600" dirty="0" smtClean="0"/>
-              <a:t>Cleared </a:t>
-            </a:r>
-            <a:r>
-              <a:rPr lang="en-US" sz="1600" dirty="0"/>
-              <a:t>on write</a:t>
-            </a:r>
-          </a:p>
-          <a:p>
-            <a:pPr lvl="2"/>
-            <a:r>
-              <a:rPr lang="en-US" sz="1600" dirty="0" smtClean="0"/>
-              <a:t>Just </a:t>
-            </a:r>
-            <a:r>
-              <a:rPr lang="en-US" sz="1600" dirty="0"/>
-              <a:t>because the TXBUF is ready for another byte doesn't mean that the transmission is complete! It's double-buffered!</a:t>
-            </a:r>
-          </a:p>
-          <a:p>
-            <a:pPr lvl="1"/>
-            <a:r>
-              <a:rPr lang="en-US" sz="1800" dirty="0" smtClean="0">
-                <a:solidFill>
-                  <a:schemeClr val="accent2"/>
-                </a:solidFill>
-              </a:rPr>
-              <a:t>RXIFG</a:t>
-            </a:r>
-          </a:p>
-          <a:p>
-            <a:pPr lvl="2"/>
-            <a:r>
-              <a:rPr lang="en-US" sz="1600" dirty="0" smtClean="0"/>
-              <a:t>Set </a:t>
-            </a:r>
-            <a:r>
-              <a:rPr lang="en-US" sz="1600" dirty="0"/>
-              <a:t>when </a:t>
-            </a:r>
-            <a:r>
-              <a:rPr lang="en-US" sz="1600" dirty="0">
-                <a:solidFill>
-                  <a:schemeClr val="accent2"/>
-                </a:solidFill>
-              </a:rPr>
-              <a:t>RXBUF</a:t>
-            </a:r>
-            <a:r>
-              <a:rPr lang="en-US" sz="1600" dirty="0"/>
-              <a:t> has received a complete character</a:t>
-            </a:r>
-          </a:p>
-          <a:p>
-            <a:pPr lvl="2"/>
-            <a:r>
-              <a:rPr lang="en-US" sz="1600" dirty="0" smtClean="0"/>
-              <a:t>Cleared </a:t>
-            </a:r>
-            <a:r>
-              <a:rPr lang="en-US" sz="1600" dirty="0"/>
-              <a:t>on read</a:t>
-            </a:r>
-          </a:p>
-          <a:p>
-            <a:pPr lvl="2"/>
-            <a:r>
-              <a:rPr lang="en-US" sz="1600" dirty="0" smtClean="0"/>
-              <a:t>This </a:t>
-            </a:r>
-            <a:r>
-              <a:rPr lang="en-US" sz="1600" dirty="0"/>
-              <a:t>is what you should monitor to determine a transmission has completed</a:t>
-            </a:r>
-            <a:r>
-              <a:rPr lang="en-US" sz="1600" dirty="0" smtClean="0"/>
-              <a:t>!</a:t>
-            </a:r>
-            <a:endParaRPr lang="en-US" sz="1600" dirty="0"/>
-          </a:p>
-          <a:p>
-            <a:endParaRPr lang="en-US" sz="2400" dirty="0" smtClean="0"/>
-          </a:p>
-          <a:p>
-            <a:endParaRPr lang="en-US" sz="2400" dirty="0" smtClean="0">
-              <a:solidFill>
-                <a:schemeClr val="accent2"/>
-              </a:solidFill>
-            </a:endParaRPr>
-          </a:p>
-          <a:p>
-            <a:pPr marL="0" indent="0">
-              <a:buNone/>
-            </a:pPr>
-            <a:endParaRPr lang="en-US" sz="1400" dirty="0">
-              <a:solidFill>
-                <a:schemeClr val="accent2"/>
-              </a:solidFill>
-              <a:latin typeface="Courier New" pitchFamily="49" charset="0"/>
-              <a:cs typeface="Courier New" pitchFamily="49" charset="0"/>
-            </a:endParaRPr>
-          </a:p>
-          <a:p>
-            <a:pPr marL="0" indent="0">
-              <a:buNone/>
-            </a:pPr>
-            <a:endParaRPr lang="en-US" sz="1400" dirty="0"/>
-          </a:p>
-        </p:txBody>
-      </p:sp>
-    </p:spTree>
-    <p:extLst>
-      <p:ext uri="{BB962C8B-B14F-4D97-AF65-F5344CB8AC3E}">
-        <p14:creationId xmlns:p14="http://schemas.microsoft.com/office/powerpoint/2010/main" val="1736273857"/>
-      </p:ext>
-    </p:extLst>
-  </p:cSld>
-  <p:clrMapOvr>
-    <a:masterClrMapping/>
-  </p:clrMapOvr>
-  <p:timing>
-    <p:tnLst>
-      <p:par>
-        <p:cTn id="1" dur="indefinite" restart="never" nodeType="tmRoot"/>
       </p:par>
     </p:tnLst>
   </p:timing>
@@ -16730,6 +15998,1634 @@
           <a:lstStyle/>
           <a:p>
             <a:r>
+              <a:rPr lang="en-US" sz="2400" b="1" dirty="0"/>
+              <a:t>Universal Serial Communication Interface (USCI)</a:t>
+            </a:r>
+            <a:endParaRPr lang="en-US" sz="2400" dirty="0"/>
+          </a:p>
+        </p:txBody>
+      </p:sp>
+      <p:sp>
+        <p:nvSpPr>
+          <p:cNvPr id="3" name="Content Placeholder 2"/>
+          <p:cNvSpPr>
+            <a:spLocks noGrp="1"/>
+          </p:cNvSpPr>
+          <p:nvPr>
+            <p:ph idx="1"/>
+          </p:nvPr>
+        </p:nvSpPr>
+        <p:spPr>
+          <a:xfrm>
+            <a:off x="596787" y="1592238"/>
+            <a:ext cx="8215440" cy="4724400"/>
+          </a:xfrm>
+        </p:spPr>
+        <p:txBody>
+          <a:bodyPr/>
+          <a:lstStyle/>
+          <a:p>
+            <a:r>
+              <a:rPr lang="en-US" sz="2400" dirty="0" smtClean="0"/>
+              <a:t>On </a:t>
+            </a:r>
+            <a:r>
+              <a:rPr lang="en-US" sz="2400" dirty="0"/>
+              <a:t>the MSP430:</a:t>
+            </a:r>
+          </a:p>
+          <a:p>
+            <a:pPr lvl="1"/>
+            <a:r>
+              <a:rPr lang="en-US" sz="2000" dirty="0" smtClean="0">
+                <a:solidFill>
+                  <a:schemeClr val="accent2"/>
+                </a:solidFill>
+              </a:rPr>
+              <a:t>Two Universal </a:t>
+            </a:r>
+            <a:r>
+              <a:rPr lang="en-US" sz="2000" dirty="0">
+                <a:solidFill>
+                  <a:schemeClr val="accent2"/>
+                </a:solidFill>
+              </a:rPr>
+              <a:t>Serial Communication Interfaces (USCI), A and </a:t>
+            </a:r>
+            <a:r>
+              <a:rPr lang="en-US" sz="2000" dirty="0" smtClean="0">
+                <a:solidFill>
+                  <a:schemeClr val="accent2"/>
+                </a:solidFill>
+              </a:rPr>
+              <a:t>B</a:t>
+            </a:r>
+          </a:p>
+          <a:p>
+            <a:pPr lvl="2"/>
+            <a:r>
+              <a:rPr lang="en-US" sz="1600" dirty="0" smtClean="0"/>
+              <a:t>Can do multiple protocols (one is SPI), defined by configuration registers</a:t>
+            </a:r>
+          </a:p>
+          <a:p>
+            <a:pPr lvl="2"/>
+            <a:r>
+              <a:rPr lang="en-US" sz="1600" dirty="0" smtClean="0">
+                <a:latin typeface="Courier New" pitchFamily="49" charset="0"/>
+                <a:cs typeface="Courier New" pitchFamily="49" charset="0"/>
+              </a:rPr>
+              <a:t>UCA0 and UCB0</a:t>
+            </a:r>
+            <a:endParaRPr lang="en-US" sz="1600" dirty="0">
+              <a:latin typeface="Courier New" pitchFamily="49" charset="0"/>
+              <a:cs typeface="Courier New" pitchFamily="49" charset="0"/>
+            </a:endParaRPr>
+          </a:p>
+          <a:p>
+            <a:pPr lvl="1"/>
+            <a:r>
+              <a:rPr lang="en-US" sz="2000" dirty="0">
+                <a:solidFill>
+                  <a:schemeClr val="accent2"/>
+                </a:solidFill>
+              </a:rPr>
+              <a:t>datasheet - </a:t>
+            </a:r>
+            <a:r>
+              <a:rPr lang="en-US" sz="2000" dirty="0" smtClean="0">
+                <a:solidFill>
+                  <a:schemeClr val="accent2"/>
+                </a:solidFill>
+              </a:rPr>
+              <a:t>control </a:t>
+            </a:r>
+            <a:r>
+              <a:rPr lang="en-US" sz="2000" dirty="0">
+                <a:solidFill>
+                  <a:schemeClr val="accent2"/>
+                </a:solidFill>
+              </a:rPr>
+              <a:t>registers (</a:t>
+            </a:r>
+            <a:r>
+              <a:rPr lang="en-US" sz="2000" dirty="0" err="1" smtClean="0">
+                <a:solidFill>
+                  <a:schemeClr val="accent2"/>
+                </a:solidFill>
+              </a:rPr>
+              <a:t>pp</a:t>
+            </a:r>
+            <a:r>
+              <a:rPr lang="en-US" sz="2000" dirty="0" smtClean="0">
+                <a:solidFill>
+                  <a:schemeClr val="accent2"/>
+                </a:solidFill>
+              </a:rPr>
+              <a:t> 435-448)</a:t>
+            </a:r>
+          </a:p>
+          <a:p>
+            <a:pPr lvl="1"/>
+            <a:endParaRPr lang="en-US" sz="2000" dirty="0" smtClean="0"/>
+          </a:p>
+          <a:p>
+            <a:pPr marL="457200" lvl="1" indent="0">
+              <a:buNone/>
+            </a:pPr>
+            <a:endParaRPr lang="en-US" sz="2000" dirty="0"/>
+          </a:p>
+          <a:p>
+            <a:endParaRPr lang="en-US" sz="2400" dirty="0" smtClean="0"/>
+          </a:p>
+          <a:p>
+            <a:endParaRPr lang="en-US" sz="2400" dirty="0" smtClean="0">
+              <a:solidFill>
+                <a:schemeClr val="accent2"/>
+              </a:solidFill>
+            </a:endParaRPr>
+          </a:p>
+          <a:p>
+            <a:pPr marL="0" indent="0">
+              <a:buNone/>
+            </a:pPr>
+            <a:endParaRPr lang="en-US" sz="1400" dirty="0">
+              <a:solidFill>
+                <a:schemeClr val="accent2"/>
+              </a:solidFill>
+              <a:latin typeface="Courier New" pitchFamily="49" charset="0"/>
+              <a:cs typeface="Courier New" pitchFamily="49" charset="0"/>
+            </a:endParaRPr>
+          </a:p>
+          <a:p>
+            <a:pPr marL="0" indent="0">
+              <a:buNone/>
+            </a:pPr>
+            <a:endParaRPr lang="en-US" sz="1400" dirty="0"/>
+          </a:p>
+        </p:txBody>
+      </p:sp>
+      <p:pic>
+        <p:nvPicPr>
+          <p:cNvPr id="6146" name="Picture 2" descr="MSP430 SPI Initialization Sequence"/>
+          <p:cNvPicPr>
+            <a:picLocks noChangeAspect="1" noChangeArrowheads="1"/>
+          </p:cNvPicPr>
+          <p:nvPr/>
+        </p:nvPicPr>
+        <p:blipFill>
+          <a:blip r:embed="rId2">
+            <a:extLst>
+              <a:ext uri="{28A0092B-C50C-407E-A947-70E740481C1C}">
+                <a14:useLocalDpi xmlns:a14="http://schemas.microsoft.com/office/drawing/2010/main" val="0"/>
+              </a:ext>
+            </a:extLst>
+          </a:blip>
+          <a:srcRect/>
+          <a:stretch>
+            <a:fillRect/>
+          </a:stretch>
+        </p:blipFill>
+        <p:spPr bwMode="auto">
+          <a:xfrm>
+            <a:off x="876176" y="3954438"/>
+            <a:ext cx="7656661" cy="2024023"/>
+          </a:xfrm>
+          <a:prstGeom prst="rect">
+            <a:avLst/>
+          </a:prstGeom>
+          <a:noFill/>
+          <a:extLst>
+            <a:ext uri="{909E8E84-426E-40DD-AFC4-6F175D3DCCD1}">
+              <a14:hiddenFill xmlns:a14="http://schemas.microsoft.com/office/drawing/2010/main">
+                <a:solidFill>
+                  <a:srgbClr val="FFFFFF"/>
+                </a:solidFill>
+              </a14:hiddenFill>
+            </a:ext>
+          </a:extLst>
+        </p:spPr>
+      </p:pic>
+      <p:sp>
+        <p:nvSpPr>
+          <p:cNvPr id="4" name="TextBox 3"/>
+          <p:cNvSpPr txBox="1"/>
+          <p:nvPr/>
+        </p:nvSpPr>
+        <p:spPr>
+          <a:xfrm>
+            <a:off x="3168173" y="5904817"/>
+            <a:ext cx="5644054" cy="461665"/>
+          </a:xfrm>
+          <a:prstGeom prst="rect">
+            <a:avLst/>
+          </a:prstGeom>
+          <a:noFill/>
+        </p:spPr>
+        <p:txBody>
+          <a:bodyPr wrap="square" rtlCol="0">
+            <a:spAutoFit/>
+          </a:bodyPr>
+          <a:lstStyle/>
+          <a:p>
+            <a:r>
+              <a:rPr lang="en-US" dirty="0"/>
+              <a:t>Page </a:t>
+            </a:r>
+            <a:r>
+              <a:rPr lang="en-US" dirty="0" smtClean="0"/>
+              <a:t>436 or 452 </a:t>
+            </a:r>
+            <a:r>
+              <a:rPr lang="en-US" dirty="0"/>
+              <a:t>of the Family User </a:t>
+            </a:r>
+            <a:r>
+              <a:rPr lang="en-US" dirty="0" smtClean="0"/>
+              <a:t>Guide  </a:t>
+            </a:r>
+            <a:endParaRPr lang="en-US" dirty="0"/>
+          </a:p>
+        </p:txBody>
+      </p:sp>
+    </p:spTree>
+    <p:extLst>
+      <p:ext uri="{BB962C8B-B14F-4D97-AF65-F5344CB8AC3E}">
+        <p14:creationId xmlns:p14="http://schemas.microsoft.com/office/powerpoint/2010/main" val="440317834"/>
+      </p:ext>
+    </p:extLst>
+  </p:cSld>
+  <p:clrMapOvr>
+    <a:masterClrMapping/>
+  </p:clrMapOvr>
+  <p:timing>
+    <p:tnLst>
+      <p:par>
+        <p:cTn id="1" dur="indefinite" restart="never" nodeType="tmRoot">
+          <p:childTnLst>
+            <p:seq concurrent="1" nextAc="seek">
+              <p:cTn id="2" dur="indefinite" nodeType="mainSeq">
+                <p:childTnLst>
+                  <p:par>
+                    <p:cTn id="3" fill="hold">
+                      <p:stCondLst>
+                        <p:cond delay="indefinite"/>
+                      </p:stCondLst>
+                      <p:childTnLst>
+                        <p:par>
+                          <p:cTn id="4" fill="hold">
+                            <p:stCondLst>
+                              <p:cond delay="0"/>
+                            </p:stCondLst>
+                            <p:childTnLst>
+                              <p:par>
+                                <p:cTn id="5" presetID="1" presetClass="entr" presetSubtype="0" fill="hold" grpId="0" nodeType="clickEffect">
+                                  <p:stCondLst>
+                                    <p:cond delay="0"/>
+                                  </p:stCondLst>
+                                  <p:childTnLst>
+                                    <p:set>
+                                      <p:cBhvr>
+                                        <p:cTn id="6" dur="1" fill="hold">
+                                          <p:stCondLst>
+                                            <p:cond delay="0"/>
+                                          </p:stCondLst>
+                                        </p:cTn>
+                                        <p:tgtEl>
+                                          <p:spTgt spid="4"/>
+                                        </p:tgtEl>
+                                        <p:attrNameLst>
+                                          <p:attrName>style.visibility</p:attrName>
+                                        </p:attrNameLst>
+                                      </p:cBhvr>
+                                      <p:to>
+                                        <p:strVal val="visible"/>
+                                      </p:to>
+                                    </p:set>
+                                  </p:childTnLst>
+                                </p:cTn>
+                              </p:par>
+                            </p:childTnLst>
+                          </p:cTn>
+                        </p:par>
+                      </p:childTnLst>
+                    </p:cTn>
+                  </p:par>
+                </p:childTnLst>
+              </p:cTn>
+              <p:prevCondLst>
+                <p:cond evt="onPrev" delay="0">
+                  <p:tgtEl>
+                    <p:sldTgt/>
+                  </p:tgtEl>
+                </p:cond>
+              </p:prevCondLst>
+              <p:nextCondLst>
+                <p:cond evt="onNext" delay="0">
+                  <p:tgtEl>
+                    <p:sldTgt/>
+                  </p:tgtEl>
+                </p:cond>
+              </p:nextCondLst>
+            </p:seq>
+          </p:childTnLst>
+        </p:cTn>
+      </p:par>
+    </p:tnLst>
+    <p:bldLst>
+      <p:bldP spid="4" grpId="0"/>
+    </p:bldLst>
+  </p:timing>
+</p:sld>
+</file>
+
+<file path=ppt/slides/slide31.xml><?xml version="1.0" encoding="utf-8"?>
+<p:sld xmlns:a="http://schemas.openxmlformats.org/drawingml/2006/main" xmlns:r="http://schemas.openxmlformats.org/officeDocument/2006/relationships" xmlns:p="http://schemas.openxmlformats.org/presentationml/2006/main">
+  <p:cSld>
+    <p:spTree>
+      <p:nvGrpSpPr>
+        <p:cNvPr id="1" name=""/>
+        <p:cNvGrpSpPr/>
+        <p:nvPr/>
+      </p:nvGrpSpPr>
+      <p:grpSpPr>
+        <a:xfrm>
+          <a:off x="0" y="0"/>
+          <a:ext cx="0" cy="0"/>
+          <a:chOff x="0" y="0"/>
+          <a:chExt cx="0" cy="0"/>
+        </a:xfrm>
+      </p:grpSpPr>
+      <p:sp>
+        <p:nvSpPr>
+          <p:cNvPr id="2" name="Title 1"/>
+          <p:cNvSpPr>
+            <a:spLocks noGrp="1"/>
+          </p:cNvSpPr>
+          <p:nvPr>
+            <p:ph type="title"/>
+          </p:nvPr>
+        </p:nvSpPr>
+        <p:spPr/>
+        <p:txBody>
+          <a:bodyPr/>
+          <a:lstStyle/>
+          <a:p>
+            <a:r>
+              <a:rPr lang="en-US" sz="2400" b="1" dirty="0"/>
+              <a:t>Universal Serial Communication Interface (USCI)</a:t>
+            </a:r>
+            <a:endParaRPr lang="en-US" sz="2400" dirty="0"/>
+          </a:p>
+        </p:txBody>
+      </p:sp>
+      <p:sp>
+        <p:nvSpPr>
+          <p:cNvPr id="3" name="Content Placeholder 2"/>
+          <p:cNvSpPr>
+            <a:spLocks noGrp="1"/>
+          </p:cNvSpPr>
+          <p:nvPr>
+            <p:ph idx="1"/>
+          </p:nvPr>
+        </p:nvSpPr>
+        <p:spPr>
+          <a:xfrm>
+            <a:off x="495448" y="1488888"/>
+            <a:ext cx="8215440" cy="4911912"/>
+          </a:xfrm>
+        </p:spPr>
+        <p:txBody>
+          <a:bodyPr>
+            <a:normAutofit fontScale="85000" lnSpcReduction="20000"/>
+          </a:bodyPr>
+          <a:lstStyle/>
+          <a:p>
+            <a:r>
+              <a:rPr lang="en-US" sz="2000" dirty="0"/>
+              <a:t>Step </a:t>
+            </a:r>
+            <a:r>
+              <a:rPr lang="en-US" sz="2000" dirty="0" smtClean="0"/>
+              <a:t>1</a:t>
+            </a:r>
+            <a:endParaRPr lang="en-US" sz="2000" dirty="0"/>
+          </a:p>
+          <a:p>
+            <a:pPr lvl="1"/>
+            <a:r>
+              <a:rPr lang="en-US" sz="1600" dirty="0">
+                <a:solidFill>
+                  <a:schemeClr val="accent2"/>
+                </a:solidFill>
+              </a:rPr>
+              <a:t>Setting the </a:t>
+            </a:r>
+            <a:r>
+              <a:rPr lang="en-US" sz="1600" dirty="0"/>
+              <a:t>UCSWRST</a:t>
+            </a:r>
+            <a:r>
+              <a:rPr lang="en-US" sz="1600" dirty="0">
+                <a:solidFill>
+                  <a:schemeClr val="accent2"/>
+                </a:solidFill>
+              </a:rPr>
+              <a:t> bit in the CTL1 </a:t>
+            </a:r>
+            <a:r>
+              <a:rPr lang="en-US" sz="1600" dirty="0" smtClean="0">
+                <a:solidFill>
+                  <a:schemeClr val="accent2"/>
+                </a:solidFill>
+              </a:rPr>
+              <a:t>register </a:t>
+            </a:r>
+            <a:r>
+              <a:rPr lang="en-US" sz="1600" dirty="0" smtClean="0"/>
+              <a:t>[16.4.2] </a:t>
+            </a:r>
+            <a:r>
+              <a:rPr lang="en-US" sz="1600" dirty="0">
+                <a:solidFill>
+                  <a:schemeClr val="accent2"/>
+                </a:solidFill>
+              </a:rPr>
+              <a:t>resets the subsystem into a known state until it is cleared. All the registers will hold their default values</a:t>
+            </a:r>
+            <a:r>
+              <a:rPr lang="en-US" sz="1600" dirty="0" smtClean="0"/>
+              <a:t>.</a:t>
+            </a:r>
+            <a:endParaRPr lang="en-US" sz="2000" dirty="0"/>
+          </a:p>
+          <a:p>
+            <a:r>
+              <a:rPr lang="en-US" sz="2000" dirty="0"/>
+              <a:t>Step </a:t>
+            </a:r>
+            <a:r>
+              <a:rPr lang="en-US" sz="2000" dirty="0" smtClean="0"/>
+              <a:t>2</a:t>
+            </a:r>
+            <a:endParaRPr lang="en-US" sz="2000" dirty="0"/>
+          </a:p>
+          <a:p>
+            <a:pPr lvl="1"/>
+            <a:r>
+              <a:rPr lang="en-US" sz="1600" dirty="0" smtClean="0">
+                <a:solidFill>
+                  <a:schemeClr val="accent2"/>
+                </a:solidFill>
+              </a:rPr>
+              <a:t>Set </a:t>
+            </a:r>
+            <a:r>
+              <a:rPr lang="en-US" sz="1600" dirty="0">
+                <a:solidFill>
+                  <a:schemeClr val="accent2"/>
+                </a:solidFill>
+              </a:rPr>
+              <a:t>the appropriate bits in the control registers to configure our signal the way we </a:t>
+            </a:r>
+            <a:r>
+              <a:rPr lang="en-US" sz="1600" dirty="0" smtClean="0">
+                <a:solidFill>
+                  <a:schemeClr val="accent2"/>
+                </a:solidFill>
+              </a:rPr>
+              <a:t>want.</a:t>
+            </a:r>
+          </a:p>
+          <a:p>
+            <a:pPr lvl="1"/>
+            <a:r>
+              <a:rPr lang="en-US" sz="1600" dirty="0" smtClean="0">
+                <a:solidFill>
+                  <a:schemeClr val="accent2"/>
+                </a:solidFill>
+              </a:rPr>
+              <a:t>Remember</a:t>
+            </a:r>
+            <a:r>
+              <a:rPr lang="en-US" sz="1600" dirty="0">
+                <a:solidFill>
+                  <a:schemeClr val="accent2"/>
+                </a:solidFill>
+              </a:rPr>
+              <a:t>, you've got to set </a:t>
+            </a:r>
+            <a:r>
+              <a:rPr lang="en-US" sz="1600" dirty="0"/>
+              <a:t>UCSYNC</a:t>
+            </a:r>
+            <a:r>
+              <a:rPr lang="en-US" sz="1600" dirty="0">
+                <a:solidFill>
+                  <a:schemeClr val="accent2"/>
+                </a:solidFill>
+              </a:rPr>
+              <a:t> for the system to function! </a:t>
+            </a:r>
+            <a:endParaRPr lang="en-US" sz="1600" dirty="0" smtClean="0">
+              <a:solidFill>
+                <a:schemeClr val="accent2"/>
+              </a:solidFill>
+            </a:endParaRPr>
+          </a:p>
+          <a:p>
+            <a:pPr lvl="2"/>
+            <a:r>
+              <a:rPr lang="en-US" sz="1200" dirty="0" smtClean="0"/>
+              <a:t>CTL0   [bit 7 phase; bit 6 polarity; bit 3 master/slave; bit 0 UCSYNC = 1 ]    [16.4.1] </a:t>
+            </a:r>
+          </a:p>
+          <a:p>
+            <a:pPr lvl="2"/>
+            <a:r>
+              <a:rPr lang="en-US" sz="1200" dirty="0" smtClean="0"/>
+              <a:t>CTL1   [bit 7&amp;6 clock; bit 0 UCSWRST][16.4.2] </a:t>
+            </a:r>
+            <a:endParaRPr lang="en-US" sz="1200" dirty="0"/>
+          </a:p>
+          <a:p>
+            <a:pPr lvl="2"/>
+            <a:r>
+              <a:rPr lang="en-US" sz="1200" dirty="0" err="1" smtClean="0"/>
+              <a:t>UCBRx</a:t>
+            </a:r>
+            <a:r>
+              <a:rPr lang="en-US" sz="1200" dirty="0" smtClean="0"/>
+              <a:t> [clock speed] [16.4.3 &amp; 16.4.4]</a:t>
+            </a:r>
+            <a:endParaRPr lang="en-US" sz="1200" dirty="0"/>
+          </a:p>
+          <a:p>
+            <a:pPr lvl="2"/>
+            <a:r>
+              <a:rPr lang="en-US" sz="1200" dirty="0" smtClean="0"/>
+              <a:t>STAT [16.4.5]</a:t>
+            </a:r>
+          </a:p>
+          <a:p>
+            <a:r>
+              <a:rPr lang="en-US" sz="2000" dirty="0" smtClean="0"/>
+              <a:t>Step </a:t>
+            </a:r>
+            <a:r>
+              <a:rPr lang="en-US" sz="2000" dirty="0"/>
+              <a:t>3</a:t>
+            </a:r>
+          </a:p>
+          <a:p>
+            <a:pPr lvl="1"/>
+            <a:r>
+              <a:rPr lang="en-US" sz="1600" dirty="0" smtClean="0">
+                <a:solidFill>
+                  <a:schemeClr val="accent2"/>
+                </a:solidFill>
+              </a:rPr>
+              <a:t>All </a:t>
+            </a:r>
+            <a:r>
+              <a:rPr lang="en-US" sz="1600" dirty="0">
+                <a:solidFill>
+                  <a:schemeClr val="accent2"/>
+                </a:solidFill>
+              </a:rPr>
+              <a:t>the ports on our MSP430 are multiplexed! We need to set the </a:t>
+            </a:r>
+            <a:r>
+              <a:rPr lang="en-US" sz="1600" dirty="0" err="1"/>
+              <a:t>PxSEL</a:t>
+            </a:r>
+            <a:r>
+              <a:rPr lang="en-US" sz="1600" dirty="0">
+                <a:solidFill>
+                  <a:schemeClr val="accent2"/>
+                </a:solidFill>
+              </a:rPr>
+              <a:t> and </a:t>
+            </a:r>
+            <a:r>
+              <a:rPr lang="en-US" sz="1600" dirty="0" smtClean="0"/>
+              <a:t>PxSEL2</a:t>
+            </a:r>
+            <a:endParaRPr lang="en-US" sz="2000" dirty="0" smtClean="0"/>
+          </a:p>
+          <a:p>
+            <a:endParaRPr lang="en-US" sz="2000" dirty="0"/>
+          </a:p>
+          <a:p>
+            <a:endParaRPr lang="en-US" sz="2000" dirty="0" smtClean="0"/>
+          </a:p>
+          <a:p>
+            <a:endParaRPr lang="en-US" sz="2000" dirty="0" smtClean="0"/>
+          </a:p>
+          <a:p>
+            <a:endParaRPr lang="en-US" sz="2000" dirty="0"/>
+          </a:p>
+          <a:p>
+            <a:endParaRPr lang="en-US" sz="2000" dirty="0" smtClean="0"/>
+          </a:p>
+          <a:p>
+            <a:endParaRPr lang="en-US" sz="2000" dirty="0" smtClean="0"/>
+          </a:p>
+          <a:p>
+            <a:endParaRPr lang="en-US" sz="2000" dirty="0"/>
+          </a:p>
+          <a:p>
+            <a:r>
+              <a:rPr lang="en-US" sz="2000" dirty="0" smtClean="0"/>
+              <a:t>Step </a:t>
+            </a:r>
+            <a:r>
+              <a:rPr lang="en-US" sz="2000" dirty="0"/>
+              <a:t>4</a:t>
+            </a:r>
+          </a:p>
+          <a:p>
+            <a:pPr lvl="1"/>
+            <a:r>
+              <a:rPr lang="en-US" sz="1600" dirty="0" smtClean="0">
+                <a:solidFill>
+                  <a:schemeClr val="accent2"/>
+                </a:solidFill>
+              </a:rPr>
+              <a:t>Clear </a:t>
+            </a:r>
+            <a:r>
+              <a:rPr lang="en-US" sz="1600" dirty="0">
+                <a:solidFill>
+                  <a:schemeClr val="accent2"/>
+                </a:solidFill>
+              </a:rPr>
+              <a:t>the </a:t>
+            </a:r>
+            <a:r>
+              <a:rPr lang="en-US" sz="1600" dirty="0"/>
+              <a:t>UCSWRST</a:t>
+            </a:r>
+            <a:r>
+              <a:rPr lang="en-US" sz="1600" dirty="0">
+                <a:solidFill>
+                  <a:schemeClr val="accent2"/>
+                </a:solidFill>
+              </a:rPr>
+              <a:t> bit in the CTL1 register - releases the system to operate</a:t>
+            </a:r>
+            <a:r>
+              <a:rPr lang="en-US" sz="1600" dirty="0" smtClean="0">
+                <a:solidFill>
+                  <a:schemeClr val="accent2"/>
+                </a:solidFill>
+              </a:rPr>
+              <a:t>.</a:t>
+            </a:r>
+            <a:endParaRPr lang="en-US" sz="2000" dirty="0">
+              <a:solidFill>
+                <a:schemeClr val="accent2"/>
+              </a:solidFill>
+            </a:endParaRPr>
+          </a:p>
+          <a:p>
+            <a:pPr marL="457200" lvl="1" indent="0">
+              <a:buNone/>
+            </a:pPr>
+            <a:endParaRPr lang="en-US" sz="2000" dirty="0"/>
+          </a:p>
+          <a:p>
+            <a:endParaRPr lang="en-US" sz="2400" dirty="0" smtClean="0"/>
+          </a:p>
+          <a:p>
+            <a:endParaRPr lang="en-US" sz="2400" dirty="0" smtClean="0">
+              <a:solidFill>
+                <a:schemeClr val="accent2"/>
+              </a:solidFill>
+            </a:endParaRPr>
+          </a:p>
+          <a:p>
+            <a:pPr marL="0" indent="0">
+              <a:buNone/>
+            </a:pPr>
+            <a:endParaRPr lang="en-US" sz="1400" dirty="0">
+              <a:solidFill>
+                <a:schemeClr val="accent2"/>
+              </a:solidFill>
+              <a:latin typeface="Courier New" pitchFamily="49" charset="0"/>
+              <a:cs typeface="Courier New" pitchFamily="49" charset="0"/>
+            </a:endParaRPr>
+          </a:p>
+          <a:p>
+            <a:pPr marL="0" indent="0">
+              <a:buNone/>
+            </a:pPr>
+            <a:endParaRPr lang="en-US" sz="1400" dirty="0"/>
+          </a:p>
+        </p:txBody>
+      </p:sp>
+      <p:pic>
+        <p:nvPicPr>
+          <p:cNvPr id="5" name="Picture 2" descr="MSP430G2553 Pinout"/>
+          <p:cNvPicPr>
+            <a:picLocks noChangeAspect="1" noChangeArrowheads="1"/>
+          </p:cNvPicPr>
+          <p:nvPr/>
+        </p:nvPicPr>
+        <p:blipFill>
+          <a:blip r:embed="rId2">
+            <a:extLst>
+              <a:ext uri="{28A0092B-C50C-407E-A947-70E740481C1C}">
+                <a14:useLocalDpi xmlns:a14="http://schemas.microsoft.com/office/drawing/2010/main" val="0"/>
+              </a:ext>
+            </a:extLst>
+          </a:blip>
+          <a:srcRect/>
+          <a:stretch>
+            <a:fillRect/>
+          </a:stretch>
+        </p:blipFill>
+        <p:spPr bwMode="auto">
+          <a:xfrm>
+            <a:off x="2469008" y="4340516"/>
+            <a:ext cx="4568742" cy="1662570"/>
+          </a:xfrm>
+          <a:prstGeom prst="rect">
+            <a:avLst/>
+          </a:prstGeom>
+          <a:noFill/>
+          <a:extLst>
+            <a:ext uri="{909E8E84-426E-40DD-AFC4-6F175D3DCCD1}">
+              <a14:hiddenFill xmlns:a14="http://schemas.microsoft.com/office/drawing/2010/main">
+                <a:solidFill>
+                  <a:srgbClr val="FFFFFF"/>
+                </a:solidFill>
+              </a14:hiddenFill>
+            </a:ext>
+          </a:extLst>
+        </p:spPr>
+      </p:pic>
+      <p:sp>
+        <p:nvSpPr>
+          <p:cNvPr id="6" name="TextBox 5"/>
+          <p:cNvSpPr txBox="1"/>
+          <p:nvPr/>
+        </p:nvSpPr>
+        <p:spPr>
+          <a:xfrm>
+            <a:off x="6224155" y="4663668"/>
+            <a:ext cx="2486733" cy="338554"/>
+          </a:xfrm>
+          <a:prstGeom prst="rect">
+            <a:avLst/>
+          </a:prstGeom>
+          <a:noFill/>
+        </p:spPr>
+        <p:txBody>
+          <a:bodyPr wrap="square" rtlCol="0">
+            <a:spAutoFit/>
+          </a:bodyPr>
+          <a:lstStyle/>
+          <a:p>
+            <a:r>
+              <a:rPr lang="en-US" sz="1600" dirty="0" smtClean="0"/>
+              <a:t>pp 437 for Block Diagram</a:t>
+            </a:r>
+            <a:endParaRPr lang="en-US" sz="1600" dirty="0"/>
+          </a:p>
+        </p:txBody>
+      </p:sp>
+      <p:sp>
+        <p:nvSpPr>
+          <p:cNvPr id="7" name="TextBox 6"/>
+          <p:cNvSpPr txBox="1"/>
+          <p:nvPr/>
+        </p:nvSpPr>
+        <p:spPr>
+          <a:xfrm>
+            <a:off x="1569080" y="589244"/>
+            <a:ext cx="3606085" cy="461665"/>
+          </a:xfrm>
+          <a:prstGeom prst="rect">
+            <a:avLst/>
+          </a:prstGeom>
+          <a:noFill/>
+        </p:spPr>
+        <p:txBody>
+          <a:bodyPr wrap="square" rtlCol="0">
+            <a:spAutoFit/>
+          </a:bodyPr>
+          <a:lstStyle/>
+          <a:p>
+            <a:r>
+              <a:rPr lang="en-US" dirty="0" err="1" smtClean="0"/>
+              <a:t>i.e</a:t>
+            </a:r>
+            <a:r>
+              <a:rPr lang="en-US" dirty="0" smtClean="0"/>
+              <a:t> (SW reset)</a:t>
+            </a:r>
+            <a:endParaRPr lang="en-US" dirty="0"/>
+          </a:p>
+        </p:txBody>
+      </p:sp>
+    </p:spTree>
+    <p:extLst>
+      <p:ext uri="{BB962C8B-B14F-4D97-AF65-F5344CB8AC3E}">
+        <p14:creationId xmlns:p14="http://schemas.microsoft.com/office/powerpoint/2010/main" val="1776160743"/>
+      </p:ext>
+    </p:extLst>
+  </p:cSld>
+  <p:clrMapOvr>
+    <a:masterClrMapping/>
+  </p:clrMapOvr>
+  <p:timing>
+    <p:tnLst>
+      <p:par>
+        <p:cTn id="1" dur="indefinite" restart="never" nodeType="tmRoot">
+          <p:childTnLst>
+            <p:seq concurrent="1" nextAc="seek">
+              <p:cTn id="2" dur="indefinite" nodeType="mainSeq">
+                <p:childTnLst>
+                  <p:par>
+                    <p:cTn id="3" fill="hold">
+                      <p:stCondLst>
+                        <p:cond delay="indefinite"/>
+                      </p:stCondLst>
+                      <p:childTnLst>
+                        <p:par>
+                          <p:cTn id="4" fill="hold">
+                            <p:stCondLst>
+                              <p:cond delay="0"/>
+                            </p:stCondLst>
+                            <p:childTnLst>
+                              <p:par>
+                                <p:cTn id="5" presetID="1" presetClass="entr" presetSubtype="0" fill="hold" nodeType="clickEffect">
+                                  <p:stCondLst>
+                                    <p:cond delay="0"/>
+                                  </p:stCondLst>
+                                  <p:childTnLst>
+                                    <p:set>
+                                      <p:cBhvr>
+                                        <p:cTn id="6" dur="1" fill="hold">
+                                          <p:stCondLst>
+                                            <p:cond delay="0"/>
+                                          </p:stCondLst>
+                                        </p:cTn>
+                                        <p:tgtEl>
+                                          <p:spTgt spid="7">
+                                            <p:txEl>
+                                              <p:pRg st="0" end="0"/>
+                                            </p:txEl>
+                                          </p:spTgt>
+                                        </p:tgtEl>
+                                        <p:attrNameLst>
+                                          <p:attrName>style.visibility</p:attrName>
+                                        </p:attrNameLst>
+                                      </p:cBhvr>
+                                      <p:to>
+                                        <p:strVal val="visible"/>
+                                      </p:to>
+                                    </p:set>
+                                  </p:childTnLst>
+                                </p:cTn>
+                              </p:par>
+                            </p:childTnLst>
+                          </p:cTn>
+                        </p:par>
+                      </p:childTnLst>
+                    </p:cTn>
+                  </p:par>
+                </p:childTnLst>
+              </p:cTn>
+              <p:prevCondLst>
+                <p:cond evt="onPrev" delay="0">
+                  <p:tgtEl>
+                    <p:sldTgt/>
+                  </p:tgtEl>
+                </p:cond>
+              </p:prevCondLst>
+              <p:nextCondLst>
+                <p:cond evt="onNext" delay="0">
+                  <p:tgtEl>
+                    <p:sldTgt/>
+                  </p:tgtEl>
+                </p:cond>
+              </p:nextCondLst>
+            </p:seq>
+          </p:childTnLst>
+        </p:cTn>
+      </p:par>
+    </p:tnLst>
+  </p:timing>
+</p:sld>
+</file>
+
+<file path=ppt/slides/slide32.xml><?xml version="1.0" encoding="utf-8"?>
+<p:sld xmlns:a="http://schemas.openxmlformats.org/drawingml/2006/main" xmlns:r="http://schemas.openxmlformats.org/officeDocument/2006/relationships" xmlns:p="http://schemas.openxmlformats.org/presentationml/2006/main">
+  <p:cSld>
+    <p:spTree>
+      <p:nvGrpSpPr>
+        <p:cNvPr id="1" name=""/>
+        <p:cNvGrpSpPr/>
+        <p:nvPr/>
+      </p:nvGrpSpPr>
+      <p:grpSpPr>
+        <a:xfrm>
+          <a:off x="0" y="0"/>
+          <a:ext cx="0" cy="0"/>
+          <a:chOff x="0" y="0"/>
+          <a:chExt cx="0" cy="0"/>
+        </a:xfrm>
+      </p:grpSpPr>
+      <p:sp>
+        <p:nvSpPr>
+          <p:cNvPr id="2" name="Title 1"/>
+          <p:cNvSpPr>
+            <a:spLocks noGrp="1"/>
+          </p:cNvSpPr>
+          <p:nvPr>
+            <p:ph type="title"/>
+          </p:nvPr>
+        </p:nvSpPr>
+        <p:spPr/>
+        <p:txBody>
+          <a:bodyPr/>
+          <a:lstStyle/>
+          <a:p>
+            <a:r>
+              <a:rPr lang="en-US" dirty="0" smtClean="0"/>
+              <a:t>Example SPI Setup for Lab 3 </a:t>
+            </a:r>
+            <a:endParaRPr lang="en-US" dirty="0"/>
+          </a:p>
+        </p:txBody>
+      </p:sp>
+      <p:sp>
+        <p:nvSpPr>
+          <p:cNvPr id="3" name="Content Placeholder 2"/>
+          <p:cNvSpPr>
+            <a:spLocks noGrp="1"/>
+          </p:cNvSpPr>
+          <p:nvPr>
+            <p:ph idx="1"/>
+          </p:nvPr>
+        </p:nvSpPr>
+        <p:spPr>
+          <a:xfrm>
+            <a:off x="685800" y="1371600"/>
+            <a:ext cx="8103358" cy="4724400"/>
+          </a:xfrm>
+        </p:spPr>
+        <p:txBody>
+          <a:bodyPr/>
+          <a:lstStyle/>
+          <a:p>
+            <a:endParaRPr lang="en-US" dirty="0" smtClean="0"/>
+          </a:p>
+          <a:p>
+            <a:pPr marL="0" indent="0">
+              <a:buNone/>
+              <a:tabLst>
+                <a:tab pos="463550" algn="l"/>
+              </a:tabLst>
+            </a:pPr>
+            <a:r>
+              <a:rPr lang="en-US" sz="2000" dirty="0" smtClean="0"/>
+              <a:t>1)</a:t>
+            </a:r>
+            <a:r>
+              <a:rPr lang="en-US" sz="2000" dirty="0"/>
+              <a:t>	</a:t>
+            </a:r>
+            <a:r>
+              <a:rPr lang="en-US" sz="2000" dirty="0" err="1" smtClean="0"/>
+              <a:t>bis.b</a:t>
+            </a:r>
+            <a:r>
+              <a:rPr lang="en-US" sz="2000" dirty="0"/>
+              <a:t>	</a:t>
+            </a:r>
+            <a:r>
+              <a:rPr lang="en-US" sz="2000" dirty="0" smtClean="0"/>
+              <a:t>#UCSWRST</a:t>
+            </a:r>
+            <a:r>
+              <a:rPr lang="en-US" sz="2000" dirty="0"/>
+              <a:t>, &amp;</a:t>
+            </a:r>
+            <a:r>
+              <a:rPr lang="en-US" sz="2000" dirty="0" smtClean="0"/>
+              <a:t>UCB0CTL1</a:t>
+            </a:r>
+            <a:endParaRPr lang="en-US" sz="2000" dirty="0"/>
+          </a:p>
+          <a:p>
+            <a:pPr marL="0" indent="0">
+              <a:buNone/>
+              <a:tabLst>
+                <a:tab pos="463550" algn="l"/>
+              </a:tabLst>
+            </a:pPr>
+            <a:r>
+              <a:rPr lang="en-US" sz="2000" dirty="0" smtClean="0"/>
+              <a:t>2)</a:t>
+            </a:r>
+            <a:r>
+              <a:rPr lang="en-US" sz="2000" dirty="0"/>
+              <a:t>	</a:t>
+            </a:r>
+            <a:r>
+              <a:rPr lang="en-US" sz="2000" dirty="0" err="1" smtClean="0"/>
+              <a:t>mov</a:t>
+            </a:r>
+            <a:r>
+              <a:rPr lang="en-US" sz="2000" dirty="0" smtClean="0"/>
+              <a:t> 	#</a:t>
+            </a:r>
+            <a:r>
+              <a:rPr lang="en-US" sz="2000" dirty="0"/>
+              <a:t>UCCKPH|UCMSB|UCMST|UCSYNC, &amp;UCB0CTL0</a:t>
+            </a:r>
+          </a:p>
+          <a:p>
+            <a:pPr marL="0" indent="0">
+              <a:buNone/>
+              <a:tabLst>
+                <a:tab pos="463550" algn="l"/>
+              </a:tabLst>
+            </a:pPr>
+            <a:r>
+              <a:rPr lang="en-US" sz="2000" dirty="0"/>
+              <a:t>	</a:t>
+            </a:r>
+            <a:r>
+              <a:rPr lang="en-US" sz="2000" dirty="0" err="1" smtClean="0"/>
+              <a:t>bis</a:t>
+            </a:r>
+            <a:r>
+              <a:rPr lang="en-US" sz="2000" dirty="0" smtClean="0"/>
+              <a:t> 	#</a:t>
+            </a:r>
+            <a:r>
+              <a:rPr lang="en-US" sz="2000" dirty="0"/>
+              <a:t>UCSSEL_2, &amp;UCB0CTL1</a:t>
+            </a:r>
+          </a:p>
+          <a:p>
+            <a:pPr marL="0" indent="0">
+              <a:buNone/>
+              <a:tabLst>
+                <a:tab pos="463550" algn="l"/>
+              </a:tabLst>
+            </a:pPr>
+            <a:r>
+              <a:rPr lang="en-US" sz="2000" dirty="0"/>
+              <a:t>	</a:t>
+            </a:r>
+            <a:r>
+              <a:rPr lang="en-US" sz="2000" dirty="0" err="1" smtClean="0"/>
+              <a:t>bis</a:t>
+            </a:r>
+            <a:r>
+              <a:rPr lang="en-US" sz="2000" dirty="0" smtClean="0"/>
+              <a:t> 	#</a:t>
+            </a:r>
+            <a:r>
+              <a:rPr lang="en-US" sz="2000" dirty="0"/>
+              <a:t>BIT0, &amp;UCB0BR0</a:t>
+            </a:r>
+          </a:p>
+          <a:p>
+            <a:pPr marL="0" indent="0">
+              <a:buNone/>
+              <a:tabLst>
+                <a:tab pos="463550" algn="l"/>
+              </a:tabLst>
+            </a:pPr>
+            <a:r>
+              <a:rPr lang="en-US" sz="2000" dirty="0"/>
+              <a:t>	</a:t>
+            </a:r>
+            <a:r>
+              <a:rPr lang="en-US" sz="2000" dirty="0" err="1" smtClean="0"/>
+              <a:t>clr</a:t>
+            </a:r>
+            <a:r>
+              <a:rPr lang="en-US" sz="2000" dirty="0"/>
+              <a:t>	&amp;UCB0BR1</a:t>
+            </a:r>
+          </a:p>
+          <a:p>
+            <a:pPr marL="0" indent="0">
+              <a:buNone/>
+              <a:tabLst>
+                <a:tab pos="463550" algn="l"/>
+              </a:tabLst>
+            </a:pPr>
+            <a:r>
+              <a:rPr lang="en-US" sz="2000" dirty="0" smtClean="0"/>
+              <a:t>3)</a:t>
+            </a:r>
+            <a:r>
+              <a:rPr lang="en-US" sz="2000" dirty="0"/>
+              <a:t>	</a:t>
+            </a:r>
+            <a:r>
+              <a:rPr lang="en-US" sz="2000" dirty="0" err="1" smtClean="0"/>
+              <a:t>bis</a:t>
+            </a:r>
+            <a:r>
+              <a:rPr lang="en-US" sz="2000" dirty="0"/>
+              <a:t>	#LCD_SCLK_PIN|LCD_MOSI_PIN|LCD_MISO_PIN, &amp;P1SEL</a:t>
+            </a:r>
+          </a:p>
+          <a:p>
+            <a:pPr marL="0" indent="0">
+              <a:buNone/>
+              <a:tabLst>
+                <a:tab pos="463550" algn="l"/>
+              </a:tabLst>
+            </a:pPr>
+            <a:r>
+              <a:rPr lang="en-US" sz="2000" dirty="0"/>
+              <a:t>	</a:t>
+            </a:r>
+            <a:r>
+              <a:rPr lang="en-US" sz="2000" dirty="0" err="1" smtClean="0"/>
+              <a:t>bis</a:t>
+            </a:r>
+            <a:r>
+              <a:rPr lang="en-US" sz="2000" dirty="0"/>
+              <a:t>	#LCD_SCLK_PIN|LCD_MOSI_PIN|LCD_MISO_PIN, &amp;</a:t>
+            </a:r>
+            <a:r>
+              <a:rPr lang="en-US" sz="2000" dirty="0" smtClean="0"/>
+              <a:t>P1SEL2</a:t>
+            </a:r>
+          </a:p>
+          <a:p>
+            <a:pPr marL="0" indent="0">
+              <a:buNone/>
+              <a:tabLst>
+                <a:tab pos="463550" algn="l"/>
+              </a:tabLst>
+            </a:pPr>
+            <a:r>
+              <a:rPr lang="en-US" sz="2000" dirty="0" smtClean="0"/>
+              <a:t>4)</a:t>
+            </a:r>
+            <a:r>
+              <a:rPr lang="en-US" sz="2000" dirty="0"/>
+              <a:t>	</a:t>
+            </a:r>
+            <a:r>
+              <a:rPr lang="en-US" sz="2000" dirty="0" err="1"/>
+              <a:t>bic.b</a:t>
+            </a:r>
+            <a:r>
+              <a:rPr lang="en-US" sz="2000" dirty="0"/>
+              <a:t>	#UCSWRST, &amp;UCB0CTL1</a:t>
+            </a:r>
+          </a:p>
+          <a:p>
+            <a:pPr marL="0" indent="0">
+              <a:buNone/>
+              <a:tabLst>
+                <a:tab pos="231775" algn="l"/>
+              </a:tabLst>
+            </a:pPr>
+            <a:endParaRPr lang="en-US" sz="2000" dirty="0"/>
+          </a:p>
+          <a:p>
+            <a:pPr marL="0" indent="0">
+              <a:buNone/>
+            </a:pPr>
+            <a:endParaRPr lang="en-US" dirty="0"/>
+          </a:p>
+        </p:txBody>
+      </p:sp>
+    </p:spTree>
+    <p:extLst>
+      <p:ext uri="{BB962C8B-B14F-4D97-AF65-F5344CB8AC3E}">
+        <p14:creationId xmlns:p14="http://schemas.microsoft.com/office/powerpoint/2010/main" val="2566304398"/>
+      </p:ext>
+    </p:extLst>
+  </p:cSld>
+  <p:clrMapOvr>
+    <a:masterClrMapping/>
+  </p:clrMapOvr>
+  <p:timing>
+    <p:tnLst>
+      <p:par>
+        <p:cTn id="1" dur="indefinite" restart="never" nodeType="tmRoot"/>
+      </p:par>
+    </p:tnLst>
+  </p:timing>
+</p:sld>
+</file>
+
+<file path=ppt/slides/slide33.xml><?xml version="1.0" encoding="utf-8"?>
+<p:sld xmlns:a="http://schemas.openxmlformats.org/drawingml/2006/main" xmlns:r="http://schemas.openxmlformats.org/officeDocument/2006/relationships" xmlns:p="http://schemas.openxmlformats.org/presentationml/2006/main">
+  <p:cSld>
+    <p:spTree>
+      <p:nvGrpSpPr>
+        <p:cNvPr id="1" name=""/>
+        <p:cNvGrpSpPr/>
+        <p:nvPr/>
+      </p:nvGrpSpPr>
+      <p:grpSpPr>
+        <a:xfrm>
+          <a:off x="0" y="0"/>
+          <a:ext cx="0" cy="0"/>
+          <a:chOff x="0" y="0"/>
+          <a:chExt cx="0" cy="0"/>
+        </a:xfrm>
+      </p:grpSpPr>
+      <p:sp>
+        <p:nvSpPr>
+          <p:cNvPr id="2" name="Title 1"/>
+          <p:cNvSpPr>
+            <a:spLocks noGrp="1"/>
+          </p:cNvSpPr>
+          <p:nvPr>
+            <p:ph type="title"/>
+          </p:nvPr>
+        </p:nvSpPr>
+        <p:spPr/>
+        <p:txBody>
+          <a:bodyPr/>
+          <a:lstStyle/>
+          <a:p>
+            <a:r>
+              <a:rPr lang="en-US" sz="2400" b="1" dirty="0"/>
+              <a:t>Universal Serial Communication Interface (USCI)</a:t>
+            </a:r>
+            <a:endParaRPr lang="en-US" sz="2400" dirty="0"/>
+          </a:p>
+        </p:txBody>
+      </p:sp>
+      <p:sp>
+        <p:nvSpPr>
+          <p:cNvPr id="3" name="Content Placeholder 2"/>
+          <p:cNvSpPr>
+            <a:spLocks noGrp="1"/>
+          </p:cNvSpPr>
+          <p:nvPr>
+            <p:ph idx="1"/>
+          </p:nvPr>
+        </p:nvSpPr>
+        <p:spPr>
+          <a:xfrm>
+            <a:off x="486428" y="1561691"/>
+            <a:ext cx="8215440" cy="4791811"/>
+          </a:xfrm>
+        </p:spPr>
+        <p:txBody>
+          <a:bodyPr>
+            <a:normAutofit lnSpcReduction="10000"/>
+          </a:bodyPr>
+          <a:lstStyle/>
+          <a:p>
+            <a:r>
+              <a:rPr lang="en-US" sz="2000" dirty="0" smtClean="0"/>
+              <a:t>Step 5</a:t>
+            </a:r>
+            <a:endParaRPr lang="en-US" sz="2000" dirty="0"/>
+          </a:p>
+          <a:p>
+            <a:pPr lvl="1"/>
+            <a:r>
+              <a:rPr lang="en-US" sz="1600" dirty="0" smtClean="0">
+                <a:solidFill>
+                  <a:schemeClr val="accent2"/>
+                </a:solidFill>
+              </a:rPr>
+              <a:t>Use </a:t>
+            </a:r>
+            <a:r>
+              <a:rPr lang="en-US" sz="1600" dirty="0">
+                <a:solidFill>
+                  <a:schemeClr val="accent2"/>
+                </a:solidFill>
+              </a:rPr>
+              <a:t>the subsystem</a:t>
+            </a:r>
+            <a:r>
+              <a:rPr lang="en-US" sz="1600" dirty="0" smtClean="0">
+                <a:solidFill>
+                  <a:schemeClr val="accent2"/>
+                </a:solidFill>
+              </a:rPr>
+              <a:t>! </a:t>
+            </a:r>
+          </a:p>
+          <a:p>
+            <a:pPr lvl="2"/>
+            <a:r>
+              <a:rPr lang="en-US" sz="1400" dirty="0"/>
+              <a:t>To send a byte, just write to the </a:t>
+            </a:r>
+            <a:r>
+              <a:rPr lang="en-US" sz="1400" dirty="0">
+                <a:solidFill>
+                  <a:schemeClr val="accent2"/>
+                </a:solidFill>
+              </a:rPr>
+              <a:t>TXBUF</a:t>
+            </a:r>
+            <a:r>
+              <a:rPr lang="en-US" sz="1400" dirty="0"/>
+              <a:t> register. </a:t>
+            </a:r>
+            <a:r>
+              <a:rPr lang="en-US" sz="1400" dirty="0" smtClean="0"/>
+              <a:t> [16.4.6]</a:t>
+            </a:r>
+          </a:p>
+          <a:p>
+            <a:pPr lvl="2"/>
+            <a:r>
+              <a:rPr lang="en-US" sz="1400" dirty="0" smtClean="0"/>
+              <a:t>To </a:t>
+            </a:r>
+            <a:r>
+              <a:rPr lang="en-US" sz="1400" dirty="0"/>
+              <a:t>read a received byte, read from the </a:t>
+            </a:r>
+            <a:r>
+              <a:rPr lang="en-US" sz="1400" dirty="0">
+                <a:solidFill>
+                  <a:schemeClr val="accent2"/>
+                </a:solidFill>
+              </a:rPr>
+              <a:t>RXBUF</a:t>
+            </a:r>
+            <a:r>
+              <a:rPr lang="en-US" sz="1400" dirty="0"/>
+              <a:t> register</a:t>
+            </a:r>
+            <a:r>
+              <a:rPr lang="en-US" sz="1400" dirty="0" smtClean="0"/>
+              <a:t>. </a:t>
+            </a:r>
+            <a:r>
+              <a:rPr lang="en-US" sz="1400" dirty="0"/>
+              <a:t>[</a:t>
+            </a:r>
+            <a:r>
+              <a:rPr lang="en-US" sz="1400" dirty="0" smtClean="0"/>
+              <a:t>16.4.7]</a:t>
+            </a:r>
+            <a:endParaRPr lang="en-US" sz="1400" dirty="0"/>
+          </a:p>
+          <a:p>
+            <a:pPr lvl="1"/>
+            <a:r>
+              <a:rPr lang="en-US" sz="1600" dirty="0" smtClean="0">
+                <a:solidFill>
+                  <a:schemeClr val="accent2"/>
+                </a:solidFill>
+              </a:rPr>
+              <a:t>How do  you know “you’ve got mail” or last transmission is done?</a:t>
+            </a:r>
+          </a:p>
+          <a:p>
+            <a:pPr lvl="2"/>
+            <a:r>
+              <a:rPr lang="en-US" sz="1400" dirty="0" smtClean="0"/>
+              <a:t>You've </a:t>
+            </a:r>
+            <a:r>
+              <a:rPr lang="en-US" sz="1400" dirty="0"/>
+              <a:t>got to monitor the flags in the </a:t>
+            </a:r>
+            <a:r>
+              <a:rPr lang="en-US" sz="1400" dirty="0">
+                <a:solidFill>
+                  <a:schemeClr val="accent2"/>
+                </a:solidFill>
+              </a:rPr>
+              <a:t>IFG2</a:t>
+            </a:r>
+            <a:r>
+              <a:rPr lang="en-US" sz="1400" dirty="0"/>
+              <a:t> register </a:t>
+            </a:r>
+            <a:r>
+              <a:rPr lang="en-US" sz="1400" dirty="0" smtClean="0"/>
+              <a:t>[16.4.9] to </a:t>
+            </a:r>
+            <a:r>
+              <a:rPr lang="en-US" sz="1400" dirty="0"/>
+              <a:t>know when it's safe the </a:t>
+            </a:r>
+            <a:r>
+              <a:rPr lang="en-US" sz="1400" dirty="0" smtClean="0"/>
+              <a:t>send</a:t>
+            </a:r>
+            <a:endParaRPr lang="en-US" sz="1400" dirty="0"/>
+          </a:p>
+          <a:p>
+            <a:pPr lvl="1"/>
+            <a:r>
+              <a:rPr lang="en-US" sz="1800" dirty="0" smtClean="0">
+                <a:solidFill>
+                  <a:schemeClr val="accent2"/>
+                </a:solidFill>
+              </a:rPr>
+              <a:t>TXIFG </a:t>
+            </a:r>
+          </a:p>
+          <a:p>
+            <a:pPr lvl="2"/>
+            <a:r>
+              <a:rPr lang="en-US" sz="1600" dirty="0" smtClean="0"/>
+              <a:t>Set </a:t>
+            </a:r>
+            <a:r>
+              <a:rPr lang="en-US" sz="1600" dirty="0"/>
+              <a:t>when </a:t>
+            </a:r>
+            <a:r>
+              <a:rPr lang="en-US" sz="1600" dirty="0">
+                <a:solidFill>
+                  <a:schemeClr val="accent2"/>
+                </a:solidFill>
+              </a:rPr>
+              <a:t>TXBUF</a:t>
+            </a:r>
+            <a:r>
+              <a:rPr lang="en-US" sz="1600" dirty="0"/>
+              <a:t> is ready for a byte</a:t>
+            </a:r>
+          </a:p>
+          <a:p>
+            <a:pPr lvl="2"/>
+            <a:r>
+              <a:rPr lang="en-US" sz="1600" dirty="0" smtClean="0"/>
+              <a:t>Cleared </a:t>
+            </a:r>
+            <a:r>
+              <a:rPr lang="en-US" sz="1600" dirty="0"/>
+              <a:t>on write</a:t>
+            </a:r>
+          </a:p>
+          <a:p>
+            <a:pPr lvl="2"/>
+            <a:r>
+              <a:rPr lang="en-US" sz="1600" dirty="0" smtClean="0"/>
+              <a:t>Just </a:t>
+            </a:r>
+            <a:r>
+              <a:rPr lang="en-US" sz="1600" dirty="0"/>
+              <a:t>because the TXBUF is ready for another byte doesn't mean that the transmission is complete! It's double-buffered!</a:t>
+            </a:r>
+          </a:p>
+          <a:p>
+            <a:pPr lvl="1"/>
+            <a:r>
+              <a:rPr lang="en-US" sz="1800" dirty="0" smtClean="0">
+                <a:solidFill>
+                  <a:schemeClr val="accent2"/>
+                </a:solidFill>
+              </a:rPr>
+              <a:t>RXIFG</a:t>
+            </a:r>
+          </a:p>
+          <a:p>
+            <a:pPr lvl="2"/>
+            <a:r>
+              <a:rPr lang="en-US" sz="1600" dirty="0" smtClean="0"/>
+              <a:t>Set </a:t>
+            </a:r>
+            <a:r>
+              <a:rPr lang="en-US" sz="1600" dirty="0"/>
+              <a:t>when </a:t>
+            </a:r>
+            <a:r>
+              <a:rPr lang="en-US" sz="1600" dirty="0">
+                <a:solidFill>
+                  <a:schemeClr val="accent2"/>
+                </a:solidFill>
+              </a:rPr>
+              <a:t>RXBUF</a:t>
+            </a:r>
+            <a:r>
+              <a:rPr lang="en-US" sz="1600" dirty="0"/>
+              <a:t> has received a complete character</a:t>
+            </a:r>
+          </a:p>
+          <a:p>
+            <a:pPr lvl="2"/>
+            <a:r>
+              <a:rPr lang="en-US" sz="1600" dirty="0" smtClean="0"/>
+              <a:t>Cleared </a:t>
+            </a:r>
+            <a:r>
+              <a:rPr lang="en-US" sz="1600" dirty="0"/>
+              <a:t>on read</a:t>
+            </a:r>
+          </a:p>
+          <a:p>
+            <a:pPr lvl="2"/>
+            <a:r>
+              <a:rPr lang="en-US" sz="1600" dirty="0" smtClean="0"/>
+              <a:t>This </a:t>
+            </a:r>
+            <a:r>
+              <a:rPr lang="en-US" sz="1600" dirty="0"/>
+              <a:t>is what you should monitor to determine a transmission has completed</a:t>
+            </a:r>
+            <a:r>
+              <a:rPr lang="en-US" sz="1600" dirty="0" smtClean="0"/>
+              <a:t>!</a:t>
+            </a:r>
+            <a:endParaRPr lang="en-US" sz="1600" dirty="0"/>
+          </a:p>
+          <a:p>
+            <a:endParaRPr lang="en-US" sz="2400" dirty="0" smtClean="0"/>
+          </a:p>
+          <a:p>
+            <a:endParaRPr lang="en-US" sz="2400" dirty="0" smtClean="0">
+              <a:solidFill>
+                <a:schemeClr val="accent2"/>
+              </a:solidFill>
+            </a:endParaRPr>
+          </a:p>
+          <a:p>
+            <a:pPr marL="0" indent="0">
+              <a:buNone/>
+            </a:pPr>
+            <a:endParaRPr lang="en-US" sz="1400" dirty="0">
+              <a:solidFill>
+                <a:schemeClr val="accent2"/>
+              </a:solidFill>
+              <a:latin typeface="Courier New" pitchFamily="49" charset="0"/>
+              <a:cs typeface="Courier New" pitchFamily="49" charset="0"/>
+            </a:endParaRPr>
+          </a:p>
+          <a:p>
+            <a:pPr marL="0" indent="0">
+              <a:buNone/>
+            </a:pPr>
+            <a:endParaRPr lang="en-US" sz="1400" dirty="0"/>
+          </a:p>
+        </p:txBody>
+      </p:sp>
+    </p:spTree>
+    <p:extLst>
+      <p:ext uri="{BB962C8B-B14F-4D97-AF65-F5344CB8AC3E}">
+        <p14:creationId xmlns:p14="http://schemas.microsoft.com/office/powerpoint/2010/main" val="1736273857"/>
+      </p:ext>
+    </p:extLst>
+  </p:cSld>
+  <p:clrMapOvr>
+    <a:masterClrMapping/>
+  </p:clrMapOvr>
+  <p:timing>
+    <p:tnLst>
+      <p:par>
+        <p:cTn id="1" dur="indefinite" restart="never" nodeType="tmRoot"/>
+      </p:par>
+    </p:tnLst>
+  </p:timing>
+</p:sld>
+</file>
+
+<file path=ppt/slides/slide34.xml><?xml version="1.0" encoding="utf-8"?>
+<p:sld xmlns:a="http://schemas.openxmlformats.org/drawingml/2006/main" xmlns:r="http://schemas.openxmlformats.org/officeDocument/2006/relationships" xmlns:p="http://schemas.openxmlformats.org/presentationml/2006/main">
+  <p:cSld>
+    <p:spTree>
+      <p:nvGrpSpPr>
+        <p:cNvPr id="1" name=""/>
+        <p:cNvGrpSpPr/>
+        <p:nvPr/>
+      </p:nvGrpSpPr>
+      <p:grpSpPr>
+        <a:xfrm>
+          <a:off x="0" y="0"/>
+          <a:ext cx="0" cy="0"/>
+          <a:chOff x="0" y="0"/>
+          <a:chExt cx="0" cy="0"/>
+        </a:xfrm>
+      </p:grpSpPr>
+      <p:sp>
+        <p:nvSpPr>
+          <p:cNvPr id="2" name="Title 1"/>
+          <p:cNvSpPr>
+            <a:spLocks noGrp="1"/>
+          </p:cNvSpPr>
+          <p:nvPr>
+            <p:ph type="title"/>
+          </p:nvPr>
+        </p:nvSpPr>
+        <p:spPr/>
+        <p:txBody>
+          <a:bodyPr/>
+          <a:lstStyle/>
+          <a:p>
+            <a:r>
               <a:rPr lang="en-US" b="1" dirty="0" smtClean="0"/>
               <a:t>Example  (loopback)</a:t>
             </a:r>
@@ -17527,7 +18423,7 @@
 </p:sld>
 </file>
 
-<file path=ppt/slides/slide31.xml><?xml version="1.0" encoding="utf-8"?>
+<file path=ppt/slides/slide35.xml><?xml version="1.0" encoding="utf-8"?>
 <p:sld xmlns:a="http://schemas.openxmlformats.org/drawingml/2006/main" xmlns:r="http://schemas.openxmlformats.org/officeDocument/2006/relationships" xmlns:p="http://schemas.openxmlformats.org/presentationml/2006/main">
   <p:cSld>
     <p:spTree>
@@ -17683,7 +18579,7 @@
 </p:sld>
 </file>
 
-<file path=ppt/slides/slide32.xml><?xml version="1.0" encoding="utf-8"?>
+<file path=ppt/slides/slide36.xml><?xml version="1.0" encoding="utf-8"?>
 <p:sld xmlns:a="http://schemas.openxmlformats.org/drawingml/2006/main" xmlns:r="http://schemas.openxmlformats.org/officeDocument/2006/relationships" xmlns:p="http://schemas.openxmlformats.org/presentationml/2006/main">
   <p:cSld>
     <p:spTree>
@@ -17763,7 +18659,7 @@
 </p:sld>
 </file>
 
-<file path=ppt/slides/slide33.xml><?xml version="1.0" encoding="utf-8"?>
+<file path=ppt/slides/slide37.xml><?xml version="1.0" encoding="utf-8"?>
 <p:sld xmlns:a="http://schemas.openxmlformats.org/drawingml/2006/main" xmlns:r="http://schemas.openxmlformats.org/officeDocument/2006/relationships" xmlns:p="http://schemas.openxmlformats.org/presentationml/2006/main">
   <p:cSld>
     <p:spTree>
@@ -18875,129 +19771,61 @@
           <a:p>
             <a:r>
               <a:rPr lang="en-US" dirty="0" smtClean="0"/>
-              <a:t>UART: Similar to RS232, but uses TTL, one-to-one</a:t>
-            </a:r>
-          </a:p>
-          <a:p>
+              <a:t>CANBUS</a:t>
+            </a:r>
             <a:r>
               <a:rPr lang="en-US" dirty="0" smtClean="0"/>
+              <a:t>: common in </a:t>
+            </a:r>
+            <a:r>
+              <a:rPr lang="en-US" dirty="0" smtClean="0"/>
+              <a:t>cars</a:t>
+            </a:r>
+          </a:p>
+          <a:p>
+            <a:r>
+              <a:rPr lang="en-US" dirty="0" smtClean="0"/>
+              <a:t>RS-485</a:t>
+            </a:r>
+            <a:r>
+              <a:rPr lang="en-US" dirty="0" smtClean="0"/>
+              <a:t>: single master, multiple slave</a:t>
+            </a:r>
+          </a:p>
+          <a:p>
+            <a:r>
+              <a:rPr lang="en-US" dirty="0" smtClean="0"/>
+              <a:t>MIL-STD-1553: common in aircraft and </a:t>
+            </a:r>
+            <a:r>
+              <a:rPr lang="en-US" dirty="0" smtClean="0"/>
+              <a:t>spacecraft</a:t>
+            </a:r>
+          </a:p>
+          <a:p>
+            <a:r>
+              <a:rPr lang="en-US" dirty="0" smtClean="0"/>
+              <a:t>UART</a:t>
+            </a:r>
+            <a:r>
+              <a:rPr lang="en-US" dirty="0"/>
+              <a:t>: Similar to RS232, but uses TTL, one-to-one</a:t>
+            </a:r>
+          </a:p>
+          <a:p>
+            <a:r>
+              <a:rPr lang="en-US" dirty="0"/>
               <a:t>SPI: common in embedded systems (e.g., cellphones)</a:t>
             </a:r>
           </a:p>
           <a:p>
             <a:r>
-              <a:rPr lang="en-US" dirty="0" smtClean="0"/>
+              <a:rPr lang="en-US" dirty="0"/>
               <a:t>I2C: common in embedded systems (e.g., cellphones)</a:t>
             </a:r>
           </a:p>
           <a:p>
-            <a:r>
-              <a:rPr lang="en-US" dirty="0" smtClean="0"/>
-              <a:t>CANBUS: common in cars</a:t>
-            </a:r>
-          </a:p>
-          <a:p>
-            <a:r>
-              <a:rPr lang="en-US" dirty="0" smtClean="0"/>
-              <a:t>RS-232: peer (one-to-one) </a:t>
-            </a:r>
-            <a:r>
-              <a:rPr lang="en-US" dirty="0" err="1" smtClean="0"/>
-              <a:t>async</a:t>
-            </a:r>
-            <a:r>
-              <a:rPr lang="en-US" dirty="0" smtClean="0"/>
-              <a:t> </a:t>
-            </a:r>
-            <a:r>
-              <a:rPr lang="en-US" dirty="0" err="1" smtClean="0"/>
-              <a:t>comm</a:t>
-            </a:r>
-            <a:endParaRPr lang="en-US" dirty="0" smtClean="0"/>
-          </a:p>
-          <a:p>
-            <a:r>
-              <a:rPr lang="en-US" dirty="0" smtClean="0"/>
-              <a:t>RS-485: single master, multiple slave</a:t>
-            </a:r>
-          </a:p>
-          <a:p>
-            <a:r>
-              <a:rPr lang="en-US" dirty="0" smtClean="0"/>
-              <a:t>MIL-STD-1553: common in aircraft and spacecraft</a:t>
-            </a:r>
             <a:endParaRPr lang="en-US" dirty="0"/>
-          </a:p>
-        </p:txBody>
-      </p:sp>
-      <p:sp>
-        <p:nvSpPr>
-          <p:cNvPr id="4" name="Rectangle 3"/>
-          <p:cNvSpPr/>
-          <p:nvPr/>
-        </p:nvSpPr>
-        <p:spPr bwMode="auto">
-          <a:xfrm>
-            <a:off x="1608082" y="5368159"/>
-            <a:ext cx="6053959" cy="709449"/>
-          </a:xfrm>
-          <a:prstGeom prst="rect">
-            <a:avLst/>
-          </a:prstGeom>
-          <a:solidFill>
-            <a:schemeClr val="accent2"/>
-          </a:solidFill>
-          <a:ln w="12700" cap="flat" cmpd="sng" algn="ctr">
-            <a:solidFill>
-              <a:schemeClr val="accent6">
-                <a:lumMod val="40000"/>
-                <a:lumOff val="60000"/>
-              </a:schemeClr>
-            </a:solidFill>
-            <a:prstDash val="solid"/>
-            <a:round/>
-            <a:headEnd type="none" w="med" len="med"/>
-            <a:tailEnd type="none" w="med" len="med"/>
-          </a:ln>
-          <a:effectLst/>
-        </p:spPr>
-        <p:txBody>
-          <a:bodyPr vert="horz" wrap="square" lIns="91440" tIns="45720" rIns="91440" bIns="45720" numCol="1" rtlCol="0" anchor="ctr" anchorCtr="0" compatLnSpc="1">
-            <a:prstTxWarp prst="textNoShape">
-              <a:avLst/>
-            </a:prstTxWarp>
-          </a:bodyPr>
-          <a:lstStyle/>
-          <a:p>
-            <a:pPr marL="0" marR="0" indent="0" algn="ctr" defTabSz="914400" rtl="0" eaLnBrk="0" fontAlgn="base" latinLnBrk="0" hangingPunct="0">
-              <a:lnSpc>
-                <a:spcPct val="100000"/>
-              </a:lnSpc>
-              <a:spcBef>
-                <a:spcPct val="0"/>
-              </a:spcBef>
-              <a:spcAft>
-                <a:spcPct val="0"/>
-              </a:spcAft>
-              <a:buClrTx/>
-              <a:buSzTx/>
-              <a:buFontTx/>
-              <a:buNone/>
-              <a:tabLst/>
-            </a:pPr>
-            <a:r>
-              <a:rPr kumimoji="0" lang="en-US" sz="1600" b="0" i="0" u="none" strike="noStrike" cap="none" normalizeH="0" baseline="0" dirty="0" smtClean="0">
-                <a:ln>
-                  <a:noFill/>
-                </a:ln>
-                <a:solidFill>
-                  <a:schemeClr val="bg1"/>
-                </a:solidFill>
-                <a:effectLst/>
-                <a:latin typeface="Arial" charset="0"/>
-              </a:rPr>
-              <a:t>There are more … these are just off the top of my head </a:t>
-            </a:r>
           </a:p>
         </p:txBody>
       </p:sp>
@@ -19033,7 +19861,7 @@
       </p:grpSpPr>
       <p:sp>
         <p:nvSpPr>
-          <p:cNvPr id="6" name="Title 5"/>
+          <p:cNvPr id="2" name="Title 1"/>
           <p:cNvSpPr>
             <a:spLocks noGrp="1"/>
           </p:cNvSpPr>
@@ -19048,7 +19876,7 @@
           <a:p>
             <a:r>
               <a:rPr lang="en-US" dirty="0" smtClean="0"/>
-              <a:t>UART</a:t>
+              <a:t>CAN Bus</a:t>
             </a:r>
             <a:endParaRPr lang="en-US" dirty="0"/>
           </a:p>
@@ -19056,12 +19884,12 @@
       </p:sp>
       <p:sp>
         <p:nvSpPr>
-          <p:cNvPr id="7" name="Text Placeholder 6"/>
+          <p:cNvPr id="3" name="Content Placeholder 2"/>
           <p:cNvSpPr>
             <a:spLocks noGrp="1"/>
           </p:cNvSpPr>
           <p:nvPr>
-            <p:ph type="body" idx="1"/>
+            <p:ph idx="1"/>
           </p:nvPr>
         </p:nvSpPr>
         <p:spPr/>
@@ -19069,28 +19897,101 @@
           <a:bodyPr/>
           <a:lstStyle/>
           <a:p>
-            <a:endParaRPr lang="en-US"/>
+            <a:r>
+              <a:rPr lang="en-US" sz="2000" dirty="0"/>
+              <a:t>A Controller Area Network (CAN bus) is a robust vehicle bus standard designed to allow microcontrollers and devices to communicate with each other in applications without a host computer. It is a message-based protocol, designed originally for multiplex electrical wiring within automobiles to save on copper, but is also used in many other contexts.</a:t>
+            </a:r>
+          </a:p>
+        </p:txBody>
+      </p:sp>
+      <p:pic>
+        <p:nvPicPr>
+          <p:cNvPr id="4" name="Picture 3"/>
+          <p:cNvPicPr>
+            <a:picLocks noChangeAspect="1"/>
+          </p:cNvPicPr>
+          <p:nvPr/>
+        </p:nvPicPr>
+        <p:blipFill>
+          <a:blip r:embed="rId2"/>
+          <a:stretch>
+            <a:fillRect/>
+          </a:stretch>
+        </p:blipFill>
+        <p:spPr>
+          <a:xfrm>
+            <a:off x="4583496" y="3501150"/>
+            <a:ext cx="3817088" cy="1628227"/>
+          </a:xfrm>
+          <a:prstGeom prst="rect">
+            <a:avLst/>
+          </a:prstGeom>
+        </p:spPr>
+      </p:pic>
+      <p:pic>
+        <p:nvPicPr>
+          <p:cNvPr id="5" name="Picture 4"/>
+          <p:cNvPicPr>
+            <a:picLocks noChangeAspect="1"/>
+          </p:cNvPicPr>
+          <p:nvPr/>
+        </p:nvPicPr>
+        <p:blipFill>
+          <a:blip r:embed="rId3"/>
+          <a:stretch>
+            <a:fillRect/>
+          </a:stretch>
+        </p:blipFill>
+        <p:spPr>
+          <a:xfrm>
+            <a:off x="728329" y="3567603"/>
+            <a:ext cx="3477511" cy="2285841"/>
+          </a:xfrm>
+          <a:prstGeom prst="rect">
+            <a:avLst/>
+          </a:prstGeom>
+        </p:spPr>
+      </p:pic>
+      <p:sp>
+        <p:nvSpPr>
+          <p:cNvPr id="6" name="TextBox 5"/>
+          <p:cNvSpPr txBox="1"/>
+          <p:nvPr/>
+        </p:nvSpPr>
+        <p:spPr>
+          <a:xfrm>
+            <a:off x="4523822" y="5204638"/>
+            <a:ext cx="4360412" cy="830997"/>
+          </a:xfrm>
+          <a:prstGeom prst="rect">
+            <a:avLst/>
+          </a:prstGeom>
+          <a:noFill/>
+        </p:spPr>
+        <p:txBody>
+          <a:bodyPr wrap="square" rtlCol="0">
+            <a:spAutoFit/>
+          </a:bodyPr>
+          <a:lstStyle/>
+          <a:p>
+            <a:r>
+              <a:rPr lang="en-US" dirty="0" smtClean="0"/>
+              <a:t>USAFA is doing research on the CAN bus and a Tesla car</a:t>
+            </a:r>
+            <a:endParaRPr lang="en-US" dirty="0"/>
           </a:p>
         </p:txBody>
       </p:sp>
     </p:spTree>
     <p:extLst>
       <p:ext uri="{BB962C8B-B14F-4D97-AF65-F5344CB8AC3E}">
-        <p14:creationId xmlns:p14="http://schemas.microsoft.com/office/powerpoint/2010/main" val="3838308145"/>
+        <p14:creationId xmlns:p14="http://schemas.microsoft.com/office/powerpoint/2010/main" val="3795141856"/>
       </p:ext>
     </p:extLst>
   </p:cSld>
   <p:clrMapOvr>
     <a:masterClrMapping/>
   </p:clrMapOvr>
-  <mc:AlternateContent xmlns:mc="http://schemas.openxmlformats.org/markup-compatibility/2006" xmlns:p14="http://schemas.microsoft.com/office/powerpoint/2010/main">
-    <mc:Choice Requires="p14">
-      <p:transition spd="slow" p14:dur="2000"/>
-    </mc:Choice>
-    <mc:Fallback xmlns="">
-      <p:transition spd="slow"/>
-    </mc:Fallback>
-  </mc:AlternateContent>
 </p:sld>
 </file>
 
@@ -19113,7 +20014,7 @@
       </p:grpSpPr>
       <p:sp>
         <p:nvSpPr>
-          <p:cNvPr id="4" name="Title 3"/>
+          <p:cNvPr id="2" name="Title 1"/>
           <p:cNvSpPr>
             <a:spLocks noGrp="1"/>
           </p:cNvSpPr>
@@ -19128,333 +20029,20 @@
           <a:p>
             <a:r>
               <a:rPr lang="en-US" dirty="0" smtClean="0"/>
-              <a:t>UART</a:t>
+              <a:t>RS-485</a:t>
             </a:r>
             <a:endParaRPr lang="en-US" dirty="0"/>
-          </a:p>
-        </p:txBody>
-      </p:sp>
-      <p:pic>
-        <p:nvPicPr>
-          <p:cNvPr id="6" name="Picture 5"/>
-          <p:cNvPicPr>
-            <a:picLocks noChangeAspect="1"/>
-          </p:cNvPicPr>
-          <p:nvPr/>
-        </p:nvPicPr>
-        <p:blipFill>
-          <a:blip r:embed="rId2"/>
-          <a:stretch>
-            <a:fillRect/>
-          </a:stretch>
-        </p:blipFill>
-        <p:spPr>
-          <a:xfrm>
-            <a:off x="466266" y="1442544"/>
-            <a:ext cx="4477429" cy="5378061"/>
-          </a:xfrm>
-          <a:prstGeom prst="rect">
-            <a:avLst/>
-          </a:prstGeom>
-        </p:spPr>
-      </p:pic>
-      <p:sp>
-        <p:nvSpPr>
-          <p:cNvPr id="7" name="Left Arrow 6"/>
-          <p:cNvSpPr/>
-          <p:nvPr/>
-        </p:nvSpPr>
-        <p:spPr bwMode="auto">
-          <a:xfrm>
-            <a:off x="4816366" y="2672255"/>
-            <a:ext cx="1418896" cy="606972"/>
-          </a:xfrm>
-          <a:prstGeom prst="leftArrow">
-            <a:avLst/>
-          </a:prstGeom>
-          <a:solidFill>
-            <a:srgbClr val="00B050"/>
-          </a:solidFill>
-          <a:ln w="12700" cap="flat" cmpd="sng" algn="ctr">
-            <a:solidFill>
-              <a:schemeClr val="tx1"/>
-            </a:solidFill>
-            <a:prstDash val="solid"/>
-            <a:round/>
-            <a:headEnd type="none" w="med" len="med"/>
-            <a:tailEnd type="none" w="med" len="med"/>
-          </a:ln>
-          <a:effectLst/>
-        </p:spPr>
-        <p:txBody>
-          <a:bodyPr vert="horz" wrap="square" lIns="91440" tIns="45720" rIns="91440" bIns="45720" numCol="1" rtlCol="0" anchor="t" anchorCtr="0" compatLnSpc="1">
-            <a:prstTxWarp prst="textNoShape">
-              <a:avLst/>
-            </a:prstTxWarp>
-          </a:bodyPr>
-          <a:lstStyle/>
-          <a:p>
-            <a:pPr marL="0" marR="0" indent="0" algn="ctr" defTabSz="914400" rtl="0" eaLnBrk="0" fontAlgn="base" latinLnBrk="0" hangingPunct="0">
-              <a:lnSpc>
-                <a:spcPct val="100000"/>
-              </a:lnSpc>
-              <a:spcBef>
-                <a:spcPct val="0"/>
-              </a:spcBef>
-              <a:spcAft>
-                <a:spcPct val="0"/>
-              </a:spcAft>
-              <a:buClrTx/>
-              <a:buSzTx/>
-              <a:buFontTx/>
-              <a:buNone/>
-              <a:tabLst/>
-            </a:pPr>
-            <a:r>
-              <a:rPr kumimoji="0" lang="en-US" sz="1600" b="0" i="0" u="none" strike="noStrike" cap="none" normalizeH="0" baseline="0" dirty="0" smtClean="0">
-                <a:ln>
-                  <a:noFill/>
-                </a:ln>
-                <a:solidFill>
-                  <a:schemeClr val="tx1"/>
-                </a:solidFill>
-                <a:effectLst/>
-                <a:latin typeface="Arial" charset="0"/>
-              </a:rPr>
-              <a:t>P1.1</a:t>
-            </a:r>
-            <a:endParaRPr kumimoji="0" lang="en-US" sz="1600" b="0" i="0" u="none" strike="noStrike" cap="none" normalizeH="0" baseline="0" dirty="0" smtClean="0">
-              <a:ln>
-                <a:noFill/>
-              </a:ln>
-              <a:solidFill>
-                <a:schemeClr val="tx1"/>
-              </a:solidFill>
-              <a:effectLst/>
-              <a:latin typeface="Arial" charset="0"/>
-            </a:endParaRPr>
           </a:p>
         </p:txBody>
       </p:sp>
       <p:sp>
         <p:nvSpPr>
-          <p:cNvPr id="8" name="Left Arrow 7"/>
-          <p:cNvSpPr/>
-          <p:nvPr/>
-        </p:nvSpPr>
-        <p:spPr bwMode="auto">
-          <a:xfrm>
-            <a:off x="4816366" y="4921469"/>
-            <a:ext cx="1418896" cy="606972"/>
-          </a:xfrm>
-          <a:prstGeom prst="leftArrow">
-            <a:avLst/>
-          </a:prstGeom>
-          <a:solidFill>
-            <a:srgbClr val="00B050"/>
-          </a:solidFill>
-          <a:ln w="12700" cap="flat" cmpd="sng" algn="ctr">
-            <a:solidFill>
-              <a:schemeClr val="tx1"/>
-            </a:solidFill>
-            <a:prstDash val="solid"/>
-            <a:round/>
-            <a:headEnd type="none" w="med" len="med"/>
-            <a:tailEnd type="none" w="med" len="med"/>
-          </a:ln>
-          <a:effectLst/>
-        </p:spPr>
-        <p:txBody>
-          <a:bodyPr vert="horz" wrap="square" lIns="91440" tIns="45720" rIns="91440" bIns="45720" numCol="1" rtlCol="0" anchor="t" anchorCtr="0" compatLnSpc="1">
-            <a:prstTxWarp prst="textNoShape">
-              <a:avLst/>
-            </a:prstTxWarp>
-          </a:bodyPr>
-          <a:lstStyle/>
-          <a:p>
-            <a:pPr marL="0" marR="0" indent="0" algn="ctr" defTabSz="914400" rtl="0" eaLnBrk="0" fontAlgn="base" latinLnBrk="0" hangingPunct="0">
-              <a:lnSpc>
-                <a:spcPct val="100000"/>
-              </a:lnSpc>
-              <a:spcBef>
-                <a:spcPct val="0"/>
-              </a:spcBef>
-              <a:spcAft>
-                <a:spcPct val="0"/>
-              </a:spcAft>
-              <a:buClrTx/>
-              <a:buSzTx/>
-              <a:buFontTx/>
-              <a:buNone/>
-              <a:tabLst/>
-            </a:pPr>
-            <a:r>
-              <a:rPr kumimoji="0" lang="en-US" sz="1600" b="0" i="0" u="none" strike="noStrike" cap="none" normalizeH="0" baseline="0" dirty="0" smtClean="0">
-                <a:ln>
-                  <a:noFill/>
-                </a:ln>
-                <a:solidFill>
-                  <a:schemeClr val="tx1"/>
-                </a:solidFill>
-                <a:effectLst/>
-                <a:latin typeface="Arial" charset="0"/>
-              </a:rPr>
-              <a:t>P1.2</a:t>
-            </a:r>
-            <a:endParaRPr kumimoji="0" lang="en-US" sz="1600" b="0" i="0" u="none" strike="noStrike" cap="none" normalizeH="0" baseline="0" dirty="0" smtClean="0">
-              <a:ln>
-                <a:noFill/>
-              </a:ln>
-              <a:solidFill>
-                <a:schemeClr val="tx1"/>
-              </a:solidFill>
-              <a:effectLst/>
-              <a:latin typeface="Arial" charset="0"/>
-            </a:endParaRPr>
-          </a:p>
-        </p:txBody>
-      </p:sp>
-      <p:sp>
-        <p:nvSpPr>
-          <p:cNvPr id="9" name="TextBox 8"/>
-          <p:cNvSpPr txBox="1"/>
-          <p:nvPr/>
-        </p:nvSpPr>
-        <p:spPr>
-          <a:xfrm>
-            <a:off x="5100145" y="1742090"/>
-            <a:ext cx="3838903" cy="830997"/>
-          </a:xfrm>
-          <a:prstGeom prst="rect">
-            <a:avLst/>
-          </a:prstGeom>
-          <a:noFill/>
-        </p:spPr>
-        <p:txBody>
-          <a:bodyPr wrap="square" rtlCol="0">
-            <a:spAutoFit/>
-          </a:bodyPr>
-          <a:lstStyle/>
-          <a:p>
-            <a:r>
-              <a:rPr lang="en-US" dirty="0" smtClean="0"/>
-              <a:t>It is common for serial to be tied to specific HW pins</a:t>
-            </a:r>
-            <a:endParaRPr lang="en-US" dirty="0"/>
-          </a:p>
-        </p:txBody>
-      </p:sp>
-      <p:sp>
-        <p:nvSpPr>
-          <p:cNvPr id="10" name="TextBox 9"/>
-          <p:cNvSpPr txBox="1"/>
-          <p:nvPr/>
-        </p:nvSpPr>
-        <p:spPr>
-          <a:xfrm>
-            <a:off x="5349240" y="3655659"/>
-            <a:ext cx="3230372" cy="1015663"/>
-          </a:xfrm>
-          <a:prstGeom prst="rect">
-            <a:avLst/>
-          </a:prstGeom>
-          <a:noFill/>
-        </p:spPr>
-        <p:txBody>
-          <a:bodyPr wrap="none" rtlCol="0">
-            <a:spAutoFit/>
-          </a:bodyPr>
-          <a:lstStyle/>
-          <a:p>
-            <a:r>
-              <a:rPr lang="en-US" dirty="0" err="1" smtClean="0"/>
-              <a:t>USCI_Ax</a:t>
-            </a:r>
-            <a:r>
-              <a:rPr lang="en-US" dirty="0" smtClean="0"/>
-              <a:t> for UART</a:t>
-            </a:r>
-          </a:p>
-          <a:p>
-            <a:r>
-              <a:rPr lang="en-US" dirty="0" err="1" smtClean="0"/>
-              <a:t>USCI_Bx</a:t>
-            </a:r>
-            <a:r>
-              <a:rPr lang="en-US" dirty="0" smtClean="0"/>
-              <a:t> for I2C or SPI</a:t>
-            </a:r>
-            <a:endParaRPr lang="en-US" dirty="0"/>
-          </a:p>
-        </p:txBody>
-      </p:sp>
-    </p:spTree>
-    <p:extLst>
-      <p:ext uri="{BB962C8B-B14F-4D97-AF65-F5344CB8AC3E}">
-        <p14:creationId xmlns:p14="http://schemas.microsoft.com/office/powerpoint/2010/main" val="1085592270"/>
-      </p:ext>
-    </p:extLst>
-  </p:cSld>
-  <p:clrMapOvr>
-    <a:masterClrMapping/>
-  </p:clrMapOvr>
-  <p:transition spd="med"/>
-</p:sld>
-</file>
-
-<file path=ppt/slides/slide8.xml><?xml version="1.0" encoding="utf-8"?>
-<p:sld xmlns:a="http://schemas.openxmlformats.org/drawingml/2006/main" xmlns:r="http://schemas.openxmlformats.org/officeDocument/2006/relationships" xmlns:p="http://schemas.openxmlformats.org/presentationml/2006/main">
-  <p:cSld>
-    <p:spTree>
-      <p:nvGrpSpPr>
-        <p:cNvPr id="1" name=""/>
-        <p:cNvGrpSpPr/>
-        <p:nvPr/>
-      </p:nvGrpSpPr>
-      <p:grpSpPr>
-        <a:xfrm>
-          <a:off x="0" y="0"/>
-          <a:ext cx="0" cy="0"/>
-          <a:chOff x="0" y="0"/>
-          <a:chExt cx="0" cy="0"/>
-        </a:xfrm>
-      </p:grpSpPr>
-      <p:sp>
-        <p:nvSpPr>
-          <p:cNvPr id="2" name="Subtitle 1"/>
+          <p:cNvPr id="3" name="Content Placeholder 2"/>
           <p:cNvSpPr>
             <a:spLocks noGrp="1"/>
           </p:cNvSpPr>
           <p:nvPr>
-            <p:ph type="subTitle" idx="1"/>
-          </p:nvPr>
-        </p:nvSpPr>
-        <p:spPr>
-          <a:xfrm>
-            <a:off x="365760" y="3312794"/>
-            <a:ext cx="8412480" cy="3088005"/>
-          </a:xfrm>
-        </p:spPr>
-        <p:txBody>
-          <a:bodyPr/>
-          <a:lstStyle/>
-          <a:p>
-            <a:r>
-              <a:rPr lang="en-US" dirty="0" smtClean="0"/>
-              <a:t>Remember to set the TX and RX pins too!</a:t>
-            </a:r>
-            <a:endParaRPr lang="en-US" dirty="0"/>
-          </a:p>
-        </p:txBody>
-      </p:sp>
-      <p:sp>
-        <p:nvSpPr>
-          <p:cNvPr id="3" name="Title 2"/>
-          <p:cNvSpPr>
-            <a:spLocks noGrp="1"/>
-          </p:cNvSpPr>
-          <p:nvPr>
-            <p:ph type="title"/>
+            <p:ph idx="1"/>
           </p:nvPr>
         </p:nvSpPr>
         <p:spPr/>
@@ -19463,10 +20051,17 @@
           <a:lstStyle/>
           <a:p>
             <a:r>
-              <a:rPr lang="en-US" dirty="0" smtClean="0"/>
-              <a:t>Setup</a:t>
-            </a:r>
-            <a:endParaRPr lang="en-US" dirty="0"/>
+              <a:rPr lang="en-US" dirty="0"/>
+              <a:t>RS-485 supports inexpensive local networks and </a:t>
+            </a:r>
+            <a:r>
+              <a:rPr lang="en-US" dirty="0" err="1"/>
+              <a:t>multidrop</a:t>
+            </a:r>
+            <a:r>
+              <a:rPr lang="en-US" dirty="0"/>
+              <a:t> communications links, using the same differential signaling over twisted pair </a:t>
+            </a:r>
           </a:p>
         </p:txBody>
       </p:sp>
@@ -19486,94 +20081,8 @@
         </p:blipFill>
         <p:spPr>
           <a:xfrm>
-            <a:off x="1456340" y="1463040"/>
-            <a:ext cx="6057900" cy="1666875"/>
-          </a:xfrm>
-          <a:prstGeom prst="rect">
-            <a:avLst/>
-          </a:prstGeom>
-        </p:spPr>
-      </p:pic>
-    </p:spTree>
-    <p:extLst>
-      <p:ext uri="{BB962C8B-B14F-4D97-AF65-F5344CB8AC3E}">
-        <p14:creationId xmlns:p14="http://schemas.microsoft.com/office/powerpoint/2010/main" val="2539437024"/>
-      </p:ext>
-    </p:extLst>
-  </p:cSld>
-  <p:clrMapOvr>
-    <a:masterClrMapping/>
-  </p:clrMapOvr>
-  <p:transition spd="med"/>
-</p:sld>
-</file>
-
-<file path=ppt/slides/slide9.xml><?xml version="1.0" encoding="utf-8"?>
-<p:sld xmlns:a="http://schemas.openxmlformats.org/drawingml/2006/main" xmlns:r="http://schemas.openxmlformats.org/officeDocument/2006/relationships" xmlns:p="http://schemas.openxmlformats.org/presentationml/2006/main">
-  <p:cSld>
-    <p:spTree>
-      <p:nvGrpSpPr>
-        <p:cNvPr id="1" name=""/>
-        <p:cNvGrpSpPr/>
-        <p:nvPr/>
-      </p:nvGrpSpPr>
-      <p:grpSpPr>
-        <a:xfrm>
-          <a:off x="0" y="0"/>
-          <a:ext cx="0" cy="0"/>
-          <a:chOff x="0" y="0"/>
-          <a:chExt cx="0" cy="0"/>
-        </a:xfrm>
-      </p:grpSpPr>
-      <p:sp>
-        <p:nvSpPr>
-          <p:cNvPr id="3" name="Title 2"/>
-          <p:cNvSpPr>
-            <a:spLocks noGrp="1"/>
-          </p:cNvSpPr>
-          <p:nvPr>
-            <p:ph type="title"/>
-          </p:nvPr>
-        </p:nvSpPr>
-        <p:spPr/>
-        <p:txBody>
-          <a:bodyPr/>
-          <a:lstStyle/>
-          <a:p>
-            <a:r>
-              <a:rPr lang="en-US" dirty="0" smtClean="0"/>
-              <a:t>UART </a:t>
-            </a:r>
-            <a:r>
-              <a:rPr lang="en-US" dirty="0" err="1" smtClean="0"/>
-              <a:t>Datarate</a:t>
-            </a:r>
-            <a:r>
-              <a:rPr lang="en-US" dirty="0" smtClean="0"/>
-              <a:t> Settings</a:t>
-            </a:r>
-            <a:endParaRPr lang="en-US" dirty="0"/>
-          </a:p>
-        </p:txBody>
-      </p:sp>
-      <p:pic>
-        <p:nvPicPr>
-          <p:cNvPr id="4" name="Picture 3"/>
-          <p:cNvPicPr>
-            <a:picLocks noChangeAspect="1"/>
-          </p:cNvPicPr>
-          <p:nvPr/>
-        </p:nvPicPr>
-        <p:blipFill>
-          <a:blip r:embed="rId2"/>
-          <a:stretch>
-            <a:fillRect/>
-          </a:stretch>
-        </p:blipFill>
-        <p:spPr>
-          <a:xfrm>
-            <a:off x="165373" y="1652423"/>
-            <a:ext cx="6905625" cy="4514850"/>
+            <a:off x="1318436" y="3370521"/>
+            <a:ext cx="6230679" cy="1557670"/>
           </a:xfrm>
           <a:prstGeom prst="rect">
             <a:avLst/>
@@ -19582,82 +20091,139 @@
       </p:pic>
       <p:sp>
         <p:nvSpPr>
-          <p:cNvPr id="5" name="Rectangle 4"/>
+          <p:cNvPr id="5" name="TextBox 4"/>
+          <p:cNvSpPr txBox="1"/>
+          <p:nvPr/>
+        </p:nvSpPr>
+        <p:spPr>
+          <a:xfrm>
+            <a:off x="1265274" y="4284921"/>
+            <a:ext cx="1039067" cy="461665"/>
+          </a:xfrm>
+          <a:prstGeom prst="rect">
+            <a:avLst/>
+          </a:prstGeom>
+          <a:noFill/>
+        </p:spPr>
+        <p:txBody>
+          <a:bodyPr wrap="none" rtlCol="0">
+            <a:spAutoFit/>
+          </a:bodyPr>
+          <a:lstStyle/>
+          <a:p>
+            <a:r>
+              <a:rPr lang="en-US" dirty="0" smtClean="0"/>
+              <a:t>Master</a:t>
+            </a:r>
+            <a:endParaRPr lang="en-US" dirty="0"/>
+          </a:p>
+        </p:txBody>
+      </p:sp>
+      <p:sp>
+        <p:nvSpPr>
+          <p:cNvPr id="6" name="TextBox 5"/>
+          <p:cNvSpPr txBox="1"/>
+          <p:nvPr/>
+        </p:nvSpPr>
+        <p:spPr>
+          <a:xfrm>
+            <a:off x="3152553" y="4832498"/>
+            <a:ext cx="867545" cy="461665"/>
+          </a:xfrm>
+          <a:prstGeom prst="rect">
+            <a:avLst/>
+          </a:prstGeom>
+          <a:noFill/>
+        </p:spPr>
+        <p:txBody>
+          <a:bodyPr wrap="none" rtlCol="0">
+            <a:spAutoFit/>
+          </a:bodyPr>
+          <a:lstStyle/>
+          <a:p>
+            <a:r>
+              <a:rPr lang="en-US" dirty="0" smtClean="0"/>
+              <a:t>Slave</a:t>
+            </a:r>
+            <a:endParaRPr lang="en-US" dirty="0"/>
+          </a:p>
+        </p:txBody>
+      </p:sp>
+      <p:sp>
+        <p:nvSpPr>
+          <p:cNvPr id="7" name="TextBox 6"/>
+          <p:cNvSpPr txBox="1"/>
+          <p:nvPr/>
+        </p:nvSpPr>
+        <p:spPr>
+          <a:xfrm>
+            <a:off x="6585097" y="4054088"/>
+            <a:ext cx="867545" cy="461665"/>
+          </a:xfrm>
+          <a:prstGeom prst="rect">
+            <a:avLst/>
+          </a:prstGeom>
+          <a:noFill/>
+        </p:spPr>
+        <p:txBody>
+          <a:bodyPr wrap="none" rtlCol="0">
+            <a:spAutoFit/>
+          </a:bodyPr>
+          <a:lstStyle/>
+          <a:p>
+            <a:r>
+              <a:rPr lang="en-US" dirty="0" smtClean="0"/>
+              <a:t>Slave</a:t>
+            </a:r>
+            <a:endParaRPr lang="en-US" dirty="0"/>
+          </a:p>
+        </p:txBody>
+      </p:sp>
+      <p:sp>
+        <p:nvSpPr>
+          <p:cNvPr id="8" name="TextBox 7"/>
+          <p:cNvSpPr txBox="1"/>
+          <p:nvPr/>
+        </p:nvSpPr>
+        <p:spPr>
+          <a:xfrm>
+            <a:off x="4786423" y="4832497"/>
+            <a:ext cx="867545" cy="461665"/>
+          </a:xfrm>
+          <a:prstGeom prst="rect">
+            <a:avLst/>
+          </a:prstGeom>
+          <a:noFill/>
+        </p:spPr>
+        <p:txBody>
+          <a:bodyPr wrap="none" rtlCol="0">
+            <a:spAutoFit/>
+          </a:bodyPr>
+          <a:lstStyle/>
+          <a:p>
+            <a:r>
+              <a:rPr lang="en-US" dirty="0" smtClean="0"/>
+              <a:t>Slave</a:t>
+            </a:r>
+            <a:endParaRPr lang="en-US" dirty="0"/>
+          </a:p>
+        </p:txBody>
+      </p:sp>
+      <p:sp>
+        <p:nvSpPr>
+          <p:cNvPr id="9" name="Rectangular Callout 8"/>
           <p:cNvSpPr/>
           <p:nvPr/>
         </p:nvSpPr>
         <p:spPr bwMode="auto">
           <a:xfrm>
-            <a:off x="291662" y="4382814"/>
-            <a:ext cx="6700346" cy="1324304"/>
-          </a:xfrm>
-          <a:prstGeom prst="rect">
-            <a:avLst/>
-          </a:prstGeom>
-          <a:noFill/>
-          <a:ln w="50800" cap="flat" cmpd="sng" algn="ctr">
-            <a:solidFill>
-              <a:srgbClr val="FF0000"/>
-            </a:solidFill>
-            <a:prstDash val="solid"/>
-            <a:round/>
-            <a:headEnd type="none" w="med" len="med"/>
-            <a:tailEnd type="none" w="med" len="med"/>
-          </a:ln>
-          <a:effectLst/>
-        </p:spPr>
-        <p:txBody>
-          <a:bodyPr vert="horz" wrap="square" lIns="91440" tIns="45720" rIns="91440" bIns="45720" numCol="1" rtlCol="0" anchor="t" anchorCtr="0" compatLnSpc="1">
-            <a:prstTxWarp prst="textNoShape">
-              <a:avLst/>
-            </a:prstTxWarp>
-          </a:bodyPr>
-          <a:lstStyle/>
-          <a:p>
-            <a:pPr marL="0" marR="0" indent="0" algn="ctr" defTabSz="914400" rtl="0" eaLnBrk="0" fontAlgn="base" latinLnBrk="0" hangingPunct="0">
-              <a:lnSpc>
-                <a:spcPct val="100000"/>
-              </a:lnSpc>
-              <a:spcBef>
-                <a:spcPct val="0"/>
-              </a:spcBef>
-              <a:spcAft>
-                <a:spcPct val="0"/>
-              </a:spcAft>
-              <a:buClrTx/>
-              <a:buSzTx/>
-              <a:buFontTx/>
-              <a:buNone/>
-              <a:tabLst/>
-            </a:pPr>
-            <a:endParaRPr kumimoji="0" lang="en-US" sz="1600" b="0" i="0" u="none" strike="noStrike" cap="none" normalizeH="0" baseline="0" smtClean="0">
-              <a:ln>
-                <a:noFill/>
-              </a:ln>
-              <a:solidFill>
-                <a:schemeClr val="tx1"/>
-              </a:solidFill>
-              <a:effectLst/>
-              <a:latin typeface="Arial" charset="0"/>
-            </a:endParaRPr>
-          </a:p>
-        </p:txBody>
-      </p:sp>
-      <p:sp>
-        <p:nvSpPr>
-          <p:cNvPr id="6" name="Rectangular Callout 5"/>
-          <p:cNvSpPr/>
-          <p:nvPr/>
-        </p:nvSpPr>
-        <p:spPr bwMode="auto">
-          <a:xfrm>
-            <a:off x="7252138" y="4516820"/>
-            <a:ext cx="1773621" cy="819807"/>
+            <a:off x="365760" y="5162108"/>
+            <a:ext cx="2324277" cy="1084521"/>
           </a:xfrm>
           <a:prstGeom prst="wedgeRectCallout">
             <a:avLst>
-              <a:gd name="adj1" fmla="val -64833"/>
-              <a:gd name="adj2" fmla="val 18156"/>
+              <a:gd name="adj1" fmla="val 6386"/>
+              <a:gd name="adj2" fmla="val -93382"/>
             </a:avLst>
           </a:prstGeom>
           <a:solidFill>
@@ -19709,7 +20275,20 @@
                 <a:effectLst/>
                 <a:latin typeface="Arial" charset="0"/>
               </a:rPr>
-              <a:t>Common serial data rates for a 1MHz clock</a:t>
+              <a:t>This is actually diagram</a:t>
+            </a:r>
+            <a:r>
+              <a:rPr kumimoji="0" lang="en-US" sz="1600" b="0" i="0" u="none" strike="noStrike" cap="none" normalizeH="0" dirty="0" smtClean="0">
+                <a:ln>
+                  <a:noFill/>
+                </a:ln>
+                <a:solidFill>
+                  <a:schemeClr val="tx1"/>
+                </a:solidFill>
+                <a:effectLst/>
+                <a:latin typeface="Arial" charset="0"/>
+              </a:rPr>
+              <a:t> for how to hook up a Raspberry Pi to a 485 network</a:t>
             </a:r>
             <a:endParaRPr kumimoji="0" lang="en-US" sz="1600" b="0" i="0" u="none" strike="noStrike" cap="none" normalizeH="0" baseline="0" dirty="0" smtClean="0">
               <a:ln>
@@ -19727,14 +20306,224 @@
     </p:spTree>
     <p:extLst>
       <p:ext uri="{BB962C8B-B14F-4D97-AF65-F5344CB8AC3E}">
-        <p14:creationId xmlns:p14="http://schemas.microsoft.com/office/powerpoint/2010/main" val="3340594233"/>
+        <p14:creationId xmlns:p14="http://schemas.microsoft.com/office/powerpoint/2010/main" val="865595954"/>
       </p:ext>
     </p:extLst>
   </p:cSld>
   <p:clrMapOvr>
     <a:masterClrMapping/>
   </p:clrMapOvr>
-  <p:transition spd="med"/>
+</p:sld>
+</file>
+
+<file path=ppt/slides/slide8.xml><?xml version="1.0" encoding="utf-8"?>
+<p:sld xmlns:a="http://schemas.openxmlformats.org/drawingml/2006/main" xmlns:r="http://schemas.openxmlformats.org/officeDocument/2006/relationships" xmlns:p="http://schemas.openxmlformats.org/presentationml/2006/main">
+  <p:cSld>
+    <p:spTree>
+      <p:nvGrpSpPr>
+        <p:cNvPr id="1" name=""/>
+        <p:cNvGrpSpPr/>
+        <p:nvPr/>
+      </p:nvGrpSpPr>
+      <p:grpSpPr>
+        <a:xfrm>
+          <a:off x="0" y="0"/>
+          <a:ext cx="0" cy="0"/>
+          <a:chOff x="0" y="0"/>
+          <a:chExt cx="0" cy="0"/>
+        </a:xfrm>
+      </p:grpSpPr>
+      <p:sp>
+        <p:nvSpPr>
+          <p:cNvPr id="2" name="Title 1"/>
+          <p:cNvSpPr>
+            <a:spLocks noGrp="1"/>
+          </p:cNvSpPr>
+          <p:nvPr>
+            <p:ph type="title"/>
+          </p:nvPr>
+        </p:nvSpPr>
+        <p:spPr/>
+        <p:txBody>
+          <a:bodyPr/>
+          <a:lstStyle/>
+          <a:p>
+            <a:r>
+              <a:rPr lang="en-US" dirty="0" smtClean="0"/>
+              <a:t>MIL-STD-1553</a:t>
+            </a:r>
+            <a:endParaRPr lang="en-US" dirty="0"/>
+          </a:p>
+        </p:txBody>
+      </p:sp>
+      <p:sp>
+        <p:nvSpPr>
+          <p:cNvPr id="3" name="Content Placeholder 2"/>
+          <p:cNvSpPr>
+            <a:spLocks noGrp="1"/>
+          </p:cNvSpPr>
+          <p:nvPr>
+            <p:ph idx="1"/>
+          </p:nvPr>
+        </p:nvSpPr>
+        <p:spPr/>
+        <p:txBody>
+          <a:bodyPr/>
+          <a:lstStyle/>
+          <a:p>
+            <a:r>
+              <a:rPr lang="en-US" sz="2000" dirty="0"/>
+              <a:t>MIL-STD-1553 is a military standard </a:t>
+            </a:r>
+            <a:r>
+              <a:rPr lang="en-US" sz="2000" dirty="0" smtClean="0"/>
+              <a:t>that </a:t>
+            </a:r>
+            <a:r>
+              <a:rPr lang="en-US" sz="2000" dirty="0"/>
+              <a:t>defines the mechanical, electrical, and functional characteristics of a serial data bus. It </a:t>
+            </a:r>
+            <a:r>
+              <a:rPr lang="en-US" sz="2000" dirty="0" smtClean="0"/>
+              <a:t>is used </a:t>
+            </a:r>
+            <a:r>
+              <a:rPr lang="en-US" sz="2000" dirty="0"/>
+              <a:t>in </a:t>
+            </a:r>
+            <a:r>
+              <a:rPr lang="en-US" sz="2000" dirty="0" smtClean="0"/>
+              <a:t>aircraft and spacecraft </a:t>
+            </a:r>
+            <a:r>
+              <a:rPr lang="en-US" sz="2000" dirty="0"/>
+              <a:t>on-board data handling (OBDH) </a:t>
+            </a:r>
+            <a:r>
+              <a:rPr lang="en-US" sz="2000" dirty="0" smtClean="0"/>
+              <a:t>subsystems. </a:t>
+            </a:r>
+            <a:r>
+              <a:rPr lang="en-US" sz="2000" dirty="0"/>
+              <a:t>It features multiple (commonly dual) redundant balanced line physical layers, a (differential) network interface, time division multiplexing, half-duplex command/response protocol, and can handle up to 30 Remote Terminals (devices).</a:t>
+            </a:r>
+          </a:p>
+        </p:txBody>
+      </p:sp>
+      <p:pic>
+        <p:nvPicPr>
+          <p:cNvPr id="4" name="Picture 3"/>
+          <p:cNvPicPr>
+            <a:picLocks noChangeAspect="1"/>
+          </p:cNvPicPr>
+          <p:nvPr/>
+        </p:nvPicPr>
+        <p:blipFill>
+          <a:blip r:embed="rId2"/>
+          <a:stretch>
+            <a:fillRect/>
+          </a:stretch>
+        </p:blipFill>
+        <p:spPr>
+          <a:xfrm>
+            <a:off x="2430198" y="3636335"/>
+            <a:ext cx="4178380" cy="2656256"/>
+          </a:xfrm>
+          <a:prstGeom prst="rect">
+            <a:avLst/>
+          </a:prstGeom>
+        </p:spPr>
+      </p:pic>
+    </p:spTree>
+    <p:extLst>
+      <p:ext uri="{BB962C8B-B14F-4D97-AF65-F5344CB8AC3E}">
+        <p14:creationId xmlns:p14="http://schemas.microsoft.com/office/powerpoint/2010/main" val="3516339271"/>
+      </p:ext>
+    </p:extLst>
+  </p:cSld>
+  <p:clrMapOvr>
+    <a:masterClrMapping/>
+  </p:clrMapOvr>
+</p:sld>
+</file>
+
+<file path=ppt/slides/slide9.xml><?xml version="1.0" encoding="utf-8"?>
+<p:sld xmlns:a="http://schemas.openxmlformats.org/drawingml/2006/main" xmlns:r="http://schemas.openxmlformats.org/officeDocument/2006/relationships" xmlns:p="http://schemas.openxmlformats.org/presentationml/2006/main">
+  <p:cSld>
+    <p:spTree>
+      <p:nvGrpSpPr>
+        <p:cNvPr id="1" name=""/>
+        <p:cNvGrpSpPr/>
+        <p:nvPr/>
+      </p:nvGrpSpPr>
+      <p:grpSpPr>
+        <a:xfrm>
+          <a:off x="0" y="0"/>
+          <a:ext cx="0" cy="0"/>
+          <a:chOff x="0" y="0"/>
+          <a:chExt cx="0" cy="0"/>
+        </a:xfrm>
+      </p:grpSpPr>
+      <p:sp>
+        <p:nvSpPr>
+          <p:cNvPr id="6" name="Title 5"/>
+          <p:cNvSpPr>
+            <a:spLocks noGrp="1"/>
+          </p:cNvSpPr>
+          <p:nvPr>
+            <p:ph type="title"/>
+          </p:nvPr>
+        </p:nvSpPr>
+        <p:spPr/>
+        <p:txBody>
+          <a:bodyPr/>
+          <a:lstStyle/>
+          <a:p>
+            <a:r>
+              <a:rPr lang="en-US" dirty="0" smtClean="0"/>
+              <a:t>UART</a:t>
+            </a:r>
+            <a:endParaRPr lang="en-US" dirty="0"/>
+          </a:p>
+        </p:txBody>
+      </p:sp>
+      <p:sp>
+        <p:nvSpPr>
+          <p:cNvPr id="7" name="Text Placeholder 6"/>
+          <p:cNvSpPr>
+            <a:spLocks noGrp="1"/>
+          </p:cNvSpPr>
+          <p:nvPr>
+            <p:ph type="body" idx="1"/>
+          </p:nvPr>
+        </p:nvSpPr>
+        <p:spPr/>
+        <p:txBody>
+          <a:bodyPr/>
+          <a:lstStyle/>
+          <a:p>
+            <a:endParaRPr lang="en-US"/>
+          </a:p>
+        </p:txBody>
+      </p:sp>
+    </p:spTree>
+    <p:extLst>
+      <p:ext uri="{BB962C8B-B14F-4D97-AF65-F5344CB8AC3E}">
+        <p14:creationId xmlns:p14="http://schemas.microsoft.com/office/powerpoint/2010/main" val="3838308145"/>
+      </p:ext>
+    </p:extLst>
+  </p:cSld>
+  <p:clrMapOvr>
+    <a:masterClrMapping/>
+  </p:clrMapOvr>
+  <mc:AlternateContent xmlns:mc="http://schemas.openxmlformats.org/markup-compatibility/2006" xmlns:p14="http://schemas.microsoft.com/office/powerpoint/2010/main">
+    <mc:Choice Requires="p14">
+      <p:transition spd="slow" p14:dur="2000"/>
+    </mc:Choice>
+    <mc:Fallback xmlns="">
+      <p:transition spd="slow"/>
+    </mc:Fallback>
+  </mc:AlternateContent>
 </p:sld>
 </file>
 

--- a/source/lessons/lsn26-27-28/Lsn26-27-28.pptx
+++ b/source/lessons/lsn26-27-28/Lsn26-27-28.pptx
@@ -7,10 +7,10 @@
     <p:sldMasterId id="2147483667" r:id="rId3"/>
   </p:sldMasterIdLst>
   <p:notesMasterIdLst>
-    <p:notesMasterId r:id="rId45"/>
+    <p:notesMasterId r:id="rId46"/>
   </p:notesMasterIdLst>
   <p:handoutMasterIdLst>
-    <p:handoutMasterId r:id="rId46"/>
+    <p:handoutMasterId r:id="rId47"/>
   </p:handoutMasterIdLst>
   <p:sldIdLst>
     <p:sldId id="352" r:id="rId4"/>
@@ -50,10 +50,11 @@
     <p:sldId id="385" r:id="rId38"/>
     <p:sldId id="386" r:id="rId39"/>
     <p:sldId id="376" r:id="rId40"/>
-    <p:sldId id="392" r:id="rId41"/>
-    <p:sldId id="393" r:id="rId42"/>
-    <p:sldId id="394" r:id="rId43"/>
-    <p:sldId id="353" r:id="rId44"/>
+    <p:sldId id="395" r:id="rId41"/>
+    <p:sldId id="392" r:id="rId42"/>
+    <p:sldId id="393" r:id="rId43"/>
+    <p:sldId id="394" r:id="rId44"/>
+    <p:sldId id="353" r:id="rId45"/>
   </p:sldIdLst>
   <p:sldSz cx="9144000" cy="6858000" type="screen4x3"/>
   <p:notesSz cx="7010400" cy="9296400"/>
@@ -1414,7 +1415,7 @@
           <a:p>
             <a:fld id="{834513E8-165F-4932-9E2D-FD497CB9A4FD}" type="datetimeFigureOut">
               <a:rPr lang="en-US" smtClean="0"/>
-              <a:t>8/21/2018</a:t>
+              <a:t>10/15/2018</a:t>
             </a:fld>
             <a:endParaRPr lang="en-US"/>
           </a:p>
@@ -1509,7 +1510,7 @@
           <a:p>
             <a:fld id="{834513E8-165F-4932-9E2D-FD497CB9A4FD}" type="datetimeFigureOut">
               <a:rPr lang="en-US" smtClean="0"/>
-              <a:t>8/21/2018</a:t>
+              <a:t>10/15/2018</a:t>
             </a:fld>
             <a:endParaRPr lang="en-US"/>
           </a:p>
@@ -1786,7 +1787,7 @@
           <a:p>
             <a:fld id="{834513E8-165F-4932-9E2D-FD497CB9A4FD}" type="datetimeFigureOut">
               <a:rPr lang="en-US" smtClean="0"/>
-              <a:t>8/21/2018</a:t>
+              <a:t>10/15/2018</a:t>
             </a:fld>
             <a:endParaRPr lang="en-US"/>
           </a:p>
@@ -2039,7 +2040,7 @@
           <a:p>
             <a:fld id="{834513E8-165F-4932-9E2D-FD497CB9A4FD}" type="datetimeFigureOut">
               <a:rPr lang="en-US" smtClean="0"/>
-              <a:t>8/21/2018</a:t>
+              <a:t>10/15/2018</a:t>
             </a:fld>
             <a:endParaRPr lang="en-US"/>
           </a:p>
@@ -2209,7 +2210,7 @@
           <a:p>
             <a:fld id="{834513E8-165F-4932-9E2D-FD497CB9A4FD}" type="datetimeFigureOut">
               <a:rPr lang="en-US" smtClean="0"/>
-              <a:t>8/21/2018</a:t>
+              <a:t>10/15/2018</a:t>
             </a:fld>
             <a:endParaRPr lang="en-US"/>
           </a:p>
@@ -2389,7 +2390,7 @@
           <a:p>
             <a:fld id="{834513E8-165F-4932-9E2D-FD497CB9A4FD}" type="datetimeFigureOut">
               <a:rPr lang="en-US" smtClean="0"/>
-              <a:t>8/21/2018</a:t>
+              <a:t>10/15/2018</a:t>
             </a:fld>
             <a:endParaRPr lang="en-US"/>
           </a:p>
@@ -3195,7 +3196,7 @@
           <a:p>
             <a:fld id="{834513E8-165F-4932-9E2D-FD497CB9A4FD}" type="datetimeFigureOut">
               <a:rPr lang="en-US" smtClean="0"/>
-              <a:t>8/21/2018</a:t>
+              <a:t>10/15/2018</a:t>
             </a:fld>
             <a:endParaRPr lang="en-US"/>
           </a:p>
@@ -3395,7 +3396,7 @@
           <a:p>
             <a:fld id="{834513E8-165F-4932-9E2D-FD497CB9A4FD}" type="datetimeFigureOut">
               <a:rPr lang="en-US" smtClean="0"/>
-              <a:t>8/21/2018</a:t>
+              <a:t>10/15/2018</a:t>
             </a:fld>
             <a:endParaRPr lang="en-US"/>
           </a:p>
@@ -3565,7 +3566,7 @@
           <a:p>
             <a:fld id="{834513E8-165F-4932-9E2D-FD497CB9A4FD}" type="datetimeFigureOut">
               <a:rPr lang="en-US" smtClean="0"/>
-              <a:t>8/21/2018</a:t>
+              <a:t>10/15/2018</a:t>
             </a:fld>
             <a:endParaRPr lang="en-US"/>
           </a:p>
@@ -3811,7 +3812,7 @@
           <a:p>
             <a:fld id="{834513E8-165F-4932-9E2D-FD497CB9A4FD}" type="datetimeFigureOut">
               <a:rPr lang="en-US" smtClean="0"/>
-              <a:t>8/21/2018</a:t>
+              <a:t>10/15/2018</a:t>
             </a:fld>
             <a:endParaRPr lang="en-US"/>
           </a:p>
@@ -4043,7 +4044,7 @@
           <a:p>
             <a:fld id="{834513E8-165F-4932-9E2D-FD497CB9A4FD}" type="datetimeFigureOut">
               <a:rPr lang="en-US" smtClean="0"/>
-              <a:t>8/21/2018</a:t>
+              <a:t>10/15/2018</a:t>
             </a:fld>
             <a:endParaRPr lang="en-US"/>
           </a:p>
@@ -4410,7 +4411,7 @@
           <a:p>
             <a:fld id="{834513E8-165F-4932-9E2D-FD497CB9A4FD}" type="datetimeFigureOut">
               <a:rPr lang="en-US" smtClean="0"/>
-              <a:t>8/21/2018</a:t>
+              <a:t>10/15/2018</a:t>
             </a:fld>
             <a:endParaRPr lang="en-US"/>
           </a:p>
@@ -6227,7 +6228,7 @@
           <a:p>
             <a:fld id="{834513E8-165F-4932-9E2D-FD497CB9A4FD}" type="datetimeFigureOut">
               <a:rPr lang="en-US" smtClean="0"/>
-              <a:t>8/21/2018</a:t>
+              <a:t>10/15/2018</a:t>
             </a:fld>
             <a:endParaRPr lang="en-US"/>
           </a:p>
@@ -8439,11 +8440,7 @@
           <a:p>
             <a:r>
               <a:rPr lang="en-US" sz="2400" dirty="0" smtClean="0"/>
-              <a:t>Configurable </a:t>
-            </a:r>
-            <a:r>
-              <a:rPr lang="en-US" sz="2400" dirty="0" smtClean="0"/>
-              <a:t>Elements:</a:t>
+              <a:t>Configurable Elements:</a:t>
             </a:r>
           </a:p>
           <a:p>
@@ -15371,11 +15368,7 @@
           <a:p>
             <a:r>
               <a:rPr lang="en-US" dirty="0" smtClean="0"/>
-              <a:t>Example SPI </a:t>
-            </a:r>
-            <a:r>
-              <a:rPr lang="en-US" dirty="0" smtClean="0"/>
-              <a:t>Setup</a:t>
+              <a:t>Example SPI Setup</a:t>
             </a:r>
             <a:endParaRPr lang="en-US" dirty="0"/>
           </a:p>
@@ -19315,6 +19308,184 @@
       </p:grpSpPr>
       <p:sp>
         <p:nvSpPr>
+          <p:cNvPr id="2" name="Title 1"/>
+          <p:cNvSpPr>
+            <a:spLocks noGrp="1"/>
+          </p:cNvSpPr>
+          <p:nvPr>
+            <p:ph type="title"/>
+          </p:nvPr>
+        </p:nvSpPr>
+        <p:spPr/>
+        <p:txBody>
+          <a:bodyPr/>
+          <a:lstStyle/>
+          <a:p>
+            <a:r>
+              <a:rPr lang="en-US" dirty="0" smtClean="0"/>
+              <a:t>I2C Sensors</a:t>
+            </a:r>
+            <a:endParaRPr lang="en-US" dirty="0"/>
+          </a:p>
+        </p:txBody>
+      </p:sp>
+      <p:sp>
+        <p:nvSpPr>
+          <p:cNvPr id="3" name="Content Placeholder 2"/>
+          <p:cNvSpPr>
+            <a:spLocks noGrp="1"/>
+          </p:cNvSpPr>
+          <p:nvPr>
+            <p:ph idx="1"/>
+          </p:nvPr>
+        </p:nvSpPr>
+        <p:spPr/>
+        <p:txBody>
+          <a:bodyPr/>
+          <a:lstStyle/>
+          <a:p>
+            <a:r>
+              <a:rPr lang="en-US" dirty="0" smtClean="0"/>
+              <a:t>I2C is common protocol for embedded systems </a:t>
+            </a:r>
+          </a:p>
+          <a:p>
+            <a:r>
+              <a:rPr lang="en-US" dirty="0" smtClean="0"/>
+              <a:t>Common applications:</a:t>
+            </a:r>
+          </a:p>
+          <a:p>
+            <a:pPr lvl="1"/>
+            <a:r>
+              <a:rPr lang="en-US" dirty="0" smtClean="0"/>
+              <a:t>Camera adjustments</a:t>
+            </a:r>
+          </a:p>
+          <a:p>
+            <a:pPr lvl="1"/>
+            <a:r>
+              <a:rPr lang="en-US" dirty="0" smtClean="0"/>
+              <a:t>Inertial measurement units</a:t>
+            </a:r>
+          </a:p>
+          <a:p>
+            <a:pPr lvl="1"/>
+            <a:r>
+              <a:rPr lang="en-US" dirty="0" smtClean="0"/>
+              <a:t>Temperature sensors</a:t>
+            </a:r>
+          </a:p>
+          <a:p>
+            <a:pPr lvl="1"/>
+            <a:r>
+              <a:rPr lang="en-US" dirty="0" smtClean="0"/>
+              <a:t>Pressure sensors</a:t>
+            </a:r>
+          </a:p>
+          <a:p>
+            <a:pPr lvl="1"/>
+            <a:r>
+              <a:rPr lang="en-US" dirty="0" smtClean="0"/>
+              <a:t>EEPROM</a:t>
+            </a:r>
+          </a:p>
+          <a:p>
+            <a:pPr lvl="1"/>
+            <a:r>
+              <a:rPr lang="en-US" dirty="0" err="1" smtClean="0"/>
+              <a:t>etc</a:t>
+            </a:r>
+            <a:endParaRPr lang="en-US" dirty="0"/>
+          </a:p>
+        </p:txBody>
+      </p:sp>
+      <p:pic>
+        <p:nvPicPr>
+          <p:cNvPr id="4" name="Picture 3"/>
+          <p:cNvPicPr>
+            <a:picLocks noChangeAspect="1"/>
+          </p:cNvPicPr>
+          <p:nvPr/>
+        </p:nvPicPr>
+        <p:blipFill>
+          <a:blip r:embed="rId2"/>
+          <a:stretch>
+            <a:fillRect/>
+          </a:stretch>
+        </p:blipFill>
+        <p:spPr>
+          <a:xfrm>
+            <a:off x="6267993" y="1928123"/>
+            <a:ext cx="2510247" cy="1883979"/>
+          </a:xfrm>
+          <a:prstGeom prst="rect">
+            <a:avLst/>
+          </a:prstGeom>
+        </p:spPr>
+      </p:pic>
+      <p:sp>
+        <p:nvSpPr>
+          <p:cNvPr id="5" name="TextBox 4"/>
+          <p:cNvSpPr txBox="1"/>
+          <p:nvPr/>
+        </p:nvSpPr>
+        <p:spPr>
+          <a:xfrm>
+            <a:off x="6089069" y="3812102"/>
+            <a:ext cx="2868093" cy="461665"/>
+          </a:xfrm>
+          <a:prstGeom prst="rect">
+            <a:avLst/>
+          </a:prstGeom>
+          <a:noFill/>
+        </p:spPr>
+        <p:txBody>
+          <a:bodyPr wrap="none" rtlCol="0">
+            <a:spAutoFit/>
+          </a:bodyPr>
+          <a:lstStyle/>
+          <a:p>
+            <a:r>
+              <a:rPr lang="en-US" dirty="0" smtClean="0"/>
+              <a:t>Cellphone IMU ($14)</a:t>
+            </a:r>
+            <a:endParaRPr lang="en-US" dirty="0"/>
+          </a:p>
+        </p:txBody>
+      </p:sp>
+    </p:spTree>
+    <p:extLst>
+      <p:ext uri="{BB962C8B-B14F-4D97-AF65-F5344CB8AC3E}">
+        <p14:creationId xmlns:p14="http://schemas.microsoft.com/office/powerpoint/2010/main" val="80565112"/>
+      </p:ext>
+    </p:extLst>
+  </p:cSld>
+  <p:clrMapOvr>
+    <a:masterClrMapping/>
+  </p:clrMapOvr>
+</p:sld>
+</file>
+
+<file path=ppt/slides/slide39.xml><?xml version="1.0" encoding="utf-8"?>
+<p:sld xmlns:a="http://schemas.openxmlformats.org/drawingml/2006/main" xmlns:r="http://schemas.openxmlformats.org/officeDocument/2006/relationships" xmlns:p="http://schemas.openxmlformats.org/presentationml/2006/main">
+  <p:cSld>
+    <p:spTree>
+      <p:nvGrpSpPr>
+        <p:cNvPr id="1" name=""/>
+        <p:cNvGrpSpPr/>
+        <p:nvPr/>
+      </p:nvGrpSpPr>
+      <p:grpSpPr>
+        <a:xfrm>
+          <a:off x="0" y="0"/>
+          <a:ext cx="0" cy="0"/>
+          <a:chOff x="0" y="0"/>
+          <a:chExt cx="0" cy="0"/>
+        </a:xfrm>
+      </p:grpSpPr>
+      <p:sp>
+        <p:nvSpPr>
           <p:cNvPr id="4" name="Title 3"/>
           <p:cNvSpPr>
             <a:spLocks noGrp="1"/>
@@ -19447,295 +19618,6 @@
     <p:extLst>
       <p:ext uri="{BB962C8B-B14F-4D97-AF65-F5344CB8AC3E}">
         <p14:creationId xmlns:p14="http://schemas.microsoft.com/office/powerpoint/2010/main" val="4193529361"/>
-      </p:ext>
-    </p:extLst>
-  </p:cSld>
-  <p:clrMapOvr>
-    <a:masterClrMapping/>
-  </p:clrMapOvr>
-  <p:timing>
-    <p:tnLst>
-      <p:par>
-        <p:cTn id="1" dur="indefinite" restart="never" nodeType="tmRoot"/>
-      </p:par>
-    </p:tnLst>
-  </p:timing>
-</p:sld>
-</file>
-
-<file path=ppt/slides/slide39.xml><?xml version="1.0" encoding="utf-8"?>
-<p:sld xmlns:a="http://schemas.openxmlformats.org/drawingml/2006/main" xmlns:r="http://schemas.openxmlformats.org/officeDocument/2006/relationships" xmlns:p="http://schemas.openxmlformats.org/presentationml/2006/main">
-  <p:cSld>
-    <p:spTree>
-      <p:nvGrpSpPr>
-        <p:cNvPr id="1" name=""/>
-        <p:cNvGrpSpPr/>
-        <p:nvPr/>
-      </p:nvGrpSpPr>
-      <p:grpSpPr>
-        <a:xfrm>
-          <a:off x="0" y="0"/>
-          <a:ext cx="0" cy="0"/>
-          <a:chOff x="0" y="0"/>
-          <a:chExt cx="0" cy="0"/>
-        </a:xfrm>
-      </p:grpSpPr>
-      <p:sp>
-        <p:nvSpPr>
-          <p:cNvPr id="2" name="Title 1"/>
-          <p:cNvSpPr>
-            <a:spLocks noGrp="1"/>
-          </p:cNvSpPr>
-          <p:nvPr>
-            <p:ph type="title"/>
-          </p:nvPr>
-        </p:nvSpPr>
-        <p:spPr/>
-        <p:txBody>
-          <a:bodyPr/>
-          <a:lstStyle/>
-          <a:p>
-            <a:r>
-              <a:rPr lang="en-US" dirty="0" smtClean="0"/>
-              <a:t>ICE: UART Serial LCD</a:t>
-            </a:r>
-            <a:endParaRPr lang="en-US" dirty="0"/>
-          </a:p>
-        </p:txBody>
-      </p:sp>
-      <p:sp>
-        <p:nvSpPr>
-          <p:cNvPr id="3" name="Content Placeholder 2"/>
-          <p:cNvSpPr>
-            <a:spLocks noGrp="1"/>
-          </p:cNvSpPr>
-          <p:nvPr>
-            <p:ph idx="1"/>
-          </p:nvPr>
-        </p:nvSpPr>
-        <p:spPr>
-          <a:xfrm>
-            <a:off x="365760" y="1531088"/>
-            <a:ext cx="8412480" cy="4869711"/>
-          </a:xfrm>
-        </p:spPr>
-        <p:txBody>
-          <a:bodyPr/>
-          <a:lstStyle/>
-          <a:p>
-            <a:r>
-              <a:rPr lang="en-US" dirty="0" smtClean="0"/>
-              <a:t>Use the code examples in this lesson to:</a:t>
-            </a:r>
-          </a:p>
-          <a:p>
-            <a:pPr lvl="1"/>
-            <a:r>
-              <a:rPr lang="en-US" dirty="0" smtClean="0"/>
-              <a:t>Setup your MSP430 for serial </a:t>
-            </a:r>
-            <a:r>
-              <a:rPr lang="en-US" dirty="0" err="1" smtClean="0"/>
-              <a:t>comm</a:t>
-            </a:r>
-            <a:endParaRPr lang="en-US" dirty="0" smtClean="0"/>
-          </a:p>
-          <a:p>
-            <a:pPr lvl="2"/>
-            <a:r>
-              <a:rPr lang="en-US" dirty="0" smtClean="0"/>
-              <a:t>9600 bps</a:t>
-            </a:r>
-          </a:p>
-          <a:p>
-            <a:pPr lvl="1"/>
-            <a:r>
-              <a:rPr lang="en-US" dirty="0" smtClean="0"/>
-              <a:t>Have the LCD display “Hello World!”</a:t>
-            </a:r>
-            <a:endParaRPr lang="en-US" dirty="0"/>
-          </a:p>
-        </p:txBody>
-      </p:sp>
-      <p:pic>
-        <p:nvPicPr>
-          <p:cNvPr id="4" name="Picture 3"/>
-          <p:cNvPicPr>
-            <a:picLocks noChangeAspect="1"/>
-          </p:cNvPicPr>
-          <p:nvPr/>
-        </p:nvPicPr>
-        <p:blipFill rotWithShape="1">
-          <a:blip r:embed="rId2"/>
-          <a:srcRect t="12606" b="16976"/>
-          <a:stretch/>
-        </p:blipFill>
-        <p:spPr>
-          <a:xfrm>
-            <a:off x="6046735" y="1928516"/>
-            <a:ext cx="2822945" cy="1987879"/>
-          </a:xfrm>
-          <a:prstGeom prst="rect">
-            <a:avLst/>
-          </a:prstGeom>
-        </p:spPr>
-      </p:pic>
-      <p:sp>
-        <p:nvSpPr>
-          <p:cNvPr id="5" name="Rounded Rectangle 4"/>
-          <p:cNvSpPr/>
-          <p:nvPr/>
-        </p:nvSpPr>
-        <p:spPr bwMode="auto">
-          <a:xfrm>
-            <a:off x="930349" y="4247707"/>
-            <a:ext cx="3455582" cy="414670"/>
-          </a:xfrm>
-          <a:prstGeom prst="roundRect">
-            <a:avLst/>
-          </a:prstGeom>
-          <a:solidFill>
-            <a:srgbClr val="0C2D83"/>
-          </a:solidFill>
-          <a:ln w="12700" cap="flat" cmpd="sng" algn="ctr">
-            <a:solidFill>
-              <a:schemeClr val="tx1"/>
-            </a:solidFill>
-            <a:prstDash val="solid"/>
-            <a:round/>
-            <a:headEnd type="none" w="med" len="med"/>
-            <a:tailEnd type="none" w="med" len="med"/>
-          </a:ln>
-          <a:effectLst/>
-        </p:spPr>
-        <p:txBody>
-          <a:bodyPr vert="horz" wrap="square" lIns="91440" tIns="45720" rIns="91440" bIns="45720" numCol="1" rtlCol="0" anchor="t" anchorCtr="0" compatLnSpc="1">
-            <a:prstTxWarp prst="textNoShape">
-              <a:avLst/>
-            </a:prstTxWarp>
-          </a:bodyPr>
-          <a:lstStyle/>
-          <a:p>
-            <a:pPr marL="0" marR="0" indent="0" algn="ctr" defTabSz="914400" rtl="0" eaLnBrk="0" fontAlgn="base" latinLnBrk="0" hangingPunct="0">
-              <a:lnSpc>
-                <a:spcPct val="100000"/>
-              </a:lnSpc>
-              <a:spcBef>
-                <a:spcPct val="0"/>
-              </a:spcBef>
-              <a:spcAft>
-                <a:spcPct val="0"/>
-              </a:spcAft>
-              <a:buClrTx/>
-              <a:buSzTx/>
-              <a:buFontTx/>
-              <a:buNone/>
-              <a:tabLst/>
-            </a:pPr>
-            <a:r>
-              <a:rPr kumimoji="0" lang="en-US" sz="1600" b="0" i="0" u="none" strike="noStrike" cap="none" normalizeH="0" baseline="0" dirty="0" smtClean="0">
-                <a:ln>
-                  <a:noFill/>
-                </a:ln>
-                <a:solidFill>
-                  <a:schemeClr val="bg1"/>
-                </a:solidFill>
-                <a:effectLst/>
-                <a:latin typeface="Arial" charset="0"/>
-              </a:rPr>
-              <a:t>Picture of setup</a:t>
-            </a:r>
-            <a:endParaRPr kumimoji="0" lang="en-US" sz="1600" b="0" i="0" u="none" strike="noStrike" cap="none" normalizeH="0" baseline="0" dirty="0" smtClean="0">
-              <a:ln>
-                <a:noFill/>
-              </a:ln>
-              <a:solidFill>
-                <a:schemeClr val="bg1"/>
-              </a:solidFill>
-              <a:effectLst/>
-              <a:latin typeface="Arial" charset="0"/>
-            </a:endParaRPr>
-          </a:p>
-        </p:txBody>
-      </p:sp>
-      <p:sp>
-        <p:nvSpPr>
-          <p:cNvPr id="6" name="Rectangle 5"/>
-          <p:cNvSpPr/>
-          <p:nvPr/>
-        </p:nvSpPr>
-        <p:spPr bwMode="auto">
-          <a:xfrm>
-            <a:off x="2078133" y="5555512"/>
-            <a:ext cx="5380074" cy="701749"/>
-          </a:xfrm>
-          <a:prstGeom prst="rect">
-            <a:avLst/>
-          </a:prstGeom>
-          <a:solidFill>
-            <a:srgbClr val="0C2D83"/>
-          </a:solidFill>
-          <a:ln w="12700" cap="flat" cmpd="sng" algn="ctr">
-            <a:solidFill>
-              <a:schemeClr val="tx1"/>
-            </a:solidFill>
-            <a:prstDash val="solid"/>
-            <a:round/>
-            <a:headEnd type="none" w="med" len="med"/>
-            <a:tailEnd type="none" w="med" len="med"/>
-          </a:ln>
-          <a:effectLst/>
-        </p:spPr>
-        <p:txBody>
-          <a:bodyPr vert="horz" wrap="square" lIns="91440" tIns="45720" rIns="91440" bIns="45720" numCol="1" rtlCol="0" anchor="ctr" anchorCtr="0" compatLnSpc="1">
-            <a:prstTxWarp prst="textNoShape">
-              <a:avLst/>
-            </a:prstTxWarp>
-          </a:bodyPr>
-          <a:lstStyle/>
-          <a:p>
-            <a:pPr marL="0" marR="0" indent="0" algn="ctr" defTabSz="914400" rtl="0" eaLnBrk="0" fontAlgn="base" latinLnBrk="0" hangingPunct="0">
-              <a:lnSpc>
-                <a:spcPct val="100000"/>
-              </a:lnSpc>
-              <a:spcBef>
-                <a:spcPct val="0"/>
-              </a:spcBef>
-              <a:spcAft>
-                <a:spcPct val="0"/>
-              </a:spcAft>
-              <a:buClrTx/>
-              <a:buSzTx/>
-              <a:buFontTx/>
-              <a:buNone/>
-              <a:tabLst/>
-            </a:pPr>
-            <a:r>
-              <a:rPr lang="en-US" sz="1600" dirty="0" smtClean="0">
-                <a:solidFill>
-                  <a:schemeClr val="bg1"/>
-                </a:solidFill>
-                <a:latin typeface="Arial" charset="0"/>
-              </a:rPr>
-              <a:t>Getting this working will help you in Lab 4</a:t>
-            </a:r>
-            <a:endParaRPr kumimoji="0" lang="en-US" sz="1600" b="0" i="0" u="none" strike="noStrike" cap="none" normalizeH="0" baseline="0" dirty="0" smtClean="0">
-              <a:ln>
-                <a:noFill/>
-              </a:ln>
-              <a:solidFill>
-                <a:schemeClr val="bg1"/>
-              </a:solidFill>
-              <a:effectLst/>
-              <a:latin typeface="Arial" charset="0"/>
-            </a:endParaRPr>
-          </a:p>
-        </p:txBody>
-      </p:sp>
-    </p:spTree>
-    <p:extLst>
-      <p:ext uri="{BB962C8B-B14F-4D97-AF65-F5344CB8AC3E}">
-        <p14:creationId xmlns:p14="http://schemas.microsoft.com/office/powerpoint/2010/main" val="646429180"/>
       </p:ext>
     </p:extLst>
   </p:cSld>
@@ -20757,6 +20639,285 @@
           <a:p>
             <a:r>
               <a:rPr lang="en-US" dirty="0" smtClean="0"/>
+              <a:t>ICE: UART Serial LCD</a:t>
+            </a:r>
+            <a:endParaRPr lang="en-US" dirty="0"/>
+          </a:p>
+        </p:txBody>
+      </p:sp>
+      <p:sp>
+        <p:nvSpPr>
+          <p:cNvPr id="3" name="Content Placeholder 2"/>
+          <p:cNvSpPr>
+            <a:spLocks noGrp="1"/>
+          </p:cNvSpPr>
+          <p:nvPr>
+            <p:ph idx="1"/>
+          </p:nvPr>
+        </p:nvSpPr>
+        <p:spPr>
+          <a:xfrm>
+            <a:off x="365760" y="1531088"/>
+            <a:ext cx="8412480" cy="4869711"/>
+          </a:xfrm>
+        </p:spPr>
+        <p:txBody>
+          <a:bodyPr/>
+          <a:lstStyle/>
+          <a:p>
+            <a:r>
+              <a:rPr lang="en-US" dirty="0" smtClean="0"/>
+              <a:t>Use the code examples in this lesson to:</a:t>
+            </a:r>
+          </a:p>
+          <a:p>
+            <a:pPr lvl="1"/>
+            <a:r>
+              <a:rPr lang="en-US" dirty="0" smtClean="0"/>
+              <a:t>Setup your MSP430 for serial </a:t>
+            </a:r>
+            <a:r>
+              <a:rPr lang="en-US" dirty="0" err="1" smtClean="0"/>
+              <a:t>comm</a:t>
+            </a:r>
+            <a:endParaRPr lang="en-US" dirty="0" smtClean="0"/>
+          </a:p>
+          <a:p>
+            <a:pPr lvl="2"/>
+            <a:r>
+              <a:rPr lang="en-US" dirty="0" smtClean="0"/>
+              <a:t>9600 bps</a:t>
+            </a:r>
+          </a:p>
+          <a:p>
+            <a:pPr lvl="1"/>
+            <a:r>
+              <a:rPr lang="en-US" dirty="0" smtClean="0"/>
+              <a:t>Have the LCD display “Hello World!”</a:t>
+            </a:r>
+            <a:endParaRPr lang="en-US" dirty="0"/>
+          </a:p>
+        </p:txBody>
+      </p:sp>
+      <p:pic>
+        <p:nvPicPr>
+          <p:cNvPr id="4" name="Picture 3"/>
+          <p:cNvPicPr>
+            <a:picLocks noChangeAspect="1"/>
+          </p:cNvPicPr>
+          <p:nvPr/>
+        </p:nvPicPr>
+        <p:blipFill rotWithShape="1">
+          <a:blip r:embed="rId2"/>
+          <a:srcRect t="12606" b="16976"/>
+          <a:stretch/>
+        </p:blipFill>
+        <p:spPr>
+          <a:xfrm>
+            <a:off x="6046735" y="1928516"/>
+            <a:ext cx="2822945" cy="1987879"/>
+          </a:xfrm>
+          <a:prstGeom prst="rect">
+            <a:avLst/>
+          </a:prstGeom>
+        </p:spPr>
+      </p:pic>
+      <p:sp>
+        <p:nvSpPr>
+          <p:cNvPr id="5" name="Rounded Rectangle 4"/>
+          <p:cNvSpPr/>
+          <p:nvPr/>
+        </p:nvSpPr>
+        <p:spPr bwMode="auto">
+          <a:xfrm>
+            <a:off x="930349" y="4247707"/>
+            <a:ext cx="3455582" cy="414670"/>
+          </a:xfrm>
+          <a:prstGeom prst="roundRect">
+            <a:avLst/>
+          </a:prstGeom>
+          <a:solidFill>
+            <a:srgbClr val="0C2D83"/>
+          </a:solidFill>
+          <a:ln w="12700" cap="flat" cmpd="sng" algn="ctr">
+            <a:solidFill>
+              <a:schemeClr val="tx1"/>
+            </a:solidFill>
+            <a:prstDash val="solid"/>
+            <a:round/>
+            <a:headEnd type="none" w="med" len="med"/>
+            <a:tailEnd type="none" w="med" len="med"/>
+          </a:ln>
+          <a:effectLst/>
+        </p:spPr>
+        <p:txBody>
+          <a:bodyPr vert="horz" wrap="square" lIns="91440" tIns="45720" rIns="91440" bIns="45720" numCol="1" rtlCol="0" anchor="t" anchorCtr="0" compatLnSpc="1">
+            <a:prstTxWarp prst="textNoShape">
+              <a:avLst/>
+            </a:prstTxWarp>
+          </a:bodyPr>
+          <a:lstStyle/>
+          <a:p>
+            <a:pPr marL="0" marR="0" indent="0" algn="ctr" defTabSz="914400" rtl="0" eaLnBrk="0" fontAlgn="base" latinLnBrk="0" hangingPunct="0">
+              <a:lnSpc>
+                <a:spcPct val="100000"/>
+              </a:lnSpc>
+              <a:spcBef>
+                <a:spcPct val="0"/>
+              </a:spcBef>
+              <a:spcAft>
+                <a:spcPct val="0"/>
+              </a:spcAft>
+              <a:buClrTx/>
+              <a:buSzTx/>
+              <a:buFontTx/>
+              <a:buNone/>
+              <a:tabLst/>
+            </a:pPr>
+            <a:r>
+              <a:rPr kumimoji="0" lang="en-US" sz="1600" b="0" i="0" u="none" strike="noStrike" cap="none" normalizeH="0" baseline="0" dirty="0" smtClean="0">
+                <a:ln>
+                  <a:noFill/>
+                </a:ln>
+                <a:solidFill>
+                  <a:schemeClr val="bg1"/>
+                </a:solidFill>
+                <a:effectLst/>
+                <a:latin typeface="Arial" charset="0"/>
+              </a:rPr>
+              <a:t>Picture of setup</a:t>
+            </a:r>
+          </a:p>
+        </p:txBody>
+      </p:sp>
+      <p:sp>
+        <p:nvSpPr>
+          <p:cNvPr id="6" name="Rectangle 5"/>
+          <p:cNvSpPr/>
+          <p:nvPr/>
+        </p:nvSpPr>
+        <p:spPr bwMode="auto">
+          <a:xfrm>
+            <a:off x="2078133" y="5555512"/>
+            <a:ext cx="5380074" cy="701749"/>
+          </a:xfrm>
+          <a:prstGeom prst="rect">
+            <a:avLst/>
+          </a:prstGeom>
+          <a:solidFill>
+            <a:srgbClr val="0C2D83"/>
+          </a:solidFill>
+          <a:ln w="12700" cap="flat" cmpd="sng" algn="ctr">
+            <a:solidFill>
+              <a:schemeClr val="tx1"/>
+            </a:solidFill>
+            <a:prstDash val="solid"/>
+            <a:round/>
+            <a:headEnd type="none" w="med" len="med"/>
+            <a:tailEnd type="none" w="med" len="med"/>
+          </a:ln>
+          <a:effectLst/>
+        </p:spPr>
+        <p:txBody>
+          <a:bodyPr vert="horz" wrap="square" lIns="91440" tIns="45720" rIns="91440" bIns="45720" numCol="1" rtlCol="0" anchor="ctr" anchorCtr="0" compatLnSpc="1">
+            <a:prstTxWarp prst="textNoShape">
+              <a:avLst/>
+            </a:prstTxWarp>
+          </a:bodyPr>
+          <a:lstStyle/>
+          <a:p>
+            <a:pPr marL="0" marR="0" indent="0" algn="ctr" defTabSz="914400" rtl="0" eaLnBrk="0" fontAlgn="base" latinLnBrk="0" hangingPunct="0">
+              <a:lnSpc>
+                <a:spcPct val="100000"/>
+              </a:lnSpc>
+              <a:spcBef>
+                <a:spcPct val="0"/>
+              </a:spcBef>
+              <a:spcAft>
+                <a:spcPct val="0"/>
+              </a:spcAft>
+              <a:buClrTx/>
+              <a:buSzTx/>
+              <a:buFontTx/>
+              <a:buNone/>
+              <a:tabLst/>
+            </a:pPr>
+            <a:r>
+              <a:rPr lang="en-US" sz="1600" dirty="0" smtClean="0">
+                <a:solidFill>
+                  <a:schemeClr val="bg1"/>
+                </a:solidFill>
+                <a:latin typeface="Arial" charset="0"/>
+              </a:rPr>
+              <a:t>Getting this working will help you in Lab 4</a:t>
+            </a:r>
+            <a:endParaRPr kumimoji="0" lang="en-US" sz="1600" b="0" i="0" u="none" strike="noStrike" cap="none" normalizeH="0" baseline="0" dirty="0" smtClean="0">
+              <a:ln>
+                <a:noFill/>
+              </a:ln>
+              <a:solidFill>
+                <a:schemeClr val="bg1"/>
+              </a:solidFill>
+              <a:effectLst/>
+              <a:latin typeface="Arial" charset="0"/>
+            </a:endParaRPr>
+          </a:p>
+        </p:txBody>
+      </p:sp>
+    </p:spTree>
+    <p:extLst>
+      <p:ext uri="{BB962C8B-B14F-4D97-AF65-F5344CB8AC3E}">
+        <p14:creationId xmlns:p14="http://schemas.microsoft.com/office/powerpoint/2010/main" val="646429180"/>
+      </p:ext>
+    </p:extLst>
+  </p:cSld>
+  <p:clrMapOvr>
+    <a:masterClrMapping/>
+  </p:clrMapOvr>
+  <p:timing>
+    <p:tnLst>
+      <p:par>
+        <p:cTn id="1" dur="indefinite" restart="never" nodeType="tmRoot"/>
+      </p:par>
+    </p:tnLst>
+  </p:timing>
+</p:sld>
+</file>
+
+<file path=ppt/slides/slide41.xml><?xml version="1.0" encoding="utf-8"?>
+<p:sld xmlns:a="http://schemas.openxmlformats.org/drawingml/2006/main" xmlns:r="http://schemas.openxmlformats.org/officeDocument/2006/relationships" xmlns:p="http://schemas.openxmlformats.org/presentationml/2006/main">
+  <p:cSld>
+    <p:spTree>
+      <p:nvGrpSpPr>
+        <p:cNvPr id="1" name=""/>
+        <p:cNvGrpSpPr/>
+        <p:nvPr/>
+      </p:nvGrpSpPr>
+      <p:grpSpPr>
+        <a:xfrm>
+          <a:off x="0" y="0"/>
+          <a:ext cx="0" cy="0"/>
+          <a:chOff x="0" y="0"/>
+          <a:chExt cx="0" cy="0"/>
+        </a:xfrm>
+      </p:grpSpPr>
+      <p:sp>
+        <p:nvSpPr>
+          <p:cNvPr id="2" name="Title 1"/>
+          <p:cNvSpPr>
+            <a:spLocks noGrp="1"/>
+          </p:cNvSpPr>
+          <p:nvPr>
+            <p:ph type="title"/>
+          </p:nvPr>
+        </p:nvSpPr>
+        <p:spPr/>
+        <p:txBody>
+          <a:bodyPr/>
+          <a:lstStyle/>
+          <a:p>
+            <a:r>
+              <a:rPr lang="en-US" dirty="0" smtClean="0"/>
               <a:t>Serial LCD</a:t>
             </a:r>
             <a:endParaRPr lang="en-US" dirty="0"/>
@@ -20807,7 +20968,7 @@
 </p:sld>
 </file>
 
-<file path=ppt/slides/slide41.xml><?xml version="1.0" encoding="utf-8"?>
+<file path=ppt/slides/slide42.xml><?xml version="1.0" encoding="utf-8"?>
 <p:sld xmlns:a="http://schemas.openxmlformats.org/drawingml/2006/main" xmlns:r="http://schemas.openxmlformats.org/officeDocument/2006/relationships" xmlns:p="http://schemas.openxmlformats.org/presentationml/2006/main">
   <p:cSld>
     <p:spTree>
@@ -20952,11 +21113,7 @@
             </a:r>
             <a:r>
               <a:rPr lang="en-US" dirty="0" smtClean="0"/>
-              <a:t>: </a:t>
-            </a:r>
-            <a:r>
-              <a:rPr lang="en-US" dirty="0" smtClean="0"/>
-              <a:t>common in cars</a:t>
+              <a:t>: common in cars</a:t>
             </a:r>
           </a:p>
           <a:p>
